--- a/presentations/Bài 6_Kiểu dữ liệu mảng và xâu ký tự .pptx
+++ b/presentations/Bài 6_Kiểu dữ liệu mảng và xâu ký tự .pptx
@@ -5,7 +5,7 @@
     <p:sldMasterId id="2147483659" r:id="rId1"/>
   </p:sldMasterIdLst>
   <p:notesMasterIdLst>
-    <p:notesMasterId r:id="rId62"/>
+    <p:notesMasterId r:id="rId63"/>
   </p:notesMasterIdLst>
   <p:sldIdLst>
     <p:sldId id="256" r:id="rId2"/>
@@ -68,6 +68,7 @@
     <p:sldId id="438" r:id="rId59"/>
     <p:sldId id="439" r:id="rId60"/>
     <p:sldId id="282" r:id="rId61"/>
+    <p:sldId id="346" r:id="rId62"/>
   </p:sldIdLst>
   <p:sldSz cx="9144000" cy="5143500" type="screen16x9"/>
   <p:notesSz cx="6858000" cy="9144000"/>
@@ -2196,7 +2197,7 @@
           <a:lstStyle/>
           <a:p>
             <a:r>
-              <a:rPr lang="en-US" smtClean="0"/>
+              <a:rPr lang="en-US"/>
               <a:t>Click to edit Master title style</a:t>
             </a:r>
             <a:endParaRPr lang="en-US" dirty="0"/>
@@ -2220,35 +2221,35 @@
           <a:p>
             <a:pPr lvl="0"/>
             <a:r>
-              <a:rPr lang="en-US" smtClean="0"/>
+              <a:rPr lang="en-US"/>
               <a:t>Edit Master text styles</a:t>
             </a:r>
           </a:p>
           <a:p>
             <a:pPr lvl="1"/>
             <a:r>
-              <a:rPr lang="en-US" smtClean="0"/>
+              <a:rPr lang="en-US"/>
               <a:t>Second level</a:t>
             </a:r>
           </a:p>
           <a:p>
             <a:pPr lvl="2"/>
             <a:r>
-              <a:rPr lang="en-US" smtClean="0"/>
+              <a:rPr lang="en-US"/>
               <a:t>Third level</a:t>
             </a:r>
           </a:p>
           <a:p>
             <a:pPr lvl="3"/>
             <a:r>
-              <a:rPr lang="en-US" smtClean="0"/>
+              <a:rPr lang="en-US"/>
               <a:t>Fourth level</a:t>
             </a:r>
           </a:p>
           <a:p>
             <a:pPr lvl="4"/>
             <a:r>
-              <a:rPr lang="en-US" smtClean="0"/>
+              <a:rPr lang="en-US"/>
               <a:t>Fifth level</a:t>
             </a:r>
             <a:endParaRPr lang="en-US" dirty="0"/>
@@ -2296,7 +2297,7 @@
               <a:pPr>
                 <a:defRPr/>
               </a:pPr>
-              <a:t>14/03/2023</a:t>
+              <a:t>4/12/2023</a:t>
             </a:fld>
             <a:endParaRPr lang="en-US">
               <a:solidFill>
@@ -2444,10 +2445,9 @@
           <a:lstStyle/>
           <a:p>
             <a:r>
-              <a:rPr lang="en-US" smtClean="0"/>
+              <a:rPr lang="en-US"/>
               <a:t>Click to edit Master title style</a:t>
             </a:r>
-            <a:endParaRPr lang="en-US"/>
           </a:p>
         </p:txBody>
       </p:sp>
@@ -2473,38 +2473,37 @@
           <a:p>
             <a:pPr lvl="0"/>
             <a:r>
-              <a:rPr lang="en-US" smtClean="0"/>
+              <a:rPr lang="en-US"/>
               <a:t>Click to edit Master text styles</a:t>
             </a:r>
           </a:p>
           <a:p>
             <a:pPr lvl="1"/>
             <a:r>
-              <a:rPr lang="en-US" smtClean="0"/>
+              <a:rPr lang="en-US"/>
               <a:t>Second level</a:t>
             </a:r>
           </a:p>
           <a:p>
             <a:pPr lvl="2"/>
             <a:r>
-              <a:rPr lang="en-US" smtClean="0"/>
+              <a:rPr lang="en-US"/>
               <a:t>Third level</a:t>
             </a:r>
           </a:p>
           <a:p>
             <a:pPr lvl="3"/>
             <a:r>
-              <a:rPr lang="en-US" smtClean="0"/>
+              <a:rPr lang="en-US"/>
               <a:t>Fourth level</a:t>
             </a:r>
           </a:p>
           <a:p>
             <a:pPr lvl="4"/>
             <a:r>
-              <a:rPr lang="en-US" smtClean="0"/>
+              <a:rPr lang="en-US"/>
               <a:t>Fifth level</a:t>
             </a:r>
-            <a:endParaRPr lang="en-US"/>
           </a:p>
         </p:txBody>
       </p:sp>
@@ -2530,38 +2529,37 @@
           <a:p>
             <a:pPr lvl="0"/>
             <a:r>
-              <a:rPr lang="en-US" smtClean="0"/>
+              <a:rPr lang="en-US"/>
               <a:t>Click to edit Master text styles</a:t>
             </a:r>
           </a:p>
           <a:p>
             <a:pPr lvl="1"/>
             <a:r>
-              <a:rPr lang="en-US" smtClean="0"/>
+              <a:rPr lang="en-US"/>
               <a:t>Second level</a:t>
             </a:r>
           </a:p>
           <a:p>
             <a:pPr lvl="2"/>
             <a:r>
-              <a:rPr lang="en-US" smtClean="0"/>
+              <a:rPr lang="en-US"/>
               <a:t>Third level</a:t>
             </a:r>
           </a:p>
           <a:p>
             <a:pPr lvl="3"/>
             <a:r>
-              <a:rPr lang="en-US" smtClean="0"/>
+              <a:rPr lang="en-US"/>
               <a:t>Fourth level</a:t>
             </a:r>
           </a:p>
           <a:p>
             <a:pPr lvl="4"/>
             <a:r>
-              <a:rPr lang="en-US" smtClean="0"/>
+              <a:rPr lang="en-US"/>
               <a:t>Fifth level</a:t>
             </a:r>
-            <a:endParaRPr lang="en-US"/>
           </a:p>
         </p:txBody>
       </p:sp>
@@ -2745,10 +2743,9 @@
           <a:lstStyle/>
           <a:p>
             <a:r>
-              <a:rPr lang="en-US" smtClean="0"/>
+              <a:rPr lang="en-US"/>
               <a:t>Click to edit Master title style</a:t>
             </a:r>
-            <a:endParaRPr lang="en-US"/>
           </a:p>
         </p:txBody>
       </p:sp>
@@ -2774,38 +2771,37 @@
           <a:p>
             <a:pPr lvl="0"/>
             <a:r>
-              <a:rPr lang="en-US" smtClean="0"/>
+              <a:rPr lang="en-US"/>
               <a:t>Click to edit Master text styles</a:t>
             </a:r>
           </a:p>
           <a:p>
             <a:pPr lvl="1"/>
             <a:r>
-              <a:rPr lang="en-US" smtClean="0"/>
+              <a:rPr lang="en-US"/>
               <a:t>Second level</a:t>
             </a:r>
           </a:p>
           <a:p>
             <a:pPr lvl="2"/>
             <a:r>
-              <a:rPr lang="en-US" smtClean="0"/>
+              <a:rPr lang="en-US"/>
               <a:t>Third level</a:t>
             </a:r>
           </a:p>
           <a:p>
             <a:pPr lvl="3"/>
             <a:r>
-              <a:rPr lang="en-US" smtClean="0"/>
+              <a:rPr lang="en-US"/>
               <a:t>Fourth level</a:t>
             </a:r>
           </a:p>
           <a:p>
             <a:pPr lvl="4"/>
             <a:r>
-              <a:rPr lang="en-US" smtClean="0"/>
+              <a:rPr lang="en-US"/>
               <a:t>Fifth level</a:t>
             </a:r>
-            <a:endParaRPr lang="en-US"/>
           </a:p>
         </p:txBody>
       </p:sp>
@@ -2831,38 +2827,37 @@
           <a:p>
             <a:pPr lvl="0"/>
             <a:r>
-              <a:rPr lang="en-US" smtClean="0"/>
+              <a:rPr lang="en-US"/>
               <a:t>Click to edit Master text styles</a:t>
             </a:r>
           </a:p>
           <a:p>
             <a:pPr lvl="1"/>
             <a:r>
-              <a:rPr lang="en-US" smtClean="0"/>
+              <a:rPr lang="en-US"/>
               <a:t>Second level</a:t>
             </a:r>
           </a:p>
           <a:p>
             <a:pPr lvl="2"/>
             <a:r>
-              <a:rPr lang="en-US" smtClean="0"/>
+              <a:rPr lang="en-US"/>
               <a:t>Third level</a:t>
             </a:r>
           </a:p>
           <a:p>
             <a:pPr lvl="3"/>
             <a:r>
-              <a:rPr lang="en-US" smtClean="0"/>
+              <a:rPr lang="en-US"/>
               <a:t>Fourth level</a:t>
             </a:r>
           </a:p>
           <a:p>
             <a:pPr lvl="4"/>
             <a:r>
-              <a:rPr lang="en-US" smtClean="0"/>
+              <a:rPr lang="en-US"/>
               <a:t>Fifth level</a:t>
             </a:r>
-            <a:endParaRPr lang="en-US"/>
           </a:p>
         </p:txBody>
       </p:sp>
@@ -2888,38 +2883,37 @@
           <a:p>
             <a:pPr lvl="0"/>
             <a:r>
-              <a:rPr lang="en-US" smtClean="0"/>
+              <a:rPr lang="en-US"/>
               <a:t>Click to edit Master text styles</a:t>
             </a:r>
           </a:p>
           <a:p>
             <a:pPr lvl="1"/>
             <a:r>
-              <a:rPr lang="en-US" smtClean="0"/>
+              <a:rPr lang="en-US"/>
               <a:t>Second level</a:t>
             </a:r>
           </a:p>
           <a:p>
             <a:pPr lvl="2"/>
             <a:r>
-              <a:rPr lang="en-US" smtClean="0"/>
+              <a:rPr lang="en-US"/>
               <a:t>Third level</a:t>
             </a:r>
           </a:p>
           <a:p>
             <a:pPr lvl="3"/>
             <a:r>
-              <a:rPr lang="en-US" smtClean="0"/>
+              <a:rPr lang="en-US"/>
               <a:t>Fourth level</a:t>
             </a:r>
           </a:p>
           <a:p>
             <a:pPr lvl="4"/>
             <a:r>
-              <a:rPr lang="en-US" smtClean="0"/>
+              <a:rPr lang="en-US"/>
               <a:t>Fifth level</a:t>
             </a:r>
-            <a:endParaRPr lang="en-US"/>
           </a:p>
         </p:txBody>
       </p:sp>
@@ -7683,47 +7677,47 @@
           <a:p>
             <a:pPr lvl="0"/>
             <a:r>
-              <a:rPr lang="en-US" sz="4800" dirty="0" err="1" smtClean="0"/>
+              <a:rPr lang="en-US" sz="4800" dirty="0" err="1"/>
               <a:t>KIỂU</a:t>
             </a:r>
             <a:r>
-              <a:rPr lang="en-US" sz="4800" dirty="0" smtClean="0"/>
-              <a:t> </a:t>
-            </a:r>
-            <a:r>
-              <a:rPr lang="en-US" sz="4800" dirty="0" err="1" smtClean="0"/>
+              <a:rPr lang="en-US" sz="4800" dirty="0"/>
+              <a:t> </a:t>
+            </a:r>
+            <a:r>
+              <a:rPr lang="en-US" sz="4800" dirty="0" err="1"/>
               <a:t>DỮ</a:t>
             </a:r>
             <a:r>
-              <a:rPr lang="en-US" sz="4800" dirty="0" smtClean="0"/>
-              <a:t> </a:t>
-            </a:r>
-            <a:r>
-              <a:rPr lang="en-US" sz="4800" dirty="0" err="1" smtClean="0"/>
+              <a:rPr lang="en-US" sz="4800" dirty="0"/>
+              <a:t> </a:t>
+            </a:r>
+            <a:r>
+              <a:rPr lang="en-US" sz="4800" dirty="0" err="1"/>
               <a:t>LIỆU</a:t>
             </a:r>
             <a:r>
-              <a:rPr lang="en-US" sz="4800" dirty="0" smtClean="0"/>
+              <a:rPr lang="en-US" sz="4800" dirty="0"/>
               <a:t> MẢNG </a:t>
             </a:r>
             <a:r>
-              <a:rPr lang="en-US" sz="4800" dirty="0" err="1" smtClean="0"/>
+              <a:rPr lang="en-US" sz="4800" dirty="0" err="1"/>
               <a:t>VÀ</a:t>
             </a:r>
             <a:r>
-              <a:rPr lang="en-US" sz="4800" dirty="0" smtClean="0"/>
+              <a:rPr lang="en-US" sz="4800" dirty="0"/>
               <a:t> XÂU </a:t>
             </a:r>
             <a:r>
-              <a:rPr lang="en-US" sz="4800" dirty="0" err="1" smtClean="0"/>
+              <a:rPr lang="en-US" sz="4800" dirty="0" err="1"/>
               <a:t>KÍ</a:t>
             </a:r>
             <a:r>
-              <a:rPr lang="en-US" sz="4800" dirty="0" smtClean="0"/>
-              <a:t> </a:t>
-            </a:r>
-            <a:r>
-              <a:rPr lang="en-US" sz="4800" dirty="0" err="1" smtClean="0"/>
+              <a:rPr lang="en-US" sz="4800" dirty="0"/>
+              <a:t> </a:t>
+            </a:r>
+            <a:r>
+              <a:rPr lang="en-US" sz="4800" dirty="0" err="1"/>
               <a:t>TỰ</a:t>
             </a:r>
             <a:endParaRPr lang="en-US" sz="4800" dirty="0"/>
@@ -7766,11 +7760,7 @@
             </a:pPr>
             <a:r>
               <a:rPr lang="en" dirty="0"/>
-              <a:t>Khóa học </a:t>
-            </a:r>
-            <a:r>
-              <a:rPr lang="en" dirty="0" smtClean="0"/>
-              <a:t>Java</a:t>
+              <a:t>Khóa học Java</a:t>
             </a:r>
             <a:endParaRPr dirty="0"/>
           </a:p>
@@ -7781,13 +7771,6 @@
   <p:clrMapOvr>
     <a:masterClrMapping/>
   </p:clrMapOvr>
-  <p:timing>
-    <p:tnLst>
-      <p:par>
-        <p:cTn id="1" dur="indefinite" restart="never" nodeType="tmRoot"/>
-      </p:par>
-    </p:tnLst>
-  </p:timing>
 </p:sld>
 </file>
 
@@ -7821,7 +7804,7 @@
         <p:spPr>
           <a:extLst>
             <a:ext uri="{FAA26D3D-D897-4be2-8F04-BA451C77F1D7}">
-              <ma14:placeholderFlag xmlns:ma14="http://schemas.microsoft.com/office/mac/drawingml/2011/main" xmlns="" val="1"/>
+              <ma14:placeholderFlag xmlns="" xmlns:ma14="http://schemas.microsoft.com/office/mac/drawingml/2011/main" val="1"/>
             </a:ext>
           </a:extLst>
         </p:spPr>
@@ -7832,19 +7815,19 @@
           <a:lstStyle/>
           <a:p>
             <a:r>
-              <a:rPr lang="en-US" altLang="en-US" sz="2700" dirty="0" smtClean="0"/>
+              <a:rPr lang="en-US" altLang="en-US" sz="2700" dirty="0"/>
               <a:t>MẢNG </a:t>
             </a:r>
             <a:r>
-              <a:rPr lang="en-US" altLang="en-US" sz="2700" dirty="0" err="1" smtClean="0"/>
+              <a:rPr lang="en-US" altLang="en-US" sz="2700" dirty="0" err="1"/>
               <a:t>MỘT</a:t>
             </a:r>
             <a:r>
-              <a:rPr lang="en-US" altLang="en-US" sz="2700" dirty="0" smtClean="0"/>
-              <a:t> </a:t>
-            </a:r>
-            <a:r>
-              <a:rPr lang="en-US" altLang="en-US" sz="2700" dirty="0" err="1" smtClean="0"/>
+              <a:rPr lang="en-US" altLang="en-US" sz="2700" dirty="0"/>
+              <a:t> </a:t>
+            </a:r>
+            <a:r>
+              <a:rPr lang="en-US" altLang="en-US" sz="2700" dirty="0" err="1"/>
               <a:t>CHIỀU</a:t>
             </a:r>
             <a:endParaRPr lang="en-US" altLang="en-US" sz="2700" dirty="0"/>
@@ -7919,13 +7902,6 @@
   <p:clrMapOvr>
     <a:masterClrMapping/>
   </p:clrMapOvr>
-  <p:timing>
-    <p:tnLst>
-      <p:par>
-        <p:cTn id="1" dur="indefinite" restart="never" nodeType="tmRoot"/>
-      </p:par>
-    </p:tnLst>
-  </p:timing>
 </p:sld>
 </file>
 
@@ -8010,13 +7986,6 @@
   <p:clrMapOvr>
     <a:masterClrMapping/>
   </p:clrMapOvr>
-  <p:timing>
-    <p:tnLst>
-      <p:par>
-        <p:cTn id="1" dur="indefinite" restart="never" nodeType="tmRoot"/>
-      </p:par>
-    </p:tnLst>
-  </p:timing>
 </p:sld>
 </file>
 
@@ -8050,7 +8019,7 @@
         <p:spPr>
           <a:extLst>
             <a:ext uri="{FAA26D3D-D897-4be2-8F04-BA451C77F1D7}">
-              <ma14:placeholderFlag xmlns:ma14="http://schemas.microsoft.com/office/mac/drawingml/2011/main" xmlns="" val="1"/>
+              <ma14:placeholderFlag xmlns="" xmlns:ma14="http://schemas.microsoft.com/office/mac/drawingml/2011/main" val="1"/>
             </a:ext>
           </a:extLst>
         </p:spPr>
@@ -8061,19 +8030,19 @@
           <a:lstStyle/>
           <a:p>
             <a:r>
-              <a:rPr lang="en-US" altLang="en-US" sz="2700" dirty="0" smtClean="0"/>
+              <a:rPr lang="en-US" altLang="en-US" sz="2700" dirty="0"/>
               <a:t>MẢNG </a:t>
             </a:r>
             <a:r>
-              <a:rPr lang="en-US" altLang="en-US" sz="2700" dirty="0" err="1" smtClean="0"/>
+              <a:rPr lang="en-US" altLang="en-US" sz="2700" dirty="0" err="1"/>
               <a:t>HAI</a:t>
             </a:r>
             <a:r>
-              <a:rPr lang="en-US" altLang="en-US" sz="2700" dirty="0" smtClean="0"/>
-              <a:t> </a:t>
-            </a:r>
-            <a:r>
-              <a:rPr lang="en-US" altLang="en-US" sz="2700" dirty="0" err="1" smtClean="0"/>
+              <a:rPr lang="en-US" altLang="en-US" sz="2700" dirty="0"/>
+              <a:t> </a:t>
+            </a:r>
+            <a:r>
+              <a:rPr lang="en-US" altLang="en-US" sz="2700" dirty="0" err="1"/>
               <a:t>CHIỀU</a:t>
             </a:r>
             <a:endParaRPr lang="en-US" altLang="en-US" sz="2700" dirty="0"/>
@@ -8780,13 +8749,6 @@
   <p:clrMapOvr>
     <a:masterClrMapping/>
   </p:clrMapOvr>
-  <p:timing>
-    <p:tnLst>
-      <p:par>
-        <p:cTn id="1" dur="indefinite" restart="never" nodeType="tmRoot"/>
-      </p:par>
-    </p:tnLst>
-  </p:timing>
 </p:sld>
 </file>
 
@@ -8820,7 +8782,7 @@
         <p:spPr>
           <a:extLst>
             <a:ext uri="{FAA26D3D-D897-4be2-8F04-BA451C77F1D7}">
-              <ma14:placeholderFlag xmlns:ma14="http://schemas.microsoft.com/office/mac/drawingml/2011/main" xmlns="" val="1"/>
+              <ma14:placeholderFlag xmlns="" xmlns:ma14="http://schemas.microsoft.com/office/mac/drawingml/2011/main" val="1"/>
             </a:ext>
           </a:extLst>
         </p:spPr>
@@ -8831,19 +8793,19 @@
           <a:lstStyle/>
           <a:p>
             <a:r>
-              <a:rPr lang="en-US" altLang="en-US" sz="2700" dirty="0" smtClean="0"/>
+              <a:rPr lang="en-US" altLang="en-US" sz="2700" dirty="0"/>
               <a:t>MẢNG </a:t>
             </a:r>
             <a:r>
-              <a:rPr lang="en-US" altLang="en-US" sz="2700" dirty="0" err="1" smtClean="0"/>
+              <a:rPr lang="en-US" altLang="en-US" sz="2700" dirty="0" err="1"/>
               <a:t>HAI</a:t>
             </a:r>
             <a:r>
-              <a:rPr lang="en-US" altLang="en-US" sz="2700" dirty="0" smtClean="0"/>
-              <a:t> </a:t>
-            </a:r>
-            <a:r>
-              <a:rPr lang="en-US" altLang="en-US" sz="2700" dirty="0" err="1" smtClean="0"/>
+              <a:rPr lang="en-US" altLang="en-US" sz="2700" dirty="0"/>
+              <a:t> </a:t>
+            </a:r>
+            <a:r>
+              <a:rPr lang="en-US" altLang="en-US" sz="2700" dirty="0" err="1"/>
               <a:t>CHIỀU</a:t>
             </a:r>
             <a:endParaRPr lang="en-US" altLang="en-US" sz="2700" dirty="0"/>
@@ -8900,7 +8862,7 @@
               </a:tabLst>
             </a:pPr>
             <a:r>
-              <a:rPr lang="en-US" sz="1800" dirty="0" smtClean="0">
+              <a:rPr lang="en-US" sz="1800" dirty="0">
                 <a:solidFill>
                   <a:srgbClr val="333333"/>
                 </a:solidFill>
@@ -8908,10 +8870,10 @@
                 <a:ea typeface="Times New Roman" panose="02020603050405020304" pitchFamily="18" charset="0"/>
                 <a:cs typeface="Times New Roman" panose="02020603050405020304" pitchFamily="18" charset="0"/>
               </a:rPr>
-              <a:t>data_type </a:t>
-            </a:r>
-            <a:r>
-              <a:rPr lang="en-US" sz="1800" dirty="0">
+              <a:t>data_type [][] </a:t>
+            </a:r>
+            <a:r>
+              <a:rPr lang="en-US" sz="1800" dirty="0" err="1">
                 <a:solidFill>
                   <a:srgbClr val="333333"/>
                 </a:solidFill>
@@ -8919,10 +8881,10 @@
                 <a:ea typeface="Times New Roman" panose="02020603050405020304" pitchFamily="18" charset="0"/>
                 <a:cs typeface="Times New Roman" panose="02020603050405020304" pitchFamily="18" charset="0"/>
               </a:rPr>
-              <a:t>[][] </a:t>
-            </a:r>
-            <a:r>
-              <a:rPr lang="en-US" sz="1800" dirty="0" err="1" smtClean="0">
+              <a:t>array_name</a:t>
+            </a:r>
+            <a:r>
+              <a:rPr lang="en-US" sz="1800" dirty="0">
                 <a:solidFill>
                   <a:srgbClr val="333333"/>
                 </a:solidFill>
@@ -8930,29 +8892,7 @@
                 <a:ea typeface="Times New Roman" panose="02020603050405020304" pitchFamily="18" charset="0"/>
                 <a:cs typeface="Times New Roman" panose="02020603050405020304" pitchFamily="18" charset="0"/>
               </a:rPr>
-              <a:t>array_name</a:t>
-            </a:r>
-            <a:r>
-              <a:rPr lang="en-US" sz="1800" dirty="0" smtClean="0">
-                <a:solidFill>
-                  <a:srgbClr val="333333"/>
-                </a:solidFill>
-                <a:latin typeface="Courier New" panose="02070309020205020404" pitchFamily="49" charset="0"/>
-                <a:ea typeface="Times New Roman" panose="02020603050405020304" pitchFamily="18" charset="0"/>
-                <a:cs typeface="Times New Roman" panose="02020603050405020304" pitchFamily="18" charset="0"/>
-              </a:rPr>
-              <a:t> </a:t>
-            </a:r>
-            <a:r>
-              <a:rPr lang="en-US" sz="1800" dirty="0">
-                <a:solidFill>
-                  <a:srgbClr val="333333"/>
-                </a:solidFill>
-                <a:latin typeface="Courier New" panose="02070309020205020404" pitchFamily="49" charset="0"/>
-                <a:ea typeface="Times New Roman" panose="02020603050405020304" pitchFamily="18" charset="0"/>
-                <a:cs typeface="Times New Roman" panose="02020603050405020304" pitchFamily="18" charset="0"/>
-              </a:rPr>
-              <a:t>= new data_type[n][m];</a:t>
+              <a:t> = new data_type[n][m];</a:t>
             </a:r>
             <a:endParaRPr lang="en-US" sz="1800" dirty="0">
               <a:latin typeface="Calibri" panose="020F0502020204030204" pitchFamily="34" charset="0"/>
@@ -9004,10 +8944,10 @@
                 <a:ea typeface="Times New Roman" panose="02020603050405020304" pitchFamily="18" charset="0"/>
                 <a:cs typeface="Times New Roman" panose="02020603050405020304" pitchFamily="18" charset="0"/>
               </a:rPr>
-              <a:t>array_</a:t>
-            </a:r>
-            <a:r>
-              <a:rPr lang="en-US" sz="1800" dirty="0" err="1" smtClean="0">
+              <a:t>array_name</a:t>
+            </a:r>
+            <a:r>
+              <a:rPr lang="en-US" sz="1800" dirty="0">
                 <a:solidFill>
                   <a:srgbClr val="333333"/>
                 </a:solidFill>
@@ -9015,29 +8955,7 @@
                 <a:ea typeface="Times New Roman" panose="02020603050405020304" pitchFamily="18" charset="0"/>
                 <a:cs typeface="Times New Roman" panose="02020603050405020304" pitchFamily="18" charset="0"/>
               </a:rPr>
-              <a:t>name</a:t>
-            </a:r>
-            <a:r>
-              <a:rPr lang="en-US" sz="1800" dirty="0" smtClean="0">
-                <a:solidFill>
-                  <a:srgbClr val="333333"/>
-                </a:solidFill>
-                <a:latin typeface="Courier New" panose="02070309020205020404" pitchFamily="49" charset="0"/>
-                <a:ea typeface="Times New Roman" panose="02020603050405020304" pitchFamily="18" charset="0"/>
-                <a:cs typeface="Times New Roman" panose="02020603050405020304" pitchFamily="18" charset="0"/>
-              </a:rPr>
-              <a:t> </a:t>
-            </a:r>
-            <a:r>
-              <a:rPr lang="en-US" sz="1800" dirty="0">
-                <a:solidFill>
-                  <a:srgbClr val="333333"/>
-                </a:solidFill>
-                <a:latin typeface="Courier New" panose="02070309020205020404" pitchFamily="49" charset="0"/>
-                <a:ea typeface="Times New Roman" panose="02020603050405020304" pitchFamily="18" charset="0"/>
-                <a:cs typeface="Times New Roman" panose="02020603050405020304" pitchFamily="18" charset="0"/>
-              </a:rPr>
-              <a:t>= new data_type[n][m];</a:t>
+              <a:t> = new data_type[n][m];</a:t>
             </a:r>
             <a:endParaRPr lang="en-US" sz="1800" dirty="0">
               <a:latin typeface="Calibri" panose="020F0502020204030204" pitchFamily="34" charset="0"/>
@@ -9089,18 +9007,7 @@
                 <a:ea typeface="Times New Roman" panose="02020603050405020304" pitchFamily="18" charset="0"/>
                 <a:cs typeface="Times New Roman" panose="02020603050405020304" pitchFamily="18" charset="0"/>
               </a:rPr>
-              <a:t>array_</a:t>
-            </a:r>
-            <a:r>
-              <a:rPr lang="en-US" sz="1800" dirty="0" err="1" smtClean="0">
-                <a:solidFill>
-                  <a:srgbClr val="333333"/>
-                </a:solidFill>
-                <a:latin typeface="Courier New" panose="02070309020205020404" pitchFamily="49" charset="0"/>
-                <a:ea typeface="Times New Roman" panose="02020603050405020304" pitchFamily="18" charset="0"/>
-                <a:cs typeface="Times New Roman" panose="02020603050405020304" pitchFamily="18" charset="0"/>
-              </a:rPr>
-              <a:t>name</a:t>
+              <a:t>array_name</a:t>
             </a:r>
             <a:r>
               <a:rPr lang="en-US" sz="1800" dirty="0">
@@ -9174,7 +9081,7 @@
               <a:t> </a:t>
             </a:r>
             <a:r>
-              <a:rPr lang="en-US" sz="1800" b="1" dirty="0" err="1" smtClean="0">
+              <a:rPr lang="en-US" sz="1800" b="1" dirty="0" err="1">
                 <a:solidFill>
                   <a:srgbClr val="343A40"/>
                 </a:solidFill>
@@ -9200,7 +9107,7 @@
               </a:spcAft>
             </a:pPr>
             <a:r>
-              <a:rPr lang="en-US" sz="1800" dirty="0" smtClean="0">
+              <a:rPr lang="en-US" sz="1800" dirty="0">
                 <a:solidFill>
                   <a:srgbClr val="343A40"/>
                 </a:solidFill>
@@ -9208,18 +9115,7 @@
                 <a:ea typeface="Times New Roman" panose="02020603050405020304" pitchFamily="18" charset="0"/>
                 <a:cs typeface="Times New Roman" panose="02020603050405020304" pitchFamily="18" charset="0"/>
               </a:rPr>
-              <a:t>- data_type</a:t>
-            </a:r>
-            <a:r>
-              <a:rPr lang="en-US" sz="1800" dirty="0">
-                <a:solidFill>
-                  <a:srgbClr val="343A40"/>
-                </a:solidFill>
-                <a:latin typeface="Segoe UI" panose="020B0502040204020203" pitchFamily="34" charset="0"/>
-                <a:ea typeface="Times New Roman" panose="02020603050405020304" pitchFamily="18" charset="0"/>
-                <a:cs typeface="Times New Roman" panose="02020603050405020304" pitchFamily="18" charset="0"/>
-              </a:rPr>
-              <a:t>: </a:t>
+              <a:t>- data_type: </a:t>
             </a:r>
             <a:r>
               <a:rPr lang="en-US" sz="1800" dirty="0" err="1">
@@ -9292,7 +9188,7 @@
               </a:spcAft>
             </a:pPr>
             <a:r>
-              <a:rPr lang="en-US" sz="1800" dirty="0" smtClean="0">
+              <a:rPr lang="en-US" sz="1800" dirty="0">
                 <a:solidFill>
                   <a:srgbClr val="343A40"/>
                 </a:solidFill>
@@ -9300,18 +9196,7 @@
                 <a:ea typeface="Times New Roman" panose="02020603050405020304" pitchFamily="18" charset="0"/>
                 <a:cs typeface="Times New Roman" panose="02020603050405020304" pitchFamily="18" charset="0"/>
               </a:rPr>
-              <a:t>- name</a:t>
-            </a:r>
-            <a:r>
-              <a:rPr lang="en-US" sz="1800" dirty="0">
-                <a:solidFill>
-                  <a:srgbClr val="343A40"/>
-                </a:solidFill>
-                <a:latin typeface="Segoe UI" panose="020B0502040204020203" pitchFamily="34" charset="0"/>
-                <a:ea typeface="Times New Roman" panose="02020603050405020304" pitchFamily="18" charset="0"/>
-                <a:cs typeface="Times New Roman" panose="02020603050405020304" pitchFamily="18" charset="0"/>
-              </a:rPr>
-              <a:t>: </a:t>
+              <a:t>- name: </a:t>
             </a:r>
             <a:r>
               <a:rPr lang="en-US" sz="1800" dirty="0" err="1">
@@ -9362,7 +9247,7 @@
               </a:spcAft>
             </a:pPr>
             <a:r>
-              <a:rPr lang="en-US" sz="1800" dirty="0" smtClean="0">
+              <a:rPr lang="en-US" sz="1800" dirty="0">
                 <a:solidFill>
                   <a:srgbClr val="343A40"/>
                 </a:solidFill>
@@ -9370,18 +9255,7 @@
                 <a:ea typeface="Times New Roman" panose="02020603050405020304" pitchFamily="18" charset="0"/>
                 <a:cs typeface="Times New Roman" panose="02020603050405020304" pitchFamily="18" charset="0"/>
               </a:rPr>
-              <a:t>- n</a:t>
-            </a:r>
-            <a:r>
-              <a:rPr lang="en-US" sz="1800" dirty="0">
-                <a:solidFill>
-                  <a:srgbClr val="343A40"/>
-                </a:solidFill>
-                <a:latin typeface="Segoe UI" panose="020B0502040204020203" pitchFamily="34" charset="0"/>
-                <a:ea typeface="Times New Roman" panose="02020603050405020304" pitchFamily="18" charset="0"/>
-                <a:cs typeface="Times New Roman" panose="02020603050405020304" pitchFamily="18" charset="0"/>
-              </a:rPr>
-              <a:t>: </a:t>
+              <a:t>- n: </a:t>
             </a:r>
             <a:r>
               <a:rPr lang="en-US" sz="1800" dirty="0" err="1">
@@ -9454,7 +9328,7 @@
               </a:spcAft>
             </a:pPr>
             <a:r>
-              <a:rPr lang="en-US" sz="1800" dirty="0" smtClean="0">
+              <a:rPr lang="en-US" sz="1800" dirty="0">
                 <a:solidFill>
                   <a:srgbClr val="343A40"/>
                 </a:solidFill>
@@ -9462,18 +9336,7 @@
                 <a:ea typeface="Times New Roman" panose="02020603050405020304" pitchFamily="18" charset="0"/>
                 <a:cs typeface="Times New Roman" panose="02020603050405020304" pitchFamily="18" charset="0"/>
               </a:rPr>
-              <a:t>- m</a:t>
-            </a:r>
-            <a:r>
-              <a:rPr lang="en-US" sz="1800" dirty="0">
-                <a:solidFill>
-                  <a:srgbClr val="343A40"/>
-                </a:solidFill>
-                <a:latin typeface="Segoe UI" panose="020B0502040204020203" pitchFamily="34" charset="0"/>
-                <a:ea typeface="Times New Roman" panose="02020603050405020304" pitchFamily="18" charset="0"/>
-                <a:cs typeface="Times New Roman" panose="02020603050405020304" pitchFamily="18" charset="0"/>
-              </a:rPr>
-              <a:t>: </a:t>
+              <a:t>- m: </a:t>
             </a:r>
             <a:r>
               <a:rPr lang="en-US" sz="1800" dirty="0" err="1">
@@ -9647,13 +9510,6 @@
   <p:clrMapOvr>
     <a:masterClrMapping/>
   </p:clrMapOvr>
-  <p:timing>
-    <p:tnLst>
-      <p:par>
-        <p:cTn id="1" dur="indefinite" restart="never" nodeType="tmRoot"/>
-      </p:par>
-    </p:tnLst>
-  </p:timing>
 </p:sld>
 </file>
 
@@ -9687,7 +9543,7 @@
         <p:spPr>
           <a:extLst>
             <a:ext uri="{FAA26D3D-D897-4be2-8F04-BA451C77F1D7}">
-              <ma14:placeholderFlag xmlns:ma14="http://schemas.microsoft.com/office/mac/drawingml/2011/main" xmlns="" val="1"/>
+              <ma14:placeholderFlag xmlns="" xmlns:ma14="http://schemas.microsoft.com/office/mac/drawingml/2011/main" val="1"/>
             </a:ext>
           </a:extLst>
         </p:spPr>
@@ -9698,19 +9554,19 @@
           <a:lstStyle/>
           <a:p>
             <a:r>
-              <a:rPr lang="en-US" altLang="en-US" sz="2700" dirty="0" smtClean="0"/>
+              <a:rPr lang="en-US" altLang="en-US" sz="2700" dirty="0"/>
               <a:t>MẢNG </a:t>
             </a:r>
             <a:r>
-              <a:rPr lang="en-US" altLang="en-US" sz="2700" dirty="0" err="1" smtClean="0"/>
+              <a:rPr lang="en-US" altLang="en-US" sz="2700" dirty="0" err="1"/>
               <a:t>HAI</a:t>
             </a:r>
             <a:r>
-              <a:rPr lang="en-US" altLang="en-US" sz="2700" dirty="0" smtClean="0"/>
-              <a:t> </a:t>
-            </a:r>
-            <a:r>
-              <a:rPr lang="en-US" altLang="en-US" sz="2700" dirty="0" err="1" smtClean="0"/>
+              <a:rPr lang="en-US" altLang="en-US" sz="2700" dirty="0"/>
+              <a:t> </a:t>
+            </a:r>
+            <a:r>
+              <a:rPr lang="en-US" altLang="en-US" sz="2700" dirty="0" err="1"/>
               <a:t>CHIỀU</a:t>
             </a:r>
             <a:endParaRPr lang="en-US" altLang="en-US" sz="2700" dirty="0"/>
@@ -9767,7 +9623,7 @@
               </a:tabLst>
             </a:pPr>
             <a:r>
-              <a:rPr lang="en-US" sz="1800" dirty="0" smtClean="0">
+              <a:rPr lang="en-US" sz="1800" dirty="0">
                 <a:solidFill>
                   <a:srgbClr val="333333"/>
                 </a:solidFill>
@@ -9778,7 +9634,7 @@
               <a:t>data_type[</a:t>
             </a:r>
             <a:r>
-              <a:rPr lang="en-US" sz="1800" dirty="0" err="1" smtClean="0">
+              <a:rPr lang="en-US" sz="1800" dirty="0" err="1">
                 <a:solidFill>
                   <a:srgbClr val="333333"/>
                 </a:solidFill>
@@ -9789,7 +9645,7 @@
               <a:t>r_index</a:t>
             </a:r>
             <a:r>
-              <a:rPr lang="en-US" sz="1800" dirty="0" smtClean="0">
+              <a:rPr lang="en-US" sz="1800" dirty="0">
                 <a:solidFill>
                   <a:srgbClr val="333333"/>
                 </a:solidFill>
@@ -9811,7 +9667,7 @@
               <a:t>c_index</a:t>
             </a:r>
             <a:r>
-              <a:rPr lang="en-US" sz="1800" dirty="0" smtClean="0">
+              <a:rPr lang="en-US" sz="1800" dirty="0">
                 <a:solidFill>
                   <a:srgbClr val="333333"/>
                 </a:solidFill>
@@ -9881,7 +9737,7 @@
               <a:t> </a:t>
             </a:r>
             <a:r>
-              <a:rPr lang="en-US" sz="1800" b="1" dirty="0" err="1" smtClean="0">
+              <a:rPr lang="en-US" sz="1800" b="1" dirty="0" err="1">
                 <a:solidFill>
                   <a:srgbClr val="343A40"/>
                 </a:solidFill>
@@ -9940,7 +9796,7 @@
               <a:t>: </a:t>
             </a:r>
             <a:r>
-              <a:rPr lang="en-US" sz="1800" dirty="0" err="1" smtClean="0">
+              <a:rPr lang="en-US" sz="1800" dirty="0" err="1">
                 <a:solidFill>
                   <a:srgbClr val="343A40"/>
                 </a:solidFill>
@@ -9951,7 +9807,7 @@
               <a:t>Chỉ</a:t>
             </a:r>
             <a:r>
-              <a:rPr lang="en-US" sz="1800" dirty="0" smtClean="0">
+              <a:rPr lang="en-US" sz="1800" dirty="0">
                 <a:solidFill>
                   <a:srgbClr val="343A40"/>
                 </a:solidFill>
@@ -9962,7 +9818,7 @@
               <a:t> </a:t>
             </a:r>
             <a:r>
-              <a:rPr lang="en-US" sz="1800" dirty="0" err="1" smtClean="0">
+              <a:rPr lang="en-US" sz="1800" dirty="0" err="1">
                 <a:solidFill>
                   <a:srgbClr val="343A40"/>
                 </a:solidFill>
@@ -9973,7 +9829,7 @@
               <a:t>số</a:t>
             </a:r>
             <a:r>
-              <a:rPr lang="en-US" sz="1800" dirty="0" smtClean="0">
+              <a:rPr lang="en-US" sz="1800" dirty="0">
                 <a:solidFill>
                   <a:srgbClr val="343A40"/>
                 </a:solidFill>
@@ -9984,7 +9840,7 @@
               <a:t> </a:t>
             </a:r>
             <a:r>
-              <a:rPr lang="en-US" sz="1800" dirty="0" err="1" smtClean="0">
+              <a:rPr lang="en-US" sz="1800" dirty="0" err="1">
                 <a:solidFill>
                   <a:srgbClr val="343A40"/>
                 </a:solidFill>
@@ -10010,7 +9866,7 @@
               </a:spcAft>
             </a:pPr>
             <a:r>
-              <a:rPr lang="en-US" sz="1800" dirty="0" smtClean="0">
+              <a:rPr lang="en-US" sz="1800" dirty="0">
                 <a:solidFill>
                   <a:srgbClr val="343A40"/>
                 </a:solidFill>
@@ -10021,7 +9877,7 @@
               <a:t>- </a:t>
             </a:r>
             <a:r>
-              <a:rPr lang="en-US" sz="1800" dirty="0" err="1" smtClean="0">
+              <a:rPr lang="en-US" sz="1800" dirty="0" err="1">
                 <a:solidFill>
                   <a:srgbClr val="343A40"/>
                 </a:solidFill>
@@ -10087,7 +9943,7 @@
               <a:t> </a:t>
             </a:r>
             <a:r>
-              <a:rPr lang="en-US" sz="1800" dirty="0" err="1" smtClean="0">
+              <a:rPr lang="en-US" sz="1800" dirty="0" err="1">
                 <a:solidFill>
                   <a:srgbClr val="343A40"/>
                 </a:solidFill>
@@ -10136,7 +9992,7 @@
               </a:spcAft>
             </a:pPr>
             <a:r>
-              <a:rPr lang="en-US" sz="1800" b="1" dirty="0" err="1" smtClean="0">
+              <a:rPr lang="en-US" sz="1800" b="1" dirty="0" err="1">
                 <a:solidFill>
                   <a:srgbClr val="343A40"/>
                 </a:solidFill>
@@ -10147,7 +10003,7 @@
               <a:t>Truy</a:t>
             </a:r>
             <a:r>
-              <a:rPr lang="en-US" sz="1800" b="1" dirty="0" smtClean="0">
+              <a:rPr lang="en-US" sz="1800" b="1" dirty="0">
                 <a:solidFill>
                   <a:srgbClr val="343A40"/>
                 </a:solidFill>
@@ -10158,7 +10014,7 @@
               <a:t> </a:t>
             </a:r>
             <a:r>
-              <a:rPr lang="en-US" sz="1800" b="1" dirty="0" err="1" smtClean="0">
+              <a:rPr lang="en-US" sz="1800" b="1" dirty="0" err="1">
                 <a:solidFill>
                   <a:srgbClr val="343A40"/>
                 </a:solidFill>
@@ -10189,13 +10045,6 @@
   <p:clrMapOvr>
     <a:masterClrMapping/>
   </p:clrMapOvr>
-  <p:timing>
-    <p:tnLst>
-      <p:par>
-        <p:cTn id="1" dur="indefinite" restart="never" nodeType="tmRoot"/>
-      </p:par>
-    </p:tnLst>
-  </p:timing>
 </p:sld>
 </file>
 
@@ -10229,7 +10078,7 @@
         <p:spPr>
           <a:extLst>
             <a:ext uri="{FAA26D3D-D897-4be2-8F04-BA451C77F1D7}">
-              <ma14:placeholderFlag xmlns:ma14="http://schemas.microsoft.com/office/mac/drawingml/2011/main" xmlns="" val="1"/>
+              <ma14:placeholderFlag xmlns="" xmlns:ma14="http://schemas.microsoft.com/office/mac/drawingml/2011/main" val="1"/>
             </a:ext>
           </a:extLst>
         </p:spPr>
@@ -10240,19 +10089,19 @@
           <a:lstStyle/>
           <a:p>
             <a:r>
-              <a:rPr lang="en-US" altLang="en-US" sz="2700" dirty="0" smtClean="0"/>
+              <a:rPr lang="en-US" altLang="en-US" sz="2700" dirty="0"/>
               <a:t>MẢNG </a:t>
             </a:r>
             <a:r>
-              <a:rPr lang="en-US" altLang="en-US" sz="2700" dirty="0" err="1" smtClean="0"/>
+              <a:rPr lang="en-US" altLang="en-US" sz="2700" dirty="0" err="1"/>
               <a:t>HAI</a:t>
             </a:r>
             <a:r>
-              <a:rPr lang="en-US" altLang="en-US" sz="2700" dirty="0" smtClean="0"/>
-              <a:t> </a:t>
-            </a:r>
-            <a:r>
-              <a:rPr lang="en-US" altLang="en-US" sz="2700" dirty="0" err="1" smtClean="0"/>
+              <a:rPr lang="en-US" altLang="en-US" sz="2700" dirty="0"/>
+              <a:t> </a:t>
+            </a:r>
+            <a:r>
+              <a:rPr lang="en-US" altLang="en-US" sz="2700" dirty="0" err="1"/>
               <a:t>CHIỀU</a:t>
             </a:r>
             <a:endParaRPr lang="en-US" altLang="en-US" sz="2700" dirty="0"/>
@@ -10316,7 +10165,7 @@
               <a:t> </a:t>
             </a:r>
             <a:r>
-              <a:rPr lang="en-US" sz="1600" b="1" dirty="0" err="1" smtClean="0">
+              <a:rPr lang="en-US" sz="1600" b="1" dirty="0" err="1">
                 <a:solidFill>
                   <a:srgbClr val="343A40"/>
                 </a:solidFill>
@@ -10428,29 +10277,7 @@
                 <a:ea typeface="Times New Roman" panose="02020603050405020304" pitchFamily="18" charset="0"/>
                 <a:cs typeface="Times New Roman" panose="02020603050405020304" pitchFamily="18" charset="0"/>
               </a:rPr>
-              <a:t>) </a:t>
-            </a:r>
-            <a:r>
-              <a:rPr lang="en-US" sz="1600" dirty="0" smtClean="0">
-                <a:solidFill>
-                  <a:srgbClr val="333333"/>
-                </a:solidFill>
-                <a:latin typeface="Courier New" panose="02070309020205020404" pitchFamily="49" charset="0"/>
-                <a:ea typeface="Times New Roman" panose="02020603050405020304" pitchFamily="18" charset="0"/>
-                <a:cs typeface="Times New Roman" panose="02020603050405020304" pitchFamily="18" charset="0"/>
-              </a:rPr>
-              <a:t>{</a:t>
-            </a:r>
-            <a:r>
-              <a:rPr lang="en-US" sz="1600" dirty="0">
-                <a:solidFill>
-                  <a:srgbClr val="333333"/>
-                </a:solidFill>
-                <a:latin typeface="Courier New" panose="02070309020205020404" pitchFamily="49" charset="0"/>
-                <a:ea typeface="Times New Roman" panose="02020603050405020304" pitchFamily="18" charset="0"/>
-                <a:cs typeface="Times New Roman" panose="02020603050405020304" pitchFamily="18" charset="0"/>
-              </a:rPr>
-              <a:t> </a:t>
+              <a:t>) { </a:t>
             </a:r>
             <a:endParaRPr lang="en-US" sz="1600" dirty="0">
               <a:latin typeface="Calibri" panose="020F0502020204030204" pitchFamily="34" charset="0"/>
@@ -10513,29 +10340,7 @@
                 <a:ea typeface="Times New Roman" panose="02020603050405020304" pitchFamily="18" charset="0"/>
                 <a:cs typeface="Times New Roman" panose="02020603050405020304" pitchFamily="18" charset="0"/>
               </a:rPr>
-              <a:t> = new int [4][3</a:t>
-            </a:r>
-            <a:r>
-              <a:rPr lang="en-US" sz="1600" dirty="0" smtClean="0">
-                <a:solidFill>
-                  <a:srgbClr val="333333"/>
-                </a:solidFill>
-                <a:latin typeface="Courier New" panose="02070309020205020404" pitchFamily="49" charset="0"/>
-                <a:ea typeface="Times New Roman" panose="02020603050405020304" pitchFamily="18" charset="0"/>
-                <a:cs typeface="Times New Roman" panose="02020603050405020304" pitchFamily="18" charset="0"/>
-              </a:rPr>
-              <a:t>];</a:t>
-            </a:r>
-            <a:r>
-              <a:rPr lang="en-US" sz="1600" dirty="0">
-                <a:solidFill>
-                  <a:srgbClr val="333333"/>
-                </a:solidFill>
-                <a:latin typeface="Courier New" panose="02070309020205020404" pitchFamily="49" charset="0"/>
-                <a:ea typeface="Times New Roman" panose="02020603050405020304" pitchFamily="18" charset="0"/>
-                <a:cs typeface="Times New Roman" panose="02020603050405020304" pitchFamily="18" charset="0"/>
-              </a:rPr>
-              <a:t> </a:t>
+              <a:t> = new int [4][3]; </a:t>
             </a:r>
             <a:endParaRPr lang="en-US" sz="1600" dirty="0">
               <a:latin typeface="Calibri" panose="020F0502020204030204" pitchFamily="34" charset="0"/>
@@ -10848,13 +10653,6 @@
   <p:clrMapOvr>
     <a:masterClrMapping/>
   </p:clrMapOvr>
-  <p:timing>
-    <p:tnLst>
-      <p:par>
-        <p:cTn id="1" dur="indefinite" restart="never" nodeType="tmRoot"/>
-      </p:par>
-    </p:tnLst>
-  </p:timing>
 </p:sld>
 </file>
 
@@ -10888,7 +10686,7 @@
         <p:spPr>
           <a:extLst>
             <a:ext uri="{FAA26D3D-D897-4be2-8F04-BA451C77F1D7}">
-              <ma14:placeholderFlag xmlns:ma14="http://schemas.microsoft.com/office/mac/drawingml/2011/main" xmlns="" val="1"/>
+              <ma14:placeholderFlag xmlns="" xmlns:ma14="http://schemas.microsoft.com/office/mac/drawingml/2011/main" val="1"/>
             </a:ext>
           </a:extLst>
         </p:spPr>
@@ -10899,19 +10697,19 @@
           <a:lstStyle/>
           <a:p>
             <a:r>
-              <a:rPr lang="en-US" altLang="en-US" sz="2700" dirty="0" smtClean="0"/>
+              <a:rPr lang="en-US" altLang="en-US" sz="2700" dirty="0"/>
               <a:t>MẢNG </a:t>
             </a:r>
             <a:r>
-              <a:rPr lang="en-US" altLang="en-US" sz="2700" dirty="0" err="1" smtClean="0"/>
+              <a:rPr lang="en-US" altLang="en-US" sz="2700" dirty="0" err="1"/>
               <a:t>HAI</a:t>
             </a:r>
             <a:r>
-              <a:rPr lang="en-US" altLang="en-US" sz="2700" dirty="0" smtClean="0"/>
-              <a:t> </a:t>
-            </a:r>
-            <a:r>
-              <a:rPr lang="en-US" altLang="en-US" sz="2700" dirty="0" err="1" smtClean="0"/>
+              <a:rPr lang="en-US" altLang="en-US" sz="2700" dirty="0"/>
+              <a:t> </a:t>
+            </a:r>
+            <a:r>
+              <a:rPr lang="en-US" altLang="en-US" sz="2700" dirty="0" err="1"/>
               <a:t>CHIỀU</a:t>
             </a:r>
             <a:endParaRPr lang="en-US" altLang="en-US" sz="2700" dirty="0"/>
@@ -10965,7 +10763,7 @@
               </a:tabLst>
             </a:pPr>
             <a:r>
-              <a:rPr lang="en-US" sz="1800" dirty="0" smtClean="0">
+              <a:rPr lang="en-US" sz="1800" dirty="0">
                 <a:solidFill>
                   <a:srgbClr val="333333"/>
                 </a:solidFill>
@@ -10973,18 +10771,7 @@
                 <a:ea typeface="Times New Roman" panose="02020603050405020304" pitchFamily="18" charset="0"/>
                 <a:cs typeface="Times New Roman" panose="02020603050405020304" pitchFamily="18" charset="0"/>
               </a:rPr>
-              <a:t>data_type </a:t>
-            </a:r>
-            <a:r>
-              <a:rPr lang="en-US" sz="1800" dirty="0">
-                <a:solidFill>
-                  <a:srgbClr val="333333"/>
-                </a:solidFill>
-                <a:latin typeface="Courier New" panose="02070309020205020404" pitchFamily="49" charset="0"/>
-                <a:ea typeface="Times New Roman" panose="02020603050405020304" pitchFamily="18" charset="0"/>
-                <a:cs typeface="Times New Roman" panose="02020603050405020304" pitchFamily="18" charset="0"/>
-              </a:rPr>
-              <a:t>[][] name = new data_type {</a:t>
+              <a:t>data_type [][] name = new data_type {</a:t>
             </a:r>
           </a:p>
           <a:p>
@@ -11083,29 +10870,7 @@
                 <a:ea typeface="Times New Roman" panose="02020603050405020304" pitchFamily="18" charset="0"/>
                 <a:cs typeface="Times New Roman" panose="02020603050405020304" pitchFamily="18" charset="0"/>
               </a:rPr>
-              <a:t>                 </a:t>
-            </a:r>
-            <a:r>
-              <a:rPr lang="en-US" sz="1800" dirty="0" smtClean="0">
-                <a:solidFill>
-                  <a:srgbClr val="333333"/>
-                </a:solidFill>
-                <a:latin typeface="Courier New" panose="02070309020205020404" pitchFamily="49" charset="0"/>
-                <a:ea typeface="Times New Roman" panose="02020603050405020304" pitchFamily="18" charset="0"/>
-                <a:cs typeface="Times New Roman" panose="02020603050405020304" pitchFamily="18" charset="0"/>
-              </a:rPr>
-              <a:t>{</a:t>
-            </a:r>
-            <a:r>
-              <a:rPr lang="en-US" sz="1800" dirty="0">
-                <a:solidFill>
-                  <a:srgbClr val="333333"/>
-                </a:solidFill>
-                <a:latin typeface="Courier New" panose="02070309020205020404" pitchFamily="49" charset="0"/>
-                <a:ea typeface="Times New Roman" panose="02020603050405020304" pitchFamily="18" charset="0"/>
-                <a:cs typeface="Times New Roman" panose="02020603050405020304" pitchFamily="18" charset="0"/>
-              </a:rPr>
-              <a:t>value, value, ...}};</a:t>
+              <a:t>                 {value, value, ...}};</a:t>
             </a:r>
           </a:p>
           <a:p>
@@ -11237,29 +11002,7 @@
                 <a:ea typeface="Times New Roman" panose="02020603050405020304" pitchFamily="18" charset="0"/>
                 <a:cs typeface="Times New Roman" panose="02020603050405020304" pitchFamily="18" charset="0"/>
               </a:rPr>
-              <a:t>                 </a:t>
-            </a:r>
-            <a:r>
-              <a:rPr lang="en-US" sz="1800" dirty="0" smtClean="0">
-                <a:solidFill>
-                  <a:srgbClr val="333333"/>
-                </a:solidFill>
-                <a:latin typeface="Courier New" panose="02070309020205020404" pitchFamily="49" charset="0"/>
-                <a:ea typeface="Times New Roman" panose="02020603050405020304" pitchFamily="18" charset="0"/>
-                <a:cs typeface="Times New Roman" panose="02020603050405020304" pitchFamily="18" charset="0"/>
-              </a:rPr>
-              <a:t>{</a:t>
-            </a:r>
-            <a:r>
-              <a:rPr lang="en-US" sz="1800" dirty="0">
-                <a:solidFill>
-                  <a:srgbClr val="333333"/>
-                </a:solidFill>
-                <a:latin typeface="Courier New" panose="02070309020205020404" pitchFamily="49" charset="0"/>
-                <a:ea typeface="Times New Roman" panose="02020603050405020304" pitchFamily="18" charset="0"/>
-                <a:cs typeface="Times New Roman" panose="02020603050405020304" pitchFamily="18" charset="0"/>
-              </a:rPr>
-              <a:t>value, value, ...}};</a:t>
+              <a:t>                 {value, value, ...}};</a:t>
             </a:r>
           </a:p>
           <a:p>
@@ -11391,29 +11134,7 @@
                 <a:ea typeface="Times New Roman" panose="02020603050405020304" pitchFamily="18" charset="0"/>
                 <a:cs typeface="Times New Roman" panose="02020603050405020304" pitchFamily="18" charset="0"/>
               </a:rPr>
-              <a:t>                 </a:t>
-            </a:r>
-            <a:r>
-              <a:rPr lang="en-US" sz="1800" dirty="0" smtClean="0">
-                <a:solidFill>
-                  <a:srgbClr val="333333"/>
-                </a:solidFill>
-                <a:latin typeface="Courier New" panose="02070309020205020404" pitchFamily="49" charset="0"/>
-                <a:ea typeface="Times New Roman" panose="02020603050405020304" pitchFamily="18" charset="0"/>
-                <a:cs typeface="Times New Roman" panose="02020603050405020304" pitchFamily="18" charset="0"/>
-              </a:rPr>
-              <a:t>{</a:t>
-            </a:r>
-            <a:r>
-              <a:rPr lang="en-US" sz="1800" dirty="0">
-                <a:solidFill>
-                  <a:srgbClr val="333333"/>
-                </a:solidFill>
-                <a:latin typeface="Courier New" panose="02070309020205020404" pitchFamily="49" charset="0"/>
-                <a:ea typeface="Times New Roman" panose="02020603050405020304" pitchFamily="18" charset="0"/>
-                <a:cs typeface="Times New Roman" panose="02020603050405020304" pitchFamily="18" charset="0"/>
-              </a:rPr>
-              <a:t>value, value, ...}};</a:t>
+              <a:t>                 {value, value, ...}};</a:t>
             </a:r>
           </a:p>
         </p:txBody>
@@ -11519,13 +11240,6 @@
   <p:clrMapOvr>
     <a:masterClrMapping/>
   </p:clrMapOvr>
-  <p:timing>
-    <p:tnLst>
-      <p:par>
-        <p:cTn id="1" dur="indefinite" restart="never" nodeType="tmRoot"/>
-      </p:par>
-    </p:tnLst>
-  </p:timing>
 </p:sld>
 </file>
 
@@ -11559,7 +11273,7 @@
         <p:spPr>
           <a:extLst>
             <a:ext uri="{FAA26D3D-D897-4be2-8F04-BA451C77F1D7}">
-              <ma14:placeholderFlag xmlns:ma14="http://schemas.microsoft.com/office/mac/drawingml/2011/main" xmlns="" val="1"/>
+              <ma14:placeholderFlag xmlns="" xmlns:ma14="http://schemas.microsoft.com/office/mac/drawingml/2011/main" val="1"/>
             </a:ext>
           </a:extLst>
         </p:spPr>
@@ -11570,19 +11284,19 @@
           <a:lstStyle/>
           <a:p>
             <a:r>
-              <a:rPr lang="en-US" altLang="en-US" sz="2700" dirty="0" smtClean="0"/>
+              <a:rPr lang="en-US" altLang="en-US" sz="2700" dirty="0"/>
               <a:t>MẢNG </a:t>
             </a:r>
             <a:r>
-              <a:rPr lang="en-US" altLang="en-US" sz="2700" dirty="0" err="1" smtClean="0"/>
+              <a:rPr lang="en-US" altLang="en-US" sz="2700" dirty="0" err="1"/>
               <a:t>HAI</a:t>
             </a:r>
             <a:r>
-              <a:rPr lang="en-US" altLang="en-US" sz="2700" dirty="0" smtClean="0"/>
-              <a:t> </a:t>
-            </a:r>
-            <a:r>
-              <a:rPr lang="en-US" altLang="en-US" sz="2700" dirty="0" err="1" smtClean="0"/>
+              <a:rPr lang="en-US" altLang="en-US" sz="2700" dirty="0"/>
+              <a:t> </a:t>
+            </a:r>
+            <a:r>
+              <a:rPr lang="en-US" altLang="en-US" sz="2700" dirty="0" err="1"/>
               <a:t>CHIỀU</a:t>
             </a:r>
             <a:endParaRPr lang="en-US" altLang="en-US" sz="2700" dirty="0"/>
@@ -11639,7 +11353,7 @@
               </a:tabLst>
             </a:pPr>
             <a:r>
-              <a:rPr lang="en-US" sz="1600" dirty="0" smtClean="0">
+              <a:rPr lang="en-US" sz="1600" dirty="0">
                 <a:solidFill>
                   <a:srgbClr val="333333"/>
                 </a:solidFill>
@@ -11647,18 +11361,7 @@
                 <a:ea typeface="Times New Roman" panose="02020603050405020304" pitchFamily="18" charset="0"/>
                 <a:cs typeface="Times New Roman" panose="02020603050405020304" pitchFamily="18" charset="0"/>
               </a:rPr>
-              <a:t>public </a:t>
-            </a:r>
-            <a:r>
-              <a:rPr lang="en-US" sz="1600" dirty="0">
-                <a:solidFill>
-                  <a:srgbClr val="333333"/>
-                </a:solidFill>
-                <a:latin typeface="Courier New" panose="02070309020205020404" pitchFamily="49" charset="0"/>
-                <a:ea typeface="Times New Roman" panose="02020603050405020304" pitchFamily="18" charset="0"/>
-                <a:cs typeface="Times New Roman" panose="02020603050405020304" pitchFamily="18" charset="0"/>
-              </a:rPr>
-              <a:t>class Example{</a:t>
+              <a:t>public class Example{</a:t>
             </a:r>
           </a:p>
           <a:p>
@@ -11843,29 +11546,7 @@
                 <a:ea typeface="Times New Roman" panose="02020603050405020304" pitchFamily="18" charset="0"/>
                 <a:cs typeface="Times New Roman" panose="02020603050405020304" pitchFamily="18" charset="0"/>
               </a:rPr>
-              <a:t>                      </a:t>
-            </a:r>
-            <a:r>
-              <a:rPr lang="en-US" sz="1600" dirty="0" smtClean="0">
-                <a:solidFill>
-                  <a:srgbClr val="333333"/>
-                </a:solidFill>
-                <a:latin typeface="Courier New" panose="02070309020205020404" pitchFamily="49" charset="0"/>
-                <a:ea typeface="Times New Roman" panose="02020603050405020304" pitchFamily="18" charset="0"/>
-                <a:cs typeface="Times New Roman" panose="02020603050405020304" pitchFamily="18" charset="0"/>
-              </a:rPr>
-              <a:t>    {</a:t>
-            </a:r>
-            <a:r>
-              <a:rPr lang="en-US" sz="1600" dirty="0">
-                <a:solidFill>
-                  <a:srgbClr val="333333"/>
-                </a:solidFill>
-                <a:latin typeface="Courier New" panose="02070309020205020404" pitchFamily="49" charset="0"/>
-                <a:ea typeface="Times New Roman" panose="02020603050405020304" pitchFamily="18" charset="0"/>
-                <a:cs typeface="Times New Roman" panose="02020603050405020304" pitchFamily="18" charset="0"/>
-              </a:rPr>
-              <a:t>34, 56},</a:t>
+              <a:t>                          {34, 56},</a:t>
             </a:r>
           </a:p>
           <a:p>
@@ -11901,29 +11582,7 @@
                 <a:ea typeface="Times New Roman" panose="02020603050405020304" pitchFamily="18" charset="0"/>
                 <a:cs typeface="Times New Roman" panose="02020603050405020304" pitchFamily="18" charset="0"/>
               </a:rPr>
-              <a:t>                     </a:t>
-            </a:r>
-            <a:r>
-              <a:rPr lang="en-US" sz="1600" dirty="0" smtClean="0">
-                <a:solidFill>
-                  <a:srgbClr val="333333"/>
-                </a:solidFill>
-                <a:latin typeface="Courier New" panose="02070309020205020404" pitchFamily="49" charset="0"/>
-                <a:ea typeface="Times New Roman" panose="02020603050405020304" pitchFamily="18" charset="0"/>
-                <a:cs typeface="Times New Roman" panose="02020603050405020304" pitchFamily="18" charset="0"/>
-              </a:rPr>
-              <a:t>     {</a:t>
-            </a:r>
-            <a:r>
-              <a:rPr lang="en-US" sz="1600" dirty="0">
-                <a:solidFill>
-                  <a:srgbClr val="333333"/>
-                </a:solidFill>
-                <a:latin typeface="Courier New" panose="02070309020205020404" pitchFamily="49" charset="0"/>
-                <a:ea typeface="Times New Roman" panose="02020603050405020304" pitchFamily="18" charset="0"/>
-                <a:cs typeface="Times New Roman" panose="02020603050405020304" pitchFamily="18" charset="0"/>
-              </a:rPr>
-              <a:t>44, 654, 79},</a:t>
+              <a:t>                          {44, 654, 79},</a:t>
             </a:r>
           </a:p>
           <a:p>
@@ -11959,29 +11618,7 @@
                 <a:ea typeface="Times New Roman" panose="02020603050405020304" pitchFamily="18" charset="0"/>
                 <a:cs typeface="Times New Roman" panose="02020603050405020304" pitchFamily="18" charset="0"/>
               </a:rPr>
-              <a:t>                     </a:t>
-            </a:r>
-            <a:r>
-              <a:rPr lang="en-US" sz="1600" dirty="0" smtClean="0">
-                <a:solidFill>
-                  <a:srgbClr val="333333"/>
-                </a:solidFill>
-                <a:latin typeface="Courier New" panose="02070309020205020404" pitchFamily="49" charset="0"/>
-                <a:ea typeface="Times New Roman" panose="02020603050405020304" pitchFamily="18" charset="0"/>
-                <a:cs typeface="Times New Roman" panose="02020603050405020304" pitchFamily="18" charset="0"/>
-              </a:rPr>
-              <a:t>     </a:t>
-            </a:r>
-            <a:r>
-              <a:rPr lang="en-US" sz="1600" dirty="0">
-                <a:solidFill>
-                  <a:srgbClr val="333333"/>
-                </a:solidFill>
-                <a:latin typeface="Courier New" panose="02070309020205020404" pitchFamily="49" charset="0"/>
-                <a:ea typeface="Times New Roman" panose="02020603050405020304" pitchFamily="18" charset="0"/>
-                <a:cs typeface="Times New Roman" panose="02020603050405020304" pitchFamily="18" charset="0"/>
-              </a:rPr>
-              <a:t>{12, 9, 23, 44}};</a:t>
+              <a:t>                          {12, 9, 23, 44}};</a:t>
             </a:r>
           </a:p>
           <a:p>
@@ -12159,13 +11796,6 @@
   <p:clrMapOvr>
     <a:masterClrMapping/>
   </p:clrMapOvr>
-  <p:timing>
-    <p:tnLst>
-      <p:par>
-        <p:cTn id="1" dur="indefinite" restart="never" nodeType="tmRoot"/>
-      </p:par>
-    </p:tnLst>
-  </p:timing>
 </p:sld>
 </file>
 
@@ -12266,13 +11896,6 @@
   <p:clrMapOvr>
     <a:masterClrMapping/>
   </p:clrMapOvr>
-  <p:timing>
-    <p:tnLst>
-      <p:par>
-        <p:cTn id="1" dur="indefinite" restart="never" nodeType="tmRoot"/>
-      </p:par>
-    </p:tnLst>
-  </p:timing>
 </p:sld>
 </file>
 
@@ -12306,7 +11929,7 @@
         <p:spPr>
           <a:extLst>
             <a:ext uri="{FAA26D3D-D897-4be2-8F04-BA451C77F1D7}">
-              <ma14:placeholderFlag xmlns:ma14="http://schemas.microsoft.com/office/mac/drawingml/2011/main" xmlns="" val="1"/>
+              <ma14:placeholderFlag xmlns="" xmlns:ma14="http://schemas.microsoft.com/office/mac/drawingml/2011/main" val="1"/>
             </a:ext>
           </a:extLst>
         </p:spPr>
@@ -12317,18 +11940,17 @@
           <a:lstStyle/>
           <a:p>
             <a:r>
-              <a:rPr lang="en-US" altLang="en-US" sz="2700" dirty="0" smtClean="0"/>
+              <a:rPr lang="en-US" altLang="en-US" sz="2700" dirty="0"/>
               <a:t>LỆNH </a:t>
             </a:r>
             <a:r>
-              <a:rPr lang="en-US" altLang="en-US" sz="2700" dirty="0" err="1" smtClean="0"/>
+              <a:rPr lang="en-US" altLang="en-US" sz="2700" dirty="0" err="1"/>
               <a:t>FOREACH</a:t>
             </a:r>
             <a:r>
-              <a:rPr lang="en-US" altLang="en-US" sz="2700" dirty="0" smtClean="0"/>
-              <a:t> </a:t>
-            </a:r>
-            <a:endParaRPr lang="en-US" altLang="en-US" sz="2700" dirty="0"/>
+              <a:rPr lang="en-US" altLang="en-US" sz="2700" dirty="0"/>
+              <a:t> </a:t>
+            </a:r>
           </a:p>
         </p:txBody>
       </p:sp>
@@ -12816,7 +12438,7 @@
               </a:tabLst>
             </a:pPr>
             <a:r>
-              <a:rPr lang="en-US" sz="1800" spc="10" dirty="0" smtClean="0">
+              <a:rPr lang="en-US" sz="1800" spc="10" dirty="0">
                 <a:solidFill>
                   <a:srgbClr val="273239"/>
                 </a:solidFill>
@@ -12827,7 +12449,7 @@
               <a:t>for(</a:t>
             </a:r>
             <a:r>
-              <a:rPr lang="en-US" sz="1800" dirty="0" smtClean="0">
+              <a:rPr lang="en-US" sz="1800" dirty="0">
                 <a:solidFill>
                   <a:srgbClr val="333333"/>
                 </a:solidFill>
@@ -12838,7 +12460,7 @@
               <a:t>data_type</a:t>
             </a:r>
             <a:r>
-              <a:rPr lang="en-US" sz="1800" spc="10" dirty="0" smtClean="0">
+              <a:rPr lang="en-US" sz="1800" spc="10" dirty="0">
                 <a:solidFill>
                   <a:srgbClr val="273239"/>
                 </a:solidFill>
@@ -13474,7 +13096,7 @@
               <a:t> </a:t>
             </a:r>
             <a:r>
-              <a:rPr lang="en-US" sz="1800" dirty="0" err="1" smtClean="0">
+              <a:rPr lang="en-US" sz="1800" dirty="0" err="1">
                 <a:latin typeface="Calibri" panose="020F0502020204030204" pitchFamily="34" charset="0"/>
                 <a:ea typeface="Calibri" panose="020F0502020204030204" pitchFamily="34" charset="0"/>
                 <a:cs typeface="Times New Roman" panose="02020603050405020304" pitchFamily="18" charset="0"/>
@@ -13497,20 +13119,12 @@
               </a:spcAft>
             </a:pPr>
             <a:r>
-              <a:rPr lang="en-US" sz="1800" dirty="0" smtClean="0">
-                <a:latin typeface="Calibri" panose="020F0502020204030204" pitchFamily="34" charset="0"/>
-                <a:ea typeface="Calibri" panose="020F0502020204030204" pitchFamily="34" charset="0"/>
-                <a:cs typeface="Times New Roman" panose="02020603050405020304" pitchFamily="18" charset="0"/>
-              </a:rPr>
-              <a:t>- data_type</a:t>
-            </a:r>
-            <a:r>
-              <a:rPr lang="en-US" sz="1800" dirty="0">
-                <a:latin typeface="Calibri" panose="020F0502020204030204" pitchFamily="34" charset="0"/>
-                <a:ea typeface="Calibri" panose="020F0502020204030204" pitchFamily="34" charset="0"/>
-                <a:cs typeface="Times New Roman" panose="02020603050405020304" pitchFamily="18" charset="0"/>
-              </a:rPr>
-              <a:t>: </a:t>
+              <a:rPr lang="en-US" sz="1800" dirty="0">
+                <a:latin typeface="Calibri" panose="020F0502020204030204" pitchFamily="34" charset="0"/>
+                <a:ea typeface="Calibri" panose="020F0502020204030204" pitchFamily="34" charset="0"/>
+                <a:cs typeface="Times New Roman" panose="02020603050405020304" pitchFamily="18" charset="0"/>
+              </a:rPr>
+              <a:t>- data_type: </a:t>
             </a:r>
             <a:r>
               <a:rPr lang="en-US" sz="1800" dirty="0" err="1">
@@ -13545,14 +13159,14 @@
               <a:t> </a:t>
             </a:r>
             <a:r>
-              <a:rPr lang="en-US" sz="1800" dirty="0" err="1" smtClean="0">
+              <a:rPr lang="en-US" sz="1800" dirty="0" err="1">
                 <a:latin typeface="Calibri" panose="020F0502020204030204" pitchFamily="34" charset="0"/>
                 <a:ea typeface="Calibri" panose="020F0502020204030204" pitchFamily="34" charset="0"/>
                 <a:cs typeface="Times New Roman" panose="02020603050405020304" pitchFamily="18" charset="0"/>
               </a:rPr>
               <a:t>liệu</a:t>
             </a:r>
-            <a:endParaRPr lang="en-US" sz="1800" dirty="0" smtClean="0">
+            <a:endParaRPr lang="en-US" sz="1800" dirty="0">
               <a:latin typeface="Calibri" panose="020F0502020204030204" pitchFamily="34" charset="0"/>
               <a:ea typeface="Calibri" panose="020F0502020204030204" pitchFamily="34" charset="0"/>
               <a:cs typeface="Times New Roman" panose="02020603050405020304" pitchFamily="18" charset="0"/>
@@ -13698,13 +13312,6 @@
   <p:clrMapOvr>
     <a:masterClrMapping/>
   </p:clrMapOvr>
-  <p:timing>
-    <p:tnLst>
-      <p:par>
-        <p:cTn id="1" dur="indefinite" restart="never" nodeType="tmRoot"/>
-      </p:par>
-    </p:tnLst>
-  </p:timing>
 </p:sld>
 </file>
 
@@ -13759,69 +13366,6 @@
               </a:spcAft>
             </a:pPr>
             <a:r>
-              <a:rPr lang="en-US" sz="2000" dirty="0" err="1" smtClean="0"/>
-              <a:t>Biết</a:t>
-            </a:r>
-            <a:r>
-              <a:rPr lang="en-US" sz="2000" dirty="0" smtClean="0"/>
-              <a:t> </a:t>
-            </a:r>
-            <a:r>
-              <a:rPr lang="en-US" sz="2000" dirty="0" err="1" smtClean="0"/>
-              <a:t>cách</a:t>
-            </a:r>
-            <a:r>
-              <a:rPr lang="en-US" sz="2000" dirty="0" smtClean="0"/>
-              <a:t> </a:t>
-            </a:r>
-            <a:r>
-              <a:rPr lang="en-US" sz="2000" dirty="0" err="1" smtClean="0"/>
-              <a:t>sử</a:t>
-            </a:r>
-            <a:r>
-              <a:rPr lang="en-US" sz="2000" dirty="0" smtClean="0"/>
-              <a:t> </a:t>
-            </a:r>
-            <a:r>
-              <a:rPr lang="en-US" sz="2000" dirty="0" err="1" smtClean="0"/>
-              <a:t>dụng</a:t>
-            </a:r>
-            <a:r>
-              <a:rPr lang="en-US" sz="2000" dirty="0" smtClean="0"/>
-              <a:t> </a:t>
-            </a:r>
-            <a:r>
-              <a:rPr lang="en-US" sz="2000" dirty="0" err="1" smtClean="0"/>
-              <a:t>mảng</a:t>
-            </a:r>
-            <a:r>
-              <a:rPr lang="en-US" sz="2000" dirty="0" smtClean="0"/>
-              <a:t> </a:t>
-            </a:r>
-            <a:r>
-              <a:rPr lang="en-US" sz="2000" dirty="0" err="1" smtClean="0"/>
-              <a:t>một</a:t>
-            </a:r>
-            <a:r>
-              <a:rPr lang="en-US" sz="2000" dirty="0" smtClean="0"/>
-              <a:t> </a:t>
-            </a:r>
-            <a:r>
-              <a:rPr lang="en-US" sz="2000" dirty="0" err="1" smtClean="0"/>
-              <a:t>chiều</a:t>
-            </a:r>
-            <a:endParaRPr lang="en-US" sz="2000" dirty="0" smtClean="0"/>
-          </a:p>
-          <a:p>
-            <a:pPr>
-              <a:spcBef>
-                <a:spcPts val="600"/>
-              </a:spcBef>
-              <a:spcAft>
-                <a:spcPts val="600"/>
-              </a:spcAft>
-            </a:pPr>
-            <a:r>
               <a:rPr lang="en-US" sz="2000" dirty="0" err="1"/>
               <a:t>Biết</a:t>
             </a:r>
@@ -13854,23 +13398,23 @@
               <a:t> </a:t>
             </a:r>
             <a:r>
-              <a:rPr lang="en-US" sz="2000" dirty="0" err="1" smtClean="0"/>
+              <a:rPr lang="en-US" sz="2000" dirty="0" err="1"/>
               <a:t>mảng</a:t>
             </a:r>
             <a:r>
-              <a:rPr lang="en-US" sz="2000" dirty="0" smtClean="0"/>
-              <a:t> </a:t>
-            </a:r>
-            <a:r>
-              <a:rPr lang="en-US" sz="2000" dirty="0" err="1" smtClean="0"/>
-              <a:t>hai</a:t>
-            </a:r>
-            <a:r>
-              <a:rPr lang="en-US" sz="2000" dirty="0" smtClean="0"/>
-              <a:t> </a:t>
-            </a:r>
-            <a:r>
-              <a:rPr lang="en-US" sz="2000" dirty="0" err="1" smtClean="0"/>
+              <a:rPr lang="en-US" sz="2000" dirty="0"/>
+              <a:t> </a:t>
+            </a:r>
+            <a:r>
+              <a:rPr lang="en-US" sz="2000" dirty="0" err="1"/>
+              <a:t>một</a:t>
+            </a:r>
+            <a:r>
+              <a:rPr lang="en-US" sz="2000" dirty="0"/>
+              <a:t> </a:t>
+            </a:r>
+            <a:r>
+              <a:rPr lang="en-US" sz="2000" dirty="0" err="1"/>
               <a:t>chiều</a:t>
             </a:r>
             <a:endParaRPr lang="en-US" sz="2000" dirty="0"/>
@@ -13917,37 +13461,29 @@
               <a:t> </a:t>
             </a:r>
             <a:r>
-              <a:rPr lang="en-US" sz="2000" dirty="0" err="1" smtClean="0"/>
-              <a:t>lệnh</a:t>
-            </a:r>
-            <a:r>
-              <a:rPr lang="en-US" sz="2000" dirty="0" smtClean="0"/>
-              <a:t> </a:t>
-            </a:r>
-            <a:r>
-              <a:rPr lang="en-US" sz="2000" dirty="0" err="1" smtClean="0"/>
-              <a:t>Foreach</a:t>
-            </a:r>
-            <a:r>
-              <a:rPr lang="en-US" sz="2000" dirty="0" smtClean="0"/>
-              <a:t> </a:t>
-            </a:r>
-            <a:r>
-              <a:rPr lang="en-US" sz="2000" dirty="0" err="1" smtClean="0"/>
-              <a:t>cho</a:t>
-            </a:r>
-            <a:r>
-              <a:rPr lang="en-US" sz="2000" dirty="0" smtClean="0"/>
-              <a:t> </a:t>
-            </a:r>
-            <a:r>
-              <a:rPr lang="en-US" sz="2000" dirty="0" err="1" smtClean="0"/>
+              <a:rPr lang="en-US" sz="2000" dirty="0" err="1"/>
               <a:t>mảng</a:t>
             </a:r>
-            <a:endParaRPr lang="en-US" sz="2000" dirty="0" smtClean="0"/>
+            <a:r>
+              <a:rPr lang="en-US" sz="2000" dirty="0"/>
+              <a:t> </a:t>
+            </a:r>
+            <a:r>
+              <a:rPr lang="en-US" sz="2000" dirty="0" err="1"/>
+              <a:t>hai</a:t>
+            </a:r>
+            <a:r>
+              <a:rPr lang="en-US" sz="2000" dirty="0"/>
+              <a:t> </a:t>
+            </a:r>
+            <a:r>
+              <a:rPr lang="en-US" sz="2000" dirty="0" err="1"/>
+              <a:t>chiều</a:t>
+            </a:r>
+            <a:endParaRPr lang="en-US" sz="2000" dirty="0"/>
           </a:p>
           <a:p>
-            <a:pPr lvl="0">
+            <a:pPr>
               <a:spcBef>
                 <a:spcPts val="600"/>
               </a:spcBef>
@@ -13972,40 +13508,48 @@
               <a:t> </a:t>
             </a:r>
             <a:r>
-              <a:rPr lang="en-US" sz="2000" dirty="0" err="1" smtClean="0"/>
-              <a:t>xử</a:t>
-            </a:r>
-            <a:r>
-              <a:rPr lang="en-US" sz="2000" dirty="0" smtClean="0"/>
-              <a:t> </a:t>
-            </a:r>
-            <a:r>
-              <a:rPr lang="en-US" sz="2000" dirty="0" err="1" smtClean="0"/>
-              <a:t>lý</a:t>
-            </a:r>
-            <a:r>
-              <a:rPr lang="en-US" sz="2000" dirty="0" smtClean="0"/>
-              <a:t> </a:t>
-            </a:r>
-            <a:r>
-              <a:rPr lang="en-US" sz="2000" dirty="0" err="1" smtClean="0"/>
-              <a:t>xâu</a:t>
-            </a:r>
-            <a:r>
-              <a:rPr lang="en-US" sz="2000" dirty="0" smtClean="0"/>
-              <a:t> </a:t>
-            </a:r>
-            <a:r>
-              <a:rPr lang="en-US" sz="2000" dirty="0" err="1" smtClean="0"/>
-              <a:t>kí</a:t>
-            </a:r>
-            <a:r>
-              <a:rPr lang="en-US" sz="2000" dirty="0" smtClean="0"/>
-              <a:t> </a:t>
-            </a:r>
-            <a:r>
-              <a:rPr lang="en-US" sz="2000" dirty="0" err="1" smtClean="0"/>
-              <a:t>tự</a:t>
+              <a:rPr lang="en-US" sz="2000" dirty="0" err="1"/>
+              <a:t>sử</a:t>
+            </a:r>
+            <a:r>
+              <a:rPr lang="en-US" sz="2000" dirty="0"/>
+              <a:t> </a:t>
+            </a:r>
+            <a:r>
+              <a:rPr lang="en-US" sz="2000" dirty="0" err="1"/>
+              <a:t>dụng</a:t>
+            </a:r>
+            <a:r>
+              <a:rPr lang="en-US" sz="2000" dirty="0"/>
+              <a:t> </a:t>
+            </a:r>
+            <a:r>
+              <a:rPr lang="en-US" sz="2000" dirty="0" err="1"/>
+              <a:t>lệnh</a:t>
+            </a:r>
+            <a:r>
+              <a:rPr lang="en-US" sz="2000" dirty="0"/>
+              <a:t> </a:t>
+            </a:r>
+            <a:r>
+              <a:rPr lang="en-US" sz="2000" dirty="0" err="1"/>
+              <a:t>Foreach</a:t>
+            </a:r>
+            <a:r>
+              <a:rPr lang="en-US" sz="2000" dirty="0"/>
+              <a:t> </a:t>
+            </a:r>
+            <a:r>
+              <a:rPr lang="en-US" sz="2000" dirty="0" err="1"/>
+              <a:t>cho</a:t>
+            </a:r>
+            <a:r>
+              <a:rPr lang="en-US" sz="2000" dirty="0"/>
+              <a:t> </a:t>
+            </a:r>
+            <a:r>
+              <a:rPr lang="en-US" sz="2000" dirty="0" err="1"/>
+              <a:t>mảng</a:t>
             </a:r>
             <a:endParaRPr lang="en-US" sz="2000" dirty="0"/>
           </a:p>
@@ -14036,6 +13580,69 @@
             </a:r>
             <a:r>
               <a:rPr lang="en-US" sz="2000" dirty="0" err="1"/>
+              <a:t>xử</a:t>
+            </a:r>
+            <a:r>
+              <a:rPr lang="en-US" sz="2000" dirty="0"/>
+              <a:t> </a:t>
+            </a:r>
+            <a:r>
+              <a:rPr lang="en-US" sz="2000" dirty="0" err="1"/>
+              <a:t>lý</a:t>
+            </a:r>
+            <a:r>
+              <a:rPr lang="en-US" sz="2000" dirty="0"/>
+              <a:t> </a:t>
+            </a:r>
+            <a:r>
+              <a:rPr lang="en-US" sz="2000" dirty="0" err="1"/>
+              <a:t>xâu</a:t>
+            </a:r>
+            <a:r>
+              <a:rPr lang="en-US" sz="2000" dirty="0"/>
+              <a:t> </a:t>
+            </a:r>
+            <a:r>
+              <a:rPr lang="en-US" sz="2000" dirty="0" err="1"/>
+              <a:t>kí</a:t>
+            </a:r>
+            <a:r>
+              <a:rPr lang="en-US" sz="2000" dirty="0"/>
+              <a:t> </a:t>
+            </a:r>
+            <a:r>
+              <a:rPr lang="en-US" sz="2000" dirty="0" err="1"/>
+              <a:t>tự</a:t>
+            </a:r>
+            <a:endParaRPr lang="en-US" sz="2000" dirty="0"/>
+          </a:p>
+          <a:p>
+            <a:pPr lvl="0">
+              <a:spcBef>
+                <a:spcPts val="600"/>
+              </a:spcBef>
+              <a:spcAft>
+                <a:spcPts val="600"/>
+              </a:spcAft>
+            </a:pPr>
+            <a:r>
+              <a:rPr lang="en-US" sz="2000" dirty="0" err="1"/>
+              <a:t>Biết</a:t>
+            </a:r>
+            <a:r>
+              <a:rPr lang="en-US" sz="2000" dirty="0"/>
+              <a:t> </a:t>
+            </a:r>
+            <a:r>
+              <a:rPr lang="en-US" sz="2000" dirty="0" err="1"/>
+              <a:t>cách</a:t>
+            </a:r>
+            <a:r>
+              <a:rPr lang="en-US" sz="2000" dirty="0"/>
+              <a:t> </a:t>
+            </a:r>
+            <a:r>
+              <a:rPr lang="en-US" sz="2000" dirty="0" err="1"/>
               <a:t>sử</a:t>
             </a:r>
             <a:r>
@@ -14051,51 +13658,51 @@
               <a:t> </a:t>
             </a:r>
             <a:r>
-              <a:rPr lang="en-US" sz="2000" dirty="0" err="1" smtClean="0"/>
+              <a:rPr lang="en-US" sz="2000" dirty="0" err="1"/>
               <a:t>một</a:t>
             </a:r>
             <a:r>
-              <a:rPr lang="en-US" sz="2000" dirty="0" smtClean="0"/>
-              <a:t> </a:t>
-            </a:r>
-            <a:r>
-              <a:rPr lang="en-US" sz="2000" dirty="0" err="1" smtClean="0"/>
+              <a:rPr lang="en-US" sz="2000" dirty="0"/>
+              <a:t> </a:t>
+            </a:r>
+            <a:r>
+              <a:rPr lang="en-US" sz="2000" dirty="0" err="1"/>
               <a:t>số</a:t>
             </a:r>
             <a:r>
-              <a:rPr lang="en-US" sz="2000" dirty="0" smtClean="0"/>
-              <a:t> </a:t>
-            </a:r>
-            <a:r>
-              <a:rPr lang="en-US" sz="2000" dirty="0" err="1" smtClean="0"/>
+              <a:rPr lang="en-US" sz="2000" dirty="0"/>
+              <a:t> </a:t>
+            </a:r>
+            <a:r>
+              <a:rPr lang="en-US" sz="2000" dirty="0" err="1"/>
               <a:t>lớp</a:t>
             </a:r>
             <a:r>
-              <a:rPr lang="en-US" sz="2000" dirty="0" smtClean="0"/>
-              <a:t> </a:t>
-            </a:r>
-            <a:r>
-              <a:rPr lang="en-US" sz="2000" dirty="0" err="1" smtClean="0"/>
+              <a:rPr lang="en-US" sz="2000" dirty="0"/>
+              <a:t> </a:t>
+            </a:r>
+            <a:r>
+              <a:rPr lang="en-US" sz="2000" dirty="0" err="1"/>
               <a:t>cơ</a:t>
             </a:r>
             <a:r>
-              <a:rPr lang="en-US" sz="2000" dirty="0" smtClean="0"/>
-              <a:t> </a:t>
-            </a:r>
-            <a:r>
-              <a:rPr lang="en-US" sz="2000" dirty="0" err="1" smtClean="0"/>
+              <a:rPr lang="en-US" sz="2000" dirty="0"/>
+              <a:t> </a:t>
+            </a:r>
+            <a:r>
+              <a:rPr lang="en-US" sz="2000" dirty="0" err="1"/>
               <a:t>bản</a:t>
             </a:r>
             <a:r>
-              <a:rPr lang="en-US" sz="2000" dirty="0" smtClean="0"/>
-              <a:t> </a:t>
-            </a:r>
-            <a:r>
-              <a:rPr lang="en-US" sz="2000" dirty="0" err="1" smtClean="0"/>
+              <a:rPr lang="en-US" sz="2000" dirty="0"/>
+              <a:t> </a:t>
+            </a:r>
+            <a:r>
+              <a:rPr lang="en-US" sz="2000" dirty="0" err="1"/>
               <a:t>trong</a:t>
             </a:r>
             <a:r>
-              <a:rPr lang="en-US" sz="2000" dirty="0" smtClean="0"/>
+              <a:rPr lang="en-US" sz="2000" dirty="0"/>
               <a:t> Java</a:t>
             </a:r>
             <a:endParaRPr sz="2000" dirty="0"/>
@@ -14149,13 +13756,6 @@
   <p:clrMapOvr>
     <a:masterClrMapping/>
   </p:clrMapOvr>
-  <p:timing>
-    <p:tnLst>
-      <p:par>
-        <p:cTn id="1" dur="indefinite" restart="never" nodeType="tmRoot"/>
-      </p:par>
-    </p:tnLst>
-  </p:timing>
 </p:sld>
 </file>
 
@@ -14189,7 +13789,7 @@
         <p:spPr>
           <a:extLst>
             <a:ext uri="{FAA26D3D-D897-4be2-8F04-BA451C77F1D7}">
-              <ma14:placeholderFlag xmlns:ma14="http://schemas.microsoft.com/office/mac/drawingml/2011/main" xmlns="" val="1"/>
+              <ma14:placeholderFlag xmlns="" xmlns:ma14="http://schemas.microsoft.com/office/mac/drawingml/2011/main" val="1"/>
             </a:ext>
           </a:extLst>
         </p:spPr>
@@ -14200,18 +13800,17 @@
           <a:lstStyle/>
           <a:p>
             <a:r>
-              <a:rPr lang="en-US" altLang="en-US" sz="2700" dirty="0" smtClean="0"/>
+              <a:rPr lang="en-US" altLang="en-US" sz="2700" dirty="0"/>
               <a:t>LỆNH </a:t>
             </a:r>
             <a:r>
-              <a:rPr lang="en-US" altLang="en-US" sz="2700" dirty="0" err="1" smtClean="0"/>
+              <a:rPr lang="en-US" altLang="en-US" sz="2700" dirty="0" err="1"/>
               <a:t>FOREACH</a:t>
             </a:r>
             <a:r>
-              <a:rPr lang="en-US" altLang="en-US" sz="2700" dirty="0" smtClean="0"/>
-              <a:t> </a:t>
-            </a:r>
-            <a:endParaRPr lang="en-US" altLang="en-US" sz="2700" dirty="0"/>
+              <a:rPr lang="en-US" altLang="en-US" sz="2700" dirty="0"/>
+              <a:t> </a:t>
+            </a:r>
           </a:p>
         </p:txBody>
       </p:sp>
@@ -14242,7 +13841,7 @@
               </a:lnSpc>
             </a:pPr>
             <a:r>
-              <a:rPr lang="en-US" sz="1800" b="1" dirty="0" err="1" smtClean="0">
+              <a:rPr lang="en-US" sz="1800" b="1" dirty="0" err="1">
                 <a:latin typeface="Calibri" panose="020F0502020204030204" pitchFamily="34" charset="0"/>
                 <a:ea typeface="Calibri" panose="020F0502020204030204" pitchFamily="34" charset="0"/>
                 <a:cs typeface="Times New Roman" panose="02020603050405020304" pitchFamily="18" charset="0"/>
@@ -14250,15 +13849,15 @@
               <a:t>Hoạt</a:t>
             </a:r>
             <a:r>
-              <a:rPr lang="en-US" sz="1800" b="1" dirty="0" smtClean="0">
-                <a:latin typeface="Calibri" panose="020F0502020204030204" pitchFamily="34" charset="0"/>
-                <a:ea typeface="Calibri" panose="020F0502020204030204" pitchFamily="34" charset="0"/>
-                <a:cs typeface="Times New Roman" panose="02020603050405020304" pitchFamily="18" charset="0"/>
-              </a:rPr>
-              <a:t> </a:t>
-            </a:r>
-            <a:r>
-              <a:rPr lang="en-US" sz="1800" b="1" dirty="0" err="1" smtClean="0">
+              <a:rPr lang="en-US" sz="1800" b="1" dirty="0">
+                <a:latin typeface="Calibri" panose="020F0502020204030204" pitchFamily="34" charset="0"/>
+                <a:ea typeface="Calibri" panose="020F0502020204030204" pitchFamily="34" charset="0"/>
+                <a:cs typeface="Times New Roman" panose="02020603050405020304" pitchFamily="18" charset="0"/>
+              </a:rPr>
+              <a:t> </a:t>
+            </a:r>
+            <a:r>
+              <a:rPr lang="en-US" sz="1800" b="1" dirty="0" err="1">
                 <a:latin typeface="Calibri" panose="020F0502020204030204" pitchFamily="34" charset="0"/>
                 <a:ea typeface="Calibri" panose="020F0502020204030204" pitchFamily="34" charset="0"/>
                 <a:cs typeface="Times New Roman" panose="02020603050405020304" pitchFamily="18" charset="0"/>
@@ -14278,7 +13877,7 @@
               </a:lnSpc>
             </a:pPr>
             <a:r>
-              <a:rPr lang="en-US" sz="1800" dirty="0" smtClean="0">
+              <a:rPr lang="en-US" sz="1800" dirty="0">
                 <a:latin typeface="Calibri" panose="020F0502020204030204" pitchFamily="34" charset="0"/>
                 <a:ea typeface="Calibri" panose="020F0502020204030204" pitchFamily="34" charset="0"/>
                 <a:cs typeface="Times New Roman" panose="02020603050405020304" pitchFamily="18" charset="0"/>
@@ -14286,22 +13885,14 @@
               <a:t>- D</a:t>
             </a:r>
             <a:r>
-              <a:rPr lang="vi-VN" sz="1800" dirty="0" smtClean="0">
-                <a:latin typeface="Calibri" panose="020F0502020204030204" pitchFamily="34" charset="0"/>
-                <a:ea typeface="Calibri" panose="020F0502020204030204" pitchFamily="34" charset="0"/>
-                <a:cs typeface="Times New Roman" panose="02020603050405020304" pitchFamily="18" charset="0"/>
-              </a:rPr>
-              <a:t>uyệt </a:t>
-            </a:r>
-            <a:r>
               <a:rPr lang="vi-VN" sz="1800" dirty="0">
                 <a:latin typeface="Calibri" panose="020F0502020204030204" pitchFamily="34" charset="0"/>
                 <a:ea typeface="Calibri" panose="020F0502020204030204" pitchFamily="34" charset="0"/>
                 <a:cs typeface="Times New Roman" panose="02020603050405020304" pitchFamily="18" charset="0"/>
               </a:rPr>
-              <a:t>các phần tử của mảng từ phần tử đầu tiên trong mảng đến phần tử cuối cùng. </a:t>
-            </a:r>
-            <a:endParaRPr lang="en-US" sz="1800" dirty="0" smtClean="0">
+              <a:t>uyệt các phần tử của mảng từ phần tử đầu tiên trong mảng đến phần tử cuối cùng. </a:t>
+            </a:r>
+            <a:endParaRPr lang="en-US" sz="1800" dirty="0">
               <a:latin typeface="Calibri" panose="020F0502020204030204" pitchFamily="34" charset="0"/>
               <a:ea typeface="Calibri" panose="020F0502020204030204" pitchFamily="34" charset="0"/>
               <a:cs typeface="Times New Roman" panose="02020603050405020304" pitchFamily="18" charset="0"/>
@@ -14314,7 +13905,7 @@
               </a:lnSpc>
             </a:pPr>
             <a:r>
-              <a:rPr lang="en-US" sz="1800" dirty="0" smtClean="0">
+              <a:rPr lang="en-US" sz="1800" dirty="0">
                 <a:latin typeface="Calibri" panose="020F0502020204030204" pitchFamily="34" charset="0"/>
                 <a:ea typeface="Calibri" panose="020F0502020204030204" pitchFamily="34" charset="0"/>
                 <a:cs typeface="Times New Roman" panose="02020603050405020304" pitchFamily="18" charset="0"/>
@@ -14322,39 +13913,23 @@
               <a:t>- M</a:t>
             </a:r>
             <a:r>
-              <a:rPr lang="vi-VN" sz="1800" dirty="0" smtClean="0">
-                <a:latin typeface="Calibri" panose="020F0502020204030204" pitchFamily="34" charset="0"/>
-                <a:ea typeface="Calibri" panose="020F0502020204030204" pitchFamily="34" charset="0"/>
-                <a:cs typeface="Times New Roman" panose="02020603050405020304" pitchFamily="18" charset="0"/>
-              </a:rPr>
-              <a:t>ỗi </a:t>
-            </a:r>
-            <a:r>
               <a:rPr lang="vi-VN" sz="1800" dirty="0">
                 <a:latin typeface="Calibri" panose="020F0502020204030204" pitchFamily="34" charset="0"/>
                 <a:ea typeface="Calibri" panose="020F0502020204030204" pitchFamily="34" charset="0"/>
                 <a:cs typeface="Times New Roman" panose="02020603050405020304" pitchFamily="18" charset="0"/>
               </a:rPr>
-              <a:t>phần </a:t>
-            </a:r>
-            <a:r>
-              <a:rPr lang="vi-VN" sz="1800" dirty="0" smtClean="0">
-                <a:latin typeface="Calibri" panose="020F0502020204030204" pitchFamily="34" charset="0"/>
-                <a:ea typeface="Calibri" panose="020F0502020204030204" pitchFamily="34" charset="0"/>
-                <a:cs typeface="Times New Roman" panose="02020603050405020304" pitchFamily="18" charset="0"/>
-              </a:rPr>
-              <a:t>tử</a:t>
-            </a:r>
-            <a:r>
-              <a:rPr lang="en-US" sz="1800" dirty="0" smtClean="0">
-                <a:latin typeface="Calibri" panose="020F0502020204030204" pitchFamily="34" charset="0"/>
-                <a:ea typeface="Calibri" panose="020F0502020204030204" pitchFamily="34" charset="0"/>
-                <a:cs typeface="Times New Roman" panose="02020603050405020304" pitchFamily="18" charset="0"/>
-              </a:rPr>
-              <a:t> </a:t>
-            </a:r>
-            <a:r>
-              <a:rPr lang="en-US" sz="1800" dirty="0" err="1" smtClean="0">
+              <a:t>ỗi phần tử</a:t>
+            </a:r>
+            <a:r>
+              <a:rPr lang="en-US" sz="1800" dirty="0">
+                <a:latin typeface="Calibri" panose="020F0502020204030204" pitchFamily="34" charset="0"/>
+                <a:ea typeface="Calibri" panose="020F0502020204030204" pitchFamily="34" charset="0"/>
+                <a:cs typeface="Times New Roman" panose="02020603050405020304" pitchFamily="18" charset="0"/>
+              </a:rPr>
+              <a:t> </a:t>
+            </a:r>
+            <a:r>
+              <a:rPr lang="en-US" sz="1800" dirty="0" err="1">
                 <a:latin typeface="Calibri" panose="020F0502020204030204" pitchFamily="34" charset="0"/>
                 <a:ea typeface="Calibri" panose="020F0502020204030204" pitchFamily="34" charset="0"/>
                 <a:cs typeface="Times New Roman" panose="02020603050405020304" pitchFamily="18" charset="0"/>
@@ -14362,7 +13937,7 @@
               <a:t>được</a:t>
             </a:r>
             <a:r>
-              <a:rPr lang="en-US" sz="1800" dirty="0" smtClean="0">
+              <a:rPr lang="en-US" sz="1800" dirty="0">
                 <a:latin typeface="Calibri" panose="020F0502020204030204" pitchFamily="34" charset="0"/>
                 <a:ea typeface="Calibri" panose="020F0502020204030204" pitchFamily="34" charset="0"/>
                 <a:cs typeface="Times New Roman" panose="02020603050405020304" pitchFamily="18" charset="0"/>
@@ -14370,36 +13945,12 @@
               <a:t> l</a:t>
             </a:r>
             <a:r>
-              <a:rPr lang="vi-VN" sz="1800" dirty="0" smtClean="0">
-                <a:latin typeface="Calibri" panose="020F0502020204030204" pitchFamily="34" charset="0"/>
-                <a:ea typeface="Calibri" panose="020F0502020204030204" pitchFamily="34" charset="0"/>
-                <a:cs typeface="Times New Roman" panose="02020603050405020304" pitchFamily="18" charset="0"/>
-              </a:rPr>
-              <a:t>ưu </a:t>
-            </a:r>
-            <a:r>
               <a:rPr lang="vi-VN" sz="1800" dirty="0">
                 <a:latin typeface="Calibri" panose="020F0502020204030204" pitchFamily="34" charset="0"/>
                 <a:ea typeface="Calibri" panose="020F0502020204030204" pitchFamily="34" charset="0"/>
                 <a:cs typeface="Times New Roman" panose="02020603050405020304" pitchFamily="18" charset="0"/>
               </a:rPr>
-              <a:t>trữ </a:t>
-            </a:r>
-            <a:r>
-              <a:rPr lang="vi-VN" sz="1800" dirty="0" smtClean="0">
-                <a:latin typeface="Calibri" panose="020F0502020204030204" pitchFamily="34" charset="0"/>
-                <a:ea typeface="Calibri" panose="020F0502020204030204" pitchFamily="34" charset="0"/>
-                <a:cs typeface="Times New Roman" panose="02020603050405020304" pitchFamily="18" charset="0"/>
-              </a:rPr>
-              <a:t>trong </a:t>
-            </a:r>
-            <a:r>
-              <a:rPr lang="vi-VN" sz="1800" dirty="0">
-                <a:latin typeface="Calibri" panose="020F0502020204030204" pitchFamily="34" charset="0"/>
-                <a:ea typeface="Calibri" panose="020F0502020204030204" pitchFamily="34" charset="0"/>
-                <a:cs typeface="Times New Roman" panose="02020603050405020304" pitchFamily="18" charset="0"/>
-              </a:rPr>
-              <a:t>biến và thực thi phần thân của vòng lặp for-each.</a:t>
+              <a:t>ưu trữ trong biến và thực thi phần thân của vòng lặp for-each.</a:t>
             </a:r>
             <a:endParaRPr lang="en-US" sz="1800" dirty="0">
               <a:effectLst/>
@@ -14420,13 +13971,6 @@
   <p:clrMapOvr>
     <a:masterClrMapping/>
   </p:clrMapOvr>
-  <p:timing>
-    <p:tnLst>
-      <p:par>
-        <p:cTn id="1" dur="indefinite" restart="never" nodeType="tmRoot"/>
-      </p:par>
-    </p:tnLst>
-  </p:timing>
 </p:sld>
 </file>
 
@@ -14460,7 +14004,7 @@
         <p:spPr>
           <a:extLst>
             <a:ext uri="{FAA26D3D-D897-4be2-8F04-BA451C77F1D7}">
-              <ma14:placeholderFlag xmlns:ma14="http://schemas.microsoft.com/office/mac/drawingml/2011/main" xmlns="" val="1"/>
+              <ma14:placeholderFlag xmlns="" xmlns:ma14="http://schemas.microsoft.com/office/mac/drawingml/2011/main" val="1"/>
             </a:ext>
           </a:extLst>
         </p:spPr>
@@ -14471,18 +14015,17 @@
           <a:lstStyle/>
           <a:p>
             <a:r>
-              <a:rPr lang="en-US" altLang="en-US" sz="2700" dirty="0" smtClean="0"/>
+              <a:rPr lang="en-US" altLang="en-US" sz="2700" dirty="0"/>
               <a:t>LỆNH </a:t>
             </a:r>
             <a:r>
-              <a:rPr lang="en-US" altLang="en-US" sz="2700" dirty="0" err="1" smtClean="0"/>
+              <a:rPr lang="en-US" altLang="en-US" sz="2700" dirty="0" err="1"/>
               <a:t>FOREACH</a:t>
             </a:r>
             <a:r>
-              <a:rPr lang="en-US" altLang="en-US" sz="2700" dirty="0" smtClean="0"/>
-              <a:t> </a:t>
-            </a:r>
-            <a:endParaRPr lang="en-US" altLang="en-US" sz="2700" dirty="0"/>
+              <a:rPr lang="en-US" altLang="en-US" sz="2700" dirty="0"/>
+              <a:t> </a:t>
+            </a:r>
           </a:p>
         </p:txBody>
       </p:sp>
@@ -14571,7 +14114,7 @@
               </a:lnSpc>
             </a:pPr>
             <a:r>
-              <a:rPr lang="en-US" sz="1800" dirty="0" err="1" smtClean="0">
+              <a:rPr lang="en-US" sz="1800" dirty="0" err="1">
                 <a:latin typeface="Calibri" panose="020F0502020204030204" pitchFamily="34" charset="0"/>
                 <a:ea typeface="Calibri" panose="020F0502020204030204" pitchFamily="34" charset="0"/>
                 <a:cs typeface="Times New Roman" panose="02020603050405020304" pitchFamily="18" charset="0"/>
@@ -14579,15 +14122,15 @@
               <a:t>Tìm</a:t>
             </a:r>
             <a:r>
-              <a:rPr lang="en-US" sz="1800" dirty="0" smtClean="0">
-                <a:latin typeface="Calibri" panose="020F0502020204030204" pitchFamily="34" charset="0"/>
-                <a:ea typeface="Calibri" panose="020F0502020204030204" pitchFamily="34" charset="0"/>
-                <a:cs typeface="Times New Roman" panose="02020603050405020304" pitchFamily="18" charset="0"/>
-              </a:rPr>
-              <a:t> </a:t>
-            </a:r>
-            <a:r>
-              <a:rPr lang="en-US" sz="1800" dirty="0" err="1" smtClean="0">
+              <a:rPr lang="en-US" sz="1800" dirty="0">
+                <a:latin typeface="Calibri" panose="020F0502020204030204" pitchFamily="34" charset="0"/>
+                <a:ea typeface="Calibri" panose="020F0502020204030204" pitchFamily="34" charset="0"/>
+                <a:cs typeface="Times New Roman" panose="02020603050405020304" pitchFamily="18" charset="0"/>
+              </a:rPr>
+              <a:t> </a:t>
+            </a:r>
+            <a:r>
+              <a:rPr lang="en-US" sz="1800" dirty="0" err="1">
                 <a:latin typeface="Calibri" panose="020F0502020204030204" pitchFamily="34" charset="0"/>
                 <a:ea typeface="Calibri" panose="020F0502020204030204" pitchFamily="34" charset="0"/>
                 <a:cs typeface="Times New Roman" panose="02020603050405020304" pitchFamily="18" charset="0"/>
@@ -14595,15 +14138,15 @@
               <a:t>phần</a:t>
             </a:r>
             <a:r>
-              <a:rPr lang="en-US" sz="1800" dirty="0" smtClean="0">
-                <a:latin typeface="Calibri" panose="020F0502020204030204" pitchFamily="34" charset="0"/>
-                <a:ea typeface="Calibri" panose="020F0502020204030204" pitchFamily="34" charset="0"/>
-                <a:cs typeface="Times New Roman" panose="02020603050405020304" pitchFamily="18" charset="0"/>
-              </a:rPr>
-              <a:t> </a:t>
-            </a:r>
-            <a:r>
-              <a:rPr lang="en-US" sz="1800" dirty="0" err="1" smtClean="0">
+              <a:rPr lang="en-US" sz="1800" dirty="0">
+                <a:latin typeface="Calibri" panose="020F0502020204030204" pitchFamily="34" charset="0"/>
+                <a:ea typeface="Calibri" panose="020F0502020204030204" pitchFamily="34" charset="0"/>
+                <a:cs typeface="Times New Roman" panose="02020603050405020304" pitchFamily="18" charset="0"/>
+              </a:rPr>
+              <a:t> </a:t>
+            </a:r>
+            <a:r>
+              <a:rPr lang="en-US" sz="1800" dirty="0" err="1">
                 <a:latin typeface="Calibri" panose="020F0502020204030204" pitchFamily="34" charset="0"/>
                 <a:ea typeface="Calibri" panose="020F0502020204030204" pitchFamily="34" charset="0"/>
                 <a:cs typeface="Times New Roman" panose="02020603050405020304" pitchFamily="18" charset="0"/>
@@ -14611,15 +14154,15 @@
               <a:t>tử</a:t>
             </a:r>
             <a:r>
-              <a:rPr lang="en-US" sz="1800" dirty="0" smtClean="0">
-                <a:latin typeface="Calibri" panose="020F0502020204030204" pitchFamily="34" charset="0"/>
-                <a:ea typeface="Calibri" panose="020F0502020204030204" pitchFamily="34" charset="0"/>
-                <a:cs typeface="Times New Roman" panose="02020603050405020304" pitchFamily="18" charset="0"/>
-              </a:rPr>
-              <a:t> </a:t>
-            </a:r>
-            <a:r>
-              <a:rPr lang="en-US" sz="1800" dirty="0" err="1" smtClean="0">
+              <a:rPr lang="en-US" sz="1800" dirty="0">
+                <a:latin typeface="Calibri" panose="020F0502020204030204" pitchFamily="34" charset="0"/>
+                <a:ea typeface="Calibri" panose="020F0502020204030204" pitchFamily="34" charset="0"/>
+                <a:cs typeface="Times New Roman" panose="02020603050405020304" pitchFamily="18" charset="0"/>
+              </a:rPr>
+              <a:t> </a:t>
+            </a:r>
+            <a:r>
+              <a:rPr lang="en-US" sz="1800" dirty="0" err="1">
                 <a:latin typeface="Calibri" panose="020F0502020204030204" pitchFamily="34" charset="0"/>
                 <a:ea typeface="Calibri" panose="020F0502020204030204" pitchFamily="34" charset="0"/>
                 <a:cs typeface="Times New Roman" panose="02020603050405020304" pitchFamily="18" charset="0"/>
@@ -14627,15 +14170,15 @@
               <a:t>lớn</a:t>
             </a:r>
             <a:r>
-              <a:rPr lang="en-US" sz="1800" dirty="0" smtClean="0">
-                <a:latin typeface="Calibri" panose="020F0502020204030204" pitchFamily="34" charset="0"/>
-                <a:ea typeface="Calibri" panose="020F0502020204030204" pitchFamily="34" charset="0"/>
-                <a:cs typeface="Times New Roman" panose="02020603050405020304" pitchFamily="18" charset="0"/>
-              </a:rPr>
-              <a:t> </a:t>
-            </a:r>
-            <a:r>
-              <a:rPr lang="en-US" sz="1800" dirty="0" err="1" smtClean="0">
+              <a:rPr lang="en-US" sz="1800" dirty="0">
+                <a:latin typeface="Calibri" panose="020F0502020204030204" pitchFamily="34" charset="0"/>
+                <a:ea typeface="Calibri" panose="020F0502020204030204" pitchFamily="34" charset="0"/>
+                <a:cs typeface="Times New Roman" panose="02020603050405020304" pitchFamily="18" charset="0"/>
+              </a:rPr>
+              <a:t> </a:t>
+            </a:r>
+            <a:r>
+              <a:rPr lang="en-US" sz="1800" dirty="0" err="1">
                 <a:latin typeface="Calibri" panose="020F0502020204030204" pitchFamily="34" charset="0"/>
                 <a:ea typeface="Calibri" panose="020F0502020204030204" pitchFamily="34" charset="0"/>
                 <a:cs typeface="Times New Roman" panose="02020603050405020304" pitchFamily="18" charset="0"/>
@@ -14643,15 +14186,15 @@
               <a:t>nhất</a:t>
             </a:r>
             <a:r>
-              <a:rPr lang="en-US" sz="1800" dirty="0" smtClean="0">
-                <a:latin typeface="Calibri" panose="020F0502020204030204" pitchFamily="34" charset="0"/>
-                <a:ea typeface="Calibri" panose="020F0502020204030204" pitchFamily="34" charset="0"/>
-                <a:cs typeface="Times New Roman" panose="02020603050405020304" pitchFamily="18" charset="0"/>
-              </a:rPr>
-              <a:t> </a:t>
-            </a:r>
-            <a:r>
-              <a:rPr lang="en-US" sz="1800" dirty="0" err="1" smtClean="0">
+              <a:rPr lang="en-US" sz="1800" dirty="0">
+                <a:latin typeface="Calibri" panose="020F0502020204030204" pitchFamily="34" charset="0"/>
+                <a:ea typeface="Calibri" panose="020F0502020204030204" pitchFamily="34" charset="0"/>
+                <a:cs typeface="Times New Roman" panose="02020603050405020304" pitchFamily="18" charset="0"/>
+              </a:rPr>
+              <a:t> </a:t>
+            </a:r>
+            <a:r>
+              <a:rPr lang="en-US" sz="1800" dirty="0" err="1">
                 <a:latin typeface="Calibri" panose="020F0502020204030204" pitchFamily="34" charset="0"/>
                 <a:ea typeface="Calibri" panose="020F0502020204030204" pitchFamily="34" charset="0"/>
                 <a:cs typeface="Times New Roman" panose="02020603050405020304" pitchFamily="18" charset="0"/>
@@ -14659,15 +14202,15 @@
               <a:t>của</a:t>
             </a:r>
             <a:r>
-              <a:rPr lang="en-US" sz="1800" dirty="0" smtClean="0">
-                <a:latin typeface="Calibri" panose="020F0502020204030204" pitchFamily="34" charset="0"/>
-                <a:ea typeface="Calibri" panose="020F0502020204030204" pitchFamily="34" charset="0"/>
-                <a:cs typeface="Times New Roman" panose="02020603050405020304" pitchFamily="18" charset="0"/>
-              </a:rPr>
-              <a:t> </a:t>
-            </a:r>
-            <a:r>
-              <a:rPr lang="en-US" sz="1800" dirty="0" err="1" smtClean="0">
+              <a:rPr lang="en-US" sz="1800" dirty="0">
+                <a:latin typeface="Calibri" panose="020F0502020204030204" pitchFamily="34" charset="0"/>
+                <a:ea typeface="Calibri" panose="020F0502020204030204" pitchFamily="34" charset="0"/>
+                <a:cs typeface="Times New Roman" panose="02020603050405020304" pitchFamily="18" charset="0"/>
+              </a:rPr>
+              <a:t> </a:t>
+            </a:r>
+            <a:r>
+              <a:rPr lang="en-US" sz="1800" dirty="0" err="1">
                 <a:latin typeface="Calibri" panose="020F0502020204030204" pitchFamily="34" charset="0"/>
                 <a:ea typeface="Calibri" panose="020F0502020204030204" pitchFamily="34" charset="0"/>
                 <a:cs typeface="Times New Roman" panose="02020603050405020304" pitchFamily="18" charset="0"/>
@@ -14758,13 +14301,6 @@
   <p:clrMapOvr>
     <a:masterClrMapping/>
   </p:clrMapOvr>
-  <p:timing>
-    <p:tnLst>
-      <p:par>
-        <p:cTn id="1" dur="indefinite" restart="never" nodeType="tmRoot"/>
-      </p:par>
-    </p:tnLst>
-  </p:timing>
 </p:sld>
 </file>
 
@@ -14798,7 +14334,7 @@
         <p:spPr>
           <a:extLst>
             <a:ext uri="{FAA26D3D-D897-4be2-8F04-BA451C77F1D7}">
-              <ma14:placeholderFlag xmlns:ma14="http://schemas.microsoft.com/office/mac/drawingml/2011/main" xmlns="" val="1"/>
+              <ma14:placeholderFlag xmlns="" xmlns:ma14="http://schemas.microsoft.com/office/mac/drawingml/2011/main" val="1"/>
             </a:ext>
           </a:extLst>
         </p:spPr>
@@ -14809,18 +14345,17 @@
           <a:lstStyle/>
           <a:p>
             <a:r>
-              <a:rPr lang="en-US" altLang="en-US" sz="2700" dirty="0" smtClean="0"/>
+              <a:rPr lang="en-US" altLang="en-US" sz="2700" dirty="0"/>
               <a:t>LỆNH </a:t>
             </a:r>
             <a:r>
-              <a:rPr lang="en-US" altLang="en-US" sz="2700" dirty="0" err="1" smtClean="0"/>
+              <a:rPr lang="en-US" altLang="en-US" sz="2700" dirty="0" err="1"/>
               <a:t>FOREACH</a:t>
             </a:r>
             <a:r>
-              <a:rPr lang="en-US" altLang="en-US" sz="2700" dirty="0" smtClean="0"/>
-              <a:t> </a:t>
-            </a:r>
-            <a:endParaRPr lang="en-US" altLang="en-US" sz="2700" dirty="0"/>
+              <a:rPr lang="en-US" altLang="en-US" sz="2700" dirty="0"/>
+              <a:t> </a:t>
+            </a:r>
           </a:p>
         </p:txBody>
       </p:sp>
@@ -14851,7 +14386,7 @@
               </a:lnSpc>
             </a:pPr>
             <a:r>
-              <a:rPr lang="en-US" sz="1800" b="1" dirty="0" smtClean="0">
+              <a:rPr lang="en-US" sz="1800" b="1" dirty="0">
                 <a:latin typeface="Calibri" panose="020F0502020204030204" pitchFamily="34" charset="0"/>
                 <a:ea typeface="Calibri" panose="020F0502020204030204" pitchFamily="34" charset="0"/>
                 <a:cs typeface="Times New Roman" panose="02020603050405020304" pitchFamily="18" charset="0"/>
@@ -14859,7 +14394,7 @@
               <a:t>Ưu </a:t>
             </a:r>
             <a:r>
-              <a:rPr lang="en-US" sz="1800" b="1" dirty="0" err="1" smtClean="0">
+              <a:rPr lang="en-US" sz="1800" b="1" dirty="0" err="1">
                 <a:latin typeface="Calibri" panose="020F0502020204030204" pitchFamily="34" charset="0"/>
                 <a:ea typeface="Calibri" panose="020F0502020204030204" pitchFamily="34" charset="0"/>
                 <a:cs typeface="Times New Roman" panose="02020603050405020304" pitchFamily="18" charset="0"/>
@@ -14879,7 +14414,7 @@
               </a:lnSpc>
             </a:pPr>
             <a:r>
-              <a:rPr lang="en-US" sz="1800" dirty="0" smtClean="0">
+              <a:rPr lang="en-US" sz="1800" dirty="0">
                 <a:latin typeface="Calibri" panose="020F0502020204030204" pitchFamily="34" charset="0"/>
                 <a:ea typeface="Calibri" panose="020F0502020204030204" pitchFamily="34" charset="0"/>
                 <a:cs typeface="Times New Roman" panose="02020603050405020304" pitchFamily="18" charset="0"/>
@@ -14887,20 +14422,12 @@
               <a:t>- </a:t>
             </a:r>
             <a:r>
-              <a:rPr lang="vi-VN" sz="1800" dirty="0" smtClean="0">
-                <a:latin typeface="Calibri" panose="020F0502020204030204" pitchFamily="34" charset="0"/>
-                <a:ea typeface="Calibri" panose="020F0502020204030204" pitchFamily="34" charset="0"/>
-                <a:cs typeface="Times New Roman" panose="02020603050405020304" pitchFamily="18" charset="0"/>
-              </a:rPr>
-              <a:t>Làm </a:t>
-            </a:r>
-            <a:r>
               <a:rPr lang="vi-VN" sz="1800" dirty="0">
                 <a:latin typeface="Calibri" panose="020F0502020204030204" pitchFamily="34" charset="0"/>
                 <a:ea typeface="Calibri" panose="020F0502020204030204" pitchFamily="34" charset="0"/>
                 <a:cs typeface="Times New Roman" panose="02020603050405020304" pitchFamily="18" charset="0"/>
               </a:rPr>
-              <a:t>cho mã dễ đọc hơn.</a:t>
+              <a:t>Làm cho mã dễ đọc hơn.</a:t>
             </a:r>
           </a:p>
           <a:p>
@@ -14930,13 +14457,6 @@
   <p:clrMapOvr>
     <a:masterClrMapping/>
   </p:clrMapOvr>
-  <p:timing>
-    <p:tnLst>
-      <p:par>
-        <p:cTn id="1" dur="indefinite" restart="never" nodeType="tmRoot"/>
-      </p:par>
-    </p:tnLst>
-  </p:timing>
 </p:sld>
 </file>
 
@@ -14970,7 +14490,7 @@
         <p:spPr>
           <a:extLst>
             <a:ext uri="{FAA26D3D-D897-4be2-8F04-BA451C77F1D7}">
-              <ma14:placeholderFlag xmlns:ma14="http://schemas.microsoft.com/office/mac/drawingml/2011/main" xmlns="" val="1"/>
+              <ma14:placeholderFlag xmlns="" xmlns:ma14="http://schemas.microsoft.com/office/mac/drawingml/2011/main" val="1"/>
             </a:ext>
           </a:extLst>
         </p:spPr>
@@ -14981,18 +14501,17 @@
           <a:lstStyle/>
           <a:p>
             <a:r>
-              <a:rPr lang="en-US" altLang="en-US" sz="2700" dirty="0" smtClean="0"/>
+              <a:rPr lang="en-US" altLang="en-US" sz="2700" dirty="0"/>
               <a:t>LỆNH </a:t>
             </a:r>
             <a:r>
-              <a:rPr lang="en-US" altLang="en-US" sz="2700" dirty="0" err="1" smtClean="0"/>
+              <a:rPr lang="en-US" altLang="en-US" sz="2700" dirty="0" err="1"/>
               <a:t>FOREACH</a:t>
             </a:r>
             <a:r>
-              <a:rPr lang="en-US" altLang="en-US" sz="2700" dirty="0" smtClean="0"/>
-              <a:t> </a:t>
-            </a:r>
-            <a:endParaRPr lang="en-US" altLang="en-US" sz="2700" dirty="0"/>
+              <a:rPr lang="en-US" altLang="en-US" sz="2700" dirty="0"/>
+              <a:t> </a:t>
+            </a:r>
           </a:p>
         </p:txBody>
       </p:sp>
@@ -15023,7 +14542,7 @@
               </a:lnSpc>
             </a:pPr>
             <a:r>
-              <a:rPr lang="en-US" sz="1800" b="1" dirty="0" err="1" smtClean="0">
+              <a:rPr lang="en-US" sz="1800" b="1" dirty="0" err="1">
                 <a:latin typeface="Calibri" panose="020F0502020204030204" pitchFamily="34" charset="0"/>
                 <a:ea typeface="Calibri" panose="020F0502020204030204" pitchFamily="34" charset="0"/>
                 <a:cs typeface="Times New Roman" panose="02020603050405020304" pitchFamily="18" charset="0"/>
@@ -15031,15 +14550,15 @@
               <a:t>Hạn</a:t>
             </a:r>
             <a:r>
-              <a:rPr lang="en-US" sz="1800" b="1" dirty="0" smtClean="0">
-                <a:latin typeface="Calibri" panose="020F0502020204030204" pitchFamily="34" charset="0"/>
-                <a:ea typeface="Calibri" panose="020F0502020204030204" pitchFamily="34" charset="0"/>
-                <a:cs typeface="Times New Roman" panose="02020603050405020304" pitchFamily="18" charset="0"/>
-              </a:rPr>
-              <a:t> </a:t>
-            </a:r>
-            <a:r>
-              <a:rPr lang="en-US" sz="1800" b="1" dirty="0" err="1" smtClean="0">
+              <a:rPr lang="en-US" sz="1800" b="1" dirty="0">
+                <a:latin typeface="Calibri" panose="020F0502020204030204" pitchFamily="34" charset="0"/>
+                <a:ea typeface="Calibri" panose="020F0502020204030204" pitchFamily="34" charset="0"/>
+                <a:cs typeface="Times New Roman" panose="02020603050405020304" pitchFamily="18" charset="0"/>
+              </a:rPr>
+              <a:t> </a:t>
+            </a:r>
+            <a:r>
+              <a:rPr lang="en-US" sz="1800" b="1" dirty="0" err="1">
                 <a:latin typeface="Calibri" panose="020F0502020204030204" pitchFamily="34" charset="0"/>
                 <a:ea typeface="Calibri" panose="020F0502020204030204" pitchFamily="34" charset="0"/>
                 <a:cs typeface="Times New Roman" panose="02020603050405020304" pitchFamily="18" charset="0"/>
@@ -15179,14 +14698,14 @@
               <a:t> </a:t>
             </a:r>
             <a:r>
-              <a:rPr lang="en-US" sz="1800" dirty="0" err="1" smtClean="0">
+              <a:rPr lang="en-US" sz="1800" dirty="0" err="1">
                 <a:latin typeface="Calibri" panose="020F0502020204030204" pitchFamily="34" charset="0"/>
                 <a:ea typeface="Calibri" panose="020F0502020204030204" pitchFamily="34" charset="0"/>
                 <a:cs typeface="Times New Roman" panose="02020603050405020304" pitchFamily="18" charset="0"/>
               </a:rPr>
               <a:t>mảng</a:t>
             </a:r>
-            <a:endParaRPr lang="en-US" sz="1800" dirty="0" smtClean="0">
+            <a:endParaRPr lang="en-US" sz="1800" dirty="0">
               <a:latin typeface="Calibri" panose="020F0502020204030204" pitchFamily="34" charset="0"/>
               <a:ea typeface="Calibri" panose="020F0502020204030204" pitchFamily="34" charset="0"/>
               <a:cs typeface="Times New Roman" panose="02020603050405020304" pitchFamily="18" charset="0"/>
@@ -15199,7 +14718,7 @@
               </a:lnSpc>
             </a:pPr>
             <a:r>
-              <a:rPr lang="en-US" sz="1800" dirty="0" smtClean="0">
+              <a:rPr lang="en-US" sz="1800" dirty="0">
                 <a:latin typeface="Calibri" panose="020F0502020204030204" pitchFamily="34" charset="0"/>
                 <a:ea typeface="Calibri" panose="020F0502020204030204" pitchFamily="34" charset="0"/>
                 <a:cs typeface="Times New Roman" panose="02020603050405020304" pitchFamily="18" charset="0"/>
@@ -15207,7 +14726,7 @@
               <a:t>- </a:t>
             </a:r>
             <a:r>
-              <a:rPr lang="en-US" sz="1800" dirty="0" err="1" smtClean="0">
+              <a:rPr lang="en-US" sz="1800" dirty="0" err="1">
                 <a:latin typeface="Calibri" panose="020F0502020204030204" pitchFamily="34" charset="0"/>
                 <a:ea typeface="Calibri" panose="020F0502020204030204" pitchFamily="34" charset="0"/>
                 <a:cs typeface="Times New Roman" panose="02020603050405020304" pitchFamily="18" charset="0"/>
@@ -15215,7 +14734,7 @@
               <a:t>Không</a:t>
             </a:r>
             <a:r>
-              <a:rPr lang="en-US" sz="1800" dirty="0" smtClean="0">
+              <a:rPr lang="en-US" sz="1800" dirty="0">
                 <a:latin typeface="Calibri" panose="020F0502020204030204" pitchFamily="34" charset="0"/>
                 <a:ea typeface="Calibri" panose="020F0502020204030204" pitchFamily="34" charset="0"/>
                 <a:cs typeface="Times New Roman" panose="02020603050405020304" pitchFamily="18" charset="0"/>
@@ -15398,7 +14917,30 @@
               </a:rPr>
               <a:t> </a:t>
             </a:r>
-            <a:endParaRPr lang="en-US" sz="1800" dirty="0" smtClean="0">
+          </a:p>
+          <a:p>
+            <a:pPr algn="just">
+              <a:lnSpc>
+                <a:spcPct val="150000"/>
+              </a:lnSpc>
+            </a:pPr>
+            <a:r>
+              <a:rPr lang="en-US" sz="1800" dirty="0">
+                <a:latin typeface="Calibri" panose="020F0502020204030204" pitchFamily="34" charset="0"/>
+                <a:ea typeface="Calibri" panose="020F0502020204030204" pitchFamily="34" charset="0"/>
+                <a:cs typeface="Times New Roman" panose="02020603050405020304" pitchFamily="18" charset="0"/>
+              </a:rPr>
+              <a:t>- </a:t>
+            </a:r>
+            <a:r>
+              <a:rPr lang="vi-VN" sz="1800" dirty="0">
+                <a:latin typeface="Calibri" panose="020F0502020204030204" pitchFamily="34" charset="0"/>
+                <a:ea typeface="Calibri" panose="020F0502020204030204" pitchFamily="34" charset="0"/>
+                <a:cs typeface="Times New Roman" panose="02020603050405020304" pitchFamily="18" charset="0"/>
+              </a:rPr>
+              <a:t>Chỉ lặp về phía trước trên mảng theo các bước đơn lẻ</a:t>
+            </a:r>
+            <a:endParaRPr lang="en-US" sz="1800" dirty="0">
               <a:latin typeface="Calibri" panose="020F0502020204030204" pitchFamily="34" charset="0"/>
               <a:ea typeface="Calibri" panose="020F0502020204030204" pitchFamily="34" charset="0"/>
               <a:cs typeface="Times New Roman" panose="02020603050405020304" pitchFamily="18" charset="0"/>
@@ -15411,7 +14953,7 @@
               </a:lnSpc>
             </a:pPr>
             <a:r>
-              <a:rPr lang="en-US" sz="1800" dirty="0" smtClean="0">
+              <a:rPr lang="en-US" sz="1800" dirty="0">
                 <a:latin typeface="Calibri" panose="020F0502020204030204" pitchFamily="34" charset="0"/>
                 <a:ea typeface="Calibri" panose="020F0502020204030204" pitchFamily="34" charset="0"/>
                 <a:cs typeface="Times New Roman" panose="02020603050405020304" pitchFamily="18" charset="0"/>
@@ -15419,64 +14961,12 @@
               <a:t>- </a:t>
             </a:r>
             <a:r>
-              <a:rPr lang="vi-VN" sz="1800" dirty="0" smtClean="0">
-                <a:latin typeface="Calibri" panose="020F0502020204030204" pitchFamily="34" charset="0"/>
-                <a:ea typeface="Calibri" panose="020F0502020204030204" pitchFamily="34" charset="0"/>
-                <a:cs typeface="Times New Roman" panose="02020603050405020304" pitchFamily="18" charset="0"/>
-              </a:rPr>
-              <a:t>Chỉ </a:t>
-            </a:r>
-            <a:r>
               <a:rPr lang="vi-VN" sz="1800" dirty="0">
                 <a:latin typeface="Calibri" panose="020F0502020204030204" pitchFamily="34" charset="0"/>
                 <a:ea typeface="Calibri" panose="020F0502020204030204" pitchFamily="34" charset="0"/>
                 <a:cs typeface="Times New Roman" panose="02020603050405020304" pitchFamily="18" charset="0"/>
               </a:rPr>
-              <a:t>lặp về phía trước trên mảng theo các bước đơn lẻ</a:t>
-            </a:r>
-            <a:endParaRPr lang="en-US" sz="1800" dirty="0" smtClean="0">
-              <a:latin typeface="Calibri" panose="020F0502020204030204" pitchFamily="34" charset="0"/>
-              <a:ea typeface="Calibri" panose="020F0502020204030204" pitchFamily="34" charset="0"/>
-              <a:cs typeface="Times New Roman" panose="02020603050405020304" pitchFamily="18" charset="0"/>
-            </a:endParaRPr>
-          </a:p>
-          <a:p>
-            <a:pPr algn="just">
-              <a:lnSpc>
-                <a:spcPct val="150000"/>
-              </a:lnSpc>
-            </a:pPr>
-            <a:r>
-              <a:rPr lang="en-US" sz="1800" dirty="0" smtClean="0">
-                <a:latin typeface="Calibri" panose="020F0502020204030204" pitchFamily="34" charset="0"/>
-                <a:ea typeface="Calibri" panose="020F0502020204030204" pitchFamily="34" charset="0"/>
-                <a:cs typeface="Times New Roman" panose="02020603050405020304" pitchFamily="18" charset="0"/>
-              </a:rPr>
-              <a:t>- </a:t>
-            </a:r>
-            <a:r>
-              <a:rPr lang="vi-VN" sz="1800" dirty="0" smtClean="0">
-                <a:latin typeface="Calibri" panose="020F0502020204030204" pitchFamily="34" charset="0"/>
-                <a:ea typeface="Calibri" panose="020F0502020204030204" pitchFamily="34" charset="0"/>
-                <a:cs typeface="Times New Roman" panose="02020603050405020304" pitchFamily="18" charset="0"/>
-              </a:rPr>
-              <a:t>Có </a:t>
-            </a:r>
-            <a:r>
-              <a:rPr lang="vi-VN" sz="1800" dirty="0">
-                <a:latin typeface="Calibri" panose="020F0502020204030204" pitchFamily="34" charset="0"/>
-                <a:ea typeface="Calibri" panose="020F0502020204030204" pitchFamily="34" charset="0"/>
-                <a:cs typeface="Times New Roman" panose="02020603050405020304" pitchFamily="18" charset="0"/>
-              </a:rPr>
-              <a:t>một số chi phí thực hiện phức tạp hơn so với phép lặp đơn </a:t>
-            </a:r>
-            <a:r>
-              <a:rPr lang="vi-VN" sz="1800" dirty="0" smtClean="0">
-                <a:latin typeface="Calibri" panose="020F0502020204030204" pitchFamily="34" charset="0"/>
-                <a:ea typeface="Calibri" panose="020F0502020204030204" pitchFamily="34" charset="0"/>
-                <a:cs typeface="Times New Roman" panose="02020603050405020304" pitchFamily="18" charset="0"/>
-              </a:rPr>
-              <a:t>giản</a:t>
+              <a:t>Có một số chi phí thực hiện phức tạp hơn so với phép lặp đơn giản</a:t>
             </a:r>
             <a:endParaRPr lang="en-US" sz="1800" dirty="0">
               <a:effectLst/>
@@ -15497,13 +14987,6 @@
   <p:clrMapOvr>
     <a:masterClrMapping/>
   </p:clrMapOvr>
-  <p:timing>
-    <p:tnLst>
-      <p:par>
-        <p:cTn id="1" dur="indefinite" restart="never" nodeType="tmRoot"/>
-      </p:par>
-    </p:tnLst>
-  </p:timing>
 </p:sld>
 </file>
 
@@ -15588,13 +15071,6 @@
   <p:clrMapOvr>
     <a:masterClrMapping/>
   </p:clrMapOvr>
-  <p:timing>
-    <p:tnLst>
-      <p:par>
-        <p:cTn id="1" dur="indefinite" restart="never" nodeType="tmRoot"/>
-      </p:par>
-    </p:tnLst>
-  </p:timing>
 </p:sld>
 </file>
 
@@ -15628,7 +15104,7 @@
         <p:spPr>
           <a:extLst>
             <a:ext uri="{FAA26D3D-D897-4be2-8F04-BA451C77F1D7}">
-              <ma14:placeholderFlag xmlns:ma14="http://schemas.microsoft.com/office/mac/drawingml/2011/main" xmlns="" val="1"/>
+              <ma14:placeholderFlag xmlns="" xmlns:ma14="http://schemas.microsoft.com/office/mac/drawingml/2011/main" val="1"/>
             </a:ext>
           </a:extLst>
         </p:spPr>
@@ -15639,19 +15115,19 @@
           <a:lstStyle/>
           <a:p>
             <a:r>
-              <a:rPr lang="en-US" altLang="en-US" sz="2700" dirty="0" smtClean="0"/>
+              <a:rPr lang="en-US" altLang="en-US" sz="2700" dirty="0"/>
               <a:t>XÂU </a:t>
             </a:r>
             <a:r>
-              <a:rPr lang="en-US" altLang="en-US" sz="2700" dirty="0" err="1" smtClean="0"/>
+              <a:rPr lang="en-US" altLang="en-US" sz="2700" dirty="0" err="1"/>
               <a:t>KÍ</a:t>
             </a:r>
             <a:r>
-              <a:rPr lang="en-US" altLang="en-US" sz="2700" dirty="0" smtClean="0"/>
-              <a:t> </a:t>
-            </a:r>
-            <a:r>
-              <a:rPr lang="en-US" altLang="en-US" sz="2700" dirty="0" err="1" smtClean="0"/>
+              <a:rPr lang="en-US" altLang="en-US" sz="2700" dirty="0"/>
+              <a:t> </a:t>
+            </a:r>
+            <a:r>
+              <a:rPr lang="en-US" altLang="en-US" sz="2700" dirty="0" err="1"/>
               <a:t>TỰ</a:t>
             </a:r>
             <a:endParaRPr lang="en-US" altLang="en-US" sz="2700" dirty="0"/>
@@ -15685,36 +15161,12 @@
               </a:lnSpc>
             </a:pPr>
             <a:r>
-              <a:rPr lang="vi-VN" sz="1800" b="1" dirty="0" smtClean="0">
-                <a:latin typeface="Calibri" panose="020F0502020204030204" pitchFamily="34" charset="0"/>
-                <a:ea typeface="Calibri" panose="020F0502020204030204" pitchFamily="34" charset="0"/>
-                <a:cs typeface="Times New Roman" panose="02020603050405020304" pitchFamily="18" charset="0"/>
-              </a:rPr>
-              <a:t>Xâu </a:t>
-            </a:r>
-            <a:r>
               <a:rPr lang="vi-VN" sz="1800" b="1" dirty="0">
                 <a:latin typeface="Calibri" panose="020F0502020204030204" pitchFamily="34" charset="0"/>
                 <a:ea typeface="Calibri" panose="020F0502020204030204" pitchFamily="34" charset="0"/>
                 <a:cs typeface="Times New Roman" panose="02020603050405020304" pitchFamily="18" charset="0"/>
               </a:rPr>
-              <a:t>kí tự </a:t>
-            </a:r>
-            <a:r>
-              <a:rPr lang="vi-VN" sz="1800" b="1" dirty="0" smtClean="0">
-                <a:latin typeface="Calibri" panose="020F0502020204030204" pitchFamily="34" charset="0"/>
-                <a:ea typeface="Calibri" panose="020F0502020204030204" pitchFamily="34" charset="0"/>
-                <a:cs typeface="Times New Roman" panose="02020603050405020304" pitchFamily="18" charset="0"/>
-              </a:rPr>
-              <a:t>là </a:t>
-            </a:r>
-            <a:r>
-              <a:rPr lang="vi-VN" sz="1800" b="1" dirty="0">
-                <a:latin typeface="Calibri" panose="020F0502020204030204" pitchFamily="34" charset="0"/>
-                <a:ea typeface="Calibri" panose="020F0502020204030204" pitchFamily="34" charset="0"/>
-                <a:cs typeface="Times New Roman" panose="02020603050405020304" pitchFamily="18" charset="0"/>
-              </a:rPr>
-              <a:t>gì?</a:t>
+              <a:t>Xâu kí tự là gì?</a:t>
             </a:r>
           </a:p>
           <a:p>
@@ -15724,22 +15176,14 @@
               </a:lnSpc>
             </a:pPr>
             <a:r>
-              <a:rPr lang="vi-VN" sz="1800" dirty="0" smtClean="0">
-                <a:latin typeface="Calibri" panose="020F0502020204030204" pitchFamily="34" charset="0"/>
-                <a:ea typeface="Calibri" panose="020F0502020204030204" pitchFamily="34" charset="0"/>
-                <a:cs typeface="Times New Roman" panose="02020603050405020304" pitchFamily="18" charset="0"/>
-              </a:rPr>
-              <a:t>- Xâu </a:t>
-            </a:r>
-            <a:r>
               <a:rPr lang="vi-VN" sz="1800" dirty="0">
                 <a:latin typeface="Calibri" panose="020F0502020204030204" pitchFamily="34" charset="0"/>
                 <a:ea typeface="Calibri" panose="020F0502020204030204" pitchFamily="34" charset="0"/>
                 <a:cs typeface="Times New Roman" panose="02020603050405020304" pitchFamily="18" charset="0"/>
               </a:rPr>
-              <a:t>kí tự là một dãy các ký tự. </a:t>
-            </a:r>
-            <a:endParaRPr lang="en-US" sz="1800" dirty="0" smtClean="0">
+              <a:t>- Xâu kí tự là một dãy các ký tự. </a:t>
+            </a:r>
+            <a:endParaRPr lang="en-US" sz="1800" dirty="0">
               <a:latin typeface="Calibri" panose="020F0502020204030204" pitchFamily="34" charset="0"/>
               <a:ea typeface="Calibri" panose="020F0502020204030204" pitchFamily="34" charset="0"/>
               <a:cs typeface="Times New Roman" panose="02020603050405020304" pitchFamily="18" charset="0"/>
@@ -15752,7 +15196,7 @@
               </a:lnSpc>
             </a:pPr>
             <a:r>
-              <a:rPr lang="en-US" sz="1800" dirty="0" smtClean="0">
+              <a:rPr lang="en-US" sz="1800" dirty="0">
                 <a:latin typeface="Calibri" panose="020F0502020204030204" pitchFamily="34" charset="0"/>
                 <a:ea typeface="Calibri" panose="020F0502020204030204" pitchFamily="34" charset="0"/>
                 <a:cs typeface="Times New Roman" panose="02020603050405020304" pitchFamily="18" charset="0"/>
@@ -15760,20 +15204,12 @@
               <a:t>- X</a:t>
             </a:r>
             <a:r>
-              <a:rPr lang="vi-VN" sz="1800" dirty="0" smtClean="0">
-                <a:latin typeface="Calibri" panose="020F0502020204030204" pitchFamily="34" charset="0"/>
-                <a:ea typeface="Calibri" panose="020F0502020204030204" pitchFamily="34" charset="0"/>
-                <a:cs typeface="Times New Roman" panose="02020603050405020304" pitchFamily="18" charset="0"/>
-              </a:rPr>
-              <a:t>âu </a:t>
-            </a:r>
-            <a:r>
               <a:rPr lang="vi-VN" sz="1800" dirty="0">
                 <a:latin typeface="Calibri" panose="020F0502020204030204" pitchFamily="34" charset="0"/>
                 <a:ea typeface="Calibri" panose="020F0502020204030204" pitchFamily="34" charset="0"/>
                 <a:cs typeface="Times New Roman" panose="02020603050405020304" pitchFamily="18" charset="0"/>
               </a:rPr>
-              <a:t>kí tự còn là một đối tượng biểu diễn cho một dãy ký tự. </a:t>
+              <a:t>âu kí tự còn là một đối tượng biểu diễn cho một dãy ký tự. </a:t>
             </a:r>
           </a:p>
           <a:p>
@@ -15844,13 +15280,6 @@
   <p:clrMapOvr>
     <a:masterClrMapping/>
   </p:clrMapOvr>
-  <p:timing>
-    <p:tnLst>
-      <p:par>
-        <p:cTn id="1" dur="indefinite" restart="never" nodeType="tmRoot"/>
-      </p:par>
-    </p:tnLst>
-  </p:timing>
 </p:sld>
 </file>
 
@@ -15884,7 +15313,7 @@
         <p:spPr>
           <a:extLst>
             <a:ext uri="{FAA26D3D-D897-4be2-8F04-BA451C77F1D7}">
-              <ma14:placeholderFlag xmlns:ma14="http://schemas.microsoft.com/office/mac/drawingml/2011/main" xmlns="" val="1"/>
+              <ma14:placeholderFlag xmlns="" xmlns:ma14="http://schemas.microsoft.com/office/mac/drawingml/2011/main" val="1"/>
             </a:ext>
           </a:extLst>
         </p:spPr>
@@ -15895,19 +15324,19 @@
           <a:lstStyle/>
           <a:p>
             <a:r>
-              <a:rPr lang="en-US" altLang="en-US" sz="2700" dirty="0" smtClean="0"/>
+              <a:rPr lang="en-US" altLang="en-US" sz="2700" dirty="0"/>
               <a:t>XÂU </a:t>
             </a:r>
             <a:r>
-              <a:rPr lang="en-US" altLang="en-US" sz="2700" dirty="0" err="1" smtClean="0"/>
+              <a:rPr lang="en-US" altLang="en-US" sz="2700" dirty="0" err="1"/>
               <a:t>KÍ</a:t>
             </a:r>
             <a:r>
-              <a:rPr lang="en-US" altLang="en-US" sz="2700" dirty="0" smtClean="0"/>
-              <a:t> </a:t>
-            </a:r>
-            <a:r>
-              <a:rPr lang="en-US" altLang="en-US" sz="2700" dirty="0" err="1" smtClean="0"/>
+              <a:rPr lang="en-US" altLang="en-US" sz="2700" dirty="0"/>
+              <a:t> </a:t>
+            </a:r>
+            <a:r>
+              <a:rPr lang="en-US" altLang="en-US" sz="2700" dirty="0" err="1"/>
               <a:t>TỰ</a:t>
             </a:r>
             <a:endParaRPr lang="en-US" altLang="en-US" sz="2700" dirty="0"/>
@@ -15941,7 +15370,7 @@
               </a:lnSpc>
             </a:pPr>
             <a:r>
-              <a:rPr lang="en-US" sz="1800" b="1" dirty="0" err="1" smtClean="0">
+              <a:rPr lang="en-US" sz="1800" b="1" dirty="0" err="1">
                 <a:latin typeface="Calibri" panose="020F0502020204030204" pitchFamily="34" charset="0"/>
                 <a:ea typeface="Calibri" panose="020F0502020204030204" pitchFamily="34" charset="0"/>
                 <a:cs typeface="Times New Roman" panose="02020603050405020304" pitchFamily="18" charset="0"/>
@@ -15949,15 +15378,15 @@
               <a:t>Khai</a:t>
             </a:r>
             <a:r>
-              <a:rPr lang="en-US" sz="1800" b="1" dirty="0" smtClean="0">
-                <a:latin typeface="Calibri" panose="020F0502020204030204" pitchFamily="34" charset="0"/>
-                <a:ea typeface="Calibri" panose="020F0502020204030204" pitchFamily="34" charset="0"/>
-                <a:cs typeface="Times New Roman" panose="02020603050405020304" pitchFamily="18" charset="0"/>
-              </a:rPr>
-              <a:t> </a:t>
-            </a:r>
-            <a:r>
-              <a:rPr lang="en-US" sz="1800" b="1" dirty="0" err="1" smtClean="0">
+              <a:rPr lang="en-US" sz="1800" b="1" dirty="0">
+                <a:latin typeface="Calibri" panose="020F0502020204030204" pitchFamily="34" charset="0"/>
+                <a:ea typeface="Calibri" panose="020F0502020204030204" pitchFamily="34" charset="0"/>
+                <a:cs typeface="Times New Roman" panose="02020603050405020304" pitchFamily="18" charset="0"/>
+              </a:rPr>
+              <a:t> </a:t>
+            </a:r>
+            <a:r>
+              <a:rPr lang="en-US" sz="1800" b="1" dirty="0" err="1">
                 <a:latin typeface="Calibri" panose="020F0502020204030204" pitchFamily="34" charset="0"/>
                 <a:ea typeface="Calibri" panose="020F0502020204030204" pitchFamily="34" charset="0"/>
                 <a:cs typeface="Times New Roman" panose="02020603050405020304" pitchFamily="18" charset="0"/>
@@ -15965,15 +15394,15 @@
               <a:t>báo</a:t>
             </a:r>
             <a:r>
-              <a:rPr lang="en-US" sz="1800" b="1" dirty="0" smtClean="0">
-                <a:latin typeface="Calibri" panose="020F0502020204030204" pitchFamily="34" charset="0"/>
-                <a:ea typeface="Calibri" panose="020F0502020204030204" pitchFamily="34" charset="0"/>
-                <a:cs typeface="Times New Roman" panose="02020603050405020304" pitchFamily="18" charset="0"/>
-              </a:rPr>
-              <a:t> </a:t>
-            </a:r>
-            <a:r>
-              <a:rPr lang="en-US" sz="1800" b="1" dirty="0" err="1" smtClean="0">
+              <a:rPr lang="en-US" sz="1800" b="1" dirty="0">
+                <a:latin typeface="Calibri" panose="020F0502020204030204" pitchFamily="34" charset="0"/>
+                <a:ea typeface="Calibri" panose="020F0502020204030204" pitchFamily="34" charset="0"/>
+                <a:cs typeface="Times New Roman" panose="02020603050405020304" pitchFamily="18" charset="0"/>
+              </a:rPr>
+              <a:t> </a:t>
+            </a:r>
+            <a:r>
+              <a:rPr lang="en-US" sz="1800" b="1" dirty="0" err="1">
                 <a:latin typeface="Calibri" panose="020F0502020204030204" pitchFamily="34" charset="0"/>
                 <a:ea typeface="Calibri" panose="020F0502020204030204" pitchFamily="34" charset="0"/>
                 <a:cs typeface="Times New Roman" panose="02020603050405020304" pitchFamily="18" charset="0"/>
@@ -15986,18 +15415,10 @@
                 <a:ea typeface="Calibri" panose="020F0502020204030204" pitchFamily="34" charset="0"/>
                 <a:cs typeface="Times New Roman" panose="02020603050405020304" pitchFamily="18" charset="0"/>
               </a:rPr>
-              <a:t> 1</a:t>
-            </a:r>
-            <a:r>
-              <a:rPr lang="en-US" sz="1800" b="1" dirty="0" smtClean="0">
-                <a:latin typeface="Calibri" panose="020F0502020204030204" pitchFamily="34" charset="0"/>
-                <a:ea typeface="Calibri" panose="020F0502020204030204" pitchFamily="34" charset="0"/>
-                <a:cs typeface="Times New Roman" panose="02020603050405020304" pitchFamily="18" charset="0"/>
-              </a:rPr>
-              <a:t>: </a:t>
-            </a:r>
-            <a:r>
-              <a:rPr lang="en-US" sz="1800" dirty="0" smtClean="0">
+              <a:t> 1: </a:t>
+            </a:r>
+            <a:r>
+              <a:rPr lang="en-US" sz="1800" dirty="0">
                 <a:latin typeface="Calibri" panose="020F0502020204030204" pitchFamily="34" charset="0"/>
                 <a:ea typeface="Calibri" panose="020F0502020204030204" pitchFamily="34" charset="0"/>
                 <a:cs typeface="Times New Roman" panose="02020603050405020304" pitchFamily="18" charset="0"/>
@@ -16099,7 +15520,7 @@
               <a:tabLst/>
             </a:pPr>
             <a:r>
-              <a:rPr kumimoji="0" lang="en-US" sz="1800" b="0" i="0" u="none" strike="noStrike" cap="none" normalizeH="0" baseline="0" dirty="0" smtClean="0">
+              <a:rPr kumimoji="0" lang="en-US" sz="1800" b="0" i="0" u="none" strike="noStrike" cap="none" normalizeH="0" baseline="0" dirty="0">
                 <a:ln>
                   <a:noFill/>
                 </a:ln>
@@ -16114,7 +15535,7 @@
               <a:t>String &lt;</a:t>
             </a:r>
             <a:r>
-              <a:rPr kumimoji="0" lang="en-US" sz="1800" b="0" i="0" u="none" strike="noStrike" cap="none" normalizeH="0" baseline="0" dirty="0" err="1" smtClean="0">
+              <a:rPr kumimoji="0" lang="en-US" sz="1800" b="0" i="0" u="none" strike="noStrike" cap="none" normalizeH="0" baseline="0" dirty="0" err="1">
                 <a:ln>
                   <a:noFill/>
                 </a:ln>
@@ -16129,7 +15550,7 @@
               <a:t>string_variable</a:t>
             </a:r>
             <a:r>
-              <a:rPr kumimoji="0" lang="en-US" sz="1800" b="0" i="0" u="none" strike="noStrike" cap="none" normalizeH="0" baseline="0" dirty="0" smtClean="0">
+              <a:rPr kumimoji="0" lang="en-US" sz="1800" b="0" i="0" u="none" strike="noStrike" cap="none" normalizeH="0" baseline="0" dirty="0">
                 <a:ln>
                   <a:noFill/>
                 </a:ln>
@@ -16144,7 +15565,7 @@
               <a:t>&gt; = "&lt;</a:t>
             </a:r>
             <a:r>
-              <a:rPr kumimoji="0" lang="en-US" sz="1800" b="0" i="0" u="none" strike="noStrike" cap="none" normalizeH="0" baseline="0" dirty="0" err="1" smtClean="0">
+              <a:rPr kumimoji="0" lang="en-US" sz="1800" b="0" i="0" u="none" strike="noStrike" cap="none" normalizeH="0" baseline="0" dirty="0" err="1">
                 <a:ln>
                   <a:noFill/>
                 </a:ln>
@@ -16159,7 +15580,7 @@
               <a:t>sequence_of_string</a:t>
             </a:r>
             <a:r>
-              <a:rPr kumimoji="0" lang="en-US" sz="1800" b="0" i="0" u="none" strike="noStrike" cap="none" normalizeH="0" baseline="0" dirty="0" smtClean="0">
+              <a:rPr kumimoji="0" lang="en-US" sz="1800" b="0" i="0" u="none" strike="noStrike" cap="none" normalizeH="0" baseline="0" dirty="0">
                 <a:ln>
                   <a:noFill/>
                 </a:ln>
@@ -16174,7 +15595,7 @@
               <a:t>&gt;"; </a:t>
             </a:r>
             <a:r>
-              <a:rPr kumimoji="0" lang="en-US" sz="1800" b="0" i="0" u="none" strike="noStrike" cap="none" normalizeH="0" baseline="0" dirty="0" smtClean="0">
+              <a:rPr kumimoji="0" lang="en-US" sz="1800" b="0" i="0" u="none" strike="noStrike" cap="none" normalizeH="0" baseline="0" dirty="0">
                 <a:ln>
                   <a:noFill/>
                 </a:ln>
@@ -16185,7 +15606,7 @@
               </a:rPr>
               <a:t> </a:t>
             </a:r>
-            <a:endParaRPr kumimoji="0" lang="en-US" sz="1800" b="0" i="0" u="none" strike="noStrike" cap="none" normalizeH="0" baseline="0" dirty="0" smtClean="0">
+            <a:endParaRPr kumimoji="0" lang="en-US" sz="1800" b="0" i="0" u="none" strike="noStrike" cap="none" normalizeH="0" baseline="0" dirty="0">
               <a:ln>
                 <a:noFill/>
               </a:ln>
@@ -16220,7 +15641,7 @@
           <a:lstStyle/>
           <a:p>
             <a:r>
-              <a:rPr lang="en-US" sz="1800" b="1" dirty="0" smtClean="0">
+              <a:rPr lang="en-US" sz="1800" b="1" dirty="0">
                 <a:latin typeface="Calibri" panose="020F0502020204030204" pitchFamily="34" charset="0"/>
                 <a:ea typeface="Calibri" panose="020F0502020204030204" pitchFamily="34" charset="0"/>
                 <a:cs typeface="Times New Roman" panose="02020603050405020304" pitchFamily="18" charset="0"/>
@@ -16228,7 +15649,7 @@
               <a:t>Ưu </a:t>
             </a:r>
             <a:r>
-              <a:rPr lang="en-US" sz="1800" b="1" dirty="0" err="1" smtClean="0">
+              <a:rPr lang="en-US" sz="1800" b="1" dirty="0" err="1">
                 <a:latin typeface="Calibri" panose="020F0502020204030204" pitchFamily="34" charset="0"/>
                 <a:ea typeface="Calibri" panose="020F0502020204030204" pitchFamily="34" charset="0"/>
                 <a:cs typeface="Times New Roman" panose="02020603050405020304" pitchFamily="18" charset="0"/>
@@ -16236,7 +15657,7 @@
               <a:t>điểm</a:t>
             </a:r>
             <a:r>
-              <a:rPr lang="en-US" sz="1800" b="1" dirty="0" smtClean="0">
+              <a:rPr lang="en-US" sz="1800" b="1" dirty="0">
                 <a:latin typeface="Calibri" panose="020F0502020204030204" pitchFamily="34" charset="0"/>
                 <a:ea typeface="Calibri" panose="020F0502020204030204" pitchFamily="34" charset="0"/>
                 <a:cs typeface="Times New Roman" panose="02020603050405020304" pitchFamily="18" charset="0"/>
@@ -16372,7 +15793,7 @@
               <a:t> </a:t>
             </a:r>
             <a:r>
-              <a:rPr lang="en-US" sz="1800" dirty="0" err="1" smtClean="0">
+              <a:rPr lang="en-US" sz="1800" dirty="0" err="1">
                 <a:latin typeface="Calibri" panose="020F0502020204030204" pitchFamily="34" charset="0"/>
                 <a:ea typeface="Calibri" panose="020F0502020204030204" pitchFamily="34" charset="0"/>
                 <a:cs typeface="Times New Roman" panose="02020603050405020304" pitchFamily="18" charset="0"/>
@@ -16458,7 +15879,7 @@
               <a:tabLst/>
             </a:pPr>
             <a:r>
-              <a:rPr kumimoji="0" lang="en-US" sz="1800" b="0" i="0" u="none" strike="noStrike" cap="none" normalizeH="0" baseline="0" dirty="0" smtClean="0">
+              <a:rPr kumimoji="0" lang="en-US" sz="1800" b="0" i="0" u="none" strike="noStrike" cap="none" normalizeH="0" baseline="0" dirty="0">
                 <a:ln>
                   <a:noFill/>
                 </a:ln>
@@ -16473,7 +15894,7 @@
               <a:t>String </a:t>
             </a:r>
             <a:r>
-              <a:rPr kumimoji="0" lang="en-US" sz="1800" b="0" i="0" u="none" strike="noStrike" cap="none" normalizeH="0" baseline="0" dirty="0" err="1" smtClean="0">
+              <a:rPr kumimoji="0" lang="en-US" sz="1800" b="0" i="0" u="none" strike="noStrike" cap="none" normalizeH="0" baseline="0" dirty="0" err="1">
                 <a:ln>
                   <a:noFill/>
                 </a:ln>
@@ -16488,7 +15909,7 @@
               <a:t>str</a:t>
             </a:r>
             <a:r>
-              <a:rPr kumimoji="0" lang="en-US" sz="1800" b="0" i="0" u="none" strike="noStrike" cap="none" normalizeH="0" baseline="0" dirty="0" smtClean="0">
+              <a:rPr kumimoji="0" lang="en-US" sz="1800" b="0" i="0" u="none" strike="noStrike" cap="none" normalizeH="0" baseline="0" dirty="0">
                 <a:ln>
                   <a:noFill/>
                 </a:ln>
@@ -16503,7 +15924,7 @@
               <a:t> = "Geeks";</a:t>
             </a:r>
             <a:r>
-              <a:rPr kumimoji="0" lang="en-US" sz="1800" b="0" i="0" u="none" strike="noStrike" cap="none" normalizeH="0" baseline="0" dirty="0" smtClean="0">
+              <a:rPr kumimoji="0" lang="en-US" sz="1800" b="0" i="0" u="none" strike="noStrike" cap="none" normalizeH="0" baseline="0" dirty="0">
                 <a:ln>
                   <a:noFill/>
                 </a:ln>
@@ -16514,7 +15935,7 @@
               </a:rPr>
               <a:t> </a:t>
             </a:r>
-            <a:endParaRPr kumimoji="0" lang="en-US" sz="1800" b="0" i="0" u="none" strike="noStrike" cap="none" normalizeH="0" baseline="0" dirty="0" smtClean="0">
+            <a:endParaRPr kumimoji="0" lang="en-US" sz="1800" b="0" i="0" u="none" strike="noStrike" cap="none" normalizeH="0" baseline="0" dirty="0">
               <a:ln>
                 <a:noFill/>
               </a:ln>
@@ -16574,7 +15995,7 @@
               <a:t> </a:t>
             </a:r>
             <a:r>
-              <a:rPr lang="en-US" sz="1800" b="1" dirty="0" err="1" smtClean="0">
+              <a:rPr lang="en-US" sz="1800" b="1" dirty="0" err="1">
                 <a:latin typeface="Calibri" panose="020F0502020204030204" pitchFamily="34" charset="0"/>
                 <a:ea typeface="Calibri" panose="020F0502020204030204" pitchFamily="34" charset="0"/>
                 <a:cs typeface="Times New Roman" panose="02020603050405020304" pitchFamily="18" charset="0"/>
@@ -16622,13 +16043,6 @@
   <p:clrMapOvr>
     <a:masterClrMapping/>
   </p:clrMapOvr>
-  <p:timing>
-    <p:tnLst>
-      <p:par>
-        <p:cTn id="1" dur="indefinite" restart="never" nodeType="tmRoot"/>
-      </p:par>
-    </p:tnLst>
-  </p:timing>
 </p:sld>
 </file>
 
@@ -16662,7 +16076,7 @@
         <p:spPr>
           <a:extLst>
             <a:ext uri="{FAA26D3D-D897-4be2-8F04-BA451C77F1D7}">
-              <ma14:placeholderFlag xmlns:ma14="http://schemas.microsoft.com/office/mac/drawingml/2011/main" xmlns="" val="1"/>
+              <ma14:placeholderFlag xmlns="" xmlns:ma14="http://schemas.microsoft.com/office/mac/drawingml/2011/main" val="1"/>
             </a:ext>
           </a:extLst>
         </p:spPr>
@@ -16673,19 +16087,19 @@
           <a:lstStyle/>
           <a:p>
             <a:r>
-              <a:rPr lang="en-US" altLang="en-US" sz="2700" dirty="0" smtClean="0"/>
+              <a:rPr lang="en-US" altLang="en-US" sz="2700" dirty="0"/>
               <a:t>XÂU </a:t>
             </a:r>
             <a:r>
-              <a:rPr lang="en-US" altLang="en-US" sz="2700" dirty="0" err="1" smtClean="0"/>
+              <a:rPr lang="en-US" altLang="en-US" sz="2700" dirty="0" err="1"/>
               <a:t>KÍ</a:t>
             </a:r>
             <a:r>
-              <a:rPr lang="en-US" altLang="en-US" sz="2700" dirty="0" smtClean="0"/>
-              <a:t> </a:t>
-            </a:r>
-            <a:r>
-              <a:rPr lang="en-US" altLang="en-US" sz="2700" dirty="0" err="1" smtClean="0"/>
+              <a:rPr lang="en-US" altLang="en-US" sz="2700" dirty="0"/>
+              <a:t> </a:t>
+            </a:r>
+            <a:r>
+              <a:rPr lang="en-US" altLang="en-US" sz="2700" dirty="0" err="1"/>
               <a:t>TỰ</a:t>
             </a:r>
             <a:endParaRPr lang="en-US" altLang="en-US" sz="2700" dirty="0"/>
@@ -16719,7 +16133,7 @@
               </a:lnSpc>
             </a:pPr>
             <a:r>
-              <a:rPr lang="en-US" sz="1800" b="1" dirty="0" err="1" smtClean="0">
+              <a:rPr lang="en-US" sz="1800" b="1" dirty="0" err="1">
                 <a:latin typeface="Calibri" panose="020F0502020204030204" pitchFamily="34" charset="0"/>
                 <a:ea typeface="Calibri" panose="020F0502020204030204" pitchFamily="34" charset="0"/>
                 <a:cs typeface="Times New Roman" panose="02020603050405020304" pitchFamily="18" charset="0"/>
@@ -16727,15 +16141,15 @@
               <a:t>Khai</a:t>
             </a:r>
             <a:r>
-              <a:rPr lang="en-US" sz="1800" b="1" dirty="0" smtClean="0">
-                <a:latin typeface="Calibri" panose="020F0502020204030204" pitchFamily="34" charset="0"/>
-                <a:ea typeface="Calibri" panose="020F0502020204030204" pitchFamily="34" charset="0"/>
-                <a:cs typeface="Times New Roman" panose="02020603050405020304" pitchFamily="18" charset="0"/>
-              </a:rPr>
-              <a:t> </a:t>
-            </a:r>
-            <a:r>
-              <a:rPr lang="en-US" sz="1800" b="1" dirty="0" err="1" smtClean="0">
+              <a:rPr lang="en-US" sz="1800" b="1" dirty="0">
+                <a:latin typeface="Calibri" panose="020F0502020204030204" pitchFamily="34" charset="0"/>
+                <a:ea typeface="Calibri" panose="020F0502020204030204" pitchFamily="34" charset="0"/>
+                <a:cs typeface="Times New Roman" panose="02020603050405020304" pitchFamily="18" charset="0"/>
+              </a:rPr>
+              <a:t> </a:t>
+            </a:r>
+            <a:r>
+              <a:rPr lang="en-US" sz="1800" b="1" dirty="0" err="1">
                 <a:latin typeface="Calibri" panose="020F0502020204030204" pitchFamily="34" charset="0"/>
                 <a:ea typeface="Calibri" panose="020F0502020204030204" pitchFamily="34" charset="0"/>
                 <a:cs typeface="Times New Roman" panose="02020603050405020304" pitchFamily="18" charset="0"/>
@@ -16743,15 +16157,15 @@
               <a:t>báo</a:t>
             </a:r>
             <a:r>
-              <a:rPr lang="en-US" sz="1800" b="1" dirty="0" smtClean="0">
-                <a:latin typeface="Calibri" panose="020F0502020204030204" pitchFamily="34" charset="0"/>
-                <a:ea typeface="Calibri" panose="020F0502020204030204" pitchFamily="34" charset="0"/>
-                <a:cs typeface="Times New Roman" panose="02020603050405020304" pitchFamily="18" charset="0"/>
-              </a:rPr>
-              <a:t> </a:t>
-            </a:r>
-            <a:r>
-              <a:rPr lang="en-US" sz="1800" b="1" dirty="0" err="1" smtClean="0">
+              <a:rPr lang="en-US" sz="1800" b="1" dirty="0">
+                <a:latin typeface="Calibri" panose="020F0502020204030204" pitchFamily="34" charset="0"/>
+                <a:ea typeface="Calibri" panose="020F0502020204030204" pitchFamily="34" charset="0"/>
+                <a:cs typeface="Times New Roman" panose="02020603050405020304" pitchFamily="18" charset="0"/>
+              </a:rPr>
+              <a:t> </a:t>
+            </a:r>
+            <a:r>
+              <a:rPr lang="en-US" sz="1800" b="1" dirty="0" err="1">
                 <a:latin typeface="Calibri" panose="020F0502020204030204" pitchFamily="34" charset="0"/>
                 <a:ea typeface="Calibri" panose="020F0502020204030204" pitchFamily="34" charset="0"/>
                 <a:cs typeface="Times New Roman" panose="02020603050405020304" pitchFamily="18" charset="0"/>
@@ -16764,18 +16178,10 @@
                 <a:ea typeface="Calibri" panose="020F0502020204030204" pitchFamily="34" charset="0"/>
                 <a:cs typeface="Times New Roman" panose="02020603050405020304" pitchFamily="18" charset="0"/>
               </a:rPr>
-              <a:t> </a:t>
-            </a:r>
-            <a:r>
-              <a:rPr lang="en-US" sz="1800" b="1" dirty="0" smtClean="0">
-                <a:latin typeface="Calibri" panose="020F0502020204030204" pitchFamily="34" charset="0"/>
-                <a:ea typeface="Calibri" panose="020F0502020204030204" pitchFamily="34" charset="0"/>
-                <a:cs typeface="Times New Roman" panose="02020603050405020304" pitchFamily="18" charset="0"/>
-              </a:rPr>
-              <a:t>2: </a:t>
-            </a:r>
-            <a:r>
-              <a:rPr lang="en-US" sz="1800" dirty="0" smtClean="0">
+              <a:t> 2: </a:t>
+            </a:r>
+            <a:r>
+              <a:rPr lang="en-US" sz="1800" dirty="0">
                 <a:latin typeface="Calibri" panose="020F0502020204030204" pitchFamily="34" charset="0"/>
                 <a:ea typeface="Calibri" panose="020F0502020204030204" pitchFamily="34" charset="0"/>
                 <a:cs typeface="Times New Roman" panose="02020603050405020304" pitchFamily="18" charset="0"/>
@@ -16957,7 +16363,7 @@
               <a:t>&gt;"); </a:t>
             </a:r>
             <a:r>
-              <a:rPr kumimoji="0" lang="en-US" sz="1800" b="0" i="0" u="none" strike="noStrike" cap="none" normalizeH="0" baseline="0" dirty="0" smtClean="0">
+              <a:rPr kumimoji="0" lang="en-US" sz="1800" b="0" i="0" u="none" strike="noStrike" cap="none" normalizeH="0" baseline="0" dirty="0">
                 <a:ln>
                   <a:noFill/>
                 </a:ln>
@@ -16972,7 +16378,7 @@
               <a:t> </a:t>
             </a:r>
             <a:r>
-              <a:rPr kumimoji="0" lang="en-US" sz="1800" b="0" i="0" u="none" strike="noStrike" cap="none" normalizeH="0" baseline="0" dirty="0" smtClean="0">
+              <a:rPr kumimoji="0" lang="en-US" sz="1800" b="0" i="0" u="none" strike="noStrike" cap="none" normalizeH="0" baseline="0" dirty="0">
                 <a:ln>
                   <a:noFill/>
                 </a:ln>
@@ -16983,7 +16389,7 @@
               </a:rPr>
               <a:t> </a:t>
             </a:r>
-            <a:endParaRPr kumimoji="0" lang="en-US" sz="1800" b="0" i="0" u="none" strike="noStrike" cap="none" normalizeH="0" baseline="0" dirty="0" smtClean="0">
+            <a:endParaRPr kumimoji="0" lang="en-US" sz="1800" b="0" i="0" u="none" strike="noStrike" cap="none" normalizeH="0" baseline="0" dirty="0">
               <a:ln>
                 <a:noFill/>
               </a:ln>
@@ -17090,10 +16496,10 @@
                 <a:ea typeface="Times New Roman" panose="02020603050405020304" pitchFamily="18" charset="0"/>
                 <a:cs typeface="Courier New" panose="02070309020205020404" pitchFamily="49" charset="0"/>
               </a:rPr>
-              <a:t> = new String</a:t>
-            </a:r>
-            <a:r>
-              <a:rPr lang="en-US" sz="1800" dirty="0" smtClean="0">
+              <a:t> = new String(“</a:t>
+            </a:r>
+            <a:r>
+              <a:rPr lang="en-US" sz="1800" dirty="0" err="1">
                 <a:solidFill>
                   <a:srgbClr val="273239"/>
                 </a:solidFill>
@@ -17101,10 +16507,10 @@
                 <a:ea typeface="Times New Roman" panose="02020603050405020304" pitchFamily="18" charset="0"/>
                 <a:cs typeface="Courier New" panose="02070309020205020404" pitchFamily="49" charset="0"/>
               </a:rPr>
-              <a:t>(“</a:t>
-            </a:r>
-            <a:r>
-              <a:rPr lang="en-US" sz="1800" dirty="0" err="1" smtClean="0">
+              <a:t>javatpoint</a:t>
+            </a:r>
+            <a:r>
+              <a:rPr lang="en-US" sz="1800" dirty="0">
                 <a:solidFill>
                   <a:srgbClr val="273239"/>
                 </a:solidFill>
@@ -17112,20 +16518,9 @@
                 <a:ea typeface="Times New Roman" panose="02020603050405020304" pitchFamily="18" charset="0"/>
                 <a:cs typeface="Courier New" panose="02070309020205020404" pitchFamily="49" charset="0"/>
               </a:rPr>
-              <a:t>javatpoint</a:t>
-            </a:r>
-            <a:r>
-              <a:rPr lang="en-US" sz="1800" dirty="0" smtClean="0">
-                <a:solidFill>
-                  <a:srgbClr val="273239"/>
-                </a:solidFill>
-                <a:latin typeface="Consolas" panose="020B0609020204030204" pitchFamily="49" charset="0"/>
-                <a:ea typeface="Times New Roman" panose="02020603050405020304" pitchFamily="18" charset="0"/>
-                <a:cs typeface="Courier New" panose="02070309020205020404" pitchFamily="49" charset="0"/>
-              </a:rPr>
               <a:t>");</a:t>
             </a:r>
-            <a:endParaRPr kumimoji="0" lang="en-US" sz="1800" b="0" i="0" u="none" strike="noStrike" cap="none" normalizeH="0" baseline="0" dirty="0" smtClean="0">
+            <a:endParaRPr kumimoji="0" lang="en-US" sz="1800" b="0" i="0" u="none" strike="noStrike" cap="none" normalizeH="0" baseline="0" dirty="0">
               <a:ln>
                 <a:noFill/>
               </a:ln>
@@ -17185,7 +16580,7 @@
               <a:t> </a:t>
             </a:r>
             <a:r>
-              <a:rPr lang="en-US" sz="1800" b="1" dirty="0" err="1" smtClean="0">
+              <a:rPr lang="en-US" sz="1800" b="1" dirty="0" err="1">
                 <a:latin typeface="Calibri" panose="020F0502020204030204" pitchFamily="34" charset="0"/>
                 <a:ea typeface="Calibri" panose="020F0502020204030204" pitchFamily="34" charset="0"/>
                 <a:cs typeface="Times New Roman" panose="02020603050405020304" pitchFamily="18" charset="0"/>
@@ -17249,13 +16644,6 @@
   <p:clrMapOvr>
     <a:masterClrMapping/>
   </p:clrMapOvr>
-  <p:timing>
-    <p:tnLst>
-      <p:par>
-        <p:cTn id="1" dur="indefinite" restart="never" nodeType="tmRoot"/>
-      </p:par>
-    </p:tnLst>
-  </p:timing>
 </p:sld>
 </file>
 
@@ -17289,7 +16677,7 @@
         <p:spPr>
           <a:extLst>
             <a:ext uri="{FAA26D3D-D897-4be2-8F04-BA451C77F1D7}">
-              <ma14:placeholderFlag xmlns:ma14="http://schemas.microsoft.com/office/mac/drawingml/2011/main" xmlns="" val="1"/>
+              <ma14:placeholderFlag xmlns="" xmlns:ma14="http://schemas.microsoft.com/office/mac/drawingml/2011/main" val="1"/>
             </a:ext>
           </a:extLst>
         </p:spPr>
@@ -17300,19 +16688,19 @@
           <a:lstStyle/>
           <a:p>
             <a:r>
-              <a:rPr lang="en-US" altLang="en-US" sz="2700" dirty="0" smtClean="0"/>
+              <a:rPr lang="en-US" altLang="en-US" sz="2700" dirty="0"/>
               <a:t>XÂU </a:t>
             </a:r>
             <a:r>
-              <a:rPr lang="en-US" altLang="en-US" sz="2700" dirty="0" err="1" smtClean="0"/>
+              <a:rPr lang="en-US" altLang="en-US" sz="2700" dirty="0" err="1"/>
               <a:t>KÍ</a:t>
             </a:r>
             <a:r>
-              <a:rPr lang="en-US" altLang="en-US" sz="2700" dirty="0" smtClean="0"/>
-              <a:t> </a:t>
-            </a:r>
-            <a:r>
-              <a:rPr lang="en-US" altLang="en-US" sz="2700" dirty="0" err="1" smtClean="0"/>
+              <a:rPr lang="en-US" altLang="en-US" sz="2700" dirty="0"/>
+              <a:t> </a:t>
+            </a:r>
+            <a:r>
+              <a:rPr lang="en-US" altLang="en-US" sz="2700" dirty="0" err="1"/>
               <a:t>TỰ</a:t>
             </a:r>
             <a:endParaRPr lang="en-US" altLang="en-US" sz="2700" dirty="0"/>
@@ -17387,13 +16775,6 @@
   <p:clrMapOvr>
     <a:masterClrMapping/>
   </p:clrMapOvr>
-  <p:timing>
-    <p:tnLst>
-      <p:par>
-        <p:cTn id="1" dur="indefinite" restart="never" nodeType="tmRoot"/>
-      </p:par>
-    </p:tnLst>
-  </p:timing>
 </p:sld>
 </file>
 
@@ -17464,13 +16845,6 @@
   <p:clrMapOvr>
     <a:masterClrMapping/>
   </p:clrMapOvr>
-  <p:timing>
-    <p:tnLst>
-      <p:par>
-        <p:cTn id="1" dur="indefinite" restart="never" nodeType="tmRoot"/>
-      </p:par>
-    </p:tnLst>
-  </p:timing>
 </p:sld>
 </file>
 
@@ -17555,13 +16929,6 @@
   <p:clrMapOvr>
     <a:masterClrMapping/>
   </p:clrMapOvr>
-  <p:timing>
-    <p:tnLst>
-      <p:par>
-        <p:cTn id="1" dur="indefinite" restart="never" nodeType="tmRoot"/>
-      </p:par>
-    </p:tnLst>
-  </p:timing>
 </p:sld>
 </file>
 
@@ -17595,7 +16962,7 @@
         <p:spPr>
           <a:extLst>
             <a:ext uri="{FAA26D3D-D897-4be2-8F04-BA451C77F1D7}">
-              <ma14:placeholderFlag xmlns:ma14="http://schemas.microsoft.com/office/mac/drawingml/2011/main" xmlns="" val="1"/>
+              <ma14:placeholderFlag xmlns="" xmlns:ma14="http://schemas.microsoft.com/office/mac/drawingml/2011/main" val="1"/>
             </a:ext>
           </a:extLst>
         </p:spPr>
@@ -17606,7 +16973,7 @@
           <a:lstStyle/>
           <a:p>
             <a:r>
-              <a:rPr lang="vi-VN" altLang="en-US" sz="2700" dirty="0" smtClean="0"/>
+              <a:rPr lang="vi-VN" altLang="en-US" sz="2700" dirty="0"/>
               <a:t>MỘT SỐ LỚP CƠ BẢN TRONG JAVA</a:t>
             </a:r>
             <a:endParaRPr lang="en-US" altLang="en-US" sz="2700" dirty="0"/>
@@ -17866,13 +17233,6 @@
   <p:clrMapOvr>
     <a:masterClrMapping/>
   </p:clrMapOvr>
-  <p:timing>
-    <p:tnLst>
-      <p:par>
-        <p:cTn id="1" dur="indefinite" restart="never" nodeType="tmRoot"/>
-      </p:par>
-    </p:tnLst>
-  </p:timing>
 </p:sld>
 </file>
 
@@ -17906,7 +17266,7 @@
         <p:spPr>
           <a:extLst>
             <a:ext uri="{FAA26D3D-D897-4be2-8F04-BA451C77F1D7}">
-              <ma14:placeholderFlag xmlns:ma14="http://schemas.microsoft.com/office/mac/drawingml/2011/main" xmlns="" val="1"/>
+              <ma14:placeholderFlag xmlns="" xmlns:ma14="http://schemas.microsoft.com/office/mac/drawingml/2011/main" val="1"/>
             </a:ext>
           </a:extLst>
         </p:spPr>
@@ -17917,7 +17277,7 @@
           <a:lstStyle/>
           <a:p>
             <a:r>
-              <a:rPr lang="vi-VN" altLang="en-US" sz="2700" dirty="0" smtClean="0"/>
+              <a:rPr lang="vi-VN" altLang="en-US" sz="2700" dirty="0"/>
               <a:t>LỚP NUMBER</a:t>
             </a:r>
             <a:endParaRPr lang="en-US" altLang="en-US" sz="2700" dirty="0"/>
@@ -17970,7 +17330,7 @@
           <a:lstStyle/>
           <a:p>
             <a:r>
-              <a:rPr lang="en-US" sz="1800" b="1" dirty="0" smtClean="0">
+              <a:rPr lang="en-US" sz="1800" b="1" dirty="0">
                 <a:latin typeface="Calibri" panose="020F0502020204030204" pitchFamily="34" charset="0"/>
                 <a:ea typeface="Calibri" panose="020F0502020204030204" pitchFamily="34" charset="0"/>
                 <a:cs typeface="Times New Roman" panose="02020603050405020304" pitchFamily="18" charset="0"/>
@@ -17994,7 +17354,7 @@
               <a:t> </a:t>
             </a:r>
             <a:r>
-              <a:rPr lang="en-US" sz="1800" b="1" dirty="0" err="1" smtClean="0">
+              <a:rPr lang="en-US" sz="1800" b="1" dirty="0" err="1">
                 <a:latin typeface="Calibri" panose="020F0502020204030204" pitchFamily="34" charset="0"/>
                 <a:ea typeface="Calibri" panose="020F0502020204030204" pitchFamily="34" charset="0"/>
                 <a:cs typeface="Times New Roman" panose="02020603050405020304" pitchFamily="18" charset="0"/>
@@ -18002,7 +17362,7 @@
               <a:t>thuộc</a:t>
             </a:r>
             <a:r>
-              <a:rPr lang="en-US" sz="1800" b="1" dirty="0" smtClean="0">
+              <a:rPr lang="en-US" sz="1800" b="1" dirty="0">
                 <a:latin typeface="Calibri" panose="020F0502020204030204" pitchFamily="34" charset="0"/>
                 <a:ea typeface="Calibri" panose="020F0502020204030204" pitchFamily="34" charset="0"/>
                 <a:cs typeface="Times New Roman" panose="02020603050405020304" pitchFamily="18" charset="0"/>
@@ -18047,13 +17407,6 @@
   <p:clrMapOvr>
     <a:masterClrMapping/>
   </p:clrMapOvr>
-  <p:timing>
-    <p:tnLst>
-      <p:par>
-        <p:cTn id="1" dur="indefinite" restart="never" nodeType="tmRoot"/>
-      </p:par>
-    </p:tnLst>
-  </p:timing>
 </p:sld>
 </file>
 
@@ -18087,7 +17440,7 @@
         <p:spPr>
           <a:extLst>
             <a:ext uri="{FAA26D3D-D897-4be2-8F04-BA451C77F1D7}">
-              <ma14:placeholderFlag xmlns:ma14="http://schemas.microsoft.com/office/mac/drawingml/2011/main" xmlns="" val="1"/>
+              <ma14:placeholderFlag xmlns="" xmlns:ma14="http://schemas.microsoft.com/office/mac/drawingml/2011/main" val="1"/>
             </a:ext>
           </a:extLst>
         </p:spPr>
@@ -18098,7 +17451,7 @@
           <a:lstStyle/>
           <a:p>
             <a:r>
-              <a:rPr lang="vi-VN" altLang="en-US" sz="2700" dirty="0" smtClean="0"/>
+              <a:rPr lang="vi-VN" altLang="en-US" sz="2700" dirty="0"/>
               <a:t>LỚP NUMBER</a:t>
             </a:r>
             <a:endParaRPr lang="en-US" altLang="en-US" sz="2700" dirty="0"/>
@@ -18135,7 +17488,7 @@
               </a:spcAft>
             </a:pPr>
             <a:r>
-              <a:rPr lang="en-US" sz="1800" b="1" dirty="0" err="1" smtClean="0">
+              <a:rPr lang="en-US" sz="1800" b="1" dirty="0" err="1">
                 <a:latin typeface="Calibri" panose="020F0502020204030204" pitchFamily="34" charset="0"/>
                 <a:ea typeface="Calibri" panose="020F0502020204030204" pitchFamily="34" charset="0"/>
                 <a:cs typeface="Times New Roman" panose="02020603050405020304" pitchFamily="18" charset="0"/>
@@ -18143,7 +17496,7 @@
               <a:t>Lý</a:t>
             </a:r>
             <a:r>
-              <a:rPr lang="en-US" sz="1800" b="1" dirty="0" smtClean="0">
+              <a:rPr lang="en-US" sz="1800" b="1" dirty="0">
                 <a:latin typeface="Calibri" panose="020F0502020204030204" pitchFamily="34" charset="0"/>
                 <a:ea typeface="Calibri" panose="020F0502020204030204" pitchFamily="34" charset="0"/>
                 <a:cs typeface="Times New Roman" panose="02020603050405020304" pitchFamily="18" charset="0"/>
@@ -18151,7 +17504,7 @@
               <a:t> do </a:t>
             </a:r>
             <a:r>
-              <a:rPr lang="en-US" sz="1800" b="1" dirty="0" err="1" smtClean="0">
+              <a:rPr lang="en-US" sz="1800" b="1" dirty="0" err="1">
                 <a:latin typeface="Calibri" panose="020F0502020204030204" pitchFamily="34" charset="0"/>
                 <a:ea typeface="Calibri" panose="020F0502020204030204" pitchFamily="34" charset="0"/>
                 <a:cs typeface="Times New Roman" panose="02020603050405020304" pitchFamily="18" charset="0"/>
@@ -18159,22 +17512,22 @@
               <a:t>sử</a:t>
             </a:r>
             <a:r>
-              <a:rPr lang="en-US" sz="1800" b="1" dirty="0" smtClean="0">
-                <a:latin typeface="Calibri" panose="020F0502020204030204" pitchFamily="34" charset="0"/>
-                <a:ea typeface="Calibri" panose="020F0502020204030204" pitchFamily="34" charset="0"/>
-                <a:cs typeface="Times New Roman" panose="02020603050405020304" pitchFamily="18" charset="0"/>
-              </a:rPr>
-              <a:t> </a:t>
-            </a:r>
-            <a:r>
-              <a:rPr lang="en-US" sz="1800" b="1" dirty="0" err="1" smtClean="0">
+              <a:rPr lang="en-US" sz="1800" b="1" dirty="0">
+                <a:latin typeface="Calibri" panose="020F0502020204030204" pitchFamily="34" charset="0"/>
+                <a:ea typeface="Calibri" panose="020F0502020204030204" pitchFamily="34" charset="0"/>
+                <a:cs typeface="Times New Roman" panose="02020603050405020304" pitchFamily="18" charset="0"/>
+              </a:rPr>
+              <a:t> </a:t>
+            </a:r>
+            <a:r>
+              <a:rPr lang="en-US" sz="1800" b="1" dirty="0" err="1">
                 <a:latin typeface="Calibri" panose="020F0502020204030204" pitchFamily="34" charset="0"/>
                 <a:ea typeface="Calibri" panose="020F0502020204030204" pitchFamily="34" charset="0"/>
                 <a:cs typeface="Times New Roman" panose="02020603050405020304" pitchFamily="18" charset="0"/>
               </a:rPr>
               <a:t>dụng</a:t>
             </a:r>
-            <a:endParaRPr lang="en-US" sz="1800" b="1" dirty="0" smtClean="0">
+            <a:endParaRPr lang="en-US" sz="1800" b="1" dirty="0">
               <a:latin typeface="Calibri" panose="020F0502020204030204" pitchFamily="34" charset="0"/>
               <a:ea typeface="Calibri" panose="020F0502020204030204" pitchFamily="34" charset="0"/>
               <a:cs typeface="Times New Roman" panose="02020603050405020304" pitchFamily="18" charset="0"/>
@@ -18190,20 +17543,12 @@
               </a:spcAft>
             </a:pPr>
             <a:r>
-              <a:rPr lang="en-US" sz="1800" dirty="0" smtClean="0">
-                <a:latin typeface="Calibri" panose="020F0502020204030204" pitchFamily="34" charset="0"/>
-                <a:ea typeface="Calibri" panose="020F0502020204030204" pitchFamily="34" charset="0"/>
-                <a:cs typeface="Times New Roman" panose="02020603050405020304" pitchFamily="18" charset="0"/>
-              </a:rPr>
-              <a:t>- </a:t>
-            </a:r>
-            <a:r>
-              <a:rPr lang="en-US" sz="1800" dirty="0">
-                <a:latin typeface="Calibri" panose="020F0502020204030204" pitchFamily="34" charset="0"/>
-                <a:ea typeface="Calibri" panose="020F0502020204030204" pitchFamily="34" charset="0"/>
-                <a:cs typeface="Times New Roman" panose="02020603050405020304" pitchFamily="18" charset="0"/>
-              </a:rPr>
-              <a:t>Các </a:t>
+              <a:rPr lang="en-US" sz="1800" dirty="0">
+                <a:latin typeface="Calibri" panose="020F0502020204030204" pitchFamily="34" charset="0"/>
+                <a:ea typeface="Calibri" panose="020F0502020204030204" pitchFamily="34" charset="0"/>
+                <a:cs typeface="Times New Roman" panose="02020603050405020304" pitchFamily="18" charset="0"/>
+              </a:rPr>
+              <a:t>- Các </a:t>
             </a:r>
             <a:r>
               <a:rPr lang="en-US" sz="1800" dirty="0" err="1">
@@ -18315,18 +17660,10 @@
                 <a:ea typeface="Calibri" panose="020F0502020204030204" pitchFamily="34" charset="0"/>
                 <a:cs typeface="Times New Roman" panose="02020603050405020304" pitchFamily="18" charset="0"/>
               </a:rPr>
-              <a:t> </a:t>
-            </a:r>
-            <a:r>
-              <a:rPr lang="en-US" sz="1800" dirty="0" smtClean="0">
-                <a:latin typeface="Calibri" panose="020F0502020204030204" pitchFamily="34" charset="0"/>
-                <a:ea typeface="Calibri" panose="020F0502020204030204" pitchFamily="34" charset="0"/>
-                <a:cs typeface="Times New Roman" panose="02020603050405020304" pitchFamily="18" charset="0"/>
-              </a:rPr>
-              <a:t>Number </a:t>
-            </a:r>
-            <a:r>
-              <a:rPr lang="en-US" sz="1800" dirty="0" err="1" smtClean="0">
+              <a:t> Number </a:t>
+            </a:r>
+            <a:r>
+              <a:rPr lang="en-US" sz="1800" dirty="0" err="1">
                 <a:latin typeface="Calibri" panose="020F0502020204030204" pitchFamily="34" charset="0"/>
                 <a:ea typeface="Calibri" panose="020F0502020204030204" pitchFamily="34" charset="0"/>
                 <a:cs typeface="Times New Roman" panose="02020603050405020304" pitchFamily="18" charset="0"/>
@@ -18334,7 +17671,7 @@
               <a:t>cung</a:t>
             </a:r>
             <a:r>
-              <a:rPr lang="en-US" sz="1800" dirty="0" smtClean="0">
+              <a:rPr lang="en-US" sz="1800" dirty="0">
                 <a:latin typeface="Calibri" panose="020F0502020204030204" pitchFamily="34" charset="0"/>
                 <a:ea typeface="Calibri" panose="020F0502020204030204" pitchFamily="34" charset="0"/>
                 <a:cs typeface="Times New Roman" panose="02020603050405020304" pitchFamily="18" charset="0"/>
@@ -18608,7 +17945,7 @@
               </a:spcAft>
             </a:pPr>
             <a:r>
-              <a:rPr lang="en-US" sz="1800" dirty="0" smtClean="0">
+              <a:rPr lang="en-US" sz="1800" dirty="0">
                 <a:latin typeface="Calibri" panose="020F0502020204030204" pitchFamily="34" charset="0"/>
                 <a:ea typeface="Calibri" panose="020F0502020204030204" pitchFamily="34" charset="0"/>
                 <a:cs typeface="Times New Roman" panose="02020603050405020304" pitchFamily="18" charset="0"/>
@@ -18616,7 +17953,7 @@
               <a:t>- </a:t>
             </a:r>
             <a:r>
-              <a:rPr lang="en-US" sz="1800" dirty="0" err="1" smtClean="0">
+              <a:rPr lang="en-US" sz="1800" dirty="0" err="1">
                 <a:latin typeface="Calibri" panose="020F0502020204030204" pitchFamily="34" charset="0"/>
                 <a:ea typeface="Calibri" panose="020F0502020204030204" pitchFamily="34" charset="0"/>
                 <a:cs typeface="Times New Roman" panose="02020603050405020304" pitchFamily="18" charset="0"/>
@@ -18624,7 +17961,7 @@
               <a:t>Đối</a:t>
             </a:r>
             <a:r>
-              <a:rPr lang="en-US" sz="1800" dirty="0" smtClean="0">
+              <a:rPr lang="en-US" sz="1800" dirty="0">
                 <a:latin typeface="Calibri" panose="020F0502020204030204" pitchFamily="34" charset="0"/>
                 <a:ea typeface="Calibri" panose="020F0502020204030204" pitchFamily="34" charset="0"/>
                 <a:cs typeface="Times New Roman" panose="02020603050405020304" pitchFamily="18" charset="0"/>
@@ -18664,7 +18001,7 @@
               <a:t> Number </a:t>
             </a:r>
             <a:r>
-              <a:rPr lang="en-US" sz="1800" dirty="0" err="1" smtClean="0">
+              <a:rPr lang="en-US" sz="1800" dirty="0" err="1">
                 <a:latin typeface="Calibri" panose="020F0502020204030204" pitchFamily="34" charset="0"/>
                 <a:ea typeface="Calibri" panose="020F0502020204030204" pitchFamily="34" charset="0"/>
                 <a:cs typeface="Times New Roman" panose="02020603050405020304" pitchFamily="18" charset="0"/>
@@ -18672,7 +18009,7 @@
               <a:t>được</a:t>
             </a:r>
             <a:r>
-              <a:rPr lang="en-US" sz="1800" dirty="0" smtClean="0">
+              <a:rPr lang="en-US" sz="1800" dirty="0">
                 <a:latin typeface="Calibri" panose="020F0502020204030204" pitchFamily="34" charset="0"/>
                 <a:ea typeface="Calibri" panose="020F0502020204030204" pitchFamily="34" charset="0"/>
                 <a:cs typeface="Times New Roman" panose="02020603050405020304" pitchFamily="18" charset="0"/>
@@ -18887,11 +18224,6 @@
               </a:rPr>
               <a:t> </a:t>
             </a:r>
-            <a:endParaRPr lang="en-US" sz="1800" dirty="0" smtClean="0">
-              <a:latin typeface="Calibri" panose="020F0502020204030204" pitchFamily="34" charset="0"/>
-              <a:ea typeface="Calibri" panose="020F0502020204030204" pitchFamily="34" charset="0"/>
-              <a:cs typeface="Times New Roman" panose="02020603050405020304" pitchFamily="18" charset="0"/>
-            </a:endParaRPr>
           </a:p>
           <a:p>
             <a:pPr algn="just">
@@ -18903,20 +18235,12 @@
               </a:spcAft>
             </a:pPr>
             <a:r>
-              <a:rPr lang="en-US" sz="1800" dirty="0" smtClean="0">
-                <a:latin typeface="Calibri" panose="020F0502020204030204" pitchFamily="34" charset="0"/>
-                <a:ea typeface="Calibri" panose="020F0502020204030204" pitchFamily="34" charset="0"/>
-                <a:cs typeface="Times New Roman" panose="02020603050405020304" pitchFamily="18" charset="0"/>
-              </a:rPr>
-              <a:t>- </a:t>
-            </a:r>
-            <a:r>
-              <a:rPr lang="en-US" sz="1800" dirty="0">
-                <a:latin typeface="Calibri" panose="020F0502020204030204" pitchFamily="34" charset="0"/>
-                <a:ea typeface="Calibri" panose="020F0502020204030204" pitchFamily="34" charset="0"/>
-                <a:cs typeface="Times New Roman" panose="02020603050405020304" pitchFamily="18" charset="0"/>
-              </a:rPr>
-              <a:t>Các </a:t>
+              <a:rPr lang="en-US" sz="1800" dirty="0">
+                <a:latin typeface="Calibri" panose="020F0502020204030204" pitchFamily="34" charset="0"/>
+                <a:ea typeface="Calibri" panose="020F0502020204030204" pitchFamily="34" charset="0"/>
+                <a:cs typeface="Times New Roman" panose="02020603050405020304" pitchFamily="18" charset="0"/>
+              </a:rPr>
+              <a:t>- Các </a:t>
             </a:r>
             <a:r>
               <a:rPr lang="en-US" sz="1800" dirty="0" err="1">
@@ -18951,7 +18275,7 @@
               <a:t> </a:t>
             </a:r>
             <a:r>
-              <a:rPr lang="en-US" sz="1800" dirty="0" err="1" smtClean="0">
+              <a:rPr lang="en-US" sz="1800" dirty="0" err="1">
                 <a:latin typeface="Calibri" panose="020F0502020204030204" pitchFamily="34" charset="0"/>
                 <a:ea typeface="Calibri" panose="020F0502020204030204" pitchFamily="34" charset="0"/>
                 <a:cs typeface="Times New Roman" panose="02020603050405020304" pitchFamily="18" charset="0"/>
@@ -18959,7 +18283,7 @@
               <a:t>có</a:t>
             </a:r>
             <a:r>
-              <a:rPr lang="en-US" sz="1800" dirty="0" smtClean="0">
+              <a:rPr lang="en-US" sz="1800" dirty="0">
                 <a:latin typeface="Calibri" panose="020F0502020204030204" pitchFamily="34" charset="0"/>
                 <a:ea typeface="Calibri" panose="020F0502020204030204" pitchFamily="34" charset="0"/>
                 <a:cs typeface="Times New Roman" panose="02020603050405020304" pitchFamily="18" charset="0"/>
@@ -19660,13 +18984,6 @@
   <p:clrMapOvr>
     <a:masterClrMapping/>
   </p:clrMapOvr>
-  <p:timing>
-    <p:tnLst>
-      <p:par>
-        <p:cTn id="1" dur="indefinite" restart="never" nodeType="tmRoot"/>
-      </p:par>
-    </p:tnLst>
-  </p:timing>
 </p:sld>
 </file>
 
@@ -19700,7 +19017,7 @@
         <p:spPr>
           <a:extLst>
             <a:ext uri="{FAA26D3D-D897-4be2-8F04-BA451C77F1D7}">
-              <ma14:placeholderFlag xmlns:ma14="http://schemas.microsoft.com/office/mac/drawingml/2011/main" xmlns="" val="1"/>
+              <ma14:placeholderFlag xmlns="" xmlns:ma14="http://schemas.microsoft.com/office/mac/drawingml/2011/main" val="1"/>
             </a:ext>
           </a:extLst>
         </p:spPr>
@@ -19711,7 +19028,7 @@
           <a:lstStyle/>
           <a:p>
             <a:r>
-              <a:rPr lang="vi-VN" altLang="en-US" sz="2700" dirty="0" smtClean="0"/>
+              <a:rPr lang="vi-VN" altLang="en-US" sz="2700" dirty="0"/>
               <a:t>LỚP NUMBER</a:t>
             </a:r>
             <a:endParaRPr lang="en-US" altLang="en-US" sz="2700" dirty="0"/>
@@ -19748,7 +19065,7 @@
               </a:spcAft>
             </a:pPr>
             <a:r>
-              <a:rPr lang="en-US" sz="1800" b="1" dirty="0" err="1" smtClean="0">
+              <a:rPr lang="en-US" sz="1800" b="1" dirty="0" err="1">
                 <a:latin typeface="Calibri" panose="020F0502020204030204" pitchFamily="34" charset="0"/>
                 <a:ea typeface="Calibri" panose="020F0502020204030204" pitchFamily="34" charset="0"/>
                 <a:cs typeface="Times New Roman" panose="02020603050405020304" pitchFamily="18" charset="0"/>
@@ -19756,7 +19073,7 @@
               <a:t>Lý</a:t>
             </a:r>
             <a:r>
-              <a:rPr lang="en-US" sz="1800" b="1" dirty="0" smtClean="0">
+              <a:rPr lang="en-US" sz="1800" b="1" dirty="0">
                 <a:latin typeface="Calibri" panose="020F0502020204030204" pitchFamily="34" charset="0"/>
                 <a:ea typeface="Calibri" panose="020F0502020204030204" pitchFamily="34" charset="0"/>
                 <a:cs typeface="Times New Roman" panose="02020603050405020304" pitchFamily="18" charset="0"/>
@@ -19764,7 +19081,7 @@
               <a:t> do </a:t>
             </a:r>
             <a:r>
-              <a:rPr lang="en-US" sz="1800" b="1" dirty="0" err="1" smtClean="0">
+              <a:rPr lang="en-US" sz="1800" b="1" dirty="0" err="1">
                 <a:latin typeface="Calibri" panose="020F0502020204030204" pitchFamily="34" charset="0"/>
                 <a:ea typeface="Calibri" panose="020F0502020204030204" pitchFamily="34" charset="0"/>
                 <a:cs typeface="Times New Roman" panose="02020603050405020304" pitchFamily="18" charset="0"/>
@@ -19772,22 +19089,22 @@
               <a:t>sử</a:t>
             </a:r>
             <a:r>
-              <a:rPr lang="en-US" sz="1800" b="1" dirty="0" smtClean="0">
-                <a:latin typeface="Calibri" panose="020F0502020204030204" pitchFamily="34" charset="0"/>
-                <a:ea typeface="Calibri" panose="020F0502020204030204" pitchFamily="34" charset="0"/>
-                <a:cs typeface="Times New Roman" panose="02020603050405020304" pitchFamily="18" charset="0"/>
-              </a:rPr>
-              <a:t> </a:t>
-            </a:r>
-            <a:r>
-              <a:rPr lang="en-US" sz="1800" b="1" dirty="0" err="1" smtClean="0">
+              <a:rPr lang="en-US" sz="1800" b="1" dirty="0">
+                <a:latin typeface="Calibri" panose="020F0502020204030204" pitchFamily="34" charset="0"/>
+                <a:ea typeface="Calibri" panose="020F0502020204030204" pitchFamily="34" charset="0"/>
+                <a:cs typeface="Times New Roman" panose="02020603050405020304" pitchFamily="18" charset="0"/>
+              </a:rPr>
+              <a:t> </a:t>
+            </a:r>
+            <a:r>
+              <a:rPr lang="en-US" sz="1800" b="1" dirty="0" err="1">
                 <a:latin typeface="Calibri" panose="020F0502020204030204" pitchFamily="34" charset="0"/>
                 <a:ea typeface="Calibri" panose="020F0502020204030204" pitchFamily="34" charset="0"/>
                 <a:cs typeface="Times New Roman" panose="02020603050405020304" pitchFamily="18" charset="0"/>
               </a:rPr>
               <a:t>dụng</a:t>
             </a:r>
-            <a:endParaRPr lang="en-US" sz="1800" b="1" dirty="0" smtClean="0">
+            <a:endParaRPr lang="en-US" sz="1800" b="1" dirty="0">
               <a:latin typeface="Calibri" panose="020F0502020204030204" pitchFamily="34" charset="0"/>
               <a:ea typeface="Calibri" panose="020F0502020204030204" pitchFamily="34" charset="0"/>
               <a:cs typeface="Times New Roman" panose="02020603050405020304" pitchFamily="18" charset="0"/>
@@ -19803,20 +19120,12 @@
               </a:spcAft>
             </a:pPr>
             <a:r>
-              <a:rPr lang="en-US" sz="1800" dirty="0" smtClean="0">
-                <a:latin typeface="Calibri" panose="020F0502020204030204" pitchFamily="34" charset="0"/>
-                <a:ea typeface="Calibri" panose="020F0502020204030204" pitchFamily="34" charset="0"/>
-                <a:cs typeface="Times New Roman" panose="02020603050405020304" pitchFamily="18" charset="0"/>
-              </a:rPr>
-              <a:t>- </a:t>
-            </a:r>
-            <a:r>
-              <a:rPr lang="en-US" sz="1800" dirty="0">
-                <a:latin typeface="Calibri" panose="020F0502020204030204" pitchFamily="34" charset="0"/>
-                <a:ea typeface="Calibri" panose="020F0502020204030204" pitchFamily="34" charset="0"/>
-                <a:cs typeface="Times New Roman" panose="02020603050405020304" pitchFamily="18" charset="0"/>
-              </a:rPr>
-              <a:t>Các </a:t>
+              <a:rPr lang="en-US" sz="1800" dirty="0">
+                <a:latin typeface="Calibri" panose="020F0502020204030204" pitchFamily="34" charset="0"/>
+                <a:ea typeface="Calibri" panose="020F0502020204030204" pitchFamily="34" charset="0"/>
+                <a:cs typeface="Times New Roman" panose="02020603050405020304" pitchFamily="18" charset="0"/>
+              </a:rPr>
+              <a:t>- Các </a:t>
             </a:r>
             <a:r>
               <a:rPr lang="en-US" sz="1800" dirty="0" err="1">
@@ -19928,18 +19237,10 @@
                 <a:ea typeface="Calibri" panose="020F0502020204030204" pitchFamily="34" charset="0"/>
                 <a:cs typeface="Times New Roman" panose="02020603050405020304" pitchFamily="18" charset="0"/>
               </a:rPr>
-              <a:t> </a:t>
-            </a:r>
-            <a:r>
-              <a:rPr lang="en-US" sz="1800" dirty="0" smtClean="0">
-                <a:latin typeface="Calibri" panose="020F0502020204030204" pitchFamily="34" charset="0"/>
-                <a:ea typeface="Calibri" panose="020F0502020204030204" pitchFamily="34" charset="0"/>
-                <a:cs typeface="Times New Roman" panose="02020603050405020304" pitchFamily="18" charset="0"/>
-              </a:rPr>
-              <a:t>Number </a:t>
-            </a:r>
-            <a:r>
-              <a:rPr lang="en-US" sz="1800" dirty="0" err="1" smtClean="0">
+              <a:t> Number </a:t>
+            </a:r>
+            <a:r>
+              <a:rPr lang="en-US" sz="1800" dirty="0" err="1">
                 <a:latin typeface="Calibri" panose="020F0502020204030204" pitchFamily="34" charset="0"/>
                 <a:ea typeface="Calibri" panose="020F0502020204030204" pitchFamily="34" charset="0"/>
                 <a:cs typeface="Times New Roman" panose="02020603050405020304" pitchFamily="18" charset="0"/>
@@ -19947,7 +19248,7 @@
               <a:t>cung</a:t>
             </a:r>
             <a:r>
-              <a:rPr lang="en-US" sz="1800" dirty="0" smtClean="0">
+              <a:rPr lang="en-US" sz="1800" dirty="0">
                 <a:latin typeface="Calibri" panose="020F0502020204030204" pitchFamily="34" charset="0"/>
                 <a:ea typeface="Calibri" panose="020F0502020204030204" pitchFamily="34" charset="0"/>
                 <a:cs typeface="Times New Roman" panose="02020603050405020304" pitchFamily="18" charset="0"/>
@@ -20221,7 +19522,7 @@
               </a:spcAft>
             </a:pPr>
             <a:r>
-              <a:rPr lang="en-US" sz="1800" dirty="0" smtClean="0">
+              <a:rPr lang="en-US" sz="1800" dirty="0">
                 <a:latin typeface="Calibri" panose="020F0502020204030204" pitchFamily="34" charset="0"/>
                 <a:ea typeface="Calibri" panose="020F0502020204030204" pitchFamily="34" charset="0"/>
                 <a:cs typeface="Times New Roman" panose="02020603050405020304" pitchFamily="18" charset="0"/>
@@ -20229,7 +19530,7 @@
               <a:t>- </a:t>
             </a:r>
             <a:r>
-              <a:rPr lang="en-US" sz="1800" dirty="0" err="1" smtClean="0">
+              <a:rPr lang="en-US" sz="1800" dirty="0" err="1">
                 <a:latin typeface="Calibri" panose="020F0502020204030204" pitchFamily="34" charset="0"/>
                 <a:ea typeface="Calibri" panose="020F0502020204030204" pitchFamily="34" charset="0"/>
                 <a:cs typeface="Times New Roman" panose="02020603050405020304" pitchFamily="18" charset="0"/>
@@ -20237,7 +19538,7 @@
               <a:t>Đối</a:t>
             </a:r>
             <a:r>
-              <a:rPr lang="en-US" sz="1800" dirty="0" smtClean="0">
+              <a:rPr lang="en-US" sz="1800" dirty="0">
                 <a:latin typeface="Calibri" panose="020F0502020204030204" pitchFamily="34" charset="0"/>
                 <a:ea typeface="Calibri" panose="020F0502020204030204" pitchFamily="34" charset="0"/>
                 <a:cs typeface="Times New Roman" panose="02020603050405020304" pitchFamily="18" charset="0"/>
@@ -20277,7 +19578,7 @@
               <a:t> Number </a:t>
             </a:r>
             <a:r>
-              <a:rPr lang="en-US" sz="1800" dirty="0" err="1" smtClean="0">
+              <a:rPr lang="en-US" sz="1800" dirty="0" err="1">
                 <a:latin typeface="Calibri" panose="020F0502020204030204" pitchFamily="34" charset="0"/>
                 <a:ea typeface="Calibri" panose="020F0502020204030204" pitchFamily="34" charset="0"/>
                 <a:cs typeface="Times New Roman" panose="02020603050405020304" pitchFamily="18" charset="0"/>
@@ -20285,7 +19586,7 @@
               <a:t>được</a:t>
             </a:r>
             <a:r>
-              <a:rPr lang="en-US" sz="1800" dirty="0" smtClean="0">
+              <a:rPr lang="en-US" sz="1800" dirty="0">
                 <a:latin typeface="Calibri" panose="020F0502020204030204" pitchFamily="34" charset="0"/>
                 <a:ea typeface="Calibri" panose="020F0502020204030204" pitchFamily="34" charset="0"/>
                 <a:cs typeface="Times New Roman" panose="02020603050405020304" pitchFamily="18" charset="0"/>
@@ -20500,11 +19801,6 @@
               </a:rPr>
               <a:t> </a:t>
             </a:r>
-            <a:endParaRPr lang="en-US" sz="1800" dirty="0" smtClean="0">
-              <a:latin typeface="Calibri" panose="020F0502020204030204" pitchFamily="34" charset="0"/>
-              <a:ea typeface="Calibri" panose="020F0502020204030204" pitchFamily="34" charset="0"/>
-              <a:cs typeface="Times New Roman" panose="02020603050405020304" pitchFamily="18" charset="0"/>
-            </a:endParaRPr>
           </a:p>
           <a:p>
             <a:pPr algn="just">
@@ -20516,20 +19812,12 @@
               </a:spcAft>
             </a:pPr>
             <a:r>
-              <a:rPr lang="en-US" sz="1800" dirty="0" smtClean="0">
-                <a:latin typeface="Calibri" panose="020F0502020204030204" pitchFamily="34" charset="0"/>
-                <a:ea typeface="Calibri" panose="020F0502020204030204" pitchFamily="34" charset="0"/>
-                <a:cs typeface="Times New Roman" panose="02020603050405020304" pitchFamily="18" charset="0"/>
-              </a:rPr>
-              <a:t>- </a:t>
-            </a:r>
-            <a:r>
-              <a:rPr lang="en-US" sz="1800" dirty="0">
-                <a:latin typeface="Calibri" panose="020F0502020204030204" pitchFamily="34" charset="0"/>
-                <a:ea typeface="Calibri" panose="020F0502020204030204" pitchFamily="34" charset="0"/>
-                <a:cs typeface="Times New Roman" panose="02020603050405020304" pitchFamily="18" charset="0"/>
-              </a:rPr>
-              <a:t>Các </a:t>
+              <a:rPr lang="en-US" sz="1800" dirty="0">
+                <a:latin typeface="Calibri" panose="020F0502020204030204" pitchFamily="34" charset="0"/>
+                <a:ea typeface="Calibri" panose="020F0502020204030204" pitchFamily="34" charset="0"/>
+                <a:cs typeface="Times New Roman" panose="02020603050405020304" pitchFamily="18" charset="0"/>
+              </a:rPr>
+              <a:t>- Các </a:t>
             </a:r>
             <a:r>
               <a:rPr lang="en-US" sz="1800" dirty="0" err="1">
@@ -20564,7 +19852,7 @@
               <a:t> </a:t>
             </a:r>
             <a:r>
-              <a:rPr lang="en-US" sz="1800" dirty="0" err="1" smtClean="0">
+              <a:rPr lang="en-US" sz="1800" dirty="0" err="1">
                 <a:latin typeface="Calibri" panose="020F0502020204030204" pitchFamily="34" charset="0"/>
                 <a:ea typeface="Calibri" panose="020F0502020204030204" pitchFamily="34" charset="0"/>
                 <a:cs typeface="Times New Roman" panose="02020603050405020304" pitchFamily="18" charset="0"/>
@@ -20572,7 +19860,7 @@
               <a:t>có</a:t>
             </a:r>
             <a:r>
-              <a:rPr lang="en-US" sz="1800" dirty="0" smtClean="0">
+              <a:rPr lang="en-US" sz="1800" dirty="0">
                 <a:latin typeface="Calibri" panose="020F0502020204030204" pitchFamily="34" charset="0"/>
                 <a:ea typeface="Calibri" panose="020F0502020204030204" pitchFamily="34" charset="0"/>
                 <a:cs typeface="Times New Roman" panose="02020603050405020304" pitchFamily="18" charset="0"/>
@@ -21273,13 +20561,6 @@
   <p:clrMapOvr>
     <a:masterClrMapping/>
   </p:clrMapOvr>
-  <p:timing>
-    <p:tnLst>
-      <p:par>
-        <p:cTn id="1" dur="indefinite" restart="never" nodeType="tmRoot"/>
-      </p:par>
-    </p:tnLst>
-  </p:timing>
 </p:sld>
 </file>
 
@@ -21313,7 +20594,7 @@
         <p:spPr>
           <a:extLst>
             <a:ext uri="{FAA26D3D-D897-4be2-8F04-BA451C77F1D7}">
-              <ma14:placeholderFlag xmlns:ma14="http://schemas.microsoft.com/office/mac/drawingml/2011/main" xmlns="" val="1"/>
+              <ma14:placeholderFlag xmlns="" xmlns:ma14="http://schemas.microsoft.com/office/mac/drawingml/2011/main" val="1"/>
             </a:ext>
           </a:extLst>
         </p:spPr>
@@ -21324,7 +20605,7 @@
           <a:lstStyle/>
           <a:p>
             <a:r>
-              <a:rPr lang="vi-VN" altLang="en-US" sz="2700" dirty="0" smtClean="0"/>
+              <a:rPr lang="vi-VN" altLang="en-US" sz="2700" dirty="0"/>
               <a:t>LỚP NUMBER</a:t>
             </a:r>
             <a:endParaRPr lang="en-US" altLang="en-US" sz="2700" dirty="0"/>
@@ -21356,9 +20637,27 @@
                 <a:tableStyleId>{5C22544A-7EE6-4342-B048-85BDC9FD1C3A}</a:tableStyleId>
               </a:tblPr>
               <a:tblGrid>
-                <a:gridCol w="2197069"/>
-                <a:gridCol w="2067773"/>
-                <a:gridCol w="3995556"/>
+                <a:gridCol w="2197069">
+                  <a:extLst>
+                    <a:ext uri="{9D8B030D-6E8A-4147-A177-3AD203B41FA5}">
+                      <a16:colId xmlns:a16="http://schemas.microsoft.com/office/drawing/2014/main" val="20000"/>
+                    </a:ext>
+                  </a:extLst>
+                </a:gridCol>
+                <a:gridCol w="2067773">
+                  <a:extLst>
+                    <a:ext uri="{9D8B030D-6E8A-4147-A177-3AD203B41FA5}">
+                      <a16:colId xmlns:a16="http://schemas.microsoft.com/office/drawing/2014/main" val="20001"/>
+                    </a:ext>
+                  </a:extLst>
+                </a:gridCol>
+                <a:gridCol w="3995556">
+                  <a:extLst>
+                    <a:ext uri="{9D8B030D-6E8A-4147-A177-3AD203B41FA5}">
+                      <a16:colId xmlns:a16="http://schemas.microsoft.com/office/drawing/2014/main" val="20002"/>
+                    </a:ext>
+                  </a:extLst>
+                </a:gridCol>
               </a:tblGrid>
               <a:tr h="636289">
                 <a:tc>
@@ -21448,6 +20747,11 @@
                   </a:txBody>
                   <a:tcPr marL="114300" marR="114300" marT="114300" marB="114300"/>
                 </a:tc>
+                <a:extLst>
+                  <a:ext uri="{0D108BD9-81ED-4DB2-BD59-A6C34878D82A}">
+                    <a16:rowId xmlns:a16="http://schemas.microsoft.com/office/drawing/2014/main" val="10000"/>
+                  </a:ext>
+                </a:extLst>
               </a:tr>
               <a:tr h="335330">
                 <a:tc>
@@ -21538,6 +20842,11 @@
                   </a:txBody>
                   <a:tcPr marL="76200" marR="76200" marT="76200" marB="76200"/>
                 </a:tc>
+                <a:extLst>
+                  <a:ext uri="{0D108BD9-81ED-4DB2-BD59-A6C34878D82A}">
+                    <a16:rowId xmlns:a16="http://schemas.microsoft.com/office/drawing/2014/main" val="10001"/>
+                  </a:ext>
+                </a:extLst>
               </a:tr>
               <a:tr h="335330">
                 <a:tc>
@@ -21634,6 +20943,11 @@
                   </a:txBody>
                   <a:tcPr marL="76200" marR="76200" marT="76200" marB="76200"/>
                 </a:tc>
+                <a:extLst>
+                  <a:ext uri="{0D108BD9-81ED-4DB2-BD59-A6C34878D82A}">
+                    <a16:rowId xmlns:a16="http://schemas.microsoft.com/office/drawing/2014/main" val="10002"/>
+                  </a:ext>
+                </a:extLst>
               </a:tr>
               <a:tr h="335330">
                 <a:tc>
@@ -21730,6 +21044,11 @@
                   </a:txBody>
                   <a:tcPr marL="76200" marR="76200" marT="76200" marB="76200"/>
                 </a:tc>
+                <a:extLst>
+                  <a:ext uri="{0D108BD9-81ED-4DB2-BD59-A6C34878D82A}">
+                    <a16:rowId xmlns:a16="http://schemas.microsoft.com/office/drawing/2014/main" val="10003"/>
+                  </a:ext>
+                </a:extLst>
               </a:tr>
               <a:tr h="335330">
                 <a:tc>
@@ -21826,6 +21145,11 @@
                   </a:txBody>
                   <a:tcPr marL="76200" marR="76200" marT="76200" marB="76200"/>
                 </a:tc>
+                <a:extLst>
+                  <a:ext uri="{0D108BD9-81ED-4DB2-BD59-A6C34878D82A}">
+                    <a16:rowId xmlns:a16="http://schemas.microsoft.com/office/drawing/2014/main" val="10004"/>
+                  </a:ext>
+                </a:extLst>
               </a:tr>
               <a:tr h="335330">
                 <a:tc>
@@ -21922,6 +21246,11 @@
                   </a:txBody>
                   <a:tcPr marL="76200" marR="76200" marT="76200" marB="76200"/>
                 </a:tc>
+                <a:extLst>
+                  <a:ext uri="{0D108BD9-81ED-4DB2-BD59-A6C34878D82A}">
+                    <a16:rowId xmlns:a16="http://schemas.microsoft.com/office/drawing/2014/main" val="10005"/>
+                  </a:ext>
+                </a:extLst>
               </a:tr>
               <a:tr h="335330">
                 <a:tc>
@@ -22084,6 +21413,11 @@
                   </a:txBody>
                   <a:tcPr marL="76200" marR="76200" marT="76200" marB="76200"/>
                 </a:tc>
+                <a:extLst>
+                  <a:ext uri="{0D108BD9-81ED-4DB2-BD59-A6C34878D82A}">
+                    <a16:rowId xmlns:a16="http://schemas.microsoft.com/office/drawing/2014/main" val="10006"/>
+                  </a:ext>
+                </a:extLst>
               </a:tr>
             </a:tbl>
           </a:graphicData>
@@ -22119,7 +21453,7 @@
               </a:spcAft>
             </a:pPr>
             <a:r>
-              <a:rPr lang="en-US" sz="1800" dirty="0" err="1" smtClean="0">
+              <a:rPr lang="en-US" sz="1800" dirty="0" err="1">
                 <a:latin typeface="Calibri" panose="020F0502020204030204" pitchFamily="34" charset="0"/>
                 <a:ea typeface="Calibri" panose="020F0502020204030204" pitchFamily="34" charset="0"/>
                 <a:cs typeface="Times New Roman" panose="02020603050405020304" pitchFamily="18" charset="0"/>
@@ -22127,15 +21461,15 @@
               <a:t>Phương</a:t>
             </a:r>
             <a:r>
-              <a:rPr lang="en-US" sz="1800" dirty="0" smtClean="0">
-                <a:latin typeface="Calibri" panose="020F0502020204030204" pitchFamily="34" charset="0"/>
-                <a:ea typeface="Calibri" panose="020F0502020204030204" pitchFamily="34" charset="0"/>
-                <a:cs typeface="Times New Roman" panose="02020603050405020304" pitchFamily="18" charset="0"/>
-              </a:rPr>
-              <a:t> </a:t>
-            </a:r>
-            <a:r>
-              <a:rPr lang="en-US" sz="1800" dirty="0" err="1" smtClean="0">
+              <a:rPr lang="en-US" sz="1800" dirty="0">
+                <a:latin typeface="Calibri" panose="020F0502020204030204" pitchFamily="34" charset="0"/>
+                <a:ea typeface="Calibri" panose="020F0502020204030204" pitchFamily="34" charset="0"/>
+                <a:cs typeface="Times New Roman" panose="02020603050405020304" pitchFamily="18" charset="0"/>
+              </a:rPr>
+              <a:t> </a:t>
+            </a:r>
+            <a:r>
+              <a:rPr lang="en-US" sz="1800" dirty="0" err="1">
                 <a:latin typeface="Calibri" panose="020F0502020204030204" pitchFamily="34" charset="0"/>
                 <a:ea typeface="Calibri" panose="020F0502020204030204" pitchFamily="34" charset="0"/>
                 <a:cs typeface="Times New Roman" panose="02020603050405020304" pitchFamily="18" charset="0"/>
@@ -22143,15 +21477,15 @@
               <a:t>thức</a:t>
             </a:r>
             <a:r>
-              <a:rPr lang="en-US" sz="1800" dirty="0" smtClean="0">
-                <a:latin typeface="Calibri" panose="020F0502020204030204" pitchFamily="34" charset="0"/>
-                <a:ea typeface="Calibri" panose="020F0502020204030204" pitchFamily="34" charset="0"/>
-                <a:cs typeface="Times New Roman" panose="02020603050405020304" pitchFamily="18" charset="0"/>
-              </a:rPr>
-              <a:t> </a:t>
-            </a:r>
-            <a:r>
-              <a:rPr lang="en-US" sz="1800" dirty="0" err="1" smtClean="0">
+              <a:rPr lang="en-US" sz="1800" dirty="0">
+                <a:latin typeface="Calibri" panose="020F0502020204030204" pitchFamily="34" charset="0"/>
+                <a:ea typeface="Calibri" panose="020F0502020204030204" pitchFamily="34" charset="0"/>
+                <a:cs typeface="Times New Roman" panose="02020603050405020304" pitchFamily="18" charset="0"/>
+              </a:rPr>
+              <a:t> </a:t>
+            </a:r>
+            <a:r>
+              <a:rPr lang="en-US" sz="1800" dirty="0" err="1">
                 <a:latin typeface="Calibri" panose="020F0502020204030204" pitchFamily="34" charset="0"/>
                 <a:ea typeface="Calibri" panose="020F0502020204030204" pitchFamily="34" charset="0"/>
                 <a:cs typeface="Times New Roman" panose="02020603050405020304" pitchFamily="18" charset="0"/>
@@ -22159,15 +21493,15 @@
               <a:t>chuyển</a:t>
             </a:r>
             <a:r>
-              <a:rPr lang="en-US" sz="1800" dirty="0" smtClean="0">
-                <a:latin typeface="Calibri" panose="020F0502020204030204" pitchFamily="34" charset="0"/>
-                <a:ea typeface="Calibri" panose="020F0502020204030204" pitchFamily="34" charset="0"/>
-                <a:cs typeface="Times New Roman" panose="02020603050405020304" pitchFamily="18" charset="0"/>
-              </a:rPr>
-              <a:t> </a:t>
-            </a:r>
-            <a:r>
-              <a:rPr lang="en-US" sz="1800" dirty="0" err="1" smtClean="0">
+              <a:rPr lang="en-US" sz="1800" dirty="0">
+                <a:latin typeface="Calibri" panose="020F0502020204030204" pitchFamily="34" charset="0"/>
+                <a:ea typeface="Calibri" panose="020F0502020204030204" pitchFamily="34" charset="0"/>
+                <a:cs typeface="Times New Roman" panose="02020603050405020304" pitchFamily="18" charset="0"/>
+              </a:rPr>
+              <a:t> </a:t>
+            </a:r>
+            <a:r>
+              <a:rPr lang="en-US" sz="1800" dirty="0" err="1">
                 <a:latin typeface="Calibri" panose="020F0502020204030204" pitchFamily="34" charset="0"/>
                 <a:ea typeface="Calibri" panose="020F0502020204030204" pitchFamily="34" charset="0"/>
                 <a:cs typeface="Times New Roman" panose="02020603050405020304" pitchFamily="18" charset="0"/>
@@ -22175,15 +21509,15 @@
               <a:t>đổi</a:t>
             </a:r>
             <a:r>
-              <a:rPr lang="en-US" sz="1800" dirty="0" smtClean="0">
-                <a:latin typeface="Calibri" panose="020F0502020204030204" pitchFamily="34" charset="0"/>
-                <a:ea typeface="Calibri" panose="020F0502020204030204" pitchFamily="34" charset="0"/>
-                <a:cs typeface="Times New Roman" panose="02020603050405020304" pitchFamily="18" charset="0"/>
-              </a:rPr>
-              <a:t> </a:t>
-            </a:r>
-            <a:r>
-              <a:rPr lang="en-US" sz="1800" dirty="0" err="1" smtClean="0">
+              <a:rPr lang="en-US" sz="1800" dirty="0">
+                <a:latin typeface="Calibri" panose="020F0502020204030204" pitchFamily="34" charset="0"/>
+                <a:ea typeface="Calibri" panose="020F0502020204030204" pitchFamily="34" charset="0"/>
+                <a:cs typeface="Times New Roman" panose="02020603050405020304" pitchFamily="18" charset="0"/>
+              </a:rPr>
+              <a:t> </a:t>
+            </a:r>
+            <a:r>
+              <a:rPr lang="en-US" sz="1800" dirty="0" err="1">
                 <a:latin typeface="Calibri" panose="020F0502020204030204" pitchFamily="34" charset="0"/>
                 <a:ea typeface="Calibri" panose="020F0502020204030204" pitchFamily="34" charset="0"/>
                 <a:cs typeface="Times New Roman" panose="02020603050405020304" pitchFamily="18" charset="0"/>
@@ -22191,7 +21525,7 @@
               <a:t>giữa</a:t>
             </a:r>
             <a:r>
-              <a:rPr lang="en-US" sz="1800" dirty="0" smtClean="0">
+              <a:rPr lang="en-US" sz="1800" dirty="0">
                 <a:latin typeface="Calibri" panose="020F0502020204030204" pitchFamily="34" charset="0"/>
                 <a:ea typeface="Calibri" panose="020F0502020204030204" pitchFamily="34" charset="0"/>
                 <a:cs typeface="Times New Roman" panose="02020603050405020304" pitchFamily="18" charset="0"/>
@@ -22393,13 +21727,6 @@
   <p:clrMapOvr>
     <a:masterClrMapping/>
   </p:clrMapOvr>
-  <p:timing>
-    <p:tnLst>
-      <p:par>
-        <p:cTn id="1" dur="indefinite" restart="never" nodeType="tmRoot"/>
-      </p:par>
-    </p:tnLst>
-  </p:timing>
 </p:sld>
 </file>
 
@@ -22433,7 +21760,7 @@
         <p:spPr>
           <a:extLst>
             <a:ext uri="{FAA26D3D-D897-4be2-8F04-BA451C77F1D7}">
-              <ma14:placeholderFlag xmlns:ma14="http://schemas.microsoft.com/office/mac/drawingml/2011/main" xmlns="" val="1"/>
+              <ma14:placeholderFlag xmlns="" xmlns:ma14="http://schemas.microsoft.com/office/mac/drawingml/2011/main" val="1"/>
             </a:ext>
           </a:extLst>
         </p:spPr>
@@ -22444,7 +21771,7 @@
           <a:lstStyle/>
           <a:p>
             <a:r>
-              <a:rPr lang="vi-VN" altLang="en-US" sz="2700" dirty="0" smtClean="0"/>
+              <a:rPr lang="vi-VN" altLang="en-US" sz="2700" dirty="0"/>
               <a:t>LỚP NUMBER</a:t>
             </a:r>
             <a:endParaRPr lang="en-US" altLang="en-US" sz="2700" dirty="0"/>
@@ -22519,13 +21846,6 @@
   <p:clrMapOvr>
     <a:masterClrMapping/>
   </p:clrMapOvr>
-  <p:timing>
-    <p:tnLst>
-      <p:par>
-        <p:cTn id="1" dur="indefinite" restart="never" nodeType="tmRoot"/>
-      </p:par>
-    </p:tnLst>
-  </p:timing>
 </p:sld>
 </file>
 
@@ -22559,7 +21879,7 @@
         <p:spPr>
           <a:extLst>
             <a:ext uri="{FAA26D3D-D897-4be2-8F04-BA451C77F1D7}">
-              <ma14:placeholderFlag xmlns:ma14="http://schemas.microsoft.com/office/mac/drawingml/2011/main" xmlns="" val="1"/>
+              <ma14:placeholderFlag xmlns="" xmlns:ma14="http://schemas.microsoft.com/office/mac/drawingml/2011/main" val="1"/>
             </a:ext>
           </a:extLst>
         </p:spPr>
@@ -22570,7 +21890,7 @@
           <a:lstStyle/>
           <a:p>
             <a:r>
-              <a:rPr lang="vi-VN" altLang="en-US" sz="2700" dirty="0" smtClean="0"/>
+              <a:rPr lang="vi-VN" altLang="en-US" sz="2700" dirty="0"/>
               <a:t>LỚP NUMBER</a:t>
             </a:r>
             <a:endParaRPr lang="en-US" altLang="en-US" sz="2700" dirty="0"/>
@@ -22604,7 +21924,7 @@
               </a:lnSpc>
             </a:pPr>
             <a:r>
-              <a:rPr lang="en-US" sz="1800" b="1" dirty="0" err="1" smtClean="0">
+              <a:rPr lang="en-US" sz="1800" b="1" dirty="0" err="1">
                 <a:latin typeface="Calibri" panose="020F0502020204030204" pitchFamily="34" charset="0"/>
                 <a:ea typeface="Calibri" panose="020F0502020204030204" pitchFamily="34" charset="0"/>
                 <a:cs typeface="Times New Roman" panose="02020603050405020304" pitchFamily="18" charset="0"/>
@@ -22612,15 +21932,15 @@
               <a:t>Khai</a:t>
             </a:r>
             <a:r>
-              <a:rPr lang="en-US" sz="1800" b="1" dirty="0" smtClean="0">
-                <a:latin typeface="Calibri" panose="020F0502020204030204" pitchFamily="34" charset="0"/>
-                <a:ea typeface="Calibri" panose="020F0502020204030204" pitchFamily="34" charset="0"/>
-                <a:cs typeface="Times New Roman" panose="02020603050405020304" pitchFamily="18" charset="0"/>
-              </a:rPr>
-              <a:t> </a:t>
-            </a:r>
-            <a:r>
-              <a:rPr lang="en-US" sz="1800" b="1" dirty="0" err="1" smtClean="0">
+              <a:rPr lang="en-US" sz="1800" b="1" dirty="0">
+                <a:latin typeface="Calibri" panose="020F0502020204030204" pitchFamily="34" charset="0"/>
+                <a:ea typeface="Calibri" panose="020F0502020204030204" pitchFamily="34" charset="0"/>
+                <a:cs typeface="Times New Roman" panose="02020603050405020304" pitchFamily="18" charset="0"/>
+              </a:rPr>
+              <a:t> </a:t>
+            </a:r>
+            <a:r>
+              <a:rPr lang="en-US" sz="1800" b="1" dirty="0" err="1">
                 <a:latin typeface="Calibri" panose="020F0502020204030204" pitchFamily="34" charset="0"/>
                 <a:ea typeface="Calibri" panose="020F0502020204030204" pitchFamily="34" charset="0"/>
                 <a:cs typeface="Times New Roman" panose="02020603050405020304" pitchFamily="18" charset="0"/>
@@ -22732,7 +22052,7 @@
               <a:t> </a:t>
             </a:r>
             <a:r>
-              <a:rPr lang="en-US" sz="1800" dirty="0" err="1" smtClean="0">
+              <a:rPr lang="en-US" sz="1800" dirty="0" err="1">
                 <a:solidFill>
                   <a:srgbClr val="273239"/>
                 </a:solidFill>
@@ -22743,7 +22063,7 @@
               <a:t>compareTo</a:t>
             </a:r>
             <a:r>
-              <a:rPr lang="en-US" sz="1800" dirty="0" smtClean="0">
+              <a:rPr lang="en-US" sz="1800" dirty="0">
                 <a:solidFill>
                   <a:srgbClr val="273239"/>
                 </a:solidFill>
@@ -22754,7 +22074,7 @@
               <a:t>(</a:t>
             </a:r>
             <a:r>
-              <a:rPr lang="en-US" sz="1800" dirty="0" err="1" smtClean="0">
+              <a:rPr lang="en-US" sz="1800" dirty="0" err="1">
                 <a:solidFill>
                   <a:srgbClr val="273239"/>
                 </a:solidFill>
@@ -22765,7 +22085,7 @@
               <a:t>NumberSubClass</a:t>
             </a:r>
             <a:r>
-              <a:rPr lang="en-US" sz="1800" dirty="0" smtClean="0">
+              <a:rPr lang="en-US" sz="1800" dirty="0">
                 <a:solidFill>
                   <a:srgbClr val="273239"/>
                 </a:solidFill>
@@ -22797,7 +22117,7 @@
               </a:rPr>
               <a:t> )</a:t>
             </a:r>
-            <a:endParaRPr kumimoji="0" lang="en-US" sz="1800" b="0" i="0" u="none" strike="noStrike" cap="none" normalizeH="0" baseline="0" dirty="0" smtClean="0">
+            <a:endParaRPr kumimoji="0" lang="en-US" sz="1800" b="0" i="0" u="none" strike="noStrike" cap="none" normalizeH="0" baseline="0" dirty="0">
               <a:ln>
                 <a:noFill/>
               </a:ln>
@@ -22842,18 +22162,10 @@
                 <a:ea typeface="Calibri" panose="020F0502020204030204" pitchFamily="34" charset="0"/>
                 <a:cs typeface="Times New Roman" panose="02020603050405020304" pitchFamily="18" charset="0"/>
               </a:rPr>
-              <a:t>Dùng để so sánh đối tượng Number với tham số referenceName được chỉ </a:t>
-            </a:r>
-            <a:r>
-              <a:rPr lang="vi-VN" sz="1800" dirty="0" smtClean="0">
-                <a:latin typeface="Calibri" panose="020F0502020204030204" pitchFamily="34" charset="0"/>
-                <a:ea typeface="Calibri" panose="020F0502020204030204" pitchFamily="34" charset="0"/>
-                <a:cs typeface="Times New Roman" panose="02020603050405020304" pitchFamily="18" charset="0"/>
-              </a:rPr>
-              <a:t>định</a:t>
-            </a:r>
-            <a:r>
-              <a:rPr lang="en-US" sz="1800" dirty="0" smtClean="0">
+              <a:t>Dùng để so sánh đối tượng Number với tham số referenceName được chỉ định</a:t>
+            </a:r>
+            <a:r>
+              <a:rPr lang="en-US" sz="1800" dirty="0">
                 <a:latin typeface="Calibri" panose="020F0502020204030204" pitchFamily="34" charset="0"/>
                 <a:ea typeface="Calibri" panose="020F0502020204030204" pitchFamily="34" charset="0"/>
                 <a:cs typeface="Times New Roman" panose="02020603050405020304" pitchFamily="18" charset="0"/>
@@ -22861,20 +22173,12 @@
               <a:t>, </a:t>
             </a:r>
             <a:r>
-              <a:rPr lang="vi-VN" sz="1800" dirty="0" smtClean="0">
-                <a:latin typeface="Calibri" panose="020F0502020204030204" pitchFamily="34" charset="0"/>
-                <a:ea typeface="Calibri" panose="020F0502020204030204" pitchFamily="34" charset="0"/>
-                <a:cs typeface="Times New Roman" panose="02020603050405020304" pitchFamily="18" charset="0"/>
-              </a:rPr>
-              <a:t>trả </a:t>
-            </a:r>
-            <a:r>
               <a:rPr lang="vi-VN" sz="1800" dirty="0">
                 <a:latin typeface="Calibri" panose="020F0502020204030204" pitchFamily="34" charset="0"/>
                 <a:ea typeface="Calibri" panose="020F0502020204030204" pitchFamily="34" charset="0"/>
                 <a:cs typeface="Times New Roman" panose="02020603050405020304" pitchFamily="18" charset="0"/>
               </a:rPr>
-              <a:t>về</a:t>
+              <a:t>trả về</a:t>
             </a:r>
           </a:p>
           <a:p>
@@ -22934,13 +22238,6 @@
   <p:clrMapOvr>
     <a:masterClrMapping/>
   </p:clrMapOvr>
-  <p:timing>
-    <p:tnLst>
-      <p:par>
-        <p:cTn id="1" dur="indefinite" restart="never" nodeType="tmRoot"/>
-      </p:par>
-    </p:tnLst>
-  </p:timing>
 </p:sld>
 </file>
 
@@ -22974,7 +22271,7 @@
         <p:spPr>
           <a:extLst>
             <a:ext uri="{FAA26D3D-D897-4be2-8F04-BA451C77F1D7}">
-              <ma14:placeholderFlag xmlns:ma14="http://schemas.microsoft.com/office/mac/drawingml/2011/main" xmlns="" val="1"/>
+              <ma14:placeholderFlag xmlns="" xmlns:ma14="http://schemas.microsoft.com/office/mac/drawingml/2011/main" val="1"/>
             </a:ext>
           </a:extLst>
         </p:spPr>
@@ -22985,7 +22282,7 @@
           <a:lstStyle/>
           <a:p>
             <a:r>
-              <a:rPr lang="vi-VN" altLang="en-US" sz="2700" dirty="0" smtClean="0"/>
+              <a:rPr lang="vi-VN" altLang="en-US" sz="2700" dirty="0"/>
               <a:t>LỚP NUMBER</a:t>
             </a:r>
             <a:endParaRPr lang="en-US" altLang="en-US" sz="2700" dirty="0"/>
@@ -23060,13 +22357,6 @@
   <p:clrMapOvr>
     <a:masterClrMapping/>
   </p:clrMapOvr>
-  <p:timing>
-    <p:tnLst>
-      <p:par>
-        <p:cTn id="1" dur="indefinite" restart="never" nodeType="tmRoot"/>
-      </p:par>
-    </p:tnLst>
-  </p:timing>
 </p:sld>
 </file>
 
@@ -23100,7 +22390,7 @@
         <p:spPr>
           <a:extLst>
             <a:ext uri="{FAA26D3D-D897-4be2-8F04-BA451C77F1D7}">
-              <ma14:placeholderFlag xmlns:ma14="http://schemas.microsoft.com/office/mac/drawingml/2011/main" xmlns="" val="1"/>
+              <ma14:placeholderFlag xmlns="" xmlns:ma14="http://schemas.microsoft.com/office/mac/drawingml/2011/main" val="1"/>
             </a:ext>
           </a:extLst>
         </p:spPr>
@@ -23111,7 +22401,7 @@
           <a:lstStyle/>
           <a:p>
             <a:r>
-              <a:rPr lang="vi-VN" altLang="en-US" sz="2700" dirty="0" smtClean="0"/>
+              <a:rPr lang="vi-VN" altLang="en-US" sz="2700" dirty="0"/>
               <a:t>LỚP NUMBER</a:t>
             </a:r>
             <a:endParaRPr lang="en-US" altLang="en-US" sz="2700" dirty="0"/>
@@ -23145,7 +22435,7 @@
               </a:lnSpc>
             </a:pPr>
             <a:r>
-              <a:rPr lang="en-US" sz="1800" b="1" dirty="0" err="1" smtClean="0">
+              <a:rPr lang="en-US" sz="1800" b="1" dirty="0" err="1">
                 <a:latin typeface="Calibri" panose="020F0502020204030204" pitchFamily="34" charset="0"/>
                 <a:ea typeface="Calibri" panose="020F0502020204030204" pitchFamily="34" charset="0"/>
                 <a:cs typeface="Times New Roman" panose="02020603050405020304" pitchFamily="18" charset="0"/>
@@ -23153,15 +22443,15 @@
               <a:t>Khai</a:t>
             </a:r>
             <a:r>
-              <a:rPr lang="en-US" sz="1800" b="1" dirty="0" smtClean="0">
-                <a:latin typeface="Calibri" panose="020F0502020204030204" pitchFamily="34" charset="0"/>
-                <a:ea typeface="Calibri" panose="020F0502020204030204" pitchFamily="34" charset="0"/>
-                <a:cs typeface="Times New Roman" panose="02020603050405020304" pitchFamily="18" charset="0"/>
-              </a:rPr>
-              <a:t> </a:t>
-            </a:r>
-            <a:r>
-              <a:rPr lang="en-US" sz="1800" b="1" dirty="0" err="1" smtClean="0">
+              <a:rPr lang="en-US" sz="1800" b="1" dirty="0">
+                <a:latin typeface="Calibri" panose="020F0502020204030204" pitchFamily="34" charset="0"/>
+                <a:ea typeface="Calibri" panose="020F0502020204030204" pitchFamily="34" charset="0"/>
+                <a:cs typeface="Times New Roman" panose="02020603050405020304" pitchFamily="18" charset="0"/>
+              </a:rPr>
+              <a:t> </a:t>
+            </a:r>
+            <a:r>
+              <a:rPr lang="en-US" sz="1800" b="1" dirty="0" err="1">
                 <a:latin typeface="Calibri" panose="020F0502020204030204" pitchFamily="34" charset="0"/>
                 <a:ea typeface="Calibri" panose="020F0502020204030204" pitchFamily="34" charset="0"/>
                 <a:cs typeface="Times New Roman" panose="02020603050405020304" pitchFamily="18" charset="0"/>
@@ -23294,7 +22584,7 @@
               </a:rPr>
               <a:t>)</a:t>
             </a:r>
-            <a:endParaRPr kumimoji="0" lang="en-US" sz="1800" b="0" i="0" u="none" strike="noStrike" cap="none" normalizeH="0" baseline="0" dirty="0" smtClean="0">
+            <a:endParaRPr kumimoji="0" lang="en-US" sz="1800" b="0" i="0" u="none" strike="noStrike" cap="none" normalizeH="0" baseline="0" dirty="0">
               <a:ln>
                 <a:noFill/>
               </a:ln>
@@ -23342,7 +22632,7 @@
               <a:t>Dùng để </a:t>
             </a:r>
             <a:r>
-              <a:rPr lang="en-US" sz="1800" dirty="0" smtClean="0">
+              <a:rPr lang="en-US" sz="1800" dirty="0">
                 <a:latin typeface="Calibri" panose="020F0502020204030204" pitchFamily="34" charset="0"/>
                 <a:ea typeface="Calibri" panose="020F0502020204030204" pitchFamily="34" charset="0"/>
                 <a:cs typeface="Times New Roman" panose="02020603050405020304" pitchFamily="18" charset="0"/>
@@ -23350,20 +22640,12 @@
               <a:t>x</a:t>
             </a:r>
             <a:r>
-              <a:rPr lang="vi-VN" sz="1800" dirty="0" smtClean="0">
-                <a:latin typeface="Calibri" panose="020F0502020204030204" pitchFamily="34" charset="0"/>
-                <a:ea typeface="Calibri" panose="020F0502020204030204" pitchFamily="34" charset="0"/>
-                <a:cs typeface="Times New Roman" panose="02020603050405020304" pitchFamily="18" charset="0"/>
-              </a:rPr>
-              <a:t>ác </a:t>
-            </a:r>
-            <a:r>
               <a:rPr lang="vi-VN" sz="1800" dirty="0">
                 <a:latin typeface="Calibri" panose="020F0502020204030204" pitchFamily="34" charset="0"/>
                 <a:ea typeface="Calibri" panose="020F0502020204030204" pitchFamily="34" charset="0"/>
                 <a:cs typeface="Times New Roman" panose="02020603050405020304" pitchFamily="18" charset="0"/>
               </a:rPr>
-              <a:t>định xem đối tượng Number có bằng tham số hay không.</a:t>
+              <a:t>ác định xem đối tượng Number có bằng tham số hay không.</a:t>
             </a:r>
           </a:p>
         </p:txBody>
@@ -23378,13 +22660,6 @@
   <p:clrMapOvr>
     <a:masterClrMapping/>
   </p:clrMapOvr>
-  <p:timing>
-    <p:tnLst>
-      <p:par>
-        <p:cTn id="1" dur="indefinite" restart="never" nodeType="tmRoot"/>
-      </p:par>
-    </p:tnLst>
-  </p:timing>
 </p:sld>
 </file>
 
@@ -23418,7 +22693,7 @@
         <p:spPr>
           <a:extLst>
             <a:ext uri="{FAA26D3D-D897-4be2-8F04-BA451C77F1D7}">
-              <ma14:placeholderFlag xmlns:ma14="http://schemas.microsoft.com/office/mac/drawingml/2011/main" xmlns="" val="1"/>
+              <ma14:placeholderFlag xmlns="" xmlns:ma14="http://schemas.microsoft.com/office/mac/drawingml/2011/main" val="1"/>
             </a:ext>
           </a:extLst>
         </p:spPr>
@@ -23429,7 +22704,7 @@
           <a:lstStyle/>
           <a:p>
             <a:r>
-              <a:rPr lang="vi-VN" altLang="en-US" sz="2700" dirty="0" smtClean="0"/>
+              <a:rPr lang="vi-VN" altLang="en-US" sz="2700" dirty="0"/>
               <a:t>LỚP NUMBER</a:t>
             </a:r>
             <a:endParaRPr lang="en-US" altLang="en-US" sz="2700" dirty="0"/>
@@ -23504,13 +22779,6 @@
   <p:clrMapOvr>
     <a:masterClrMapping/>
   </p:clrMapOvr>
-  <p:timing>
-    <p:tnLst>
-      <p:par>
-        <p:cTn id="1" dur="indefinite" restart="never" nodeType="tmRoot"/>
-      </p:par>
-    </p:tnLst>
-  </p:timing>
 </p:sld>
 </file>
 
@@ -23544,7 +22812,7 @@
         <p:spPr>
           <a:extLst>
             <a:ext uri="{FAA26D3D-D897-4be2-8F04-BA451C77F1D7}">
-              <ma14:placeholderFlag xmlns:ma14="http://schemas.microsoft.com/office/mac/drawingml/2011/main" xmlns="" val="1"/>
+              <ma14:placeholderFlag xmlns="" xmlns:ma14="http://schemas.microsoft.com/office/mac/drawingml/2011/main" val="1"/>
             </a:ext>
           </a:extLst>
         </p:spPr>
@@ -23555,19 +22823,19 @@
           <a:lstStyle/>
           <a:p>
             <a:r>
-              <a:rPr lang="en-US" altLang="en-US" sz="2700" dirty="0" smtClean="0"/>
+              <a:rPr lang="en-US" altLang="en-US" sz="2700" dirty="0"/>
               <a:t>MẢNG </a:t>
             </a:r>
             <a:r>
-              <a:rPr lang="en-US" altLang="en-US" sz="2700" dirty="0" err="1" smtClean="0"/>
+              <a:rPr lang="en-US" altLang="en-US" sz="2700" dirty="0" err="1"/>
               <a:t>MỘT</a:t>
             </a:r>
             <a:r>
-              <a:rPr lang="en-US" altLang="en-US" sz="2700" dirty="0" smtClean="0"/>
-              <a:t> </a:t>
-            </a:r>
-            <a:r>
-              <a:rPr lang="en-US" altLang="en-US" sz="2700" dirty="0" err="1" smtClean="0"/>
+              <a:rPr lang="en-US" altLang="en-US" sz="2700" dirty="0"/>
+              <a:t> </a:t>
+            </a:r>
+            <a:r>
+              <a:rPr lang="en-US" altLang="en-US" sz="2700" dirty="0" err="1"/>
               <a:t>CHIỀU</a:t>
             </a:r>
             <a:endParaRPr lang="en-US" altLang="en-US" sz="2700" dirty="0"/>
@@ -23601,36 +22869,32 @@
               </a:lnSpc>
             </a:pPr>
             <a:r>
-              <a:rPr lang="en-US" sz="1800" b="1" dirty="0" err="1" smtClean="0"/>
+              <a:rPr lang="en-US" sz="1800" b="1" dirty="0" err="1"/>
               <a:t>Mảng</a:t>
             </a:r>
             <a:r>
-              <a:rPr lang="en-US" sz="1800" b="1" dirty="0" smtClean="0"/>
-              <a:t> </a:t>
-            </a:r>
-            <a:r>
-              <a:rPr lang="en-US" sz="1800" b="1" dirty="0" err="1" smtClean="0"/>
+              <a:rPr lang="en-US" sz="1800" b="1" dirty="0"/>
+              <a:t> </a:t>
+            </a:r>
+            <a:r>
+              <a:rPr lang="en-US" sz="1800" b="1" dirty="0" err="1"/>
               <a:t>một</a:t>
             </a:r>
             <a:r>
-              <a:rPr lang="en-US" sz="1800" b="1" dirty="0" smtClean="0"/>
-              <a:t> </a:t>
-            </a:r>
-            <a:r>
-              <a:rPr lang="en-US" sz="1800" b="1" dirty="0" err="1" smtClean="0"/>
+              <a:rPr lang="en-US" sz="1800" b="1" dirty="0"/>
+              <a:t> </a:t>
+            </a:r>
+            <a:r>
+              <a:rPr lang="en-US" sz="1800" b="1" dirty="0" err="1"/>
               <a:t>chiều</a:t>
             </a:r>
             <a:r>
-              <a:rPr lang="en-US" sz="1800" b="1" dirty="0" smtClean="0"/>
-              <a:t> </a:t>
-            </a:r>
-            <a:r>
-              <a:rPr lang="vi-VN" sz="1800" b="1" dirty="0" smtClean="0"/>
-              <a:t>là </a:t>
+              <a:rPr lang="en-US" sz="1800" b="1" dirty="0"/>
+              <a:t> </a:t>
             </a:r>
             <a:r>
               <a:rPr lang="vi-VN" sz="1800" b="1" dirty="0"/>
-              <a:t>gì?</a:t>
+              <a:t>là gì?</a:t>
             </a:r>
           </a:p>
           <a:p>
@@ -23640,22 +22904,14 @@
               </a:lnSpc>
             </a:pPr>
             <a:r>
-              <a:rPr lang="en-US" sz="1800" dirty="0" smtClean="0"/>
+              <a:rPr lang="en-US" sz="1800" dirty="0"/>
               <a:t>- M</a:t>
             </a:r>
             <a:r>
-              <a:rPr lang="vi-VN" sz="1800" dirty="0" smtClean="0"/>
-              <a:t>ảng được </a:t>
-            </a:r>
-            <a:r>
               <a:rPr lang="vi-VN" sz="1800" dirty="0"/>
-              <a:t>sử dụng để lưu trữ nhiều giá trị trong một biến duy </a:t>
-            </a:r>
-            <a:r>
-              <a:rPr lang="vi-VN" sz="1800" dirty="0" smtClean="0"/>
-              <a:t>nhất</a:t>
-            </a:r>
-            <a:endParaRPr lang="en-US" sz="1800" dirty="0" smtClean="0"/>
+              <a:t>ảng được sử dụng để lưu trữ nhiều giá trị trong một biến duy nhất</a:t>
+            </a:r>
+            <a:endParaRPr lang="en-US" sz="1800" dirty="0"/>
           </a:p>
           <a:p>
             <a:pPr>
@@ -23664,18 +22920,14 @@
               </a:lnSpc>
             </a:pPr>
             <a:r>
-              <a:rPr lang="en-US" sz="1800" dirty="0" smtClean="0"/>
+              <a:rPr lang="en-US" sz="1800" dirty="0"/>
               <a:t>- M</a:t>
             </a:r>
             <a:r>
-              <a:rPr lang="vi-VN" sz="1800" dirty="0" smtClean="0"/>
-              <a:t>ảng </a:t>
-            </a:r>
-            <a:r>
               <a:rPr lang="vi-VN" sz="1800" dirty="0"/>
-              <a:t>là một tập hợp các phần tử được lưu trữ như dạng danh sách. </a:t>
-            </a:r>
-            <a:endParaRPr lang="en-US" sz="1800" dirty="0" smtClean="0"/>
+              <a:t>ảng là một tập hợp các phần tử được lưu trữ như dạng danh sách. </a:t>
+            </a:r>
+            <a:endParaRPr lang="en-US" sz="1800" dirty="0"/>
           </a:p>
           <a:p>
             <a:pPr>
@@ -23684,20 +22936,12 @@
               </a:lnSpc>
             </a:pPr>
             <a:r>
-              <a:rPr lang="en-US" sz="1800" dirty="0" smtClean="0"/>
+              <a:rPr lang="en-US" sz="1800" dirty="0"/>
               <a:t>- </a:t>
             </a:r>
             <a:r>
-              <a:rPr lang="vi-VN" sz="1800" dirty="0" smtClean="0"/>
-              <a:t>Các </a:t>
-            </a:r>
-            <a:r>
               <a:rPr lang="vi-VN" sz="1800" dirty="0"/>
-              <a:t>phần tử trong một mảng có cùng một kiểu dữ </a:t>
-            </a:r>
-            <a:r>
-              <a:rPr lang="vi-VN" sz="1800" dirty="0" smtClean="0"/>
-              <a:t>liệu</a:t>
+              <a:t>Các phần tử trong một mảng có cùng một kiểu dữ liệu</a:t>
             </a:r>
             <a:endParaRPr lang="vi-VN" sz="1800" i="1" dirty="0">
               <a:solidFill>
@@ -23738,13 +22982,6 @@
   <p:clrMapOvr>
     <a:masterClrMapping/>
   </p:clrMapOvr>
-  <p:timing>
-    <p:tnLst>
-      <p:par>
-        <p:cTn id="1" dur="indefinite" restart="never" nodeType="tmRoot"/>
-      </p:par>
-    </p:tnLst>
-  </p:timing>
 </p:sld>
 </file>
 
@@ -23778,7 +23015,7 @@
         <p:spPr>
           <a:extLst>
             <a:ext uri="{FAA26D3D-D897-4be2-8F04-BA451C77F1D7}">
-              <ma14:placeholderFlag xmlns:ma14="http://schemas.microsoft.com/office/mac/drawingml/2011/main" xmlns="" val="1"/>
+              <ma14:placeholderFlag xmlns="" xmlns:ma14="http://schemas.microsoft.com/office/mac/drawingml/2011/main" val="1"/>
             </a:ext>
           </a:extLst>
         </p:spPr>
@@ -23789,7 +23026,7 @@
           <a:lstStyle/>
           <a:p>
             <a:r>
-              <a:rPr lang="vi-VN" altLang="en-US" sz="2700" dirty="0" smtClean="0"/>
+              <a:rPr lang="vi-VN" altLang="en-US" sz="2700" dirty="0"/>
               <a:t>LỚP NUMBER</a:t>
             </a:r>
             <a:endParaRPr lang="en-US" altLang="en-US" sz="2700" dirty="0"/>
@@ -23823,7 +23060,7 @@
               </a:lnSpc>
             </a:pPr>
             <a:r>
-              <a:rPr lang="en-US" sz="1800" b="1" dirty="0" err="1" smtClean="0">
+              <a:rPr lang="en-US" sz="1800" b="1" dirty="0" err="1">
                 <a:latin typeface="Calibri" panose="020F0502020204030204" pitchFamily="34" charset="0"/>
                 <a:ea typeface="Calibri" panose="020F0502020204030204" pitchFamily="34" charset="0"/>
                 <a:cs typeface="Times New Roman" panose="02020603050405020304" pitchFamily="18" charset="0"/>
@@ -23831,15 +23068,15 @@
               <a:t>Khai</a:t>
             </a:r>
             <a:r>
-              <a:rPr lang="en-US" sz="1800" b="1" dirty="0" smtClean="0">
-                <a:latin typeface="Calibri" panose="020F0502020204030204" pitchFamily="34" charset="0"/>
-                <a:ea typeface="Calibri" panose="020F0502020204030204" pitchFamily="34" charset="0"/>
-                <a:cs typeface="Times New Roman" panose="02020603050405020304" pitchFamily="18" charset="0"/>
-              </a:rPr>
-              <a:t> </a:t>
-            </a:r>
-            <a:r>
-              <a:rPr lang="en-US" sz="1800" b="1" dirty="0" err="1" smtClean="0">
+              <a:rPr lang="en-US" sz="1800" b="1" dirty="0">
+                <a:latin typeface="Calibri" panose="020F0502020204030204" pitchFamily="34" charset="0"/>
+                <a:ea typeface="Calibri" panose="020F0502020204030204" pitchFamily="34" charset="0"/>
+                <a:cs typeface="Times New Roman" panose="02020603050405020304" pitchFamily="18" charset="0"/>
+              </a:rPr>
+              <a:t> </a:t>
+            </a:r>
+            <a:r>
+              <a:rPr lang="en-US" sz="1800" b="1" dirty="0" err="1">
                 <a:latin typeface="Calibri" panose="020F0502020204030204" pitchFamily="34" charset="0"/>
                 <a:ea typeface="Calibri" panose="020F0502020204030204" pitchFamily="34" charset="0"/>
                 <a:cs typeface="Times New Roman" panose="02020603050405020304" pitchFamily="18" charset="0"/>
@@ -23970,20 +23207,9 @@
                 <a:ea typeface="Times New Roman" panose="02020603050405020304" pitchFamily="18" charset="0"/>
                 <a:cs typeface="Courier New" panose="02070309020205020404" pitchFamily="49" charset="0"/>
               </a:rPr>
-              <a:t>(String </a:t>
-            </a:r>
-            <a:r>
-              <a:rPr lang="en-US" sz="1800" dirty="0" smtClean="0">
-                <a:solidFill>
-                  <a:srgbClr val="273239"/>
-                </a:solidFill>
-                <a:latin typeface="Consolas" panose="020B0609020204030204" pitchFamily="49" charset="0"/>
-                <a:ea typeface="Times New Roman" panose="02020603050405020304" pitchFamily="18" charset="0"/>
-                <a:cs typeface="Courier New" panose="02070309020205020404" pitchFamily="49" charset="0"/>
-              </a:rPr>
-              <a:t>s)</a:t>
-            </a:r>
-            <a:endParaRPr kumimoji="0" lang="en-US" sz="1800" b="0" i="0" u="none" strike="noStrike" cap="none" normalizeH="0" baseline="0" dirty="0" smtClean="0">
+              <a:t>(String s)</a:t>
+            </a:r>
+            <a:endParaRPr kumimoji="0" lang="en-US" sz="1800" b="0" i="0" u="none" strike="noStrike" cap="none" normalizeH="0" baseline="0" dirty="0">
               <a:ln>
                 <a:noFill/>
               </a:ln>
@@ -24031,7 +23257,7 @@
               <a:t>Dùng để </a:t>
             </a:r>
             <a:r>
-              <a:rPr lang="en-US" sz="1800" dirty="0" smtClean="0">
+              <a:rPr lang="en-US" sz="1800" dirty="0">
                 <a:latin typeface="Calibri" panose="020F0502020204030204" pitchFamily="34" charset="0"/>
                 <a:ea typeface="Calibri" panose="020F0502020204030204" pitchFamily="34" charset="0"/>
                 <a:cs typeface="Times New Roman" panose="02020603050405020304" pitchFamily="18" charset="0"/>
@@ -24039,20 +23265,12 @@
               <a:t>c</a:t>
             </a:r>
             <a:r>
-              <a:rPr lang="vi-VN" sz="1800" dirty="0" smtClean="0">
-                <a:latin typeface="Calibri" panose="020F0502020204030204" pitchFamily="34" charset="0"/>
-                <a:ea typeface="Calibri" panose="020F0502020204030204" pitchFamily="34" charset="0"/>
-                <a:cs typeface="Times New Roman" panose="02020603050405020304" pitchFamily="18" charset="0"/>
-              </a:rPr>
-              <a:t>huyển </a:t>
-            </a:r>
-            <a:r>
               <a:rPr lang="vi-VN" sz="1800" dirty="0">
                 <a:latin typeface="Calibri" panose="020F0502020204030204" pitchFamily="34" charset="0"/>
                 <a:ea typeface="Calibri" panose="020F0502020204030204" pitchFamily="34" charset="0"/>
                 <a:cs typeface="Times New Roman" panose="02020603050405020304" pitchFamily="18" charset="0"/>
               </a:rPr>
-              <a:t>một xâu thành một số ở dạng cơ số 10</a:t>
+              <a:t>huyển một xâu thành một số ở dạng cơ số 10</a:t>
             </a:r>
           </a:p>
         </p:txBody>
@@ -24067,13 +23285,6 @@
   <p:clrMapOvr>
     <a:masterClrMapping/>
   </p:clrMapOvr>
-  <p:timing>
-    <p:tnLst>
-      <p:par>
-        <p:cTn id="1" dur="indefinite" restart="never" nodeType="tmRoot"/>
-      </p:par>
-    </p:tnLst>
-  </p:timing>
 </p:sld>
 </file>
 
@@ -24107,7 +23318,7 @@
         <p:spPr>
           <a:extLst>
             <a:ext uri="{FAA26D3D-D897-4be2-8F04-BA451C77F1D7}">
-              <ma14:placeholderFlag xmlns:ma14="http://schemas.microsoft.com/office/mac/drawingml/2011/main" xmlns="" val="1"/>
+              <ma14:placeholderFlag xmlns="" xmlns:ma14="http://schemas.microsoft.com/office/mac/drawingml/2011/main" val="1"/>
             </a:ext>
           </a:extLst>
         </p:spPr>
@@ -24118,7 +23329,7 @@
           <a:lstStyle/>
           <a:p>
             <a:r>
-              <a:rPr lang="vi-VN" altLang="en-US" sz="2700" dirty="0" smtClean="0"/>
+              <a:rPr lang="vi-VN" altLang="en-US" sz="2700" dirty="0"/>
               <a:t>LỚP NUMBER</a:t>
             </a:r>
             <a:endParaRPr lang="en-US" altLang="en-US" sz="2700" dirty="0"/>
@@ -24193,13 +23404,6 @@
   <p:clrMapOvr>
     <a:masterClrMapping/>
   </p:clrMapOvr>
-  <p:timing>
-    <p:tnLst>
-      <p:par>
-        <p:cTn id="1" dur="indefinite" restart="never" nodeType="tmRoot"/>
-      </p:par>
-    </p:tnLst>
-  </p:timing>
 </p:sld>
 </file>
 
@@ -24233,7 +23437,7 @@
         <p:spPr>
           <a:extLst>
             <a:ext uri="{FAA26D3D-D897-4be2-8F04-BA451C77F1D7}">
-              <ma14:placeholderFlag xmlns:ma14="http://schemas.microsoft.com/office/mac/drawingml/2011/main" xmlns="" val="1"/>
+              <ma14:placeholderFlag xmlns="" xmlns:ma14="http://schemas.microsoft.com/office/mac/drawingml/2011/main" val="1"/>
             </a:ext>
           </a:extLst>
         </p:spPr>
@@ -24244,7 +23448,7 @@
           <a:lstStyle/>
           <a:p>
             <a:r>
-              <a:rPr lang="vi-VN" altLang="en-US" sz="2700" dirty="0" smtClean="0"/>
+              <a:rPr lang="vi-VN" altLang="en-US" sz="2700" dirty="0"/>
               <a:t>LỚP NUMBER</a:t>
             </a:r>
             <a:endParaRPr lang="en-US" altLang="en-US" sz="2700" dirty="0"/>
@@ -24278,7 +23482,7 @@
               </a:lnSpc>
             </a:pPr>
             <a:r>
-              <a:rPr lang="en-US" sz="1800" b="1" dirty="0" err="1" smtClean="0">
+              <a:rPr lang="en-US" sz="1800" b="1" dirty="0" err="1">
                 <a:latin typeface="Calibri" panose="020F0502020204030204" pitchFamily="34" charset="0"/>
                 <a:ea typeface="Calibri" panose="020F0502020204030204" pitchFamily="34" charset="0"/>
                 <a:cs typeface="Times New Roman" panose="02020603050405020304" pitchFamily="18" charset="0"/>
@@ -24286,15 +23490,15 @@
               <a:t>Khai</a:t>
             </a:r>
             <a:r>
-              <a:rPr lang="en-US" sz="1800" b="1" dirty="0" smtClean="0">
-                <a:latin typeface="Calibri" panose="020F0502020204030204" pitchFamily="34" charset="0"/>
-                <a:ea typeface="Calibri" panose="020F0502020204030204" pitchFamily="34" charset="0"/>
-                <a:cs typeface="Times New Roman" panose="02020603050405020304" pitchFamily="18" charset="0"/>
-              </a:rPr>
-              <a:t> </a:t>
-            </a:r>
-            <a:r>
-              <a:rPr lang="en-US" sz="1800" b="1" dirty="0" err="1" smtClean="0">
+              <a:rPr lang="en-US" sz="1800" b="1" dirty="0">
+                <a:latin typeface="Calibri" panose="020F0502020204030204" pitchFamily="34" charset="0"/>
+                <a:ea typeface="Calibri" panose="020F0502020204030204" pitchFamily="34" charset="0"/>
+                <a:cs typeface="Times New Roman" panose="02020603050405020304" pitchFamily="18" charset="0"/>
+              </a:rPr>
+              <a:t> </a:t>
+            </a:r>
+            <a:r>
+              <a:rPr lang="en-US" sz="1800" b="1" dirty="0" err="1">
                 <a:latin typeface="Calibri" panose="020F0502020204030204" pitchFamily="34" charset="0"/>
                 <a:ea typeface="Calibri" panose="020F0502020204030204" pitchFamily="34" charset="0"/>
                 <a:cs typeface="Times New Roman" panose="02020603050405020304" pitchFamily="18" charset="0"/>
@@ -24493,7 +23697,7 @@
               </a:rPr>
               <a:t>)</a:t>
             </a:r>
-            <a:endParaRPr kumimoji="0" lang="en-US" sz="1800" b="0" i="0" u="none" strike="noStrike" cap="none" normalizeH="0" baseline="0" dirty="0" smtClean="0">
+            <a:endParaRPr kumimoji="0" lang="en-US" sz="1800" b="0" i="0" u="none" strike="noStrike" cap="none" normalizeH="0" baseline="0" dirty="0">
               <a:ln>
                 <a:noFill/>
               </a:ln>
@@ -24540,7 +23744,7 @@
               </a:rPr>
               <a:t>Dùng để </a:t>
             </a:r>
-            <a:endParaRPr lang="en-US" sz="1800" dirty="0" smtClean="0">
+            <a:endParaRPr lang="en-US" sz="1800" dirty="0">
               <a:latin typeface="Calibri" panose="020F0502020204030204" pitchFamily="34" charset="0"/>
               <a:ea typeface="Calibri" panose="020F0502020204030204" pitchFamily="34" charset="0"/>
               <a:cs typeface="Times New Roman" panose="02020603050405020304" pitchFamily="18" charset="0"/>
@@ -24553,7 +23757,7 @@
               </a:lnSpc>
             </a:pPr>
             <a:r>
-              <a:rPr lang="en-US" sz="1800" dirty="0" smtClean="0">
+              <a:rPr lang="en-US" sz="1800" dirty="0">
                 <a:latin typeface="Calibri" panose="020F0502020204030204" pitchFamily="34" charset="0"/>
                 <a:ea typeface="Calibri" panose="020F0502020204030204" pitchFamily="34" charset="0"/>
                 <a:cs typeface="Times New Roman" panose="02020603050405020304" pitchFamily="18" charset="0"/>
@@ -24561,20 +23765,12 @@
               <a:t>- </a:t>
             </a:r>
             <a:r>
-              <a:rPr lang="vi-VN" sz="1800" dirty="0" smtClean="0">
-                <a:latin typeface="Calibri" panose="020F0502020204030204" pitchFamily="34" charset="0"/>
-                <a:ea typeface="Calibri" panose="020F0502020204030204" pitchFamily="34" charset="0"/>
-                <a:cs typeface="Times New Roman" panose="02020603050405020304" pitchFamily="18" charset="0"/>
-              </a:rPr>
-              <a:t>Trả </a:t>
-            </a:r>
-            <a:r>
               <a:rPr lang="vi-VN" sz="1800" dirty="0">
                 <a:latin typeface="Calibri" panose="020F0502020204030204" pitchFamily="34" charset="0"/>
                 <a:ea typeface="Calibri" panose="020F0502020204030204" pitchFamily="34" charset="0"/>
                 <a:cs typeface="Times New Roman" panose="02020603050405020304" pitchFamily="18" charset="0"/>
               </a:rPr>
-              <a:t>về một đối tượng xâu kí tự biểu diễn cho giá trị của đối tượng Number</a:t>
+              <a:t>Trả về một đối tượng xâu kí tự biểu diễn cho giá trị của đối tượng Number</a:t>
             </a:r>
           </a:p>
           <a:p>
@@ -24584,7 +23780,7 @@
               </a:lnSpc>
             </a:pPr>
             <a:r>
-              <a:rPr lang="en-US" sz="1800" dirty="0" smtClean="0">
+              <a:rPr lang="en-US" sz="1800" dirty="0">
                 <a:latin typeface="Calibri" panose="020F0502020204030204" pitchFamily="34" charset="0"/>
                 <a:ea typeface="Calibri" panose="020F0502020204030204" pitchFamily="34" charset="0"/>
                 <a:cs typeface="Times New Roman" panose="02020603050405020304" pitchFamily="18" charset="0"/>
@@ -24592,20 +23788,12 @@
               <a:t>- </a:t>
             </a:r>
             <a:r>
-              <a:rPr lang="vi-VN" sz="1800" dirty="0" smtClean="0">
-                <a:latin typeface="Calibri" panose="020F0502020204030204" pitchFamily="34" charset="0"/>
-                <a:ea typeface="Calibri" panose="020F0502020204030204" pitchFamily="34" charset="0"/>
-                <a:cs typeface="Times New Roman" panose="02020603050405020304" pitchFamily="18" charset="0"/>
-              </a:rPr>
-              <a:t>Trả </a:t>
-            </a:r>
-            <a:r>
               <a:rPr lang="vi-VN" sz="1800" dirty="0">
                 <a:latin typeface="Calibri" panose="020F0502020204030204" pitchFamily="34" charset="0"/>
                 <a:ea typeface="Calibri" panose="020F0502020204030204" pitchFamily="34" charset="0"/>
                 <a:cs typeface="Times New Roman" panose="02020603050405020304" pitchFamily="18" charset="0"/>
               </a:rPr>
-              <a:t>về một đối tượng xâu kí tự dạng cơ số 10 biểu diễn cho số nguyên </a:t>
+              <a:t>Trả về một đối tượng xâu kí tự dạng cơ số 10 biểu diễn cho số nguyên </a:t>
             </a:r>
           </a:p>
         </p:txBody>
@@ -24620,13 +23808,6 @@
   <p:clrMapOvr>
     <a:masterClrMapping/>
   </p:clrMapOvr>
-  <p:timing>
-    <p:tnLst>
-      <p:par>
-        <p:cTn id="1" dur="indefinite" restart="never" nodeType="tmRoot"/>
-      </p:par>
-    </p:tnLst>
-  </p:timing>
 </p:sld>
 </file>
 
@@ -24660,7 +23841,7 @@
         <p:spPr>
           <a:extLst>
             <a:ext uri="{FAA26D3D-D897-4be2-8F04-BA451C77F1D7}">
-              <ma14:placeholderFlag xmlns:ma14="http://schemas.microsoft.com/office/mac/drawingml/2011/main" xmlns="" val="1"/>
+              <ma14:placeholderFlag xmlns="" xmlns:ma14="http://schemas.microsoft.com/office/mac/drawingml/2011/main" val="1"/>
             </a:ext>
           </a:extLst>
         </p:spPr>
@@ -24671,7 +23852,7 @@
           <a:lstStyle/>
           <a:p>
             <a:r>
-              <a:rPr lang="vi-VN" altLang="en-US" sz="2700" dirty="0" smtClean="0"/>
+              <a:rPr lang="vi-VN" altLang="en-US" sz="2700" dirty="0"/>
               <a:t>LỚP NUMBER</a:t>
             </a:r>
             <a:endParaRPr lang="en-US" altLang="en-US" sz="2700" dirty="0"/>
@@ -24746,13 +23927,6 @@
   <p:clrMapOvr>
     <a:masterClrMapping/>
   </p:clrMapOvr>
-  <p:timing>
-    <p:tnLst>
-      <p:par>
-        <p:cTn id="1" dur="indefinite" restart="never" nodeType="tmRoot"/>
-      </p:par>
-    </p:tnLst>
-  </p:timing>
 </p:sld>
 </file>
 
@@ -24786,7 +23960,7 @@
         <p:spPr>
           <a:extLst>
             <a:ext uri="{FAA26D3D-D897-4be2-8F04-BA451C77F1D7}">
-              <ma14:placeholderFlag xmlns:ma14="http://schemas.microsoft.com/office/mac/drawingml/2011/main" xmlns="" val="1"/>
+              <ma14:placeholderFlag xmlns="" xmlns:ma14="http://schemas.microsoft.com/office/mac/drawingml/2011/main" val="1"/>
             </a:ext>
           </a:extLst>
         </p:spPr>
@@ -24797,7 +23971,7 @@
           <a:lstStyle/>
           <a:p>
             <a:r>
-              <a:rPr lang="vi-VN" altLang="en-US" sz="2700" dirty="0" smtClean="0"/>
+              <a:rPr lang="vi-VN" altLang="en-US" sz="2700" dirty="0"/>
               <a:t>LỚP NUMBER</a:t>
             </a:r>
             <a:endParaRPr lang="en-US" altLang="en-US" sz="2700" dirty="0"/>
@@ -24831,7 +24005,7 @@
               </a:lnSpc>
             </a:pPr>
             <a:r>
-              <a:rPr lang="en-US" sz="1800" b="1" dirty="0" err="1" smtClean="0">
+              <a:rPr lang="en-US" sz="1800" b="1" dirty="0" err="1">
                 <a:latin typeface="Calibri" panose="020F0502020204030204" pitchFamily="34" charset="0"/>
                 <a:ea typeface="Calibri" panose="020F0502020204030204" pitchFamily="34" charset="0"/>
                 <a:cs typeface="Times New Roman" panose="02020603050405020304" pitchFamily="18" charset="0"/>
@@ -24839,15 +24013,15 @@
               <a:t>Khai</a:t>
             </a:r>
             <a:r>
-              <a:rPr lang="en-US" sz="1800" b="1" dirty="0" smtClean="0">
-                <a:latin typeface="Calibri" panose="020F0502020204030204" pitchFamily="34" charset="0"/>
-                <a:ea typeface="Calibri" panose="020F0502020204030204" pitchFamily="34" charset="0"/>
-                <a:cs typeface="Times New Roman" panose="02020603050405020304" pitchFamily="18" charset="0"/>
-              </a:rPr>
-              <a:t> </a:t>
-            </a:r>
-            <a:r>
-              <a:rPr lang="en-US" sz="1800" b="1" dirty="0" err="1" smtClean="0">
+              <a:rPr lang="en-US" sz="1800" b="1" dirty="0">
+                <a:latin typeface="Calibri" panose="020F0502020204030204" pitchFamily="34" charset="0"/>
+                <a:ea typeface="Calibri" panose="020F0502020204030204" pitchFamily="34" charset="0"/>
+                <a:cs typeface="Times New Roman" panose="02020603050405020304" pitchFamily="18" charset="0"/>
+              </a:rPr>
+              <a:t> </a:t>
+            </a:r>
+            <a:r>
+              <a:rPr lang="en-US" sz="1800" b="1" dirty="0" err="1">
                 <a:latin typeface="Calibri" panose="020F0502020204030204" pitchFamily="34" charset="0"/>
                 <a:ea typeface="Calibri" panose="020F0502020204030204" pitchFamily="34" charset="0"/>
                 <a:cs typeface="Times New Roman" panose="02020603050405020304" pitchFamily="18" charset="0"/>
@@ -25049,7 +24223,7 @@
               </a:rPr>
               <a:t>(String s)</a:t>
             </a:r>
-            <a:endParaRPr kumimoji="0" lang="en-US" sz="1800" b="0" i="0" u="none" strike="noStrike" cap="none" normalizeH="0" baseline="0" dirty="0" smtClean="0">
+            <a:endParaRPr kumimoji="0" lang="en-US" sz="1800" b="0" i="0" u="none" strike="noStrike" cap="none" normalizeH="0" baseline="0" dirty="0">
               <a:ln>
                 <a:noFill/>
               </a:ln>
@@ -25096,7 +24270,7 @@
               </a:rPr>
               <a:t>Dùng để </a:t>
             </a:r>
-            <a:endParaRPr lang="en-US" sz="1800" dirty="0" smtClean="0">
+            <a:endParaRPr lang="en-US" sz="1800" dirty="0">
               <a:latin typeface="Calibri" panose="020F0502020204030204" pitchFamily="34" charset="0"/>
               <a:ea typeface="Calibri" panose="020F0502020204030204" pitchFamily="34" charset="0"/>
               <a:cs typeface="Times New Roman" panose="02020603050405020304" pitchFamily="18" charset="0"/>
@@ -25109,7 +24283,7 @@
               </a:lnSpc>
             </a:pPr>
             <a:r>
-              <a:rPr lang="en-US" sz="1800" dirty="0" smtClean="0">
+              <a:rPr lang="en-US" sz="1800" dirty="0">
                 <a:latin typeface="Calibri" panose="020F0502020204030204" pitchFamily="34" charset="0"/>
                 <a:ea typeface="Calibri" panose="020F0502020204030204" pitchFamily="34" charset="0"/>
                 <a:cs typeface="Times New Roman" panose="02020603050405020304" pitchFamily="18" charset="0"/>
@@ -25117,20 +24291,12 @@
               <a:t>- </a:t>
             </a:r>
             <a:r>
-              <a:rPr lang="vi-VN" sz="1800" dirty="0" smtClean="0">
-                <a:latin typeface="Calibri" panose="020F0502020204030204" pitchFamily="34" charset="0"/>
-                <a:ea typeface="Calibri" panose="020F0502020204030204" pitchFamily="34" charset="0"/>
-                <a:cs typeface="Times New Roman" panose="02020603050405020304" pitchFamily="18" charset="0"/>
-              </a:rPr>
-              <a:t>Trả </a:t>
-            </a:r>
-            <a:r>
               <a:rPr lang="vi-VN" sz="1800" dirty="0">
                 <a:latin typeface="Calibri" panose="020F0502020204030204" pitchFamily="34" charset="0"/>
                 <a:ea typeface="Calibri" panose="020F0502020204030204" pitchFamily="34" charset="0"/>
                 <a:cs typeface="Times New Roman" panose="02020603050405020304" pitchFamily="18" charset="0"/>
               </a:rPr>
-              <a:t>về một đối tượng Integer lưu trữ giá trị biểu diễn bởi tham số có kiểu dữ liệu int.</a:t>
+              <a:t>Trả về một đối tượng Integer lưu trữ giá trị biểu diễn bởi tham số có kiểu dữ liệu int.</a:t>
             </a:r>
           </a:p>
           <a:p>
@@ -25140,7 +24306,7 @@
               </a:lnSpc>
             </a:pPr>
             <a:r>
-              <a:rPr lang="en-US" sz="1800" dirty="0" smtClean="0">
+              <a:rPr lang="en-US" sz="1800" dirty="0">
                 <a:latin typeface="Calibri" panose="020F0502020204030204" pitchFamily="34" charset="0"/>
                 <a:ea typeface="Calibri" panose="020F0502020204030204" pitchFamily="34" charset="0"/>
                 <a:cs typeface="Times New Roman" panose="02020603050405020304" pitchFamily="18" charset="0"/>
@@ -25148,20 +24314,12 @@
               <a:t>- </a:t>
             </a:r>
             <a:r>
-              <a:rPr lang="vi-VN" sz="1800" dirty="0" smtClean="0">
-                <a:latin typeface="Calibri" panose="020F0502020204030204" pitchFamily="34" charset="0"/>
-                <a:ea typeface="Calibri" panose="020F0502020204030204" pitchFamily="34" charset="0"/>
-                <a:cs typeface="Times New Roman" panose="02020603050405020304" pitchFamily="18" charset="0"/>
-              </a:rPr>
-              <a:t>Trả </a:t>
-            </a:r>
-            <a:r>
               <a:rPr lang="vi-VN" sz="1800" dirty="0">
                 <a:latin typeface="Calibri" panose="020F0502020204030204" pitchFamily="34" charset="0"/>
                 <a:ea typeface="Calibri" panose="020F0502020204030204" pitchFamily="34" charset="0"/>
                 <a:cs typeface="Times New Roman" panose="02020603050405020304" pitchFamily="18" charset="0"/>
               </a:rPr>
-              <a:t>về một đối tượng Integer lưu trữ giá trị biểu diễn bởi tham số có kiểu dữ liệu String.</a:t>
+              <a:t>Trả về một đối tượng Integer lưu trữ giá trị biểu diễn bởi tham số có kiểu dữ liệu String.</a:t>
             </a:r>
           </a:p>
         </p:txBody>
@@ -25176,13 +24334,6 @@
   <p:clrMapOvr>
     <a:masterClrMapping/>
   </p:clrMapOvr>
-  <p:timing>
-    <p:tnLst>
-      <p:par>
-        <p:cTn id="1" dur="indefinite" restart="never" nodeType="tmRoot"/>
-      </p:par>
-    </p:tnLst>
-  </p:timing>
 </p:sld>
 </file>
 
@@ -25216,7 +24367,7 @@
         <p:spPr>
           <a:extLst>
             <a:ext uri="{FAA26D3D-D897-4be2-8F04-BA451C77F1D7}">
-              <ma14:placeholderFlag xmlns:ma14="http://schemas.microsoft.com/office/mac/drawingml/2011/main" xmlns="" val="1"/>
+              <ma14:placeholderFlag xmlns="" xmlns:ma14="http://schemas.microsoft.com/office/mac/drawingml/2011/main" val="1"/>
             </a:ext>
           </a:extLst>
         </p:spPr>
@@ -25227,7 +24378,7 @@
           <a:lstStyle/>
           <a:p>
             <a:r>
-              <a:rPr lang="vi-VN" altLang="en-US" sz="2700" dirty="0" smtClean="0"/>
+              <a:rPr lang="vi-VN" altLang="en-US" sz="2700" dirty="0"/>
               <a:t>LỚP NUMBER</a:t>
             </a:r>
             <a:endParaRPr lang="en-US" altLang="en-US" sz="2700" dirty="0"/>
@@ -25302,13 +24453,6 @@
   <p:clrMapOvr>
     <a:masterClrMapping/>
   </p:clrMapOvr>
-  <p:timing>
-    <p:tnLst>
-      <p:par>
-        <p:cTn id="1" dur="indefinite" restart="never" nodeType="tmRoot"/>
-      </p:par>
-    </p:tnLst>
-  </p:timing>
 </p:sld>
 </file>
 
@@ -25342,7 +24486,7 @@
         <p:spPr>
           <a:extLst>
             <a:ext uri="{FAA26D3D-D897-4be2-8F04-BA451C77F1D7}">
-              <ma14:placeholderFlag xmlns:ma14="http://schemas.microsoft.com/office/mac/drawingml/2011/main" xmlns="" val="1"/>
+              <ma14:placeholderFlag xmlns="" xmlns:ma14="http://schemas.microsoft.com/office/mac/drawingml/2011/main" val="1"/>
             </a:ext>
           </a:extLst>
         </p:spPr>
@@ -25353,7 +24497,7 @@
           <a:lstStyle/>
           <a:p>
             <a:r>
-              <a:rPr lang="vi-VN" altLang="en-US" sz="2700" dirty="0" smtClean="0"/>
+              <a:rPr lang="vi-VN" altLang="en-US" sz="2700" dirty="0"/>
               <a:t>LỚP MATH</a:t>
             </a:r>
             <a:endParaRPr lang="en-US" altLang="en-US" sz="2700" dirty="0"/>
@@ -25422,8 +24566,20 @@
                 <a:tableStyleId>{0660B408-B3CF-4A94-85FC-2B1E0A45F4A2}</a:tableStyleId>
               </a:tblPr>
               <a:tblGrid>
-                <a:gridCol w="4271010"/>
-                <a:gridCol w="4271010"/>
+                <a:gridCol w="4271010">
+                  <a:extLst>
+                    <a:ext uri="{9D8B030D-6E8A-4147-A177-3AD203B41FA5}">
+                      <a16:colId xmlns:a16="http://schemas.microsoft.com/office/drawing/2014/main" val="20000"/>
+                    </a:ext>
+                  </a:extLst>
+                </a:gridCol>
+                <a:gridCol w="4271010">
+                  <a:extLst>
+                    <a:ext uri="{9D8B030D-6E8A-4147-A177-3AD203B41FA5}">
+                      <a16:colId xmlns:a16="http://schemas.microsoft.com/office/drawing/2014/main" val="20001"/>
+                    </a:ext>
+                  </a:extLst>
+                </a:gridCol>
               </a:tblGrid>
               <a:tr h="490779">
                 <a:tc>
@@ -25502,6 +24658,11 @@
                   </a:txBody>
                   <a:tcPr marL="114300" marR="114300" marT="114300" marB="114300"/>
                 </a:tc>
+                <a:extLst>
+                  <a:ext uri="{0D108BD9-81ED-4DB2-BD59-A6C34878D82A}">
+                    <a16:rowId xmlns:a16="http://schemas.microsoft.com/office/drawing/2014/main" val="10000"/>
+                  </a:ext>
+                </a:extLst>
               </a:tr>
               <a:tr h="623323">
                 <a:tc>
@@ -25879,6 +25040,11 @@
                   </a:txBody>
                   <a:tcPr marL="76200" marR="76200" marT="76200" marB="76200"/>
                 </a:tc>
+                <a:extLst>
+                  <a:ext uri="{0D108BD9-81ED-4DB2-BD59-A6C34878D82A}">
+                    <a16:rowId xmlns:a16="http://schemas.microsoft.com/office/drawing/2014/main" val="10001"/>
+                  </a:ext>
+                </a:extLst>
               </a:tr>
               <a:tr h="548189">
                 <a:tc>
@@ -26227,6 +25393,11 @@
                   </a:txBody>
                   <a:tcPr marL="76200" marR="76200" marT="76200" marB="76200"/>
                 </a:tc>
+                <a:extLst>
+                  <a:ext uri="{0D108BD9-81ED-4DB2-BD59-A6C34878D82A}">
+                    <a16:rowId xmlns:a16="http://schemas.microsoft.com/office/drawing/2014/main" val="10002"/>
+                  </a:ext>
+                </a:extLst>
               </a:tr>
             </a:tbl>
           </a:graphicData>
@@ -26384,13 +25555,6 @@
   <p:clrMapOvr>
     <a:masterClrMapping/>
   </p:clrMapOvr>
-  <p:timing>
-    <p:tnLst>
-      <p:par>
-        <p:cTn id="1" dur="indefinite" restart="never" nodeType="tmRoot"/>
-      </p:par>
-    </p:tnLst>
-  </p:timing>
 </p:sld>
 </file>
 
@@ -26424,7 +25588,7 @@
         <p:spPr>
           <a:extLst>
             <a:ext uri="{FAA26D3D-D897-4be2-8F04-BA451C77F1D7}">
-              <ma14:placeholderFlag xmlns:ma14="http://schemas.microsoft.com/office/mac/drawingml/2011/main" xmlns="" val="1"/>
+              <ma14:placeholderFlag xmlns="" xmlns:ma14="http://schemas.microsoft.com/office/mac/drawingml/2011/main" val="1"/>
             </a:ext>
           </a:extLst>
         </p:spPr>
@@ -26435,7 +25599,7 @@
           <a:lstStyle/>
           <a:p>
             <a:r>
-              <a:rPr lang="vi-VN" altLang="en-US" sz="2700" dirty="0" smtClean="0"/>
+              <a:rPr lang="vi-VN" altLang="en-US" sz="2700" dirty="0"/>
               <a:t>LỚP MATH</a:t>
             </a:r>
             <a:endParaRPr lang="en-US" altLang="en-US" sz="2700" dirty="0"/>
@@ -26467,8 +25631,20 @@
                 <a:tableStyleId>{0660B408-B3CF-4A94-85FC-2B1E0A45F4A2}</a:tableStyleId>
               </a:tblPr>
               <a:tblGrid>
-                <a:gridCol w="2606040"/>
-                <a:gridCol w="5935980"/>
+                <a:gridCol w="2606040">
+                  <a:extLst>
+                    <a:ext uri="{9D8B030D-6E8A-4147-A177-3AD203B41FA5}">
+                      <a16:colId xmlns:a16="http://schemas.microsoft.com/office/drawing/2014/main" val="20000"/>
+                    </a:ext>
+                  </a:extLst>
+                </a:gridCol>
+                <a:gridCol w="5935980">
+                  <a:extLst>
+                    <a:ext uri="{9D8B030D-6E8A-4147-A177-3AD203B41FA5}">
+                      <a16:colId xmlns:a16="http://schemas.microsoft.com/office/drawing/2014/main" val="20001"/>
+                    </a:ext>
+                  </a:extLst>
+                </a:gridCol>
               </a:tblGrid>
               <a:tr h="471244">
                 <a:tc>
@@ -26547,6 +25723,11 @@
                   </a:txBody>
                   <a:tcPr marL="114300" marR="114300" marT="114300" marB="114300"/>
                 </a:tc>
+                <a:extLst>
+                  <a:ext uri="{0D108BD9-81ED-4DB2-BD59-A6C34878D82A}">
+                    <a16:rowId xmlns:a16="http://schemas.microsoft.com/office/drawing/2014/main" val="10000"/>
+                  </a:ext>
+                </a:extLst>
               </a:tr>
               <a:tr h="396870">
                 <a:tc>
@@ -26622,6 +25803,11 @@
                   </a:txBody>
                   <a:tcPr marL="76200" marR="76200" marT="76200" marB="76200"/>
                 </a:tc>
+                <a:extLst>
+                  <a:ext uri="{0D108BD9-81ED-4DB2-BD59-A6C34878D82A}">
+                    <a16:rowId xmlns:a16="http://schemas.microsoft.com/office/drawing/2014/main" val="10001"/>
+                  </a:ext>
+                </a:extLst>
               </a:tr>
               <a:tr h="396870">
                 <a:tc>
@@ -26837,6 +26023,11 @@
                   </a:txBody>
                   <a:tcPr marL="76200" marR="76200" marT="76200" marB="76200"/>
                 </a:tc>
+                <a:extLst>
+                  <a:ext uri="{0D108BD9-81ED-4DB2-BD59-A6C34878D82A}">
+                    <a16:rowId xmlns:a16="http://schemas.microsoft.com/office/drawing/2014/main" val="10002"/>
+                  </a:ext>
+                </a:extLst>
               </a:tr>
               <a:tr h="526369">
                 <a:tc>
@@ -27038,6 +26229,11 @@
                   </a:txBody>
                   <a:tcPr marL="76200" marR="76200" marT="76200" marB="76200"/>
                 </a:tc>
+                <a:extLst>
+                  <a:ext uri="{0D108BD9-81ED-4DB2-BD59-A6C34878D82A}">
+                    <a16:rowId xmlns:a16="http://schemas.microsoft.com/office/drawing/2014/main" val="10003"/>
+                  </a:ext>
+                </a:extLst>
               </a:tr>
               <a:tr h="526369">
                 <a:tc>
@@ -27239,6 +26435,11 @@
                   </a:txBody>
                   <a:tcPr marL="76200" marR="76200" marT="76200" marB="76200"/>
                 </a:tc>
+                <a:extLst>
+                  <a:ext uri="{0D108BD9-81ED-4DB2-BD59-A6C34878D82A}">
+                    <a16:rowId xmlns:a16="http://schemas.microsoft.com/office/drawing/2014/main" val="10004"/>
+                  </a:ext>
+                </a:extLst>
               </a:tr>
               <a:tr h="526369">
                 <a:tc>
@@ -27440,6 +26641,11 @@
                   </a:txBody>
                   <a:tcPr marL="76200" marR="76200" marT="76200" marB="76200"/>
                 </a:tc>
+                <a:extLst>
+                  <a:ext uri="{0D108BD9-81ED-4DB2-BD59-A6C34878D82A}">
+                    <a16:rowId xmlns:a16="http://schemas.microsoft.com/office/drawing/2014/main" val="10005"/>
+                  </a:ext>
+                </a:extLst>
               </a:tr>
               <a:tr h="526369">
                 <a:tc>
@@ -27641,6 +26847,11 @@
                   </a:txBody>
                   <a:tcPr marL="76200" marR="76200" marT="76200" marB="76200"/>
                 </a:tc>
+                <a:extLst>
+                  <a:ext uri="{0D108BD9-81ED-4DB2-BD59-A6C34878D82A}">
+                    <a16:rowId xmlns:a16="http://schemas.microsoft.com/office/drawing/2014/main" val="10006"/>
+                  </a:ext>
+                </a:extLst>
               </a:tr>
             </a:tbl>
           </a:graphicData>
@@ -27718,7 +26929,7 @@
               <a:t>Các phương thức </a:t>
             </a:r>
             <a:r>
-              <a:rPr lang="en-US" sz="1800" dirty="0" err="1" smtClean="0">
+              <a:rPr lang="en-US" sz="1800" dirty="0" err="1">
                 <a:latin typeface="Calibri" panose="020F0502020204030204" pitchFamily="34" charset="0"/>
                 <a:ea typeface="Calibri" panose="020F0502020204030204" pitchFamily="34" charset="0"/>
                 <a:cs typeface="Times New Roman" panose="02020603050405020304" pitchFamily="18" charset="0"/>
@@ -27743,13 +26954,6 @@
   <p:clrMapOvr>
     <a:masterClrMapping/>
   </p:clrMapOvr>
-  <p:timing>
-    <p:tnLst>
-      <p:par>
-        <p:cTn id="1" dur="indefinite" restart="never" nodeType="tmRoot"/>
-      </p:par>
-    </p:tnLst>
-  </p:timing>
 </p:sld>
 </file>
 
@@ -27783,7 +26987,7 @@
         <p:spPr>
           <a:extLst>
             <a:ext uri="{FAA26D3D-D897-4be2-8F04-BA451C77F1D7}">
-              <ma14:placeholderFlag xmlns:ma14="http://schemas.microsoft.com/office/mac/drawingml/2011/main" xmlns="" val="1"/>
+              <ma14:placeholderFlag xmlns="" xmlns:ma14="http://schemas.microsoft.com/office/mac/drawingml/2011/main" val="1"/>
             </a:ext>
           </a:extLst>
         </p:spPr>
@@ -27794,7 +26998,7 @@
           <a:lstStyle/>
           <a:p>
             <a:r>
-              <a:rPr lang="vi-VN" altLang="en-US" sz="2700" dirty="0" smtClean="0"/>
+              <a:rPr lang="vi-VN" altLang="en-US" sz="2700" dirty="0"/>
               <a:t>LỚP MATH</a:t>
             </a:r>
             <a:endParaRPr lang="en-US" altLang="en-US" sz="2700" dirty="0"/>
@@ -27826,8 +27030,20 @@
                 <a:tableStyleId>{0660B408-B3CF-4A94-85FC-2B1E0A45F4A2}</a:tableStyleId>
               </a:tblPr>
               <a:tblGrid>
-                <a:gridCol w="2606040"/>
-                <a:gridCol w="5935980"/>
+                <a:gridCol w="2606040">
+                  <a:extLst>
+                    <a:ext uri="{9D8B030D-6E8A-4147-A177-3AD203B41FA5}">
+                      <a16:colId xmlns:a16="http://schemas.microsoft.com/office/drawing/2014/main" val="20000"/>
+                    </a:ext>
+                  </a:extLst>
+                </a:gridCol>
+                <a:gridCol w="5935980">
+                  <a:extLst>
+                    <a:ext uri="{9D8B030D-6E8A-4147-A177-3AD203B41FA5}">
+                      <a16:colId xmlns:a16="http://schemas.microsoft.com/office/drawing/2014/main" val="20001"/>
+                    </a:ext>
+                  </a:extLst>
+                </a:gridCol>
               </a:tblGrid>
               <a:tr h="471244">
                 <a:tc>
@@ -27906,6 +27122,11 @@
                   </a:txBody>
                   <a:tcPr marL="114300" marR="114300" marT="114300" marB="114300"/>
                 </a:tc>
+                <a:extLst>
+                  <a:ext uri="{0D108BD9-81ED-4DB2-BD59-A6C34878D82A}">
+                    <a16:rowId xmlns:a16="http://schemas.microsoft.com/office/drawing/2014/main" val="10000"/>
+                  </a:ext>
+                </a:extLst>
               </a:tr>
               <a:tr h="396870">
                 <a:tc>
@@ -28023,6 +27244,11 @@
                   </a:txBody>
                   <a:tcPr marL="76200" marR="76200" marT="76200" marB="76200"/>
                 </a:tc>
+                <a:extLst>
+                  <a:ext uri="{0D108BD9-81ED-4DB2-BD59-A6C34878D82A}">
+                    <a16:rowId xmlns:a16="http://schemas.microsoft.com/office/drawing/2014/main" val="10001"/>
+                  </a:ext>
+                </a:extLst>
               </a:tr>
               <a:tr h="396870">
                 <a:tc>
@@ -28294,6 +27520,11 @@
                   </a:txBody>
                   <a:tcPr marL="76200" marR="76200" marT="76200" marB="76200"/>
                 </a:tc>
+                <a:extLst>
+                  <a:ext uri="{0D108BD9-81ED-4DB2-BD59-A6C34878D82A}">
+                    <a16:rowId xmlns:a16="http://schemas.microsoft.com/office/drawing/2014/main" val="10002"/>
+                  </a:ext>
+                </a:extLst>
               </a:tr>
               <a:tr h="526369">
                 <a:tc>
@@ -28411,6 +27642,11 @@
                   </a:txBody>
                   <a:tcPr marL="76200" marR="76200" marT="76200" marB="76200"/>
                 </a:tc>
+                <a:extLst>
+                  <a:ext uri="{0D108BD9-81ED-4DB2-BD59-A6C34878D82A}">
+                    <a16:rowId xmlns:a16="http://schemas.microsoft.com/office/drawing/2014/main" val="10003"/>
+                  </a:ext>
+                </a:extLst>
               </a:tr>
               <a:tr h="526369">
                 <a:tc>
@@ -28486,6 +27722,11 @@
                   </a:txBody>
                   <a:tcPr marL="76200" marR="76200" marT="76200" marB="76200"/>
                 </a:tc>
+                <a:extLst>
+                  <a:ext uri="{0D108BD9-81ED-4DB2-BD59-A6C34878D82A}">
+                    <a16:rowId xmlns:a16="http://schemas.microsoft.com/office/drawing/2014/main" val="10004"/>
+                  </a:ext>
+                </a:extLst>
               </a:tr>
               <a:tr h="526369">
                 <a:tc>
@@ -28603,6 +27844,11 @@
                   </a:txBody>
                   <a:tcPr marL="76200" marR="76200" marT="76200" marB="76200"/>
                 </a:tc>
+                <a:extLst>
+                  <a:ext uri="{0D108BD9-81ED-4DB2-BD59-A6C34878D82A}">
+                    <a16:rowId xmlns:a16="http://schemas.microsoft.com/office/drawing/2014/main" val="10005"/>
+                  </a:ext>
+                </a:extLst>
               </a:tr>
             </a:tbl>
           </a:graphicData>
@@ -28697,13 +27943,6 @@
   <p:clrMapOvr>
     <a:masterClrMapping/>
   </p:clrMapOvr>
-  <p:timing>
-    <p:tnLst>
-      <p:par>
-        <p:cTn id="1" dur="indefinite" restart="never" nodeType="tmRoot"/>
-      </p:par>
-    </p:tnLst>
-  </p:timing>
 </p:sld>
 </file>
 
@@ -28737,7 +27976,7 @@
         <p:spPr>
           <a:extLst>
             <a:ext uri="{FAA26D3D-D897-4be2-8F04-BA451C77F1D7}">
-              <ma14:placeholderFlag xmlns:ma14="http://schemas.microsoft.com/office/mac/drawingml/2011/main" xmlns="" val="1"/>
+              <ma14:placeholderFlag xmlns="" xmlns:ma14="http://schemas.microsoft.com/office/mac/drawingml/2011/main" val="1"/>
             </a:ext>
           </a:extLst>
         </p:spPr>
@@ -28748,7 +27987,7 @@
           <a:lstStyle/>
           <a:p>
             <a:r>
-              <a:rPr lang="vi-VN" altLang="en-US" sz="2700" dirty="0" smtClean="0"/>
+              <a:rPr lang="vi-VN" altLang="en-US" sz="2700" dirty="0"/>
               <a:t>LỚP MATH</a:t>
             </a:r>
             <a:endParaRPr lang="en-US" altLang="en-US" sz="2700" dirty="0"/>
@@ -28780,8 +28019,20 @@
                 <a:tableStyleId>{0660B408-B3CF-4A94-85FC-2B1E0A45F4A2}</a:tableStyleId>
               </a:tblPr>
               <a:tblGrid>
-                <a:gridCol w="3421380"/>
-                <a:gridCol w="5120640"/>
+                <a:gridCol w="3421380">
+                  <a:extLst>
+                    <a:ext uri="{9D8B030D-6E8A-4147-A177-3AD203B41FA5}">
+                      <a16:colId xmlns:a16="http://schemas.microsoft.com/office/drawing/2014/main" val="20000"/>
+                    </a:ext>
+                  </a:extLst>
+                </a:gridCol>
+                <a:gridCol w="5120640">
+                  <a:extLst>
+                    <a:ext uri="{9D8B030D-6E8A-4147-A177-3AD203B41FA5}">
+                      <a16:colId xmlns:a16="http://schemas.microsoft.com/office/drawing/2014/main" val="20001"/>
+                    </a:ext>
+                  </a:extLst>
+                </a:gridCol>
               </a:tblGrid>
               <a:tr h="471244">
                 <a:tc>
@@ -28860,6 +28111,11 @@
                   </a:txBody>
                   <a:tcPr marL="114300" marR="114300" marT="114300" marB="114300"/>
                 </a:tc>
+                <a:extLst>
+                  <a:ext uri="{0D108BD9-81ED-4DB2-BD59-A6C34878D82A}">
+                    <a16:rowId xmlns:a16="http://schemas.microsoft.com/office/drawing/2014/main" val="10000"/>
+                  </a:ext>
+                </a:extLst>
               </a:tr>
               <a:tr h="396870">
                 <a:tc>
@@ -28977,6 +28233,11 @@
                   </a:txBody>
                   <a:tcPr marL="76200" marR="76200" marT="76200" marB="76200"/>
                 </a:tc>
+                <a:extLst>
+                  <a:ext uri="{0D108BD9-81ED-4DB2-BD59-A6C34878D82A}">
+                    <a16:rowId xmlns:a16="http://schemas.microsoft.com/office/drawing/2014/main" val="10001"/>
+                  </a:ext>
+                </a:extLst>
               </a:tr>
               <a:tr h="396870">
                 <a:tc>
@@ -29346,6 +28607,11 @@
                   </a:txBody>
                   <a:tcPr marL="76200" marR="76200" marT="76200" marB="76200"/>
                 </a:tc>
+                <a:extLst>
+                  <a:ext uri="{0D108BD9-81ED-4DB2-BD59-A6C34878D82A}">
+                    <a16:rowId xmlns:a16="http://schemas.microsoft.com/office/drawing/2014/main" val="10002"/>
+                  </a:ext>
+                </a:extLst>
               </a:tr>
               <a:tr h="526369">
                 <a:tc>
@@ -29715,6 +28981,11 @@
                   </a:txBody>
                   <a:tcPr marL="76200" marR="76200" marT="76200" marB="76200"/>
                 </a:tc>
+                <a:extLst>
+                  <a:ext uri="{0D108BD9-81ED-4DB2-BD59-A6C34878D82A}">
+                    <a16:rowId xmlns:a16="http://schemas.microsoft.com/office/drawing/2014/main" val="10003"/>
+                  </a:ext>
+                </a:extLst>
               </a:tr>
               <a:tr h="526369">
                 <a:tc>
@@ -30112,6 +29383,11 @@
                   </a:txBody>
                   <a:tcPr marL="76200" marR="76200" marT="76200" marB="76200"/>
                 </a:tc>
+                <a:extLst>
+                  <a:ext uri="{0D108BD9-81ED-4DB2-BD59-A6C34878D82A}">
+                    <a16:rowId xmlns:a16="http://schemas.microsoft.com/office/drawing/2014/main" val="10004"/>
+                  </a:ext>
+                </a:extLst>
               </a:tr>
               <a:tr h="526369">
                 <a:tc>
@@ -30397,6 +29673,11 @@
                   </a:txBody>
                   <a:tcPr marL="76200" marR="76200" marT="76200" marB="76200"/>
                 </a:tc>
+                <a:extLst>
+                  <a:ext uri="{0D108BD9-81ED-4DB2-BD59-A6C34878D82A}">
+                    <a16:rowId xmlns:a16="http://schemas.microsoft.com/office/drawing/2014/main" val="10005"/>
+                  </a:ext>
+                </a:extLst>
               </a:tr>
             </a:tbl>
           </a:graphicData>
@@ -30491,13 +29772,6 @@
   <p:clrMapOvr>
     <a:masterClrMapping/>
   </p:clrMapOvr>
-  <p:timing>
-    <p:tnLst>
-      <p:par>
-        <p:cTn id="1" dur="indefinite" restart="never" nodeType="tmRoot"/>
-      </p:par>
-    </p:tnLst>
-  </p:timing>
 </p:sld>
 </file>
 
@@ -30531,7 +29805,7 @@
         <p:spPr>
           <a:extLst>
             <a:ext uri="{FAA26D3D-D897-4be2-8F04-BA451C77F1D7}">
-              <ma14:placeholderFlag xmlns:ma14="http://schemas.microsoft.com/office/mac/drawingml/2011/main" xmlns="" val="1"/>
+              <ma14:placeholderFlag xmlns="" xmlns:ma14="http://schemas.microsoft.com/office/mac/drawingml/2011/main" val="1"/>
             </a:ext>
           </a:extLst>
         </p:spPr>
@@ -30542,19 +29816,19 @@
           <a:lstStyle/>
           <a:p>
             <a:r>
-              <a:rPr lang="en-US" altLang="en-US" sz="2700" dirty="0" smtClean="0"/>
+              <a:rPr lang="en-US" altLang="en-US" sz="2700" dirty="0"/>
               <a:t>MẢNG </a:t>
             </a:r>
             <a:r>
-              <a:rPr lang="en-US" altLang="en-US" sz="2700" dirty="0" err="1" smtClean="0"/>
+              <a:rPr lang="en-US" altLang="en-US" sz="2700" dirty="0" err="1"/>
               <a:t>MỘT</a:t>
             </a:r>
             <a:r>
-              <a:rPr lang="en-US" altLang="en-US" sz="2700" dirty="0" smtClean="0"/>
-              <a:t> </a:t>
-            </a:r>
-            <a:r>
-              <a:rPr lang="en-US" altLang="en-US" sz="2700" dirty="0" err="1" smtClean="0"/>
+              <a:rPr lang="en-US" altLang="en-US" sz="2700" dirty="0"/>
+              <a:t> </a:t>
+            </a:r>
+            <a:r>
+              <a:rPr lang="en-US" altLang="en-US" sz="2700" dirty="0" err="1"/>
               <a:t>CHIỀU</a:t>
             </a:r>
             <a:endParaRPr lang="en-US" altLang="en-US" sz="2700" dirty="0"/>
@@ -30611,7 +29885,7 @@
               </a:tabLst>
             </a:pPr>
             <a:r>
-              <a:rPr lang="en-US" sz="1600" dirty="0" smtClean="0">
+              <a:rPr lang="en-US" sz="1600" dirty="0">
                 <a:solidFill>
                   <a:srgbClr val="333333"/>
                 </a:solidFill>
@@ -30619,10 +29893,10 @@
                 <a:ea typeface="Times New Roman" panose="02020603050405020304" pitchFamily="18" charset="0"/>
                 <a:cs typeface="Times New Roman" panose="02020603050405020304" pitchFamily="18" charset="0"/>
               </a:rPr>
-              <a:t>data_type </a:t>
-            </a:r>
-            <a:r>
-              <a:rPr lang="en-US" sz="1600" dirty="0">
+              <a:t>data_type [] </a:t>
+            </a:r>
+            <a:r>
+              <a:rPr lang="en-US" sz="1600" dirty="0" err="1">
                 <a:solidFill>
                   <a:srgbClr val="333333"/>
                 </a:solidFill>
@@ -30630,10 +29904,10 @@
                 <a:ea typeface="Times New Roman" panose="02020603050405020304" pitchFamily="18" charset="0"/>
                 <a:cs typeface="Times New Roman" panose="02020603050405020304" pitchFamily="18" charset="0"/>
               </a:rPr>
-              <a:t>[] </a:t>
-            </a:r>
-            <a:r>
-              <a:rPr lang="en-US" sz="1600" dirty="0" err="1" smtClean="0">
+              <a:t>array_name</a:t>
+            </a:r>
+            <a:r>
+              <a:rPr lang="en-US" sz="1600" dirty="0">
                 <a:solidFill>
                   <a:srgbClr val="333333"/>
                 </a:solidFill>
@@ -30641,18 +29915,18 @@
                 <a:ea typeface="Times New Roman" panose="02020603050405020304" pitchFamily="18" charset="0"/>
                 <a:cs typeface="Times New Roman" panose="02020603050405020304" pitchFamily="18" charset="0"/>
               </a:rPr>
-              <a:t>array_name</a:t>
-            </a:r>
-            <a:r>
-              <a:rPr lang="en-US" sz="1600" dirty="0" smtClean="0">
-                <a:solidFill>
-                  <a:srgbClr val="333333"/>
+              <a:t> = </a:t>
+            </a:r>
+            <a:r>
+              <a:rPr lang="en-US" sz="1600" dirty="0">
+                <a:solidFill>
+                  <a:srgbClr val="FF0000"/>
                 </a:solidFill>
                 <a:latin typeface="Courier New" panose="02070309020205020404" pitchFamily="49" charset="0"/>
                 <a:ea typeface="Times New Roman" panose="02020603050405020304" pitchFamily="18" charset="0"/>
                 <a:cs typeface="Times New Roman" panose="02020603050405020304" pitchFamily="18" charset="0"/>
               </a:rPr>
-              <a:t> </a:t>
+              <a:t>new</a:t>
             </a:r>
             <a:r>
               <a:rPr lang="en-US" sz="1600" dirty="0">
@@ -30663,51 +29937,7 @@
                 <a:ea typeface="Times New Roman" panose="02020603050405020304" pitchFamily="18" charset="0"/>
                 <a:cs typeface="Times New Roman" panose="02020603050405020304" pitchFamily="18" charset="0"/>
               </a:rPr>
-              <a:t>= </a:t>
-            </a:r>
-            <a:r>
-              <a:rPr lang="en-US" sz="1600" dirty="0">
-                <a:solidFill>
-                  <a:srgbClr val="FF0000"/>
-                </a:solidFill>
-                <a:latin typeface="Courier New" panose="02070309020205020404" pitchFamily="49" charset="0"/>
-                <a:ea typeface="Times New Roman" panose="02020603050405020304" pitchFamily="18" charset="0"/>
-                <a:cs typeface="Times New Roman" panose="02020603050405020304" pitchFamily="18" charset="0"/>
-              </a:rPr>
-              <a:t>new</a:t>
-            </a:r>
-            <a:r>
-              <a:rPr lang="en-US" sz="1600" dirty="0">
-                <a:solidFill>
-                  <a:srgbClr val="333333"/>
-                </a:solidFill>
-                <a:latin typeface="Courier New" panose="02070309020205020404" pitchFamily="49" charset="0"/>
-                <a:ea typeface="Times New Roman" panose="02020603050405020304" pitchFamily="18" charset="0"/>
-                <a:cs typeface="Times New Roman" panose="02020603050405020304" pitchFamily="18" charset="0"/>
-              </a:rPr>
-              <a:t> data_type</a:t>
-            </a:r>
-            <a:r>
-              <a:rPr lang="en-US" sz="1600" dirty="0" smtClean="0">
-                <a:solidFill>
-                  <a:srgbClr val="333333"/>
-                </a:solidFill>
-                <a:latin typeface="Courier New" panose="02070309020205020404" pitchFamily="49" charset="0"/>
-                <a:ea typeface="Times New Roman" panose="02020603050405020304" pitchFamily="18" charset="0"/>
-                <a:cs typeface="Times New Roman" panose="02020603050405020304" pitchFamily="18" charset="0"/>
-              </a:rPr>
-              <a:t>[n</a:t>
-            </a:r>
-            <a:r>
-              <a:rPr lang="en-US" sz="1600" dirty="0">
-                <a:solidFill>
-                  <a:srgbClr val="333333"/>
-                </a:solidFill>
-                <a:latin typeface="Courier New" panose="02070309020205020404" pitchFamily="49" charset="0"/>
-                <a:ea typeface="Times New Roman" panose="02020603050405020304" pitchFamily="18" charset="0"/>
-                <a:cs typeface="Times New Roman" panose="02020603050405020304" pitchFamily="18" charset="0"/>
-              </a:rPr>
-              <a:t>];</a:t>
+              <a:t> data_type[n];</a:t>
             </a:r>
             <a:endParaRPr lang="en-US" dirty="0">
               <a:latin typeface="Calibri" panose="020F0502020204030204" pitchFamily="34" charset="0"/>
@@ -30770,62 +30000,29 @@
                 <a:ea typeface="Times New Roman" panose="02020603050405020304" pitchFamily="18" charset="0"/>
                 <a:cs typeface="Times New Roman" panose="02020603050405020304" pitchFamily="18" charset="0"/>
               </a:rPr>
-              <a:t> </a:t>
-            </a:r>
-            <a:r>
-              <a:rPr lang="en-US" sz="1600" dirty="0" smtClean="0">
-                <a:solidFill>
-                  <a:srgbClr val="333333"/>
+              <a:t> = </a:t>
+            </a:r>
+            <a:r>
+              <a:rPr lang="en-US" sz="1600" dirty="0">
+                <a:solidFill>
+                  <a:srgbClr val="FF0000"/>
                 </a:solidFill>
                 <a:latin typeface="Courier New" panose="02070309020205020404" pitchFamily="49" charset="0"/>
                 <a:ea typeface="Times New Roman" panose="02020603050405020304" pitchFamily="18" charset="0"/>
                 <a:cs typeface="Times New Roman" panose="02020603050405020304" pitchFamily="18" charset="0"/>
               </a:rPr>
-              <a:t>= </a:t>
+              <a:t>new</a:t>
             </a:r>
             <a:r>
               <a:rPr lang="en-US" sz="1600" dirty="0">
                 <a:solidFill>
-                  <a:srgbClr val="FF0000"/>
+                  <a:srgbClr val="333333"/>
                 </a:solidFill>
                 <a:latin typeface="Courier New" panose="02070309020205020404" pitchFamily="49" charset="0"/>
                 <a:ea typeface="Times New Roman" panose="02020603050405020304" pitchFamily="18" charset="0"/>
                 <a:cs typeface="Times New Roman" panose="02020603050405020304" pitchFamily="18" charset="0"/>
               </a:rPr>
-              <a:t>new</a:t>
-            </a:r>
-            <a:r>
-              <a:rPr lang="en-US" sz="1600" dirty="0">
-                <a:solidFill>
-                  <a:srgbClr val="333333"/>
-                </a:solidFill>
-                <a:latin typeface="Courier New" panose="02070309020205020404" pitchFamily="49" charset="0"/>
-                <a:ea typeface="Times New Roman" panose="02020603050405020304" pitchFamily="18" charset="0"/>
-                <a:cs typeface="Times New Roman" panose="02020603050405020304" pitchFamily="18" charset="0"/>
-              </a:rPr>
-              <a:t> </a:t>
-            </a:r>
-            <a:r>
-              <a:rPr lang="en-US" sz="1600" dirty="0" smtClean="0">
-                <a:solidFill>
-                  <a:srgbClr val="333333"/>
-                </a:solidFill>
-                <a:latin typeface="Courier New" panose="02070309020205020404" pitchFamily="49" charset="0"/>
-                <a:ea typeface="Times New Roman" panose="02020603050405020304" pitchFamily="18" charset="0"/>
-                <a:cs typeface="Times New Roman" panose="02020603050405020304" pitchFamily="18" charset="0"/>
-              </a:rPr>
-              <a:t>data_type[n</a:t>
-            </a:r>
-            <a:r>
-              <a:rPr lang="en-US" sz="1600" dirty="0">
-                <a:solidFill>
-                  <a:srgbClr val="333333"/>
-                </a:solidFill>
-                <a:latin typeface="Courier New" panose="02070309020205020404" pitchFamily="49" charset="0"/>
-                <a:ea typeface="Times New Roman" panose="02020603050405020304" pitchFamily="18" charset="0"/>
-                <a:cs typeface="Times New Roman" panose="02020603050405020304" pitchFamily="18" charset="0"/>
-              </a:rPr>
-              <a:t>];</a:t>
+              <a:t> data_type[n];</a:t>
             </a:r>
             <a:endParaRPr lang="en-US" dirty="0">
               <a:latin typeface="Calibri" panose="020F0502020204030204" pitchFamily="34" charset="0"/>
@@ -30869,7 +30066,7 @@
               <a:t>data_type </a:t>
             </a:r>
             <a:r>
-              <a:rPr lang="en-US" sz="1600" dirty="0" err="1" smtClean="0">
+              <a:rPr lang="en-US" sz="1600" dirty="0" err="1">
                 <a:solidFill>
                   <a:srgbClr val="333333"/>
                 </a:solidFill>
@@ -30880,7 +30077,7 @@
               <a:t>array_name</a:t>
             </a:r>
             <a:r>
-              <a:rPr lang="en-US" sz="1600" dirty="0" smtClean="0">
+              <a:rPr lang="en-US" sz="1600" dirty="0">
                 <a:solidFill>
                   <a:srgbClr val="333333"/>
                 </a:solidFill>
@@ -30888,18 +30085,7 @@
                 <a:ea typeface="Times New Roman" panose="02020603050405020304" pitchFamily="18" charset="0"/>
                 <a:cs typeface="Times New Roman" panose="02020603050405020304" pitchFamily="18" charset="0"/>
               </a:rPr>
-              <a:t>[] </a:t>
-            </a:r>
-            <a:r>
-              <a:rPr lang="en-US" sz="1600" dirty="0">
-                <a:solidFill>
-                  <a:srgbClr val="333333"/>
-                </a:solidFill>
-                <a:latin typeface="Courier New" panose="02070309020205020404" pitchFamily="49" charset="0"/>
-                <a:ea typeface="Times New Roman" panose="02020603050405020304" pitchFamily="18" charset="0"/>
-                <a:cs typeface="Times New Roman" panose="02020603050405020304" pitchFamily="18" charset="0"/>
-              </a:rPr>
-              <a:t>= </a:t>
+              <a:t>[] = </a:t>
             </a:r>
             <a:r>
               <a:rPr lang="en-US" sz="1600" dirty="0">
@@ -31021,7 +30207,7 @@
               </a:spcAft>
             </a:pPr>
             <a:r>
-              <a:rPr lang="en-US" sz="1800" dirty="0" smtClean="0">
+              <a:rPr lang="en-US" sz="1800" dirty="0">
                 <a:solidFill>
                   <a:srgbClr val="343A40"/>
                 </a:solidFill>
@@ -31029,18 +30215,7 @@
                 <a:ea typeface="Times New Roman" panose="02020603050405020304" pitchFamily="18" charset="0"/>
                 <a:cs typeface="Times New Roman" panose="02020603050405020304" pitchFamily="18" charset="0"/>
               </a:rPr>
-              <a:t>- data_type</a:t>
-            </a:r>
-            <a:r>
-              <a:rPr lang="en-US" sz="1800" dirty="0">
-                <a:solidFill>
-                  <a:srgbClr val="343A40"/>
-                </a:solidFill>
-                <a:latin typeface="Segoe UI" panose="020B0502040204020203" pitchFamily="34" charset="0"/>
-                <a:ea typeface="Times New Roman" panose="02020603050405020304" pitchFamily="18" charset="0"/>
-                <a:cs typeface="Times New Roman" panose="02020603050405020304" pitchFamily="18" charset="0"/>
-              </a:rPr>
-              <a:t>: </a:t>
+              <a:t>- data_type: </a:t>
             </a:r>
             <a:r>
               <a:rPr lang="en-US" sz="1800" dirty="0" err="1">
@@ -31113,7 +30288,7 @@
               </a:spcAft>
             </a:pPr>
             <a:r>
-              <a:rPr lang="en-US" sz="1800" dirty="0" smtClean="0">
+              <a:rPr lang="en-US" sz="1800" dirty="0">
                 <a:solidFill>
                   <a:srgbClr val="343A40"/>
                 </a:solidFill>
@@ -31121,18 +30296,7 @@
                 <a:ea typeface="Times New Roman" panose="02020603050405020304" pitchFamily="18" charset="0"/>
                 <a:cs typeface="Times New Roman" panose="02020603050405020304" pitchFamily="18" charset="0"/>
               </a:rPr>
-              <a:t>- name</a:t>
-            </a:r>
-            <a:r>
-              <a:rPr lang="en-US" sz="1800" dirty="0">
-                <a:solidFill>
-                  <a:srgbClr val="343A40"/>
-                </a:solidFill>
-                <a:latin typeface="Segoe UI" panose="020B0502040204020203" pitchFamily="34" charset="0"/>
-                <a:ea typeface="Times New Roman" panose="02020603050405020304" pitchFamily="18" charset="0"/>
-                <a:cs typeface="Times New Roman" panose="02020603050405020304" pitchFamily="18" charset="0"/>
-              </a:rPr>
-              <a:t>: </a:t>
+              <a:t>- name: </a:t>
             </a:r>
             <a:r>
               <a:rPr lang="en-US" sz="1800" dirty="0" err="1">
@@ -31183,7 +30347,7 @@
               </a:spcAft>
             </a:pPr>
             <a:r>
-              <a:rPr lang="en-US" sz="1800" dirty="0" smtClean="0">
+              <a:rPr lang="en-US" sz="1800" dirty="0">
                 <a:solidFill>
                   <a:srgbClr val="343A40"/>
                 </a:solidFill>
@@ -31191,18 +30355,7 @@
                 <a:ea typeface="Times New Roman" panose="02020603050405020304" pitchFamily="18" charset="0"/>
                 <a:cs typeface="Times New Roman" panose="02020603050405020304" pitchFamily="18" charset="0"/>
               </a:rPr>
-              <a:t>- n</a:t>
-            </a:r>
-            <a:r>
-              <a:rPr lang="en-US" sz="1800" dirty="0">
-                <a:solidFill>
-                  <a:srgbClr val="343A40"/>
-                </a:solidFill>
-                <a:latin typeface="Segoe UI" panose="020B0502040204020203" pitchFamily="34" charset="0"/>
-                <a:ea typeface="Times New Roman" panose="02020603050405020304" pitchFamily="18" charset="0"/>
-                <a:cs typeface="Times New Roman" panose="02020603050405020304" pitchFamily="18" charset="0"/>
-              </a:rPr>
-              <a:t>: </a:t>
+              <a:t>- n: </a:t>
             </a:r>
             <a:r>
               <a:rPr lang="en-US" sz="1800" dirty="0" err="1">
@@ -31334,13 +30487,6 @@
   <p:clrMapOvr>
     <a:masterClrMapping/>
   </p:clrMapOvr>
-  <p:timing>
-    <p:tnLst>
-      <p:par>
-        <p:cTn id="1" dur="indefinite" restart="never" nodeType="tmRoot"/>
-      </p:par>
-    </p:tnLst>
-  </p:timing>
 </p:sld>
 </file>
 
@@ -31374,7 +30520,7 @@
         <p:spPr>
           <a:extLst>
             <a:ext uri="{FAA26D3D-D897-4be2-8F04-BA451C77F1D7}">
-              <ma14:placeholderFlag xmlns:ma14="http://schemas.microsoft.com/office/mac/drawingml/2011/main" xmlns="" val="1"/>
+              <ma14:placeholderFlag xmlns="" xmlns:ma14="http://schemas.microsoft.com/office/mac/drawingml/2011/main" val="1"/>
             </a:ext>
           </a:extLst>
         </p:spPr>
@@ -31385,7 +30531,7 @@
           <a:lstStyle/>
           <a:p>
             <a:r>
-              <a:rPr lang="vi-VN" altLang="en-US" sz="2700" dirty="0" smtClean="0"/>
+              <a:rPr lang="vi-VN" altLang="en-US" sz="2700" dirty="0"/>
               <a:t>LỚP MATH</a:t>
             </a:r>
             <a:endParaRPr lang="en-US" altLang="en-US" sz="2700" dirty="0"/>
@@ -31417,8 +30563,20 @@
                 <a:tableStyleId>{0660B408-B3CF-4A94-85FC-2B1E0A45F4A2}</a:tableStyleId>
               </a:tblPr>
               <a:tblGrid>
-                <a:gridCol w="3421380"/>
-                <a:gridCol w="5120640"/>
+                <a:gridCol w="3421380">
+                  <a:extLst>
+                    <a:ext uri="{9D8B030D-6E8A-4147-A177-3AD203B41FA5}">
+                      <a16:colId xmlns:a16="http://schemas.microsoft.com/office/drawing/2014/main" val="20000"/>
+                    </a:ext>
+                  </a:extLst>
+                </a:gridCol>
+                <a:gridCol w="5120640">
+                  <a:extLst>
+                    <a:ext uri="{9D8B030D-6E8A-4147-A177-3AD203B41FA5}">
+                      <a16:colId xmlns:a16="http://schemas.microsoft.com/office/drawing/2014/main" val="20001"/>
+                    </a:ext>
+                  </a:extLst>
+                </a:gridCol>
               </a:tblGrid>
               <a:tr h="471244">
                 <a:tc>
@@ -31497,6 +30655,11 @@
                   </a:txBody>
                   <a:tcPr marL="114300" marR="114300" marT="114300" marB="114300"/>
                 </a:tc>
+                <a:extLst>
+                  <a:ext uri="{0D108BD9-81ED-4DB2-BD59-A6C34878D82A}">
+                    <a16:rowId xmlns:a16="http://schemas.microsoft.com/office/drawing/2014/main" val="10000"/>
+                  </a:ext>
+                </a:extLst>
               </a:tr>
               <a:tr h="396870">
                 <a:tc>
@@ -31614,6 +30777,11 @@
                   </a:txBody>
                   <a:tcPr marL="76200" marR="76200" marT="76200" marB="76200"/>
                 </a:tc>
+                <a:extLst>
+                  <a:ext uri="{0D108BD9-81ED-4DB2-BD59-A6C34878D82A}">
+                    <a16:rowId xmlns:a16="http://schemas.microsoft.com/office/drawing/2014/main" val="10001"/>
+                  </a:ext>
+                </a:extLst>
               </a:tr>
               <a:tr h="396870">
                 <a:tc>
@@ -31759,6 +30927,11 @@
                   </a:txBody>
                   <a:tcPr marL="76200" marR="76200" marT="76200" marB="76200"/>
                 </a:tc>
+                <a:extLst>
+                  <a:ext uri="{0D108BD9-81ED-4DB2-BD59-A6C34878D82A}">
+                    <a16:rowId xmlns:a16="http://schemas.microsoft.com/office/drawing/2014/main" val="10002"/>
+                  </a:ext>
+                </a:extLst>
               </a:tr>
               <a:tr h="526369">
                 <a:tc>
@@ -31834,6 +31007,11 @@
                   </a:txBody>
                   <a:tcPr marL="76200" marR="76200" marT="76200" marB="76200"/>
                 </a:tc>
+                <a:extLst>
+                  <a:ext uri="{0D108BD9-81ED-4DB2-BD59-A6C34878D82A}">
+                    <a16:rowId xmlns:a16="http://schemas.microsoft.com/office/drawing/2014/main" val="10003"/>
+                  </a:ext>
+                </a:extLst>
               </a:tr>
               <a:tr h="536172">
                 <a:tc>
@@ -31909,6 +31087,11 @@
                   </a:txBody>
                   <a:tcPr marL="76200" marR="76200" marT="76200" marB="76200"/>
                 </a:tc>
+                <a:extLst>
+                  <a:ext uri="{0D108BD9-81ED-4DB2-BD59-A6C34878D82A}">
+                    <a16:rowId xmlns:a16="http://schemas.microsoft.com/office/drawing/2014/main" val="10004"/>
+                  </a:ext>
+                </a:extLst>
               </a:tr>
               <a:tr h="526369">
                 <a:tc>
@@ -32180,6 +31363,11 @@
                   </a:txBody>
                   <a:tcPr marL="76200" marR="76200" marT="76200" marB="76200"/>
                 </a:tc>
+                <a:extLst>
+                  <a:ext uri="{0D108BD9-81ED-4DB2-BD59-A6C34878D82A}">
+                    <a16:rowId xmlns:a16="http://schemas.microsoft.com/office/drawing/2014/main" val="10005"/>
+                  </a:ext>
+                </a:extLst>
               </a:tr>
             </a:tbl>
           </a:graphicData>
@@ -32274,13 +31462,6 @@
   <p:clrMapOvr>
     <a:masterClrMapping/>
   </p:clrMapOvr>
-  <p:timing>
-    <p:tnLst>
-      <p:par>
-        <p:cTn id="1" dur="indefinite" restart="never" nodeType="tmRoot"/>
-      </p:par>
-    </p:tnLst>
-  </p:timing>
 </p:sld>
 </file>
 
@@ -32314,7 +31495,7 @@
         <p:spPr>
           <a:extLst>
             <a:ext uri="{FAA26D3D-D897-4be2-8F04-BA451C77F1D7}">
-              <ma14:placeholderFlag xmlns:ma14="http://schemas.microsoft.com/office/mac/drawingml/2011/main" xmlns="" val="1"/>
+              <ma14:placeholderFlag xmlns="" xmlns:ma14="http://schemas.microsoft.com/office/mac/drawingml/2011/main" val="1"/>
             </a:ext>
           </a:extLst>
         </p:spPr>
@@ -32325,7 +31506,7 @@
           <a:lstStyle/>
           <a:p>
             <a:r>
-              <a:rPr lang="vi-VN" altLang="en-US" sz="2700" dirty="0" smtClean="0"/>
+              <a:rPr lang="vi-VN" altLang="en-US" sz="2700" dirty="0"/>
               <a:t>LỚP NUMBER</a:t>
             </a:r>
             <a:endParaRPr lang="en-US" altLang="en-US" sz="2700" dirty="0"/>
@@ -32384,10 +31565,9 @@
           <a:lstStyle/>
           <a:p>
             <a:r>
-              <a:rPr lang="en-US" sz="2000" b="1" dirty="0" smtClean="0"/>
+              <a:rPr lang="en-US" sz="2000" b="1" dirty="0"/>
               <a:t>OUTPUT:  ?</a:t>
             </a:r>
-            <a:endParaRPr lang="en-US" sz="2000" b="1" dirty="0"/>
           </a:p>
         </p:txBody>
       </p:sp>
@@ -32401,13 +31581,6 @@
   <p:clrMapOvr>
     <a:masterClrMapping/>
   </p:clrMapOvr>
-  <p:timing>
-    <p:tnLst>
-      <p:par>
-        <p:cTn id="1" dur="indefinite" restart="never" nodeType="tmRoot"/>
-      </p:par>
-    </p:tnLst>
-  </p:timing>
 </p:sld>
 </file>
 
@@ -32441,7 +31614,7 @@
         <p:spPr>
           <a:extLst>
             <a:ext uri="{FAA26D3D-D897-4be2-8F04-BA451C77F1D7}">
-              <ma14:placeholderFlag xmlns:ma14="http://schemas.microsoft.com/office/mac/drawingml/2011/main" xmlns="" val="1"/>
+              <ma14:placeholderFlag xmlns="" xmlns:ma14="http://schemas.microsoft.com/office/mac/drawingml/2011/main" val="1"/>
             </a:ext>
           </a:extLst>
         </p:spPr>
@@ -32452,12 +31625,8 @@
           <a:lstStyle/>
           <a:p>
             <a:r>
-              <a:rPr lang="vi-VN" altLang="en-US" sz="2700" dirty="0" smtClean="0"/>
-              <a:t>LỚP </a:t>
-            </a:r>
-            <a:r>
-              <a:rPr lang="vi-VN" altLang="en-US" sz="2700" dirty="0" smtClean="0"/>
-              <a:t>STRING</a:t>
+              <a:rPr lang="vi-VN" altLang="en-US" sz="2700" dirty="0"/>
+              <a:t>LỚP STRING</a:t>
             </a:r>
             <a:endParaRPr lang="en-US" altLang="en-US" sz="2700" dirty="0"/>
           </a:p>
@@ -33337,13 +32506,6 @@
   <p:clrMapOvr>
     <a:masterClrMapping/>
   </p:clrMapOvr>
-  <p:timing>
-    <p:tnLst>
-      <p:par>
-        <p:cTn id="1" dur="indefinite" restart="never" nodeType="tmRoot"/>
-      </p:par>
-    </p:tnLst>
-  </p:timing>
 </p:sld>
 </file>
 
@@ -33377,7 +32539,7 @@
         <p:spPr>
           <a:extLst>
             <a:ext uri="{FAA26D3D-D897-4be2-8F04-BA451C77F1D7}">
-              <ma14:placeholderFlag xmlns:ma14="http://schemas.microsoft.com/office/mac/drawingml/2011/main" xmlns="" val="1"/>
+              <ma14:placeholderFlag xmlns="" xmlns:ma14="http://schemas.microsoft.com/office/mac/drawingml/2011/main" val="1"/>
             </a:ext>
           </a:extLst>
         </p:spPr>
@@ -33388,12 +32550,8 @@
           <a:lstStyle/>
           <a:p>
             <a:r>
-              <a:rPr lang="vi-VN" altLang="en-US" sz="2700" dirty="0" smtClean="0"/>
-              <a:t>LỚP </a:t>
-            </a:r>
-            <a:r>
-              <a:rPr lang="vi-VN" altLang="en-US" sz="2700" dirty="0" smtClean="0"/>
-              <a:t>STRING</a:t>
+              <a:rPr lang="vi-VN" altLang="en-US" sz="2700" dirty="0"/>
+              <a:t>LỚP STRING</a:t>
             </a:r>
             <a:endParaRPr lang="en-US" altLang="en-US" sz="2700" dirty="0"/>
           </a:p>
@@ -33424,8 +32582,20 @@
                 <a:tableStyleId>{0660B408-B3CF-4A94-85FC-2B1E0A45F4A2}</a:tableStyleId>
               </a:tblPr>
               <a:tblGrid>
-                <a:gridCol w="3531897"/>
-                <a:gridCol w="5286046"/>
+                <a:gridCol w="3531897">
+                  <a:extLst>
+                    <a:ext uri="{9D8B030D-6E8A-4147-A177-3AD203B41FA5}">
+                      <a16:colId xmlns:a16="http://schemas.microsoft.com/office/drawing/2014/main" val="20000"/>
+                    </a:ext>
+                  </a:extLst>
+                </a:gridCol>
+                <a:gridCol w="5286046">
+                  <a:extLst>
+                    <a:ext uri="{9D8B030D-6E8A-4147-A177-3AD203B41FA5}">
+                      <a16:colId xmlns:a16="http://schemas.microsoft.com/office/drawing/2014/main" val="20001"/>
+                    </a:ext>
+                  </a:extLst>
+                </a:gridCol>
               </a:tblGrid>
               <a:tr h="459239">
                 <a:tc>
@@ -33504,6 +32674,11 @@
                   </a:txBody>
                   <a:tcPr marL="114300" marR="114300" marT="114300" marB="114300"/>
                 </a:tc>
+                <a:extLst>
+                  <a:ext uri="{0D108BD9-81ED-4DB2-BD59-A6C34878D82A}">
+                    <a16:rowId xmlns:a16="http://schemas.microsoft.com/office/drawing/2014/main" val="10000"/>
+                  </a:ext>
+                </a:extLst>
               </a:tr>
               <a:tr h="434538">
                 <a:tc>
@@ -33579,6 +32754,11 @@
                   </a:txBody>
                   <a:tcPr marL="76200" marR="76200" marT="76200" marB="76200" anchor="ctr"/>
                 </a:tc>
+                <a:extLst>
+                  <a:ext uri="{0D108BD9-81ED-4DB2-BD59-A6C34878D82A}">
+                    <a16:rowId xmlns:a16="http://schemas.microsoft.com/office/drawing/2014/main" val="10001"/>
+                  </a:ext>
+                </a:extLst>
               </a:tr>
               <a:tr h="434538">
                 <a:tc>
@@ -33657,6 +32837,11 @@
                   </a:txBody>
                   <a:tcPr marL="76200" marR="76200" marT="76200" marB="76200" anchor="ctr"/>
                 </a:tc>
+                <a:extLst>
+                  <a:ext uri="{0D108BD9-81ED-4DB2-BD59-A6C34878D82A}">
+                    <a16:rowId xmlns:a16="http://schemas.microsoft.com/office/drawing/2014/main" val="10002"/>
+                  </a:ext>
+                </a:extLst>
               </a:tr>
               <a:tr h="512960">
                 <a:tc>
@@ -33735,6 +32920,11 @@
                   </a:txBody>
                   <a:tcPr marL="76200" marR="76200" marT="76200" marB="76200" anchor="ctr"/>
                 </a:tc>
+                <a:extLst>
+                  <a:ext uri="{0D108BD9-81ED-4DB2-BD59-A6C34878D82A}">
+                    <a16:rowId xmlns:a16="http://schemas.microsoft.com/office/drawing/2014/main" val="10003"/>
+                  </a:ext>
+                </a:extLst>
               </a:tr>
               <a:tr h="522513">
                 <a:tc>
@@ -33813,6 +33003,11 @@
                   </a:txBody>
                   <a:tcPr marL="76200" marR="76200" marT="76200" marB="76200" anchor="ctr"/>
                 </a:tc>
+                <a:extLst>
+                  <a:ext uri="{0D108BD9-81ED-4DB2-BD59-A6C34878D82A}">
+                    <a16:rowId xmlns:a16="http://schemas.microsoft.com/office/drawing/2014/main" val="10004"/>
+                  </a:ext>
+                </a:extLst>
               </a:tr>
               <a:tr h="512960">
                 <a:tc>
@@ -34129,6 +33324,11 @@
                   </a:txBody>
                   <a:tcPr marL="76200" marR="76200" marT="76200" marB="76200" anchor="ctr"/>
                 </a:tc>
+                <a:extLst>
+                  <a:ext uri="{0D108BD9-81ED-4DB2-BD59-A6C34878D82A}">
+                    <a16:rowId xmlns:a16="http://schemas.microsoft.com/office/drawing/2014/main" val="10005"/>
+                  </a:ext>
+                </a:extLst>
               </a:tr>
               <a:tr h="707873">
                 <a:tc>
@@ -34512,7 +33712,7 @@
                         <a:t> </a:t>
                       </a:r>
                       <a:r>
-                        <a:rPr lang="en-US" sz="1800" dirty="0" err="1" smtClean="0">
+                        <a:rPr lang="en-US" sz="1800" dirty="0" err="1">
                           <a:solidFill>
                             <a:schemeClr val="bg2">
                               <a:lumMod val="50000"/>
@@ -34526,7 +33726,7 @@
                         <a:t>trong</a:t>
                       </a:r>
                       <a:r>
-                        <a:rPr lang="en-US" sz="1800" dirty="0" smtClean="0">
+                        <a:rPr lang="en-US" sz="1800" dirty="0">
                           <a:solidFill>
                             <a:schemeClr val="bg2">
                               <a:lumMod val="50000"/>
@@ -34540,7 +33740,7 @@
                         <a:t> </a:t>
                       </a:r>
                       <a:r>
-                        <a:rPr lang="en-US" sz="1800" dirty="0" err="1" smtClean="0">
+                        <a:rPr lang="en-US" sz="1800" dirty="0" err="1">
                           <a:solidFill>
                             <a:schemeClr val="bg2">
                               <a:lumMod val="50000"/>
@@ -34554,7 +33754,7 @@
                         <a:t>xâu</a:t>
                       </a:r>
                       <a:r>
-                        <a:rPr lang="en-US" sz="1800" dirty="0" smtClean="0">
+                        <a:rPr lang="en-US" sz="1800" dirty="0">
                           <a:solidFill>
                             <a:schemeClr val="bg2">
                               <a:lumMod val="50000"/>
@@ -34599,6 +33799,11 @@
                   </a:txBody>
                   <a:tcPr marL="76200" marR="76200" marT="76200" marB="76200" anchor="ctr"/>
                 </a:tc>
+                <a:extLst>
+                  <a:ext uri="{0D108BD9-81ED-4DB2-BD59-A6C34878D82A}">
+                    <a16:rowId xmlns:a16="http://schemas.microsoft.com/office/drawing/2014/main" val="10006"/>
+                  </a:ext>
+                </a:extLst>
               </a:tr>
             </a:tbl>
           </a:graphicData>
@@ -34614,13 +33819,6 @@
   <p:clrMapOvr>
     <a:masterClrMapping/>
   </p:clrMapOvr>
-  <p:timing>
-    <p:tnLst>
-      <p:par>
-        <p:cTn id="1" dur="indefinite" restart="never" nodeType="tmRoot"/>
-      </p:par>
-    </p:tnLst>
-  </p:timing>
 </p:sld>
 </file>
 
@@ -34654,7 +33852,7 @@
         <p:spPr>
           <a:extLst>
             <a:ext uri="{FAA26D3D-D897-4be2-8F04-BA451C77F1D7}">
-              <ma14:placeholderFlag xmlns:ma14="http://schemas.microsoft.com/office/mac/drawingml/2011/main" xmlns="" val="1"/>
+              <ma14:placeholderFlag xmlns="" xmlns:ma14="http://schemas.microsoft.com/office/mac/drawingml/2011/main" val="1"/>
             </a:ext>
           </a:extLst>
         </p:spPr>
@@ -34665,12 +33863,8 @@
           <a:lstStyle/>
           <a:p>
             <a:r>
-              <a:rPr lang="vi-VN" altLang="en-US" sz="2700" dirty="0" smtClean="0"/>
-              <a:t>LỚP </a:t>
-            </a:r>
-            <a:r>
-              <a:rPr lang="vi-VN" altLang="en-US" sz="2700" dirty="0" smtClean="0"/>
-              <a:t>STRING</a:t>
+              <a:rPr lang="vi-VN" altLang="en-US" sz="2700" dirty="0"/>
+              <a:t>LỚP STRING</a:t>
             </a:r>
             <a:endParaRPr lang="en-US" altLang="en-US" sz="2700" dirty="0"/>
           </a:p>
@@ -34701,8 +33895,20 @@
                 <a:tableStyleId>{0660B408-B3CF-4A94-85FC-2B1E0A45F4A2}</a:tableStyleId>
               </a:tblPr>
               <a:tblGrid>
-                <a:gridCol w="3531897"/>
-                <a:gridCol w="5286046"/>
+                <a:gridCol w="3531897">
+                  <a:extLst>
+                    <a:ext uri="{9D8B030D-6E8A-4147-A177-3AD203B41FA5}">
+                      <a16:colId xmlns:a16="http://schemas.microsoft.com/office/drawing/2014/main" val="20000"/>
+                    </a:ext>
+                  </a:extLst>
+                </a:gridCol>
+                <a:gridCol w="5286046">
+                  <a:extLst>
+                    <a:ext uri="{9D8B030D-6E8A-4147-A177-3AD203B41FA5}">
+                      <a16:colId xmlns:a16="http://schemas.microsoft.com/office/drawing/2014/main" val="20001"/>
+                    </a:ext>
+                  </a:extLst>
+                </a:gridCol>
               </a:tblGrid>
               <a:tr h="459239">
                 <a:tc>
@@ -34781,6 +33987,11 @@
                   </a:txBody>
                   <a:tcPr marL="114300" marR="114300" marT="114300" marB="114300" anchor="ctr"/>
                 </a:tc>
+                <a:extLst>
+                  <a:ext uri="{0D108BD9-81ED-4DB2-BD59-A6C34878D82A}">
+                    <a16:rowId xmlns:a16="http://schemas.microsoft.com/office/drawing/2014/main" val="10000"/>
+                  </a:ext>
+                </a:extLst>
               </a:tr>
               <a:tr h="434538">
                 <a:tc>
@@ -35472,6 +34683,11 @@
                   </a:txBody>
                   <a:tcPr marL="76200" marR="76200" marT="76200" marB="76200" anchor="ctr"/>
                 </a:tc>
+                <a:extLst>
+                  <a:ext uri="{0D108BD9-81ED-4DB2-BD59-A6C34878D82A}">
+                    <a16:rowId xmlns:a16="http://schemas.microsoft.com/office/drawing/2014/main" val="10001"/>
+                  </a:ext>
+                </a:extLst>
               </a:tr>
               <a:tr h="434538">
                 <a:tc>
@@ -35592,6 +34808,11 @@
                   </a:txBody>
                   <a:tcPr marL="76200" marR="76200" marT="76200" marB="76200" anchor="ctr"/>
                 </a:tc>
+                <a:extLst>
+                  <a:ext uri="{0D108BD9-81ED-4DB2-BD59-A6C34878D82A}">
+                    <a16:rowId xmlns:a16="http://schemas.microsoft.com/office/drawing/2014/main" val="10002"/>
+                  </a:ext>
+                </a:extLst>
               </a:tr>
               <a:tr h="512960">
                 <a:tc>
@@ -35695,7 +34916,7 @@
                         </a:spcAft>
                       </a:pPr>
                       <a:r>
-                        <a:rPr lang="en-US" sz="1400" dirty="0" smtClean="0">
+                        <a:rPr lang="en-US" sz="1400" dirty="0">
                           <a:solidFill>
                             <a:schemeClr val="bg2">
                               <a:lumMod val="50000"/>
@@ -35880,6 +35101,11 @@
                   </a:txBody>
                   <a:tcPr marL="76200" marR="76200" marT="76200" marB="76200" anchor="ctr"/>
                 </a:tc>
+                <a:extLst>
+                  <a:ext uri="{0D108BD9-81ED-4DB2-BD59-A6C34878D82A}">
+                    <a16:rowId xmlns:a16="http://schemas.microsoft.com/office/drawing/2014/main" val="10003"/>
+                  </a:ext>
+                </a:extLst>
               </a:tr>
               <a:tr h="522513">
                 <a:tc>
@@ -36378,6 +35604,11 @@
                   </a:txBody>
                   <a:tcPr marL="76200" marR="76200" marT="76200" marB="76200" anchor="ctr"/>
                 </a:tc>
+                <a:extLst>
+                  <a:ext uri="{0D108BD9-81ED-4DB2-BD59-A6C34878D82A}">
+                    <a16:rowId xmlns:a16="http://schemas.microsoft.com/office/drawing/2014/main" val="10004"/>
+                  </a:ext>
+                </a:extLst>
               </a:tr>
               <a:tr h="512960">
                 <a:tc>
@@ -36624,6 +35855,11 @@
                   </a:txBody>
                   <a:tcPr marL="76200" marR="76200" marT="76200" marB="76200" anchor="ctr"/>
                 </a:tc>
+                <a:extLst>
+                  <a:ext uri="{0D108BD9-81ED-4DB2-BD59-A6C34878D82A}">
+                    <a16:rowId xmlns:a16="http://schemas.microsoft.com/office/drawing/2014/main" val="10005"/>
+                  </a:ext>
+                </a:extLst>
               </a:tr>
               <a:tr h="707873">
                 <a:tc>
@@ -37122,6 +36358,11 @@
                   </a:txBody>
                   <a:tcPr marL="76200" marR="76200" marT="76200" marB="76200" anchor="ctr"/>
                 </a:tc>
+                <a:extLst>
+                  <a:ext uri="{0D108BD9-81ED-4DB2-BD59-A6C34878D82A}">
+                    <a16:rowId xmlns:a16="http://schemas.microsoft.com/office/drawing/2014/main" val="10006"/>
+                  </a:ext>
+                </a:extLst>
               </a:tr>
             </a:tbl>
           </a:graphicData>
@@ -37137,13 +36378,6 @@
   <p:clrMapOvr>
     <a:masterClrMapping/>
   </p:clrMapOvr>
-  <p:timing>
-    <p:tnLst>
-      <p:par>
-        <p:cTn id="1" dur="indefinite" restart="never" nodeType="tmRoot"/>
-      </p:par>
-    </p:tnLst>
-  </p:timing>
 </p:sld>
 </file>
 
@@ -37177,7 +36411,7 @@
         <p:spPr>
           <a:extLst>
             <a:ext uri="{FAA26D3D-D897-4be2-8F04-BA451C77F1D7}">
-              <ma14:placeholderFlag xmlns:ma14="http://schemas.microsoft.com/office/mac/drawingml/2011/main" xmlns="" val="1"/>
+              <ma14:placeholderFlag xmlns="" xmlns:ma14="http://schemas.microsoft.com/office/mac/drawingml/2011/main" val="1"/>
             </a:ext>
           </a:extLst>
         </p:spPr>
@@ -37188,12 +36422,8 @@
           <a:lstStyle/>
           <a:p>
             <a:r>
-              <a:rPr lang="vi-VN" altLang="en-US" sz="2700" dirty="0" smtClean="0"/>
-              <a:t>LỚP </a:t>
-            </a:r>
-            <a:r>
-              <a:rPr lang="vi-VN" altLang="en-US" sz="2700" dirty="0" smtClean="0"/>
-              <a:t>STRING</a:t>
+              <a:rPr lang="vi-VN" altLang="en-US" sz="2700" dirty="0"/>
+              <a:t>LỚP STRING</a:t>
             </a:r>
             <a:endParaRPr lang="en-US" altLang="en-US" sz="2700" dirty="0"/>
           </a:p>
@@ -37224,8 +36454,20 @@
                 <a:tableStyleId>{0660B408-B3CF-4A94-85FC-2B1E0A45F4A2}</a:tableStyleId>
               </a:tblPr>
               <a:tblGrid>
-                <a:gridCol w="3531897"/>
-                <a:gridCol w="5286046"/>
+                <a:gridCol w="3531897">
+                  <a:extLst>
+                    <a:ext uri="{9D8B030D-6E8A-4147-A177-3AD203B41FA5}">
+                      <a16:colId xmlns:a16="http://schemas.microsoft.com/office/drawing/2014/main" val="20000"/>
+                    </a:ext>
+                  </a:extLst>
+                </a:gridCol>
+                <a:gridCol w="5286046">
+                  <a:extLst>
+                    <a:ext uri="{9D8B030D-6E8A-4147-A177-3AD203B41FA5}">
+                      <a16:colId xmlns:a16="http://schemas.microsoft.com/office/drawing/2014/main" val="20001"/>
+                    </a:ext>
+                  </a:extLst>
+                </a:gridCol>
               </a:tblGrid>
               <a:tr h="459239">
                 <a:tc>
@@ -37304,6 +36546,11 @@
                   </a:txBody>
                   <a:tcPr marL="114300" marR="114300" marT="114300" marB="114300"/>
                 </a:tc>
+                <a:extLst>
+                  <a:ext uri="{0D108BD9-81ED-4DB2-BD59-A6C34878D82A}">
+                    <a16:rowId xmlns:a16="http://schemas.microsoft.com/office/drawing/2014/main" val="10000"/>
+                  </a:ext>
+                </a:extLst>
               </a:tr>
               <a:tr h="434538">
                 <a:tc>
@@ -37410,6 +36657,11 @@
                   </a:txBody>
                   <a:tcPr marL="76200" marR="76200" marT="76200" marB="76200" anchor="ctr"/>
                 </a:tc>
+                <a:extLst>
+                  <a:ext uri="{0D108BD9-81ED-4DB2-BD59-A6C34878D82A}">
+                    <a16:rowId xmlns:a16="http://schemas.microsoft.com/office/drawing/2014/main" val="10001"/>
+                  </a:ext>
+                </a:extLst>
               </a:tr>
               <a:tr h="434538">
                 <a:tc>
@@ -37516,6 +36768,11 @@
                   </a:txBody>
                   <a:tcPr marL="76200" marR="76200" marT="76200" marB="76200" anchor="ctr"/>
                 </a:tc>
+                <a:extLst>
+                  <a:ext uri="{0D108BD9-81ED-4DB2-BD59-A6C34878D82A}">
+                    <a16:rowId xmlns:a16="http://schemas.microsoft.com/office/drawing/2014/main" val="10002"/>
+                  </a:ext>
+                </a:extLst>
               </a:tr>
               <a:tr h="512960">
                 <a:tc>
@@ -37832,6 +37089,11 @@
                   </a:txBody>
                   <a:tcPr marL="76200" marR="76200" marT="76200" marB="76200" anchor="ctr"/>
                 </a:tc>
+                <a:extLst>
+                  <a:ext uri="{0D108BD9-81ED-4DB2-BD59-A6C34878D82A}">
+                    <a16:rowId xmlns:a16="http://schemas.microsoft.com/office/drawing/2014/main" val="10003"/>
+                  </a:ext>
+                </a:extLst>
               </a:tr>
               <a:tr h="522513">
                 <a:tc>
@@ -38456,6 +37718,11 @@
                   </a:txBody>
                   <a:tcPr marL="76200" marR="76200" marT="76200" marB="76200" anchor="ctr"/>
                 </a:tc>
+                <a:extLst>
+                  <a:ext uri="{0D108BD9-81ED-4DB2-BD59-A6C34878D82A}">
+                    <a16:rowId xmlns:a16="http://schemas.microsoft.com/office/drawing/2014/main" val="10004"/>
+                  </a:ext>
+                </a:extLst>
               </a:tr>
               <a:tr h="512960">
                 <a:tc>
@@ -38962,6 +38229,11 @@
                   </a:txBody>
                   <a:tcPr marL="76200" marR="76200" marT="76200" marB="76200" anchor="ctr"/>
                 </a:tc>
+                <a:extLst>
+                  <a:ext uri="{0D108BD9-81ED-4DB2-BD59-A6C34878D82A}">
+                    <a16:rowId xmlns:a16="http://schemas.microsoft.com/office/drawing/2014/main" val="10005"/>
+                  </a:ext>
+                </a:extLst>
               </a:tr>
               <a:tr h="707873">
                 <a:tc>
@@ -39370,6 +38642,11 @@
                   </a:txBody>
                   <a:tcPr marL="76200" marR="76200" marT="76200" marB="76200" anchor="ctr"/>
                 </a:tc>
+                <a:extLst>
+                  <a:ext uri="{0D108BD9-81ED-4DB2-BD59-A6C34878D82A}">
+                    <a16:rowId xmlns:a16="http://schemas.microsoft.com/office/drawing/2014/main" val="10006"/>
+                  </a:ext>
+                </a:extLst>
               </a:tr>
             </a:tbl>
           </a:graphicData>
@@ -39385,13 +38662,6 @@
   <p:clrMapOvr>
     <a:masterClrMapping/>
   </p:clrMapOvr>
-  <p:timing>
-    <p:tnLst>
-      <p:par>
-        <p:cTn id="1" dur="indefinite" restart="never" nodeType="tmRoot"/>
-      </p:par>
-    </p:tnLst>
-  </p:timing>
 </p:sld>
 </file>
 
@@ -39425,7 +38695,7 @@
         <p:spPr>
           <a:extLst>
             <a:ext uri="{FAA26D3D-D897-4be2-8F04-BA451C77F1D7}">
-              <ma14:placeholderFlag xmlns:ma14="http://schemas.microsoft.com/office/mac/drawingml/2011/main" xmlns="" val="1"/>
+              <ma14:placeholderFlag xmlns="" xmlns:ma14="http://schemas.microsoft.com/office/mac/drawingml/2011/main" val="1"/>
             </a:ext>
           </a:extLst>
         </p:spPr>
@@ -39436,12 +38706,8 @@
           <a:lstStyle/>
           <a:p>
             <a:r>
-              <a:rPr lang="vi-VN" altLang="en-US" sz="2700" dirty="0" smtClean="0"/>
-              <a:t>LỚP </a:t>
-            </a:r>
-            <a:r>
-              <a:rPr lang="vi-VN" altLang="en-US" sz="2700" dirty="0" smtClean="0"/>
-              <a:t>STRING</a:t>
+              <a:rPr lang="vi-VN" altLang="en-US" sz="2700" dirty="0"/>
+              <a:t>LỚP STRING</a:t>
             </a:r>
             <a:endParaRPr lang="en-US" altLang="en-US" sz="2700" dirty="0"/>
           </a:p>
@@ -39499,10 +38765,9 @@
           <a:lstStyle/>
           <a:p>
             <a:r>
-              <a:rPr lang="en-US" sz="2000" b="1" dirty="0" smtClean="0"/>
+              <a:rPr lang="en-US" sz="2000" b="1" dirty="0"/>
               <a:t>OUTPUT:  ?</a:t>
             </a:r>
-            <a:endParaRPr lang="en-US" sz="2000" b="1" dirty="0"/>
           </a:p>
         </p:txBody>
       </p:sp>
@@ -39516,13 +38781,6 @@
   <p:clrMapOvr>
     <a:masterClrMapping/>
   </p:clrMapOvr>
-  <p:timing>
-    <p:tnLst>
-      <p:par>
-        <p:cTn id="1" dur="indefinite" restart="never" nodeType="tmRoot"/>
-      </p:par>
-    </p:tnLst>
-  </p:timing>
 </p:sld>
 </file>
 
@@ -39556,7 +38814,7 @@
         <p:spPr>
           <a:extLst>
             <a:ext uri="{FAA26D3D-D897-4be2-8F04-BA451C77F1D7}">
-              <ma14:placeholderFlag xmlns:ma14="http://schemas.microsoft.com/office/mac/drawingml/2011/main" xmlns="" val="1"/>
+              <ma14:placeholderFlag xmlns="" xmlns:ma14="http://schemas.microsoft.com/office/mac/drawingml/2011/main" val="1"/>
             </a:ext>
           </a:extLst>
         </p:spPr>
@@ -39567,12 +38825,8 @@
           <a:lstStyle/>
           <a:p>
             <a:r>
-              <a:rPr lang="vi-VN" altLang="en-US" sz="2700" dirty="0" smtClean="0"/>
-              <a:t>LỚP </a:t>
-            </a:r>
-            <a:r>
-              <a:rPr lang="vi-VN" altLang="en-US" sz="2700" dirty="0" smtClean="0"/>
-              <a:t>DATE</a:t>
+              <a:rPr lang="vi-VN" altLang="en-US" sz="2700" dirty="0"/>
+              <a:t>LỚP DATE</a:t>
             </a:r>
             <a:endParaRPr lang="en-US" altLang="en-US" sz="2700" dirty="0"/>
           </a:p>
@@ -39831,11 +39085,6 @@
               </a:rPr>
               <a:t>. </a:t>
             </a:r>
-            <a:endParaRPr lang="en-US" sz="1800" dirty="0" smtClean="0">
-              <a:latin typeface="Calibri" panose="020F0502020204030204" pitchFamily="34" charset="0"/>
-              <a:ea typeface="Calibri" panose="020F0502020204030204" pitchFamily="34" charset="0"/>
-              <a:cs typeface="Times New Roman" panose="02020603050405020304" pitchFamily="18" charset="0"/>
-            </a:endParaRPr>
           </a:p>
           <a:p>
             <a:pPr algn="just">
@@ -39847,7 +39096,7 @@
               </a:spcAft>
             </a:pPr>
             <a:r>
-              <a:rPr lang="en-US" sz="1800" dirty="0" err="1" smtClean="0">
+              <a:rPr lang="en-US" sz="1800" dirty="0" err="1">
                 <a:latin typeface="Calibri" panose="020F0502020204030204" pitchFamily="34" charset="0"/>
                 <a:ea typeface="Calibri" panose="020F0502020204030204" pitchFamily="34" charset="0"/>
                 <a:cs typeface="Times New Roman" panose="02020603050405020304" pitchFamily="18" charset="0"/>
@@ -39855,20 +39104,12 @@
               <a:t>Lớp</a:t>
             </a:r>
             <a:r>
-              <a:rPr lang="en-US" sz="1800" dirty="0" smtClean="0">
-                <a:latin typeface="Calibri" panose="020F0502020204030204" pitchFamily="34" charset="0"/>
-                <a:ea typeface="Calibri" panose="020F0502020204030204" pitchFamily="34" charset="0"/>
-                <a:cs typeface="Times New Roman" panose="02020603050405020304" pitchFamily="18" charset="0"/>
-              </a:rPr>
-              <a:t> </a:t>
-            </a:r>
-            <a:r>
-              <a:rPr lang="en-US" sz="1800" dirty="0">
-                <a:latin typeface="Calibri" panose="020F0502020204030204" pitchFamily="34" charset="0"/>
-                <a:ea typeface="Calibri" panose="020F0502020204030204" pitchFamily="34" charset="0"/>
-                <a:cs typeface="Times New Roman" panose="02020603050405020304" pitchFamily="18" charset="0"/>
-              </a:rPr>
-              <a:t>Date </a:t>
+              <a:rPr lang="en-US" sz="1800" dirty="0">
+                <a:latin typeface="Calibri" panose="020F0502020204030204" pitchFamily="34" charset="0"/>
+                <a:ea typeface="Calibri" panose="020F0502020204030204" pitchFamily="34" charset="0"/>
+                <a:cs typeface="Times New Roman" panose="02020603050405020304" pitchFamily="18" charset="0"/>
+              </a:rPr>
+              <a:t> Date </a:t>
             </a:r>
             <a:r>
               <a:rPr lang="en-US" sz="1800" dirty="0" err="1">
@@ -40015,7 +39256,7 @@
               <a:t> </a:t>
             </a:r>
             <a:r>
-              <a:rPr lang="en-US" sz="1800" dirty="0" err="1" smtClean="0">
+              <a:rPr lang="en-US" sz="1800" dirty="0" err="1">
                 <a:latin typeface="Calibri" panose="020F0502020204030204" pitchFamily="34" charset="0"/>
                 <a:ea typeface="Calibri" panose="020F0502020204030204" pitchFamily="34" charset="0"/>
                 <a:cs typeface="Times New Roman" panose="02020603050405020304" pitchFamily="18" charset="0"/>
@@ -40023,26 +39264,13 @@
               <a:t>và</a:t>
             </a:r>
             <a:r>
-              <a:rPr lang="en-US" sz="1800" dirty="0" smtClean="0">
-                <a:latin typeface="Calibri" panose="020F0502020204030204" pitchFamily="34" charset="0"/>
-                <a:ea typeface="Calibri" panose="020F0502020204030204" pitchFamily="34" charset="0"/>
-                <a:cs typeface="Times New Roman" panose="02020603050405020304" pitchFamily="18" charset="0"/>
-              </a:rPr>
-              <a:t> Comparable</a:t>
-            </a:r>
-            <a:r>
-              <a:rPr lang="en-US" sz="1800" dirty="0">
-                <a:latin typeface="Calibri" panose="020F0502020204030204" pitchFamily="34" charset="0"/>
-                <a:ea typeface="Calibri" panose="020F0502020204030204" pitchFamily="34" charset="0"/>
-                <a:cs typeface="Times New Roman" panose="02020603050405020304" pitchFamily="18" charset="0"/>
-              </a:rPr>
-              <a:t>. </a:t>
-            </a:r>
-            <a:endParaRPr lang="en-US" sz="1800" dirty="0" smtClean="0">
-              <a:latin typeface="Calibri" panose="020F0502020204030204" pitchFamily="34" charset="0"/>
-              <a:ea typeface="Calibri" panose="020F0502020204030204" pitchFamily="34" charset="0"/>
-              <a:cs typeface="Times New Roman" panose="02020603050405020304" pitchFamily="18" charset="0"/>
-            </a:endParaRPr>
+              <a:rPr lang="en-US" sz="1800" dirty="0">
+                <a:latin typeface="Calibri" panose="020F0502020204030204" pitchFamily="34" charset="0"/>
+                <a:ea typeface="Calibri" panose="020F0502020204030204" pitchFamily="34" charset="0"/>
+                <a:cs typeface="Times New Roman" panose="02020603050405020304" pitchFamily="18" charset="0"/>
+              </a:rPr>
+              <a:t> Comparable. </a:t>
+            </a:r>
           </a:p>
           <a:p>
             <a:pPr algn="just">
@@ -40054,7 +39282,7 @@
               </a:spcAft>
             </a:pPr>
             <a:r>
-              <a:rPr lang="en-US" sz="1800" dirty="0" err="1" smtClean="0">
+              <a:rPr lang="en-US" sz="1800" dirty="0" err="1">
                 <a:latin typeface="Calibri" panose="020F0502020204030204" pitchFamily="34" charset="0"/>
                 <a:ea typeface="Calibri" panose="020F0502020204030204" pitchFamily="34" charset="0"/>
                 <a:cs typeface="Times New Roman" panose="02020603050405020304" pitchFamily="18" charset="0"/>
@@ -40062,20 +39290,12 @@
               <a:t>Lớp</a:t>
             </a:r>
             <a:r>
-              <a:rPr lang="en-US" sz="1800" dirty="0" smtClean="0">
-                <a:latin typeface="Calibri" panose="020F0502020204030204" pitchFamily="34" charset="0"/>
-                <a:ea typeface="Calibri" panose="020F0502020204030204" pitchFamily="34" charset="0"/>
-                <a:cs typeface="Times New Roman" panose="02020603050405020304" pitchFamily="18" charset="0"/>
-              </a:rPr>
-              <a:t> </a:t>
-            </a:r>
-            <a:r>
-              <a:rPr lang="en-US" sz="1800" dirty="0">
-                <a:latin typeface="Calibri" panose="020F0502020204030204" pitchFamily="34" charset="0"/>
-                <a:ea typeface="Calibri" panose="020F0502020204030204" pitchFamily="34" charset="0"/>
-                <a:cs typeface="Times New Roman" panose="02020603050405020304" pitchFamily="18" charset="0"/>
-              </a:rPr>
-              <a:t>Date </a:t>
+              <a:rPr lang="en-US" sz="1800" dirty="0">
+                <a:latin typeface="Calibri" panose="020F0502020204030204" pitchFamily="34" charset="0"/>
+                <a:ea typeface="Calibri" panose="020F0502020204030204" pitchFamily="34" charset="0"/>
+                <a:cs typeface="Times New Roman" panose="02020603050405020304" pitchFamily="18" charset="0"/>
+              </a:rPr>
+              <a:t> Date </a:t>
             </a:r>
             <a:r>
               <a:rPr lang="en-US" sz="1800" dirty="0" err="1">
@@ -40320,13 +39540,6 @@
   <p:clrMapOvr>
     <a:masterClrMapping/>
   </p:clrMapOvr>
-  <p:timing>
-    <p:tnLst>
-      <p:par>
-        <p:cTn id="1" dur="indefinite" restart="never" nodeType="tmRoot"/>
-      </p:par>
-    </p:tnLst>
-  </p:timing>
 </p:sld>
 </file>
 
@@ -40360,7 +39573,7 @@
         <p:spPr>
           <a:extLst>
             <a:ext uri="{FAA26D3D-D897-4be2-8F04-BA451C77F1D7}">
-              <ma14:placeholderFlag xmlns:ma14="http://schemas.microsoft.com/office/mac/drawingml/2011/main" xmlns="" val="1"/>
+              <ma14:placeholderFlag xmlns="" xmlns:ma14="http://schemas.microsoft.com/office/mac/drawingml/2011/main" val="1"/>
             </a:ext>
           </a:extLst>
         </p:spPr>
@@ -40371,12 +39584,8 @@
           <a:lstStyle/>
           <a:p>
             <a:r>
-              <a:rPr lang="vi-VN" altLang="en-US" sz="2700" dirty="0" smtClean="0"/>
-              <a:t>LỚP </a:t>
-            </a:r>
-            <a:r>
-              <a:rPr lang="vi-VN" altLang="en-US" sz="2700" dirty="0" smtClean="0"/>
-              <a:t>DATE</a:t>
+              <a:rPr lang="vi-VN" altLang="en-US" sz="2700" dirty="0"/>
+              <a:t>LỚP DATE</a:t>
             </a:r>
             <a:endParaRPr lang="en-US" altLang="en-US" sz="2700" dirty="0"/>
           </a:p>
@@ -40407,8 +39616,20 @@
                 <a:tableStyleId>{0660B408-B3CF-4A94-85FC-2B1E0A45F4A2}</a:tableStyleId>
               </a:tblPr>
               <a:tblGrid>
-                <a:gridCol w="3531897"/>
-                <a:gridCol w="5286046"/>
+                <a:gridCol w="3531897">
+                  <a:extLst>
+                    <a:ext uri="{9D8B030D-6E8A-4147-A177-3AD203B41FA5}">
+                      <a16:colId xmlns:a16="http://schemas.microsoft.com/office/drawing/2014/main" val="20000"/>
+                    </a:ext>
+                  </a:extLst>
+                </a:gridCol>
+                <a:gridCol w="5286046">
+                  <a:extLst>
+                    <a:ext uri="{9D8B030D-6E8A-4147-A177-3AD203B41FA5}">
+                      <a16:colId xmlns:a16="http://schemas.microsoft.com/office/drawing/2014/main" val="20001"/>
+                    </a:ext>
+                  </a:extLst>
+                </a:gridCol>
               </a:tblGrid>
               <a:tr h="459239">
                 <a:tc>
@@ -40487,6 +39708,11 @@
                   </a:txBody>
                   <a:tcPr marL="114300" marR="114300" marT="114300" marB="114300"/>
                 </a:tc>
+                <a:extLst>
+                  <a:ext uri="{0D108BD9-81ED-4DB2-BD59-A6C34878D82A}">
+                    <a16:rowId xmlns:a16="http://schemas.microsoft.com/office/drawing/2014/main" val="10000"/>
+                  </a:ext>
+                </a:extLst>
               </a:tr>
               <a:tr h="434538">
                 <a:tc>
@@ -40559,6 +39785,11 @@
                   </a:txBody>
                   <a:tcPr marL="68580" marR="68580" marT="0" marB="0" anchor="ctr"/>
                 </a:tc>
+                <a:extLst>
+                  <a:ext uri="{0D108BD9-81ED-4DB2-BD59-A6C34878D82A}">
+                    <a16:rowId xmlns:a16="http://schemas.microsoft.com/office/drawing/2014/main" val="10001"/>
+                  </a:ext>
+                </a:extLst>
               </a:tr>
               <a:tr h="434538">
                 <a:tc>
@@ -40631,6 +39862,11 @@
                   </a:txBody>
                   <a:tcPr marL="68580" marR="68580" marT="0" marB="0" anchor="ctr"/>
                 </a:tc>
+                <a:extLst>
+                  <a:ext uri="{0D108BD9-81ED-4DB2-BD59-A6C34878D82A}">
+                    <a16:rowId xmlns:a16="http://schemas.microsoft.com/office/drawing/2014/main" val="10002"/>
+                  </a:ext>
+                </a:extLst>
               </a:tr>
               <a:tr h="512960">
                 <a:tc>
@@ -40703,6 +39939,11 @@
                   </a:txBody>
                   <a:tcPr marL="68580" marR="68580" marT="0" marB="0" anchor="ctr"/>
                 </a:tc>
+                <a:extLst>
+                  <a:ext uri="{0D108BD9-81ED-4DB2-BD59-A6C34878D82A}">
+                    <a16:rowId xmlns:a16="http://schemas.microsoft.com/office/drawing/2014/main" val="10003"/>
+                  </a:ext>
+                </a:extLst>
               </a:tr>
               <a:tr h="522513">
                 <a:tc>
@@ -40775,6 +40016,11 @@
                   </a:txBody>
                   <a:tcPr marL="68580" marR="68580" marT="0" marB="0" anchor="ctr"/>
                 </a:tc>
+                <a:extLst>
+                  <a:ext uri="{0D108BD9-81ED-4DB2-BD59-A6C34878D82A}">
+                    <a16:rowId xmlns:a16="http://schemas.microsoft.com/office/drawing/2014/main" val="10004"/>
+                  </a:ext>
+                </a:extLst>
               </a:tr>
               <a:tr h="512960">
                 <a:tc>
@@ -40847,6 +40093,11 @@
                   </a:txBody>
                   <a:tcPr marL="68580" marR="68580" marT="0" marB="0" anchor="ctr"/>
                 </a:tc>
+                <a:extLst>
+                  <a:ext uri="{0D108BD9-81ED-4DB2-BD59-A6C34878D82A}">
+                    <a16:rowId xmlns:a16="http://schemas.microsoft.com/office/drawing/2014/main" val="10005"/>
+                  </a:ext>
+                </a:extLst>
               </a:tr>
               <a:tr h="707873">
                 <a:tc>
@@ -41087,6 +40338,11 @@
                   </a:txBody>
                   <a:tcPr marL="68580" marR="68580" marT="0" marB="0" anchor="ctr"/>
                 </a:tc>
+                <a:extLst>
+                  <a:ext uri="{0D108BD9-81ED-4DB2-BD59-A6C34878D82A}">
+                    <a16:rowId xmlns:a16="http://schemas.microsoft.com/office/drawing/2014/main" val="10006"/>
+                  </a:ext>
+                </a:extLst>
               </a:tr>
             </a:tbl>
           </a:graphicData>
@@ -41102,13 +40358,6 @@
   <p:clrMapOvr>
     <a:masterClrMapping/>
   </p:clrMapOvr>
-  <p:timing>
-    <p:tnLst>
-      <p:par>
-        <p:cTn id="1" dur="indefinite" restart="never" nodeType="tmRoot"/>
-      </p:par>
-    </p:tnLst>
-  </p:timing>
 </p:sld>
 </file>
 
@@ -41142,7 +40391,7 @@
         <p:spPr>
           <a:extLst>
             <a:ext uri="{FAA26D3D-D897-4be2-8F04-BA451C77F1D7}">
-              <ma14:placeholderFlag xmlns:ma14="http://schemas.microsoft.com/office/mac/drawingml/2011/main" xmlns="" val="1"/>
+              <ma14:placeholderFlag xmlns="" xmlns:ma14="http://schemas.microsoft.com/office/mac/drawingml/2011/main" val="1"/>
             </a:ext>
           </a:extLst>
         </p:spPr>
@@ -41153,12 +40402,8 @@
           <a:lstStyle/>
           <a:p>
             <a:r>
-              <a:rPr lang="vi-VN" altLang="en-US" sz="2700" dirty="0" smtClean="0"/>
-              <a:t>LỚP </a:t>
-            </a:r>
-            <a:r>
-              <a:rPr lang="vi-VN" altLang="en-US" sz="2700" dirty="0" smtClean="0"/>
-              <a:t>DATE</a:t>
+              <a:rPr lang="vi-VN" altLang="en-US" sz="2700" dirty="0"/>
+              <a:t>LỚP DATE</a:t>
             </a:r>
             <a:endParaRPr lang="en-US" altLang="en-US" sz="2700" dirty="0"/>
           </a:p>
@@ -41216,10 +40461,9 @@
           <a:lstStyle/>
           <a:p>
             <a:r>
-              <a:rPr lang="en-US" sz="2000" b="1" dirty="0" smtClean="0"/>
+              <a:rPr lang="en-US" sz="2000" b="1" dirty="0"/>
               <a:t>OUTPUT:  ?</a:t>
             </a:r>
-            <a:endParaRPr lang="en-US" sz="2000" b="1" dirty="0"/>
           </a:p>
         </p:txBody>
       </p:sp>
@@ -41233,13 +40477,6 @@
   <p:clrMapOvr>
     <a:masterClrMapping/>
   </p:clrMapOvr>
-  <p:timing>
-    <p:tnLst>
-      <p:par>
-        <p:cTn id="1" dur="indefinite" restart="never" nodeType="tmRoot"/>
-      </p:par>
-    </p:tnLst>
-  </p:timing>
 </p:sld>
 </file>
 
@@ -41273,7 +40510,7 @@
         <p:spPr>
           <a:extLst>
             <a:ext uri="{FAA26D3D-D897-4be2-8F04-BA451C77F1D7}">
-              <ma14:placeholderFlag xmlns:ma14="http://schemas.microsoft.com/office/mac/drawingml/2011/main" xmlns="" val="1"/>
+              <ma14:placeholderFlag xmlns="" xmlns:ma14="http://schemas.microsoft.com/office/mac/drawingml/2011/main" val="1"/>
             </a:ext>
           </a:extLst>
         </p:spPr>
@@ -41284,19 +40521,19 @@
           <a:lstStyle/>
           <a:p>
             <a:r>
-              <a:rPr lang="en-US" altLang="en-US" sz="2700" dirty="0" smtClean="0"/>
+              <a:rPr lang="en-US" altLang="en-US" sz="2700" dirty="0"/>
               <a:t>MẢNG </a:t>
             </a:r>
             <a:r>
-              <a:rPr lang="en-US" altLang="en-US" sz="2700" dirty="0" err="1" smtClean="0"/>
+              <a:rPr lang="en-US" altLang="en-US" sz="2700" dirty="0" err="1"/>
               <a:t>MỘT</a:t>
             </a:r>
             <a:r>
-              <a:rPr lang="en-US" altLang="en-US" sz="2700" dirty="0" smtClean="0"/>
-              <a:t> </a:t>
-            </a:r>
-            <a:r>
-              <a:rPr lang="en-US" altLang="en-US" sz="2700" dirty="0" err="1" smtClean="0"/>
+              <a:rPr lang="en-US" altLang="en-US" sz="2700" dirty="0"/>
+              <a:t> </a:t>
+            </a:r>
+            <a:r>
+              <a:rPr lang="en-US" altLang="en-US" sz="2700" dirty="0" err="1"/>
               <a:t>CHIỀU</a:t>
             </a:r>
             <a:endParaRPr lang="en-US" altLang="en-US" sz="2700" dirty="0"/>
@@ -41353,7 +40590,7 @@
               </a:tabLst>
             </a:pPr>
             <a:r>
-              <a:rPr lang="en-US" sz="1800" dirty="0" err="1" smtClean="0">
+              <a:rPr lang="en-US" sz="1800" dirty="0" err="1">
                 <a:solidFill>
                   <a:srgbClr val="333333"/>
                 </a:solidFill>
@@ -41364,7 +40601,7 @@
               <a:t>array_name</a:t>
             </a:r>
             <a:r>
-              <a:rPr lang="en-US" sz="1800" dirty="0" smtClean="0">
+              <a:rPr lang="en-US" sz="1800" dirty="0">
                 <a:solidFill>
                   <a:srgbClr val="333333"/>
                 </a:solidFill>
@@ -41472,7 +40709,7 @@
               </a:spcAft>
             </a:pPr>
             <a:r>
-              <a:rPr lang="en-US" sz="1800" dirty="0" smtClean="0">
+              <a:rPr lang="en-US" sz="1800" dirty="0">
                 <a:solidFill>
                   <a:srgbClr val="343A40"/>
                 </a:solidFill>
@@ -41480,10 +40717,10 @@
                 <a:ea typeface="Times New Roman" panose="02020603050405020304" pitchFamily="18" charset="0"/>
                 <a:cs typeface="Times New Roman" panose="02020603050405020304" pitchFamily="18" charset="0"/>
               </a:rPr>
-              <a:t>- </a:t>
-            </a:r>
-            <a:r>
-              <a:rPr lang="en-US" sz="1800" dirty="0">
+              <a:t>- index: </a:t>
+            </a:r>
+            <a:r>
+              <a:rPr lang="en-US" sz="1800" dirty="0" err="1">
                 <a:solidFill>
                   <a:srgbClr val="343A40"/>
                 </a:solidFill>
@@ -41491,10 +40728,10 @@
                 <a:ea typeface="Times New Roman" panose="02020603050405020304" pitchFamily="18" charset="0"/>
                 <a:cs typeface="Times New Roman" panose="02020603050405020304" pitchFamily="18" charset="0"/>
               </a:rPr>
-              <a:t>index: </a:t>
-            </a:r>
-            <a:r>
-              <a:rPr lang="en-US" sz="1800" dirty="0" err="1">
+              <a:t>là</a:t>
+            </a:r>
+            <a:r>
+              <a:rPr lang="en-US" sz="1800" dirty="0">
                 <a:solidFill>
                   <a:srgbClr val="343A40"/>
                 </a:solidFill>
@@ -41502,10 +40739,10 @@
                 <a:ea typeface="Times New Roman" panose="02020603050405020304" pitchFamily="18" charset="0"/>
                 <a:cs typeface="Times New Roman" panose="02020603050405020304" pitchFamily="18" charset="0"/>
               </a:rPr>
-              <a:t>là</a:t>
-            </a:r>
-            <a:r>
-              <a:rPr lang="en-US" sz="1800" dirty="0">
+              <a:t> </a:t>
+            </a:r>
+            <a:r>
+              <a:rPr lang="en-US" sz="1800" dirty="0" err="1">
                 <a:solidFill>
                   <a:srgbClr val="343A40"/>
                 </a:solidFill>
@@ -41513,10 +40750,10 @@
                 <a:ea typeface="Times New Roman" panose="02020603050405020304" pitchFamily="18" charset="0"/>
                 <a:cs typeface="Times New Roman" panose="02020603050405020304" pitchFamily="18" charset="0"/>
               </a:rPr>
-              <a:t> </a:t>
-            </a:r>
-            <a:r>
-              <a:rPr lang="en-US" sz="1800" dirty="0" err="1">
+              <a:t>chỉ</a:t>
+            </a:r>
+            <a:r>
+              <a:rPr lang="en-US" sz="1800" dirty="0">
                 <a:solidFill>
                   <a:srgbClr val="343A40"/>
                 </a:solidFill>
@@ -41524,10 +40761,10 @@
                 <a:ea typeface="Times New Roman" panose="02020603050405020304" pitchFamily="18" charset="0"/>
                 <a:cs typeface="Times New Roman" panose="02020603050405020304" pitchFamily="18" charset="0"/>
               </a:rPr>
-              <a:t>chỉ</a:t>
-            </a:r>
-            <a:r>
-              <a:rPr lang="en-US" sz="1800" dirty="0">
+              <a:t> </a:t>
+            </a:r>
+            <a:r>
+              <a:rPr lang="en-US" sz="1800" dirty="0" err="1">
                 <a:solidFill>
                   <a:srgbClr val="343A40"/>
                 </a:solidFill>
@@ -41535,10 +40772,10 @@
                 <a:ea typeface="Times New Roman" panose="02020603050405020304" pitchFamily="18" charset="0"/>
                 <a:cs typeface="Times New Roman" panose="02020603050405020304" pitchFamily="18" charset="0"/>
               </a:rPr>
-              <a:t> </a:t>
-            </a:r>
-            <a:r>
-              <a:rPr lang="en-US" sz="1800" dirty="0" err="1" smtClean="0">
+              <a:t>số</a:t>
+            </a:r>
+            <a:r>
+              <a:rPr lang="en-US" sz="1800" dirty="0">
                 <a:solidFill>
                   <a:srgbClr val="343A40"/>
                 </a:solidFill>
@@ -41546,10 +40783,10 @@
                 <a:ea typeface="Times New Roman" panose="02020603050405020304" pitchFamily="18" charset="0"/>
                 <a:cs typeface="Times New Roman" panose="02020603050405020304" pitchFamily="18" charset="0"/>
               </a:rPr>
-              <a:t>số</a:t>
-            </a:r>
-            <a:r>
-              <a:rPr lang="en-US" sz="1800" dirty="0" smtClean="0">
+              <a:t> </a:t>
+            </a:r>
+            <a:r>
+              <a:rPr lang="en-US" sz="1800" dirty="0" err="1">
                 <a:solidFill>
                   <a:srgbClr val="343A40"/>
                 </a:solidFill>
@@ -41557,10 +40794,10 @@
                 <a:ea typeface="Times New Roman" panose="02020603050405020304" pitchFamily="18" charset="0"/>
                 <a:cs typeface="Times New Roman" panose="02020603050405020304" pitchFamily="18" charset="0"/>
               </a:rPr>
-              <a:t> </a:t>
-            </a:r>
-            <a:r>
-              <a:rPr lang="en-US" sz="1800" dirty="0" err="1" smtClean="0">
+              <a:t>của</a:t>
+            </a:r>
+            <a:r>
+              <a:rPr lang="en-US" sz="1800" dirty="0">
                 <a:solidFill>
                   <a:srgbClr val="343A40"/>
                 </a:solidFill>
@@ -41568,10 +40805,10 @@
                 <a:ea typeface="Times New Roman" panose="02020603050405020304" pitchFamily="18" charset="0"/>
                 <a:cs typeface="Times New Roman" panose="02020603050405020304" pitchFamily="18" charset="0"/>
               </a:rPr>
-              <a:t>của</a:t>
-            </a:r>
-            <a:r>
-              <a:rPr lang="en-US" sz="1800" dirty="0" smtClean="0">
+              <a:t> </a:t>
+            </a:r>
+            <a:r>
+              <a:rPr lang="en-US" sz="1800" dirty="0" err="1">
                 <a:solidFill>
                   <a:srgbClr val="343A40"/>
                 </a:solidFill>
@@ -41579,10 +40816,10 @@
                 <a:ea typeface="Times New Roman" panose="02020603050405020304" pitchFamily="18" charset="0"/>
                 <a:cs typeface="Times New Roman" panose="02020603050405020304" pitchFamily="18" charset="0"/>
               </a:rPr>
-              <a:t> </a:t>
-            </a:r>
-            <a:r>
-              <a:rPr lang="en-US" sz="1800" dirty="0" err="1" smtClean="0">
+              <a:t>phần</a:t>
+            </a:r>
+            <a:r>
+              <a:rPr lang="en-US" sz="1800" dirty="0">
                 <a:solidFill>
                   <a:srgbClr val="343A40"/>
                 </a:solidFill>
@@ -41590,10 +40827,10 @@
                 <a:ea typeface="Times New Roman" panose="02020603050405020304" pitchFamily="18" charset="0"/>
                 <a:cs typeface="Times New Roman" panose="02020603050405020304" pitchFamily="18" charset="0"/>
               </a:rPr>
-              <a:t>phần</a:t>
-            </a:r>
-            <a:r>
-              <a:rPr lang="en-US" sz="1800" dirty="0" smtClean="0">
+              <a:t> </a:t>
+            </a:r>
+            <a:r>
+              <a:rPr lang="en-US" sz="1800" dirty="0" err="1">
                 <a:solidFill>
                   <a:srgbClr val="343A40"/>
                 </a:solidFill>
@@ -41601,10 +40838,10 @@
                 <a:ea typeface="Times New Roman" panose="02020603050405020304" pitchFamily="18" charset="0"/>
                 <a:cs typeface="Times New Roman" panose="02020603050405020304" pitchFamily="18" charset="0"/>
               </a:rPr>
-              <a:t> </a:t>
-            </a:r>
-            <a:r>
-              <a:rPr lang="en-US" sz="1800" dirty="0" err="1" smtClean="0">
+              <a:t>tử</a:t>
+            </a:r>
+            <a:r>
+              <a:rPr lang="en-US" sz="1800" dirty="0">
                 <a:solidFill>
                   <a:srgbClr val="343A40"/>
                 </a:solidFill>
@@ -41612,10 +40849,10 @@
                 <a:ea typeface="Times New Roman" panose="02020603050405020304" pitchFamily="18" charset="0"/>
                 <a:cs typeface="Times New Roman" panose="02020603050405020304" pitchFamily="18" charset="0"/>
               </a:rPr>
-              <a:t>tử</a:t>
-            </a:r>
-            <a:r>
-              <a:rPr lang="en-US" sz="1800" dirty="0" smtClean="0">
+              <a:t> </a:t>
+            </a:r>
+            <a:r>
+              <a:rPr lang="en-US" sz="1800" dirty="0" err="1">
                 <a:solidFill>
                   <a:srgbClr val="343A40"/>
                 </a:solidFill>
@@ -41623,10 +40860,10 @@
                 <a:ea typeface="Times New Roman" panose="02020603050405020304" pitchFamily="18" charset="0"/>
                 <a:cs typeface="Times New Roman" panose="02020603050405020304" pitchFamily="18" charset="0"/>
               </a:rPr>
-              <a:t> </a:t>
-            </a:r>
-            <a:r>
-              <a:rPr lang="en-US" sz="1800" dirty="0" err="1" smtClean="0">
+              <a:t>trong</a:t>
+            </a:r>
+            <a:r>
+              <a:rPr lang="en-US" sz="1800" dirty="0">
                 <a:solidFill>
                   <a:srgbClr val="343A40"/>
                 </a:solidFill>
@@ -41634,21 +40871,10 @@
                 <a:ea typeface="Times New Roman" panose="02020603050405020304" pitchFamily="18" charset="0"/>
                 <a:cs typeface="Times New Roman" panose="02020603050405020304" pitchFamily="18" charset="0"/>
               </a:rPr>
-              <a:t>trong</a:t>
-            </a:r>
-            <a:r>
-              <a:rPr lang="en-US" sz="1800" dirty="0" smtClean="0">
-                <a:solidFill>
-                  <a:srgbClr val="343A40"/>
-                </a:solidFill>
-                <a:latin typeface="Segoe UI" panose="020B0502040204020203" pitchFamily="34" charset="0"/>
-                <a:ea typeface="Times New Roman" panose="02020603050405020304" pitchFamily="18" charset="0"/>
-                <a:cs typeface="Times New Roman" panose="02020603050405020304" pitchFamily="18" charset="0"/>
-              </a:rPr>
-              <a:t> </a:t>
-            </a:r>
-            <a:r>
-              <a:rPr lang="en-US" sz="1800" dirty="0" err="1" smtClean="0">
+              <a:t> </a:t>
+            </a:r>
+            <a:r>
+              <a:rPr lang="en-US" sz="1800" dirty="0" err="1">
                 <a:solidFill>
                   <a:srgbClr val="343A40"/>
                 </a:solidFill>
@@ -41696,39 +40922,39 @@
               </a:spcAft>
             </a:pPr>
             <a:r>
-              <a:rPr lang="en-US" sz="1800" b="1" dirty="0" err="1" smtClean="0"/>
+              <a:rPr lang="en-US" sz="1800" b="1" dirty="0" err="1"/>
               <a:t>Truy</a:t>
             </a:r>
             <a:r>
-              <a:rPr lang="en-US" sz="1800" b="1" dirty="0" smtClean="0"/>
-              <a:t> </a:t>
-            </a:r>
-            <a:r>
-              <a:rPr lang="en-US" sz="1800" b="1" dirty="0" err="1" smtClean="0"/>
+              <a:rPr lang="en-US" sz="1800" b="1" dirty="0"/>
+              <a:t> </a:t>
+            </a:r>
+            <a:r>
+              <a:rPr lang="en-US" sz="1800" b="1" dirty="0" err="1"/>
               <a:t>cập</a:t>
             </a:r>
             <a:r>
-              <a:rPr lang="en-US" sz="1800" b="1" dirty="0" smtClean="0"/>
-              <a:t> </a:t>
-            </a:r>
-            <a:r>
-              <a:rPr lang="en-US" sz="1800" b="1" dirty="0" err="1" smtClean="0"/>
+              <a:rPr lang="en-US" sz="1800" b="1" dirty="0"/>
+              <a:t> </a:t>
+            </a:r>
+            <a:r>
+              <a:rPr lang="en-US" sz="1800" b="1" dirty="0" err="1"/>
               <a:t>phần</a:t>
             </a:r>
             <a:r>
-              <a:rPr lang="en-US" sz="1800" b="1" dirty="0" smtClean="0"/>
-              <a:t> </a:t>
-            </a:r>
-            <a:r>
-              <a:rPr lang="en-US" sz="1800" b="1" dirty="0" err="1" smtClean="0"/>
+              <a:rPr lang="en-US" sz="1800" b="1" dirty="0"/>
+              <a:t> </a:t>
+            </a:r>
+            <a:r>
+              <a:rPr lang="en-US" sz="1800" b="1" dirty="0" err="1"/>
               <a:t>tử</a:t>
             </a:r>
             <a:r>
-              <a:rPr lang="en-US" sz="1800" b="1" dirty="0" smtClean="0"/>
-              <a:t> </a:t>
-            </a:r>
-            <a:r>
-              <a:rPr lang="en-US" sz="1800" b="1" dirty="0" err="1" smtClean="0"/>
+              <a:rPr lang="en-US" sz="1800" b="1" dirty="0"/>
+              <a:t> </a:t>
+            </a:r>
+            <a:r>
+              <a:rPr lang="en-US" sz="1800" b="1" dirty="0" err="1"/>
               <a:t>mảng</a:t>
             </a:r>
             <a:endParaRPr lang="en-US" sz="1800" b="1" dirty="0"/>
@@ -41745,13 +40971,6 @@
   <p:clrMapOvr>
     <a:masterClrMapping/>
   </p:clrMapOvr>
-  <p:timing>
-    <p:tnLst>
-      <p:par>
-        <p:cTn id="1" dur="indefinite" restart="never" nodeType="tmRoot"/>
-      </p:par>
-    </p:tnLst>
-  </p:timing>
 </p:sld>
 </file>
 
@@ -41850,11 +41069,7 @@
             </a:pPr>
             <a:r>
               <a:rPr lang="en" dirty="0"/>
-              <a:t>Bài học đề cập tới</a:t>
-            </a:r>
-            <a:r>
-              <a:rPr lang="en" dirty="0" smtClean="0"/>
-              <a:t>:</a:t>
+              <a:t>Bài học đề cập tới:</a:t>
             </a:r>
           </a:p>
           <a:p>
@@ -41911,13 +41126,110 @@
   <p:clrMapOvr>
     <a:masterClrMapping/>
   </p:clrMapOvr>
-  <p:timing>
-    <p:tnLst>
-      <p:par>
-        <p:cTn id="1" dur="indefinite" restart="never" nodeType="tmRoot"/>
-      </p:par>
-    </p:tnLst>
-  </p:timing>
+</p:sld>
+</file>
+
+<file path=ppt/slides/slide61.xml><?xml version="1.0" encoding="utf-8"?>
+<p:sld xmlns:a="http://schemas.openxmlformats.org/drawingml/2006/main" xmlns:r="http://schemas.openxmlformats.org/officeDocument/2006/relationships" xmlns:p="http://schemas.openxmlformats.org/presentationml/2006/main">
+  <p:cSld>
+    <p:spTree>
+      <p:nvGrpSpPr>
+        <p:cNvPr id="1" name=""/>
+        <p:cNvGrpSpPr/>
+        <p:nvPr/>
+      </p:nvGrpSpPr>
+      <p:grpSpPr>
+        <a:xfrm>
+          <a:off x="0" y="0"/>
+          <a:ext cx="0" cy="0"/>
+          <a:chOff x="0" y="0"/>
+          <a:chExt cx="0" cy="0"/>
+        </a:xfrm>
+      </p:grpSpPr>
+      <p:sp>
+        <p:nvSpPr>
+          <p:cNvPr id="2" name="Title 1">
+            <a:extLst>
+              <a:ext uri="{FF2B5EF4-FFF2-40B4-BE49-F238E27FC236}">
+                <a16:creationId xmlns:a16="http://schemas.microsoft.com/office/drawing/2014/main" id="{CF6D12E1-FBF4-CDF1-B80D-910C581441FA}"/>
+              </a:ext>
+            </a:extLst>
+          </p:cNvPr>
+          <p:cNvSpPr>
+            <a:spLocks noGrp="1"/>
+          </p:cNvSpPr>
+          <p:nvPr>
+            <p:ph type="title"/>
+          </p:nvPr>
+        </p:nvSpPr>
+        <p:spPr/>
+        <p:txBody>
+          <a:bodyPr>
+            <a:normAutofit fontScale="90000"/>
+          </a:bodyPr>
+          <a:lstStyle/>
+          <a:p>
+            <a:endParaRPr lang="en-US"/>
+          </a:p>
+        </p:txBody>
+      </p:sp>
+      <p:pic>
+        <p:nvPicPr>
+          <p:cNvPr id="2050" name="Picture 2">
+            <a:extLst>
+              <a:ext uri="{FF2B5EF4-FFF2-40B4-BE49-F238E27FC236}">
+                <a16:creationId xmlns:a16="http://schemas.microsoft.com/office/drawing/2014/main" id="{DEF02AC6-78FC-B7BC-B1CC-891990A6FE59}"/>
+              </a:ext>
+            </a:extLst>
+          </p:cNvPr>
+          <p:cNvPicPr>
+            <a:picLocks noChangeAspect="1" noChangeArrowheads="1"/>
+          </p:cNvPicPr>
+          <p:nvPr/>
+        </p:nvPicPr>
+        <p:blipFill>
+          <a:blip r:embed="rId2">
+            <a:extLst>
+              <a:ext uri="{28A0092B-C50C-407E-A947-70E740481C1C}">
+                <a14:useLocalDpi xmlns:a14="http://schemas.microsoft.com/office/drawing/2010/main" val="0"/>
+              </a:ext>
+            </a:extLst>
+          </a:blip>
+          <a:srcRect/>
+          <a:stretch>
+            <a:fillRect/>
+          </a:stretch>
+        </p:blipFill>
+        <p:spPr bwMode="auto">
+          <a:xfrm>
+            <a:off x="0" y="0"/>
+            <a:ext cx="9144000" cy="5143500"/>
+          </a:xfrm>
+          <a:prstGeom prst="rect">
+            <a:avLst/>
+          </a:prstGeom>
+          <a:noFill/>
+          <a:extLst>
+            <a:ext uri="{909E8E84-426E-40DD-AFC4-6F175D3DCCD1}">
+              <a14:hiddenFill xmlns:a14="http://schemas.microsoft.com/office/drawing/2010/main">
+                <a:solidFill>
+                  <a:srgbClr val="FFFFFF"/>
+                </a:solidFill>
+              </a14:hiddenFill>
+            </a:ext>
+          </a:extLst>
+        </p:spPr>
+      </p:pic>
+    </p:spTree>
+    <p:extLst>
+      <p:ext uri="{BB962C8B-B14F-4D97-AF65-F5344CB8AC3E}">
+        <p14:creationId xmlns:p14="http://schemas.microsoft.com/office/powerpoint/2010/main" val="1171021255"/>
+      </p:ext>
+    </p:extLst>
+  </p:cSld>
+  <p:clrMapOvr>
+    <a:masterClrMapping/>
+  </p:clrMapOvr>
 </p:sld>
 </file>
 
@@ -41951,7 +41263,7 @@
         <p:spPr>
           <a:extLst>
             <a:ext uri="{FAA26D3D-D897-4be2-8F04-BA451C77F1D7}">
-              <ma14:placeholderFlag xmlns:ma14="http://schemas.microsoft.com/office/mac/drawingml/2011/main" xmlns="" val="1"/>
+              <ma14:placeholderFlag xmlns="" xmlns:ma14="http://schemas.microsoft.com/office/mac/drawingml/2011/main" val="1"/>
             </a:ext>
           </a:extLst>
         </p:spPr>
@@ -41962,19 +41274,19 @@
           <a:lstStyle/>
           <a:p>
             <a:r>
-              <a:rPr lang="en-US" altLang="en-US" sz="2700" dirty="0" smtClean="0"/>
+              <a:rPr lang="en-US" altLang="en-US" sz="2700" dirty="0"/>
               <a:t>MẢNG </a:t>
             </a:r>
             <a:r>
-              <a:rPr lang="en-US" altLang="en-US" sz="2700" dirty="0" err="1" smtClean="0"/>
+              <a:rPr lang="en-US" altLang="en-US" sz="2700" dirty="0" err="1"/>
               <a:t>MỘT</a:t>
             </a:r>
             <a:r>
-              <a:rPr lang="en-US" altLang="en-US" sz="2700" dirty="0" smtClean="0"/>
-              <a:t> </a:t>
-            </a:r>
-            <a:r>
-              <a:rPr lang="en-US" altLang="en-US" sz="2700" dirty="0" err="1" smtClean="0"/>
+              <a:rPr lang="en-US" altLang="en-US" sz="2700" dirty="0"/>
+              <a:t> </a:t>
+            </a:r>
+            <a:r>
+              <a:rPr lang="en-US" altLang="en-US" sz="2700" dirty="0" err="1"/>
               <a:t>CHIỀU</a:t>
             </a:r>
             <a:endParaRPr lang="en-US" altLang="en-US" sz="2700" dirty="0"/>
@@ -42031,7 +41343,7 @@
               </a:tabLst>
             </a:pPr>
             <a:r>
-              <a:rPr lang="en-US" sz="1800" dirty="0" smtClean="0">
+              <a:rPr lang="en-US" sz="1800" dirty="0">
                 <a:solidFill>
                   <a:srgbClr val="333333"/>
                 </a:solidFill>
@@ -42039,10 +41351,10 @@
                 <a:ea typeface="Times New Roman" panose="02020603050405020304" pitchFamily="18" charset="0"/>
                 <a:cs typeface="Times New Roman" panose="02020603050405020304" pitchFamily="18" charset="0"/>
               </a:rPr>
-              <a:t>int</a:t>
-            </a:r>
-            <a:r>
-              <a:rPr lang="en-US" sz="1800" dirty="0">
+              <a:t>int[] </a:t>
+            </a:r>
+            <a:r>
+              <a:rPr lang="en-US" sz="1800" dirty="0" err="1">
                 <a:solidFill>
                   <a:srgbClr val="333333"/>
                 </a:solidFill>
@@ -42050,10 +41362,10 @@
                 <a:ea typeface="Times New Roman" panose="02020603050405020304" pitchFamily="18" charset="0"/>
                 <a:cs typeface="Times New Roman" panose="02020603050405020304" pitchFamily="18" charset="0"/>
               </a:rPr>
-              <a:t>[] </a:t>
-            </a:r>
-            <a:r>
-              <a:rPr lang="en-US" sz="1800" dirty="0" err="1">
+              <a:t>arrEx</a:t>
+            </a:r>
+            <a:r>
+              <a:rPr lang="en-US" sz="1800" dirty="0">
                 <a:solidFill>
                   <a:srgbClr val="333333"/>
                 </a:solidFill>
@@ -42061,29 +41373,7 @@
                 <a:ea typeface="Times New Roman" panose="02020603050405020304" pitchFamily="18" charset="0"/>
                 <a:cs typeface="Times New Roman" panose="02020603050405020304" pitchFamily="18" charset="0"/>
               </a:rPr>
-              <a:t>arrEx</a:t>
-            </a:r>
-            <a:r>
-              <a:rPr lang="en-US" sz="1800" dirty="0">
-                <a:solidFill>
-                  <a:srgbClr val="333333"/>
-                </a:solidFill>
-                <a:latin typeface="Courier New" panose="02070309020205020404" pitchFamily="49" charset="0"/>
-                <a:ea typeface="Times New Roman" panose="02020603050405020304" pitchFamily="18" charset="0"/>
-                <a:cs typeface="Times New Roman" panose="02020603050405020304" pitchFamily="18" charset="0"/>
-              </a:rPr>
-              <a:t> = new int[4</a:t>
-            </a:r>
-            <a:r>
-              <a:rPr lang="en-US" sz="1800" dirty="0" smtClean="0">
-                <a:solidFill>
-                  <a:srgbClr val="333333"/>
-                </a:solidFill>
-                <a:latin typeface="Courier New" panose="02070309020205020404" pitchFamily="49" charset="0"/>
-                <a:ea typeface="Times New Roman" panose="02020603050405020304" pitchFamily="18" charset="0"/>
-                <a:cs typeface="Times New Roman" panose="02020603050405020304" pitchFamily="18" charset="0"/>
-              </a:rPr>
-              <a:t>];</a:t>
+              <a:t> = new int[4];</a:t>
             </a:r>
             <a:endParaRPr lang="en-US" sz="1800" dirty="0">
               <a:effectLst/>
@@ -42165,7 +41455,7 @@
               </a:tabLst>
             </a:pPr>
             <a:r>
-              <a:rPr lang="en-US" sz="1800" dirty="0" err="1" smtClean="0">
+              <a:rPr lang="en-US" sz="1800" dirty="0" err="1">
                 <a:solidFill>
                   <a:srgbClr val="333333"/>
                 </a:solidFill>
@@ -42176,7 +41466,7 @@
               <a:t>arrEx</a:t>
             </a:r>
             <a:r>
-              <a:rPr lang="en-US" sz="1800" dirty="0" smtClean="0">
+              <a:rPr lang="en-US" sz="1800" dirty="0">
                 <a:solidFill>
                   <a:srgbClr val="333333"/>
                 </a:solidFill>
@@ -42184,18 +41474,7 @@
                 <a:ea typeface="Times New Roman" panose="02020603050405020304" pitchFamily="18" charset="0"/>
                 <a:cs typeface="Times New Roman" panose="02020603050405020304" pitchFamily="18" charset="0"/>
               </a:rPr>
-              <a:t>[0</a:t>
-            </a:r>
-            <a:r>
-              <a:rPr lang="en-US" sz="1800" dirty="0">
-                <a:solidFill>
-                  <a:srgbClr val="333333"/>
-                </a:solidFill>
-                <a:latin typeface="Courier New" panose="02070309020205020404" pitchFamily="49" charset="0"/>
-                <a:ea typeface="Times New Roman" panose="02020603050405020304" pitchFamily="18" charset="0"/>
-                <a:cs typeface="Times New Roman" panose="02020603050405020304" pitchFamily="18" charset="0"/>
-              </a:rPr>
-              <a:t>] = 22; </a:t>
+              <a:t>[0] = 22; </a:t>
             </a:r>
           </a:p>
           <a:p>
@@ -42542,13 +41821,6 @@
   <p:clrMapOvr>
     <a:masterClrMapping/>
   </p:clrMapOvr>
-  <p:timing>
-    <p:tnLst>
-      <p:par>
-        <p:cTn id="1" dur="indefinite" restart="never" nodeType="tmRoot"/>
-      </p:par>
-    </p:tnLst>
-  </p:timing>
 </p:sld>
 </file>
 
@@ -42582,7 +41854,7 @@
         <p:spPr>
           <a:extLst>
             <a:ext uri="{FAA26D3D-D897-4be2-8F04-BA451C77F1D7}">
-              <ma14:placeholderFlag xmlns:ma14="http://schemas.microsoft.com/office/mac/drawingml/2011/main" xmlns="" val="1"/>
+              <ma14:placeholderFlag xmlns="" xmlns:ma14="http://schemas.microsoft.com/office/mac/drawingml/2011/main" val="1"/>
             </a:ext>
           </a:extLst>
         </p:spPr>
@@ -42593,19 +41865,19 @@
           <a:lstStyle/>
           <a:p>
             <a:r>
-              <a:rPr lang="en-US" altLang="en-US" sz="2700" dirty="0" smtClean="0"/>
+              <a:rPr lang="en-US" altLang="en-US" sz="2700" dirty="0"/>
               <a:t>MẢNG </a:t>
             </a:r>
             <a:r>
-              <a:rPr lang="en-US" altLang="en-US" sz="2700" dirty="0" err="1" smtClean="0"/>
+              <a:rPr lang="en-US" altLang="en-US" sz="2700" dirty="0" err="1"/>
               <a:t>MỘT</a:t>
             </a:r>
             <a:r>
-              <a:rPr lang="en-US" altLang="en-US" sz="2700" dirty="0" smtClean="0"/>
-              <a:t> </a:t>
-            </a:r>
-            <a:r>
-              <a:rPr lang="en-US" altLang="en-US" sz="2700" dirty="0" err="1" smtClean="0"/>
+              <a:rPr lang="en-US" altLang="en-US" sz="2700" dirty="0"/>
+              <a:t> </a:t>
+            </a:r>
+            <a:r>
+              <a:rPr lang="en-US" altLang="en-US" sz="2700" dirty="0" err="1"/>
               <a:t>CHIỀU</a:t>
             </a:r>
             <a:endParaRPr lang="en-US" altLang="en-US" sz="2700" dirty="0"/>
@@ -42662,7 +41934,7 @@
               </a:tabLst>
             </a:pPr>
             <a:r>
-              <a:rPr lang="en-US" sz="1800" dirty="0" smtClean="0">
+              <a:rPr lang="en-US" sz="1800" dirty="0">
                 <a:solidFill>
                   <a:srgbClr val="333333"/>
                 </a:solidFill>
@@ -42670,18 +41942,7 @@
                 <a:ea typeface="Times New Roman" panose="02020603050405020304" pitchFamily="18" charset="0"/>
                 <a:cs typeface="Times New Roman" panose="02020603050405020304" pitchFamily="18" charset="0"/>
               </a:rPr>
-              <a:t>data_type</a:t>
-            </a:r>
-            <a:r>
-              <a:rPr lang="en-US" sz="1800" dirty="0">
-                <a:solidFill>
-                  <a:srgbClr val="333333"/>
-                </a:solidFill>
-                <a:latin typeface="Courier New" panose="02070309020205020404" pitchFamily="49" charset="0"/>
-                <a:ea typeface="Times New Roman" panose="02020603050405020304" pitchFamily="18" charset="0"/>
-                <a:cs typeface="Times New Roman" panose="02020603050405020304" pitchFamily="18" charset="0"/>
-              </a:rPr>
-              <a:t>[] name = {value-1, value-2, ...};</a:t>
+              <a:t>data_type[] name = {value-1, value-2, ...};</a:t>
             </a:r>
           </a:p>
           <a:p>
@@ -42829,10 +42090,10 @@
                 <a:ea typeface="Times New Roman" panose="02020603050405020304" pitchFamily="18" charset="0"/>
                 <a:cs typeface="Times New Roman" panose="02020603050405020304" pitchFamily="18" charset="0"/>
               </a:rPr>
-              <a:t>: </a:t>
-            </a:r>
-            <a:r>
-              <a:rPr lang="en-US" sz="1800" dirty="0" smtClean="0">
+              <a:t>: C</a:t>
+            </a:r>
+            <a:r>
+              <a:rPr lang="vi-VN" sz="1800" dirty="0">
                 <a:solidFill>
                   <a:srgbClr val="343A40"/>
                 </a:solidFill>
@@ -42840,40 +42101,7 @@
                 <a:ea typeface="Times New Roman" panose="02020603050405020304" pitchFamily="18" charset="0"/>
                 <a:cs typeface="Times New Roman" panose="02020603050405020304" pitchFamily="18" charset="0"/>
               </a:rPr>
-              <a:t>C</a:t>
-            </a:r>
-            <a:r>
-              <a:rPr lang="vi-VN" sz="1800" dirty="0" smtClean="0">
-                <a:solidFill>
-                  <a:srgbClr val="343A40"/>
-                </a:solidFill>
-                <a:latin typeface="Segoe UI" panose="020B0502040204020203" pitchFamily="34" charset="0"/>
-                <a:ea typeface="Times New Roman" panose="02020603050405020304" pitchFamily="18" charset="0"/>
-                <a:cs typeface="Times New Roman" panose="02020603050405020304" pitchFamily="18" charset="0"/>
-              </a:rPr>
-              <a:t>ác </a:t>
-            </a:r>
-            <a:r>
-              <a:rPr lang="vi-VN" sz="1800" dirty="0">
-                <a:solidFill>
-                  <a:srgbClr val="343A40"/>
-                </a:solidFill>
-                <a:latin typeface="Segoe UI" panose="020B0502040204020203" pitchFamily="34" charset="0"/>
-                <a:ea typeface="Times New Roman" panose="02020603050405020304" pitchFamily="18" charset="0"/>
-                <a:cs typeface="Times New Roman" panose="02020603050405020304" pitchFamily="18" charset="0"/>
-              </a:rPr>
-              <a:t>phần tử của mảng được gán giá trị lần lượt là value-1, value-2, </a:t>
-            </a:r>
-            <a:r>
-              <a:rPr lang="vi-VN" sz="1800" dirty="0" smtClean="0">
-                <a:solidFill>
-                  <a:srgbClr val="343A40"/>
-                </a:solidFill>
-                <a:latin typeface="Segoe UI" panose="020B0502040204020203" pitchFamily="34" charset="0"/>
-                <a:ea typeface="Times New Roman" panose="02020603050405020304" pitchFamily="18" charset="0"/>
-                <a:cs typeface="Times New Roman" panose="02020603050405020304" pitchFamily="18" charset="0"/>
-              </a:rPr>
-              <a:t>...</a:t>
+              <a:t>ác phần tử của mảng được gán giá trị lần lượt là value-1, value-2, ...</a:t>
             </a:r>
             <a:endParaRPr lang="en-US" sz="1800" dirty="0">
               <a:latin typeface="Calibri" panose="020F0502020204030204" pitchFamily="34" charset="0"/>
@@ -42933,7 +42161,7 @@
               </a:tabLst>
             </a:pPr>
             <a:r>
-              <a:rPr lang="en-US" sz="1800" dirty="0" smtClean="0">
+              <a:rPr lang="en-US" sz="1800" dirty="0">
                 <a:solidFill>
                   <a:srgbClr val="333333"/>
                 </a:solidFill>
@@ -42941,18 +42169,7 @@
                 <a:ea typeface="Times New Roman" panose="02020603050405020304" pitchFamily="18" charset="0"/>
                 <a:cs typeface="Times New Roman" panose="02020603050405020304" pitchFamily="18" charset="0"/>
               </a:rPr>
-              <a:t>int</a:t>
-            </a:r>
-            <a:r>
-              <a:rPr lang="en-US" sz="1800" dirty="0">
-                <a:solidFill>
-                  <a:srgbClr val="333333"/>
-                </a:solidFill>
-                <a:latin typeface="Courier New" panose="02070309020205020404" pitchFamily="49" charset="0"/>
-                <a:ea typeface="Times New Roman" panose="02020603050405020304" pitchFamily="18" charset="0"/>
-                <a:cs typeface="Times New Roman" panose="02020603050405020304" pitchFamily="18" charset="0"/>
-              </a:rPr>
-              <a:t>[] </a:t>
+              <a:t>int[] </a:t>
             </a:r>
             <a:r>
               <a:rPr lang="en-US" sz="1800" dirty="0" err="1">
@@ -43142,13 +42359,6 @@
   <p:clrMapOvr>
     <a:masterClrMapping/>
   </p:clrMapOvr>
-  <p:timing>
-    <p:tnLst>
-      <p:par>
-        <p:cTn id="1" dur="indefinite" restart="never" nodeType="tmRoot"/>
-      </p:par>
-    </p:tnLst>
-  </p:timing>
 </p:sld>
 </file>
 
@@ -43182,7 +42392,7 @@
         <p:spPr>
           <a:extLst>
             <a:ext uri="{FAA26D3D-D897-4be2-8F04-BA451C77F1D7}">
-              <ma14:placeholderFlag xmlns:ma14="http://schemas.microsoft.com/office/mac/drawingml/2011/main" xmlns="" val="1"/>
+              <ma14:placeholderFlag xmlns="" xmlns:ma14="http://schemas.microsoft.com/office/mac/drawingml/2011/main" val="1"/>
             </a:ext>
           </a:extLst>
         </p:spPr>
@@ -43193,19 +42403,19 @@
           <a:lstStyle/>
           <a:p>
             <a:r>
-              <a:rPr lang="en-US" altLang="en-US" sz="2700" dirty="0" smtClean="0"/>
+              <a:rPr lang="en-US" altLang="en-US" sz="2700" dirty="0"/>
               <a:t>MẢNG </a:t>
             </a:r>
             <a:r>
-              <a:rPr lang="en-US" altLang="en-US" sz="2700" dirty="0" err="1" smtClean="0"/>
+              <a:rPr lang="en-US" altLang="en-US" sz="2700" dirty="0" err="1"/>
               <a:t>MỘT</a:t>
             </a:r>
             <a:r>
-              <a:rPr lang="en-US" altLang="en-US" sz="2700" dirty="0" smtClean="0"/>
-              <a:t> </a:t>
-            </a:r>
-            <a:r>
-              <a:rPr lang="en-US" altLang="en-US" sz="2700" dirty="0" err="1" smtClean="0"/>
+              <a:rPr lang="en-US" altLang="en-US" sz="2700" dirty="0"/>
+              <a:t> </a:t>
+            </a:r>
+            <a:r>
+              <a:rPr lang="en-US" altLang="en-US" sz="2700" dirty="0" err="1"/>
               <a:t>CHIỀU</a:t>
             </a:r>
             <a:endParaRPr lang="en-US" altLang="en-US" sz="2700" dirty="0"/>
@@ -43242,7 +42452,7 @@
               </a:spcAft>
             </a:pPr>
             <a:r>
-              <a:rPr lang="en-US" sz="1800" b="1" dirty="0" smtClean="0">
+              <a:rPr lang="en-US" sz="1800" b="1" dirty="0">
                 <a:solidFill>
                   <a:srgbClr val="343A40"/>
                 </a:solidFill>
@@ -43253,7 +42463,7 @@
               <a:t>G</a:t>
             </a:r>
             <a:r>
-              <a:rPr lang="vi-VN" sz="1800" b="1" dirty="0" smtClean="0">
+              <a:rPr lang="vi-VN" sz="1800" b="1" dirty="0">
                 <a:solidFill>
                   <a:srgbClr val="343A40"/>
                 </a:solidFill>
@@ -43261,31 +42471,9 @@
                 <a:ea typeface="Times New Roman" panose="02020603050405020304" pitchFamily="18" charset="0"/>
                 <a:cs typeface="Times New Roman" panose="02020603050405020304" pitchFamily="18" charset="0"/>
               </a:rPr>
-              <a:t>iá </a:t>
-            </a:r>
-            <a:r>
-              <a:rPr lang="vi-VN" sz="1800" b="1" dirty="0">
-                <a:solidFill>
-                  <a:srgbClr val="343A40"/>
-                </a:solidFill>
-                <a:latin typeface="Segoe UI" panose="020B0502040204020203" pitchFamily="34" charset="0"/>
-                <a:ea typeface="Times New Roman" panose="02020603050405020304" pitchFamily="18" charset="0"/>
-                <a:cs typeface="Times New Roman" panose="02020603050405020304" pitchFamily="18" charset="0"/>
-              </a:rPr>
-              <a:t>trị mặc </a:t>
-            </a:r>
-            <a:r>
-              <a:rPr lang="vi-VN" sz="1800" b="1" dirty="0" smtClean="0">
-                <a:solidFill>
-                  <a:srgbClr val="343A40"/>
-                </a:solidFill>
-                <a:latin typeface="Segoe UI" panose="020B0502040204020203" pitchFamily="34" charset="0"/>
-                <a:ea typeface="Times New Roman" panose="02020603050405020304" pitchFamily="18" charset="0"/>
-                <a:cs typeface="Times New Roman" panose="02020603050405020304" pitchFamily="18" charset="0"/>
-              </a:rPr>
-              <a:t>định</a:t>
-            </a:r>
-            <a:endParaRPr lang="en-US" sz="1800" b="1" dirty="0" smtClean="0">
+              <a:t>iá trị mặc định</a:t>
+            </a:r>
+            <a:endParaRPr lang="en-US" sz="1800" b="1" dirty="0">
               <a:solidFill>
                 <a:srgbClr val="343A40"/>
               </a:solidFill>
@@ -43304,7 +42492,7 @@
               </a:spcAft>
             </a:pPr>
             <a:r>
-              <a:rPr lang="vi-VN" sz="1800" dirty="0" smtClean="0">
+              <a:rPr lang="vi-VN" sz="1800" dirty="0">
                 <a:solidFill>
                   <a:srgbClr val="343A40"/>
                 </a:solidFill>
@@ -43312,38 +42500,8 @@
                 <a:ea typeface="Times New Roman" panose="02020603050405020304" pitchFamily="18" charset="0"/>
                 <a:cs typeface="Times New Roman" panose="02020603050405020304" pitchFamily="18" charset="0"/>
               </a:rPr>
-              <a:t>Khi </a:t>
-            </a:r>
-            <a:r>
-              <a:rPr lang="vi-VN" sz="1800" dirty="0">
-                <a:solidFill>
-                  <a:srgbClr val="343A40"/>
-                </a:solidFill>
-                <a:latin typeface="Segoe UI" panose="020B0502040204020203" pitchFamily="34" charset="0"/>
-                <a:ea typeface="Times New Roman" panose="02020603050405020304" pitchFamily="18" charset="0"/>
-                <a:cs typeface="Times New Roman" panose="02020603050405020304" pitchFamily="18" charset="0"/>
-              </a:rPr>
-              <a:t>một mảng không được khai báo giá trị mặc định thì Java sẽ gán cho phần tử một giá trị được gọi là giá trị mặc định tùy thuộc vào kiểu dữ liệu của mảng</a:t>
-            </a:r>
-            <a:r>
-              <a:rPr lang="vi-VN" sz="1800" dirty="0" smtClean="0">
-                <a:solidFill>
-                  <a:srgbClr val="343A40"/>
-                </a:solidFill>
-                <a:latin typeface="Segoe UI" panose="020B0502040204020203" pitchFamily="34" charset="0"/>
-                <a:ea typeface="Times New Roman" panose="02020603050405020304" pitchFamily="18" charset="0"/>
-                <a:cs typeface="Times New Roman" panose="02020603050405020304" pitchFamily="18" charset="0"/>
-              </a:rPr>
-              <a:t>.</a:t>
-            </a:r>
-            <a:endParaRPr lang="vi-VN" sz="1800" dirty="0">
-              <a:solidFill>
-                <a:srgbClr val="343A40"/>
-              </a:solidFill>
-              <a:latin typeface="Segoe UI" panose="020B0502040204020203" pitchFamily="34" charset="0"/>
-              <a:ea typeface="Times New Roman" panose="02020603050405020304" pitchFamily="18" charset="0"/>
-              <a:cs typeface="Times New Roman" panose="02020603050405020304" pitchFamily="18" charset="0"/>
-            </a:endParaRPr>
+              <a:t>Khi một mảng không được khai báo giá trị mặc định thì Java sẽ gán cho phần tử một giá trị được gọi là giá trị mặc định tùy thuộc vào kiểu dữ liệu của mảng.</a:t>
+            </a:r>
           </a:p>
         </p:txBody>
       </p:sp>
@@ -43372,8 +42530,20 @@
                 <a:tableStyleId>{5C22544A-7EE6-4342-B048-85BDC9FD1C3A}</a:tableStyleId>
               </a:tblPr>
               <a:tblGrid>
-                <a:gridCol w="3863290"/>
-                <a:gridCol w="2053323"/>
+                <a:gridCol w="3863290">
+                  <a:extLst>
+                    <a:ext uri="{9D8B030D-6E8A-4147-A177-3AD203B41FA5}">
+                      <a16:colId xmlns:a16="http://schemas.microsoft.com/office/drawing/2014/main" val="20000"/>
+                    </a:ext>
+                  </a:extLst>
+                </a:gridCol>
+                <a:gridCol w="2053323">
+                  <a:extLst>
+                    <a:ext uri="{9D8B030D-6E8A-4147-A177-3AD203B41FA5}">
+                      <a16:colId xmlns:a16="http://schemas.microsoft.com/office/drawing/2014/main" val="20001"/>
+                    </a:ext>
+                  </a:extLst>
+                </a:gridCol>
               </a:tblGrid>
               <a:tr h="329153">
                 <a:tc>
@@ -43390,31 +42560,31 @@
                         </a:spcAft>
                       </a:pPr>
                       <a:r>
-                        <a:rPr lang="en-US" sz="1400" dirty="0" err="1" smtClean="0">
+                        <a:rPr lang="en-US" sz="1400" dirty="0" err="1">
                           <a:effectLst/>
                         </a:rPr>
                         <a:t>Kiểu</a:t>
                       </a:r>
                       <a:r>
-                        <a:rPr lang="en-US" sz="1400" baseline="0" dirty="0" smtClean="0">
+                        <a:rPr lang="en-US" sz="1400" baseline="0" dirty="0">
                           <a:effectLst/>
                         </a:rPr>
                         <a:t> </a:t>
                       </a:r>
                       <a:r>
-                        <a:rPr lang="en-US" sz="1400" baseline="0" dirty="0" err="1" smtClean="0">
+                        <a:rPr lang="en-US" sz="1400" baseline="0" dirty="0" err="1">
                           <a:effectLst/>
                         </a:rPr>
                         <a:t>dữ</a:t>
                       </a:r>
                       <a:r>
-                        <a:rPr lang="en-US" sz="1400" baseline="0" dirty="0" smtClean="0">
+                        <a:rPr lang="en-US" sz="1400" baseline="0" dirty="0">
                           <a:effectLst/>
                         </a:rPr>
                         <a:t> </a:t>
                       </a:r>
                       <a:r>
-                        <a:rPr lang="en-US" sz="1400" baseline="0" dirty="0" err="1" smtClean="0">
+                        <a:rPr lang="en-US" sz="1400" baseline="0" dirty="0" err="1">
                           <a:effectLst/>
                         </a:rPr>
                         <a:t>liệu</a:t>
@@ -43449,43 +42619,43 @@
                         </a:spcAft>
                       </a:pPr>
                       <a:r>
-                        <a:rPr lang="en-US" sz="1400" dirty="0" err="1" smtClean="0">
+                        <a:rPr lang="en-US" sz="1400" dirty="0" err="1">
                           <a:effectLst/>
                         </a:rPr>
                         <a:t>Giá</a:t>
                       </a:r>
                       <a:r>
-                        <a:rPr lang="en-US" sz="1400" baseline="0" dirty="0" smtClean="0">
+                        <a:rPr lang="en-US" sz="1400" baseline="0" dirty="0">
                           <a:effectLst/>
                         </a:rPr>
                         <a:t> </a:t>
                       </a:r>
                       <a:r>
-                        <a:rPr lang="en-US" sz="1400" baseline="0" dirty="0" err="1" smtClean="0">
+                        <a:rPr lang="en-US" sz="1400" baseline="0" dirty="0" err="1">
                           <a:effectLst/>
                         </a:rPr>
                         <a:t>trị</a:t>
                       </a:r>
                       <a:r>
-                        <a:rPr lang="en-US" sz="1400" baseline="0" dirty="0" smtClean="0">
+                        <a:rPr lang="en-US" sz="1400" baseline="0" dirty="0">
                           <a:effectLst/>
                         </a:rPr>
                         <a:t> </a:t>
                       </a:r>
                       <a:r>
-                        <a:rPr lang="en-US" sz="1400" baseline="0" dirty="0" err="1" smtClean="0">
+                        <a:rPr lang="en-US" sz="1400" baseline="0" dirty="0" err="1">
                           <a:effectLst/>
                         </a:rPr>
                         <a:t>mặc</a:t>
                       </a:r>
                       <a:r>
-                        <a:rPr lang="en-US" sz="1400" baseline="0" dirty="0" smtClean="0">
+                        <a:rPr lang="en-US" sz="1400" baseline="0" dirty="0">
                           <a:effectLst/>
                         </a:rPr>
                         <a:t> </a:t>
                       </a:r>
                       <a:r>
-                        <a:rPr lang="en-US" sz="1400" baseline="0" dirty="0" err="1" smtClean="0">
+                        <a:rPr lang="en-US" sz="1400" baseline="0" dirty="0" err="1">
                           <a:effectLst/>
                         </a:rPr>
                         <a:t>định</a:t>
@@ -43500,6 +42670,11 @@
                   </a:txBody>
                   <a:tcPr marL="68580" marR="68580" marT="0" marB="0"/>
                 </a:tc>
+                <a:extLst>
+                  <a:ext uri="{0D108BD9-81ED-4DB2-BD59-A6C34878D82A}">
+                    <a16:rowId xmlns:a16="http://schemas.microsoft.com/office/drawing/2014/main" val="10000"/>
+                  </a:ext>
+                </a:extLst>
               </a:tr>
               <a:tr h="329153">
                 <a:tc>
@@ -43560,6 +42735,11 @@
                   </a:txBody>
                   <a:tcPr marL="68580" marR="68580" marT="0" marB="0"/>
                 </a:tc>
+                <a:extLst>
+                  <a:ext uri="{0D108BD9-81ED-4DB2-BD59-A6C34878D82A}">
+                    <a16:rowId xmlns:a16="http://schemas.microsoft.com/office/drawing/2014/main" val="10001"/>
+                  </a:ext>
+                </a:extLst>
               </a:tr>
               <a:tr h="329153">
                 <a:tc>
@@ -43620,6 +42800,11 @@
                   </a:txBody>
                   <a:tcPr marL="68580" marR="68580" marT="0" marB="0"/>
                 </a:tc>
+                <a:extLst>
+                  <a:ext uri="{0D108BD9-81ED-4DB2-BD59-A6C34878D82A}">
+                    <a16:rowId xmlns:a16="http://schemas.microsoft.com/office/drawing/2014/main" val="10002"/>
+                  </a:ext>
+                </a:extLst>
               </a:tr>
               <a:tr h="329153">
                 <a:tc>
@@ -43680,6 +42865,11 @@
                   </a:txBody>
                   <a:tcPr marL="68580" marR="68580" marT="0" marB="0"/>
                 </a:tc>
+                <a:extLst>
+                  <a:ext uri="{0D108BD9-81ED-4DB2-BD59-A6C34878D82A}">
+                    <a16:rowId xmlns:a16="http://schemas.microsoft.com/office/drawing/2014/main" val="10003"/>
+                  </a:ext>
+                </a:extLst>
               </a:tr>
               <a:tr h="329153">
                 <a:tc>
@@ -43740,6 +42930,11 @@
                   </a:txBody>
                   <a:tcPr marL="68580" marR="68580" marT="0" marB="0"/>
                 </a:tc>
+                <a:extLst>
+                  <a:ext uri="{0D108BD9-81ED-4DB2-BD59-A6C34878D82A}">
+                    <a16:rowId xmlns:a16="http://schemas.microsoft.com/office/drawing/2014/main" val="10004"/>
+                  </a:ext>
+                </a:extLst>
               </a:tr>
             </a:tbl>
           </a:graphicData>
@@ -43755,13 +42950,6 @@
   <p:clrMapOvr>
     <a:masterClrMapping/>
   </p:clrMapOvr>
-  <p:timing>
-    <p:tnLst>
-      <p:par>
-        <p:cTn id="1" dur="indefinite" restart="never" nodeType="tmRoot"/>
-      </p:par>
-    </p:tnLst>
-  </p:timing>
 </p:sld>
 </file>
 
